--- a/Documents/Presentation.pptx
+++ b/Documents/Presentation.pptx
@@ -7,9 +7,12 @@
   <p:sldIdLst>
     <p:sldId id="256" r:id="rId2"/>
     <p:sldId id="257" r:id="rId3"/>
-    <p:sldId id="258" r:id="rId4"/>
-    <p:sldId id="259" r:id="rId5"/>
-    <p:sldId id="260" r:id="rId6"/>
+    <p:sldId id="263" r:id="rId4"/>
+    <p:sldId id="261" r:id="rId5"/>
+    <p:sldId id="262" r:id="rId6"/>
+    <p:sldId id="258" r:id="rId7"/>
+    <p:sldId id="259" r:id="rId8"/>
+    <p:sldId id="260" r:id="rId9"/>
   </p:sldIdLst>
   <p:sldSz cx="12192000" cy="6858000"/>
   <p:notesSz cx="6858000" cy="9144000"/>
@@ -3438,10 +3441,10 @@
       </p:sp>
       <p:sp>
         <p:nvSpPr>
-          <p:cNvPr id="3" name="Content Placeholder 2">
-            <a:extLst>
-              <a:ext uri="{FF2B5EF4-FFF2-40B4-BE49-F238E27FC236}">
-                <a16:creationId xmlns:a16="http://schemas.microsoft.com/office/drawing/2014/main" id="{4AC3F812-9493-7A09-9396-EC2266533C85}"/>
+          <p:cNvPr id="4" name="Content Placeholder 3">
+            <a:extLst>
+              <a:ext uri="{FF2B5EF4-FFF2-40B4-BE49-F238E27FC236}">
+                <a16:creationId xmlns:a16="http://schemas.microsoft.com/office/drawing/2014/main" id="{7C502AF5-645B-394B-1693-21B9092D6AC1}"/>
               </a:ext>
             </a:extLst>
           </p:cNvPr>
@@ -3454,10 +3457,95 @@
         </p:nvSpPr>
         <p:spPr/>
         <p:txBody>
-          <a:bodyPr/>
-          <a:lstStyle/>
-          <a:p>
-            <a:endParaRPr lang="en-GB"/>
+          <a:bodyPr>
+            <a:normAutofit fontScale="92500" lnSpcReduction="10000"/>
+          </a:bodyPr>
+          <a:lstStyle/>
+          <a:p>
+            <a:r>
+              <a:rPr lang="en-GB" dirty="0"/>
+              <a:t>Sprint 1:</a:t>
+            </a:r>
+          </a:p>
+          <a:p>
+            <a:pPr lvl="1"/>
+            <a:r>
+              <a:rPr lang="en-GB" dirty="0"/>
+              <a:t>Introduction</a:t>
+            </a:r>
+          </a:p>
+          <a:p>
+            <a:pPr lvl="1"/>
+            <a:r>
+              <a:rPr lang="en-GB" dirty="0"/>
+              <a:t>Project Vision</a:t>
+            </a:r>
+          </a:p>
+          <a:p>
+            <a:pPr lvl="1"/>
+            <a:r>
+              <a:rPr lang="en-GB" dirty="0"/>
+              <a:t>Research Background</a:t>
+            </a:r>
+          </a:p>
+          <a:p>
+            <a:pPr lvl="1"/>
+            <a:r>
+              <a:rPr lang="en-GB" dirty="0"/>
+              <a:t>Create Wireframes</a:t>
+            </a:r>
+          </a:p>
+          <a:p>
+            <a:r>
+              <a:rPr lang="en-GB" dirty="0"/>
+              <a:t>Sprint 2:</a:t>
+            </a:r>
+          </a:p>
+          <a:p>
+            <a:pPr lvl="1"/>
+            <a:r>
+              <a:rPr lang="en-GB" dirty="0"/>
+              <a:t>UML Diagrams</a:t>
+            </a:r>
+          </a:p>
+          <a:p>
+            <a:pPr lvl="1"/>
+            <a:r>
+              <a:rPr lang="en-GB" dirty="0"/>
+              <a:t>Program template:</a:t>
+            </a:r>
+          </a:p>
+          <a:p>
+            <a:pPr lvl="2"/>
+            <a:r>
+              <a:rPr lang="en-GB" dirty="0"/>
+              <a:t>Nav bar</a:t>
+            </a:r>
+          </a:p>
+          <a:p>
+            <a:pPr lvl="2"/>
+            <a:r>
+              <a:rPr lang="en-GB" dirty="0"/>
+              <a:t>Calendar table</a:t>
+            </a:r>
+          </a:p>
+          <a:p>
+            <a:pPr lvl="2"/>
+            <a:r>
+              <a:rPr lang="en-GB" dirty="0"/>
+              <a:t>Log in dialogue</a:t>
+            </a:r>
+          </a:p>
+          <a:p>
+            <a:pPr lvl="2"/>
+            <a:r>
+              <a:rPr lang="en-GB" dirty="0"/>
+              <a:t>Register dialogue</a:t>
+            </a:r>
+          </a:p>
+          <a:p>
+            <a:pPr lvl="1"/>
+            <a:endParaRPr lang="en-GB" dirty="0"/>
           </a:p>
         </p:txBody>
       </p:sp>
@@ -3496,7 +3584,7 @@
           <p:cNvPr id="2" name="Title 1">
             <a:extLst>
               <a:ext uri="{FF2B5EF4-FFF2-40B4-BE49-F238E27FC236}">
-                <a16:creationId xmlns:a16="http://schemas.microsoft.com/office/drawing/2014/main" id="{584CFF0E-492F-16F1-6C1D-73B901D82D0C}"/>
+                <a16:creationId xmlns:a16="http://schemas.microsoft.com/office/drawing/2014/main" id="{B6694341-4623-9638-2F74-6C0F8FDC1D7A}"/>
               </a:ext>
             </a:extLst>
           </p:cNvPr>
@@ -3514,7 +3602,7 @@
           <a:p>
             <a:r>
               <a:rPr lang="en-GB" dirty="0"/>
-              <a:t>UML diagrams</a:t>
+              <a:t>Project Plan and Sprints</a:t>
             </a:r>
           </a:p>
         </p:txBody>
@@ -3524,7 +3612,7 @@
           <p:cNvPr id="3" name="Content Placeholder 2">
             <a:extLst>
               <a:ext uri="{FF2B5EF4-FFF2-40B4-BE49-F238E27FC236}">
-                <a16:creationId xmlns:a16="http://schemas.microsoft.com/office/drawing/2014/main" id="{C45BDFBE-20DC-141E-7C31-5D44ACB91465}"/>
+                <a16:creationId xmlns:a16="http://schemas.microsoft.com/office/drawing/2014/main" id="{9B8B81C2-8488-7700-778B-13F2EFAC6481}"/>
               </a:ext>
             </a:extLst>
           </p:cNvPr>
@@ -3540,14 +3628,77 @@
           <a:bodyPr/>
           <a:lstStyle/>
           <a:p>
-            <a:endParaRPr lang="en-GB"/>
+            <a:r>
+              <a:rPr lang="en-GB" dirty="0"/>
+              <a:t>Sprint 3:</a:t>
+            </a:r>
+          </a:p>
+          <a:p>
+            <a:pPr lvl="1"/>
+            <a:r>
+              <a:rPr lang="en-GB" dirty="0"/>
+              <a:t>JavaScript function for putting dates </a:t>
+            </a:r>
+            <a:r>
+              <a:rPr lang="en-GB"/>
+              <a:t>in calendar</a:t>
+            </a:r>
+            <a:endParaRPr lang="en-GB" dirty="0"/>
+          </a:p>
+          <a:p>
+            <a:pPr lvl="1"/>
+            <a:r>
+              <a:rPr lang="en-GB" dirty="0"/>
+              <a:t>Function for navigating calendar</a:t>
+            </a:r>
+          </a:p>
+          <a:p>
+            <a:pPr lvl="1"/>
+            <a:r>
+              <a:rPr lang="en-GB" dirty="0"/>
+              <a:t>Highlight current date</a:t>
+            </a:r>
+          </a:p>
+          <a:p>
+            <a:r>
+              <a:rPr lang="en-GB" dirty="0"/>
+              <a:t>Sprint 4:</a:t>
+            </a:r>
+          </a:p>
+          <a:p>
+            <a:pPr lvl="1"/>
+            <a:r>
+              <a:rPr lang="en-GB" dirty="0"/>
+              <a:t>Create NodeJS server</a:t>
+            </a:r>
+          </a:p>
+          <a:p>
+            <a:pPr lvl="1"/>
+            <a:r>
+              <a:rPr lang="en-GB" dirty="0"/>
+              <a:t>Server-side log in function</a:t>
+            </a:r>
+          </a:p>
+          <a:p>
+            <a:pPr lvl="1"/>
+            <a:r>
+              <a:rPr lang="en-GB" dirty="0"/>
+              <a:t>Client-side log in function</a:t>
+            </a:r>
+          </a:p>
+          <a:p>
+            <a:pPr lvl="1"/>
+            <a:r>
+              <a:rPr lang="en-GB" dirty="0"/>
+              <a:t>Server-side register function</a:t>
+            </a:r>
           </a:p>
         </p:txBody>
       </p:sp>
     </p:spTree>
     <p:extLst>
       <p:ext uri="{BB962C8B-B14F-4D97-AF65-F5344CB8AC3E}">
-        <p14:creationId xmlns:p14="http://schemas.microsoft.com/office/powerpoint/2010/main" val="905127949"/>
+        <p14:creationId xmlns:p14="http://schemas.microsoft.com/office/powerpoint/2010/main" val="698547498"/>
       </p:ext>
     </p:extLst>
   </p:cSld>
@@ -3579,6 +3730,307 @@
           <p:cNvPr id="2" name="Title 1">
             <a:extLst>
               <a:ext uri="{FF2B5EF4-FFF2-40B4-BE49-F238E27FC236}">
+                <a16:creationId xmlns:a16="http://schemas.microsoft.com/office/drawing/2014/main" id="{B6694341-4623-9638-2F74-6C0F8FDC1D7A}"/>
+              </a:ext>
+            </a:extLst>
+          </p:cNvPr>
+          <p:cNvSpPr>
+            <a:spLocks noGrp="1"/>
+          </p:cNvSpPr>
+          <p:nvPr>
+            <p:ph type="title"/>
+          </p:nvPr>
+        </p:nvSpPr>
+        <p:spPr/>
+        <p:txBody>
+          <a:bodyPr/>
+          <a:lstStyle/>
+          <a:p>
+            <a:r>
+              <a:rPr lang="en-GB" dirty="0"/>
+              <a:t>Project Plan and Sprints</a:t>
+            </a:r>
+          </a:p>
+        </p:txBody>
+      </p:sp>
+      <p:sp>
+        <p:nvSpPr>
+          <p:cNvPr id="3" name="Content Placeholder 2">
+            <a:extLst>
+              <a:ext uri="{FF2B5EF4-FFF2-40B4-BE49-F238E27FC236}">
+                <a16:creationId xmlns:a16="http://schemas.microsoft.com/office/drawing/2014/main" id="{9B8B81C2-8488-7700-778B-13F2EFAC6481}"/>
+              </a:ext>
+            </a:extLst>
+          </p:cNvPr>
+          <p:cNvSpPr>
+            <a:spLocks noGrp="1"/>
+          </p:cNvSpPr>
+          <p:nvPr>
+            <p:ph idx="1"/>
+          </p:nvPr>
+        </p:nvSpPr>
+        <p:spPr/>
+        <p:txBody>
+          <a:bodyPr/>
+          <a:lstStyle/>
+          <a:p>
+            <a:r>
+              <a:rPr lang="en-GB" dirty="0"/>
+              <a:t>Sprint 5:</a:t>
+            </a:r>
+          </a:p>
+          <a:p>
+            <a:pPr lvl="1"/>
+            <a:r>
+              <a:rPr lang="en-GB" dirty="0"/>
+              <a:t>Client-side register function</a:t>
+            </a:r>
+          </a:p>
+          <a:p>
+            <a:pPr lvl="1"/>
+            <a:r>
+              <a:rPr lang="en-GB" dirty="0"/>
+              <a:t>Server-side new reminder function</a:t>
+            </a:r>
+          </a:p>
+        </p:txBody>
+      </p:sp>
+    </p:spTree>
+    <p:extLst>
+      <p:ext uri="{BB962C8B-B14F-4D97-AF65-F5344CB8AC3E}">
+        <p14:creationId xmlns:p14="http://schemas.microsoft.com/office/powerpoint/2010/main" val="3577173826"/>
+      </p:ext>
+    </p:extLst>
+  </p:cSld>
+  <p:clrMapOvr>
+    <a:masterClrMapping/>
+  </p:clrMapOvr>
+</p:sld>
+</file>
+
+<file path=ppt/slides/slide5.xml><?xml version="1.0" encoding="utf-8"?>
+<p:sld xmlns:a="http://schemas.openxmlformats.org/drawingml/2006/main" xmlns:r="http://schemas.openxmlformats.org/officeDocument/2006/relationships" xmlns:p="http://schemas.openxmlformats.org/presentationml/2006/main">
+  <p:cSld>
+    <p:spTree>
+      <p:nvGrpSpPr>
+        <p:cNvPr id="1" name=""/>
+        <p:cNvGrpSpPr/>
+        <p:nvPr/>
+      </p:nvGrpSpPr>
+      <p:grpSpPr>
+        <a:xfrm>
+          <a:off x="0" y="0"/>
+          <a:ext cx="0" cy="0"/>
+          <a:chOff x="0" y="0"/>
+          <a:chExt cx="0" cy="0"/>
+        </a:xfrm>
+      </p:grpSpPr>
+      <p:sp>
+        <p:nvSpPr>
+          <p:cNvPr id="2" name="Title 1">
+            <a:extLst>
+              <a:ext uri="{FF2B5EF4-FFF2-40B4-BE49-F238E27FC236}">
+                <a16:creationId xmlns:a16="http://schemas.microsoft.com/office/drawing/2014/main" id="{B6694341-4623-9638-2F74-6C0F8FDC1D7A}"/>
+              </a:ext>
+            </a:extLst>
+          </p:cNvPr>
+          <p:cNvSpPr>
+            <a:spLocks noGrp="1"/>
+          </p:cNvSpPr>
+          <p:nvPr>
+            <p:ph type="title"/>
+          </p:nvPr>
+        </p:nvSpPr>
+        <p:spPr/>
+        <p:txBody>
+          <a:bodyPr/>
+          <a:lstStyle/>
+          <a:p>
+            <a:r>
+              <a:rPr lang="en-GB" dirty="0"/>
+              <a:t>Project Plan and Sprints</a:t>
+            </a:r>
+          </a:p>
+        </p:txBody>
+      </p:sp>
+      <p:sp>
+        <p:nvSpPr>
+          <p:cNvPr id="3" name="Content Placeholder 2">
+            <a:extLst>
+              <a:ext uri="{FF2B5EF4-FFF2-40B4-BE49-F238E27FC236}">
+                <a16:creationId xmlns:a16="http://schemas.microsoft.com/office/drawing/2014/main" id="{9B8B81C2-8488-7700-778B-13F2EFAC6481}"/>
+              </a:ext>
+            </a:extLst>
+          </p:cNvPr>
+          <p:cNvSpPr>
+            <a:spLocks noGrp="1"/>
+          </p:cNvSpPr>
+          <p:nvPr>
+            <p:ph idx="1"/>
+          </p:nvPr>
+        </p:nvSpPr>
+        <p:spPr/>
+        <p:txBody>
+          <a:bodyPr/>
+          <a:lstStyle/>
+          <a:p>
+            <a:endParaRPr lang="en-GB"/>
+          </a:p>
+        </p:txBody>
+      </p:sp>
+    </p:spTree>
+    <p:extLst>
+      <p:ext uri="{BB962C8B-B14F-4D97-AF65-F5344CB8AC3E}">
+        <p14:creationId xmlns:p14="http://schemas.microsoft.com/office/powerpoint/2010/main" val="1875566125"/>
+      </p:ext>
+    </p:extLst>
+  </p:cSld>
+  <p:clrMapOvr>
+    <a:masterClrMapping/>
+  </p:clrMapOvr>
+</p:sld>
+</file>
+
+<file path=ppt/slides/slide6.xml><?xml version="1.0" encoding="utf-8"?>
+<p:sld xmlns:a="http://schemas.openxmlformats.org/drawingml/2006/main" xmlns:r="http://schemas.openxmlformats.org/officeDocument/2006/relationships" xmlns:p="http://schemas.openxmlformats.org/presentationml/2006/main">
+  <p:cSld>
+    <p:spTree>
+      <p:nvGrpSpPr>
+        <p:cNvPr id="1" name=""/>
+        <p:cNvGrpSpPr/>
+        <p:nvPr/>
+      </p:nvGrpSpPr>
+      <p:grpSpPr>
+        <a:xfrm>
+          <a:off x="0" y="0"/>
+          <a:ext cx="0" cy="0"/>
+          <a:chOff x="0" y="0"/>
+          <a:chExt cx="0" cy="0"/>
+        </a:xfrm>
+      </p:grpSpPr>
+      <p:sp>
+        <p:nvSpPr>
+          <p:cNvPr id="2" name="Title 1">
+            <a:extLst>
+              <a:ext uri="{FF2B5EF4-FFF2-40B4-BE49-F238E27FC236}">
+                <a16:creationId xmlns:a16="http://schemas.microsoft.com/office/drawing/2014/main" id="{584CFF0E-492F-16F1-6C1D-73B901D82D0C}"/>
+              </a:ext>
+            </a:extLst>
+          </p:cNvPr>
+          <p:cNvSpPr>
+            <a:spLocks noGrp="1"/>
+          </p:cNvSpPr>
+          <p:nvPr>
+            <p:ph type="title"/>
+          </p:nvPr>
+        </p:nvSpPr>
+        <p:spPr/>
+        <p:txBody>
+          <a:bodyPr/>
+          <a:lstStyle/>
+          <a:p>
+            <a:r>
+              <a:rPr lang="en-GB" dirty="0"/>
+              <a:t>UML diagrams</a:t>
+            </a:r>
+          </a:p>
+        </p:txBody>
+      </p:sp>
+      <p:pic>
+        <p:nvPicPr>
+          <p:cNvPr id="4" name="Picture 3" descr="A screenshot of a computer program&#10;&#10;Description automatically generated">
+            <a:extLst>
+              <a:ext uri="{FF2B5EF4-FFF2-40B4-BE49-F238E27FC236}">
+                <a16:creationId xmlns:a16="http://schemas.microsoft.com/office/drawing/2014/main" id="{7F59D01A-7A42-BBDB-7833-C1105E73E5E9}"/>
+              </a:ext>
+            </a:extLst>
+          </p:cNvPr>
+          <p:cNvPicPr>
+            <a:picLocks noChangeAspect="1"/>
+          </p:cNvPicPr>
+          <p:nvPr/>
+        </p:nvPicPr>
+        <p:blipFill>
+          <a:blip r:embed="rId2"/>
+          <a:stretch>
+            <a:fillRect/>
+          </a:stretch>
+        </p:blipFill>
+        <p:spPr>
+          <a:xfrm>
+            <a:off x="819148" y="1378411"/>
+            <a:ext cx="3528378" cy="3959399"/>
+          </a:xfrm>
+          <a:prstGeom prst="rect">
+            <a:avLst/>
+          </a:prstGeom>
+        </p:spPr>
+      </p:pic>
+      <p:pic>
+        <p:nvPicPr>
+          <p:cNvPr id="5" name="Picture 4" descr="A screenshot of a computer&#10;&#10;Description automatically generated">
+            <a:extLst>
+              <a:ext uri="{FF2B5EF4-FFF2-40B4-BE49-F238E27FC236}">
+                <a16:creationId xmlns:a16="http://schemas.microsoft.com/office/drawing/2014/main" id="{775861D1-2501-C2CE-B479-543C054D6479}"/>
+              </a:ext>
+            </a:extLst>
+          </p:cNvPr>
+          <p:cNvPicPr>
+            <a:picLocks noChangeAspect="1"/>
+          </p:cNvPicPr>
+          <p:nvPr/>
+        </p:nvPicPr>
+        <p:blipFill>
+          <a:blip r:embed="rId3"/>
+          <a:stretch>
+            <a:fillRect/>
+          </a:stretch>
+        </p:blipFill>
+        <p:spPr>
+          <a:xfrm>
+            <a:off x="7844476" y="1378411"/>
+            <a:ext cx="3023550" cy="2658084"/>
+          </a:xfrm>
+          <a:prstGeom prst="rect">
+            <a:avLst/>
+          </a:prstGeom>
+        </p:spPr>
+      </p:pic>
+    </p:spTree>
+    <p:extLst>
+      <p:ext uri="{BB962C8B-B14F-4D97-AF65-F5344CB8AC3E}">
+        <p14:creationId xmlns:p14="http://schemas.microsoft.com/office/powerpoint/2010/main" val="905127949"/>
+      </p:ext>
+    </p:extLst>
+  </p:cSld>
+  <p:clrMapOvr>
+    <a:masterClrMapping/>
+  </p:clrMapOvr>
+</p:sld>
+</file>
+
+<file path=ppt/slides/slide7.xml><?xml version="1.0" encoding="utf-8"?>
+<p:sld xmlns:a="http://schemas.openxmlformats.org/drawingml/2006/main" xmlns:r="http://schemas.openxmlformats.org/officeDocument/2006/relationships" xmlns:p="http://schemas.openxmlformats.org/presentationml/2006/main">
+  <p:cSld>
+    <p:spTree>
+      <p:nvGrpSpPr>
+        <p:cNvPr id="1" name=""/>
+        <p:cNvGrpSpPr/>
+        <p:nvPr/>
+      </p:nvGrpSpPr>
+      <p:grpSpPr>
+        <a:xfrm>
+          <a:off x="0" y="0"/>
+          <a:ext cx="0" cy="0"/>
+          <a:chOff x="0" y="0"/>
+          <a:chExt cx="0" cy="0"/>
+        </a:xfrm>
+      </p:grpSpPr>
+      <p:sp>
+        <p:nvSpPr>
+          <p:cNvPr id="2" name="Title 1">
+            <a:extLst>
+              <a:ext uri="{FF2B5EF4-FFF2-40B4-BE49-F238E27FC236}">
                 <a16:creationId xmlns:a16="http://schemas.microsoft.com/office/drawing/2014/main" id="{E873AB49-572C-54AC-4162-1EF2C18DBB68}"/>
               </a:ext>
             </a:extLst>
@@ -3640,7 +4092,7 @@
 </p:sld>
 </file>
 
-<file path=ppt/slides/slide5.xml><?xml version="1.0" encoding="utf-8"?>
+<file path=ppt/slides/slide8.xml><?xml version="1.0" encoding="utf-8"?>
 <p:sld xmlns:a="http://schemas.openxmlformats.org/drawingml/2006/main" xmlns:r="http://schemas.openxmlformats.org/officeDocument/2006/relationships" xmlns:p="http://schemas.openxmlformats.org/presentationml/2006/main">
   <p:cSld>
     <p:bg>

--- a/Documents/Presentation.pptx
+++ b/Documents/Presentation.pptx
@@ -4,6 +4,9 @@
   <p:sldMasterIdLst>
     <p:sldMasterId id="2147483648" r:id="rId1"/>
   </p:sldMasterIdLst>
+  <p:notesMasterIdLst>
+    <p:notesMasterId r:id="rId10"/>
+  </p:notesMasterIdLst>
   <p:sldIdLst>
     <p:sldId id="256" r:id="rId2"/>
     <p:sldId id="257" r:id="rId3"/>
@@ -111,7 +114,539 @@
       </a:defRPr>
     </a:lvl9pPr>
   </p:defaultTextStyle>
+  <p:extLst>
+    <p:ext uri="{EFAFB233-063F-42B5-8137-9DF3F51BA10A}">
+      <p15:sldGuideLst xmlns:p15="http://schemas.microsoft.com/office/powerpoint/2012/main"/>
+    </p:ext>
+  </p:extLst>
 </p:presentation>
+</file>
+
+<file path=ppt/notesMasters/notesMaster1.xml><?xml version="1.0" encoding="utf-8"?>
+<p:notesMaster xmlns:a="http://schemas.openxmlformats.org/drawingml/2006/main" xmlns:r="http://schemas.openxmlformats.org/officeDocument/2006/relationships" xmlns:p="http://schemas.openxmlformats.org/presentationml/2006/main">
+  <p:cSld>
+    <p:bg>
+      <p:bgRef idx="1001">
+        <a:schemeClr val="bg1"/>
+      </p:bgRef>
+    </p:bg>
+    <p:spTree>
+      <p:nvGrpSpPr>
+        <p:cNvPr id="1" name=""/>
+        <p:cNvGrpSpPr/>
+        <p:nvPr/>
+      </p:nvGrpSpPr>
+      <p:grpSpPr>
+        <a:xfrm>
+          <a:off x="0" y="0"/>
+          <a:ext cx="0" cy="0"/>
+          <a:chOff x="0" y="0"/>
+          <a:chExt cx="0" cy="0"/>
+        </a:xfrm>
+      </p:grpSpPr>
+      <p:sp>
+        <p:nvSpPr>
+          <p:cNvPr id="2" name="Header Placeholder 1"/>
+          <p:cNvSpPr>
+            <a:spLocks noGrp="1"/>
+          </p:cNvSpPr>
+          <p:nvPr>
+            <p:ph type="hdr" sz="quarter"/>
+          </p:nvPr>
+        </p:nvSpPr>
+        <p:spPr>
+          <a:xfrm>
+            <a:off x="0" y="0"/>
+            <a:ext cx="2971800" cy="458788"/>
+          </a:xfrm>
+          <a:prstGeom prst="rect">
+            <a:avLst/>
+          </a:prstGeom>
+        </p:spPr>
+        <p:txBody>
+          <a:bodyPr vert="horz" lIns="91440" tIns="45720" rIns="91440" bIns="45720" rtlCol="0"/>
+          <a:lstStyle>
+            <a:lvl1pPr algn="l">
+              <a:defRPr sz="1200"/>
+            </a:lvl1pPr>
+          </a:lstStyle>
+          <a:p>
+            <a:endParaRPr lang="en-US"/>
+          </a:p>
+        </p:txBody>
+      </p:sp>
+      <p:sp>
+        <p:nvSpPr>
+          <p:cNvPr id="3" name="Date Placeholder 2"/>
+          <p:cNvSpPr>
+            <a:spLocks noGrp="1"/>
+          </p:cNvSpPr>
+          <p:nvPr>
+            <p:ph type="dt" idx="1"/>
+          </p:nvPr>
+        </p:nvSpPr>
+        <p:spPr>
+          <a:xfrm>
+            <a:off x="3884613" y="0"/>
+            <a:ext cx="2971800" cy="458788"/>
+          </a:xfrm>
+          <a:prstGeom prst="rect">
+            <a:avLst/>
+          </a:prstGeom>
+        </p:spPr>
+        <p:txBody>
+          <a:bodyPr vert="horz" lIns="91440" tIns="45720" rIns="91440" bIns="45720" rtlCol="0"/>
+          <a:lstStyle>
+            <a:lvl1pPr algn="r">
+              <a:defRPr sz="1200"/>
+            </a:lvl1pPr>
+          </a:lstStyle>
+          <a:p>
+            <a:fld id="{58A70CE5-E671-484D-828A-A02D8575A20E}" type="datetimeFigureOut">
+              <a:rPr lang="en-US" smtClean="0"/>
+              <a:t>5/1/24</a:t>
+            </a:fld>
+            <a:endParaRPr lang="en-US"/>
+          </a:p>
+        </p:txBody>
+      </p:sp>
+      <p:sp>
+        <p:nvSpPr>
+          <p:cNvPr id="4" name="Slide Image Placeholder 3"/>
+          <p:cNvSpPr>
+            <a:spLocks noGrp="1" noRot="1" noChangeAspect="1"/>
+          </p:cNvSpPr>
+          <p:nvPr>
+            <p:ph type="sldImg" idx="2"/>
+          </p:nvPr>
+        </p:nvSpPr>
+        <p:spPr>
+          <a:xfrm>
+            <a:off x="685800" y="1143000"/>
+            <a:ext cx="5486400" cy="3086100"/>
+          </a:xfrm>
+          <a:prstGeom prst="rect">
+            <a:avLst/>
+          </a:prstGeom>
+          <a:noFill/>
+          <a:ln w="12700">
+            <a:solidFill>
+              <a:prstClr val="black"/>
+            </a:solidFill>
+          </a:ln>
+        </p:spPr>
+        <p:txBody>
+          <a:bodyPr vert="horz" lIns="91440" tIns="45720" rIns="91440" bIns="45720" rtlCol="0" anchor="ctr"/>
+          <a:lstStyle/>
+          <a:p>
+            <a:endParaRPr lang="en-US"/>
+          </a:p>
+        </p:txBody>
+      </p:sp>
+      <p:sp>
+        <p:nvSpPr>
+          <p:cNvPr id="5" name="Notes Placeholder 4"/>
+          <p:cNvSpPr>
+            <a:spLocks noGrp="1"/>
+          </p:cNvSpPr>
+          <p:nvPr>
+            <p:ph type="body" sz="quarter" idx="3"/>
+          </p:nvPr>
+        </p:nvSpPr>
+        <p:spPr>
+          <a:xfrm>
+            <a:off x="685800" y="4400550"/>
+            <a:ext cx="5486400" cy="3600450"/>
+          </a:xfrm>
+          <a:prstGeom prst="rect">
+            <a:avLst/>
+          </a:prstGeom>
+        </p:spPr>
+        <p:txBody>
+          <a:bodyPr vert="horz" lIns="91440" tIns="45720" rIns="91440" bIns="45720" rtlCol="0"/>
+          <a:lstStyle/>
+          <a:p>
+            <a:pPr lvl="0"/>
+            <a:r>
+              <a:rPr lang="en-GB"/>
+              <a:t>Click to edit Master text styles</a:t>
+            </a:r>
+          </a:p>
+          <a:p>
+            <a:pPr lvl="1"/>
+            <a:r>
+              <a:rPr lang="en-GB"/>
+              <a:t>Second level</a:t>
+            </a:r>
+          </a:p>
+          <a:p>
+            <a:pPr lvl="2"/>
+            <a:r>
+              <a:rPr lang="en-GB"/>
+              <a:t>Third level</a:t>
+            </a:r>
+          </a:p>
+          <a:p>
+            <a:pPr lvl="3"/>
+            <a:r>
+              <a:rPr lang="en-GB"/>
+              <a:t>Fourth level</a:t>
+            </a:r>
+          </a:p>
+          <a:p>
+            <a:pPr lvl="4"/>
+            <a:r>
+              <a:rPr lang="en-GB"/>
+              <a:t>Fifth level</a:t>
+            </a:r>
+            <a:endParaRPr lang="en-US"/>
+          </a:p>
+        </p:txBody>
+      </p:sp>
+      <p:sp>
+        <p:nvSpPr>
+          <p:cNvPr id="6" name="Footer Placeholder 5"/>
+          <p:cNvSpPr>
+            <a:spLocks noGrp="1"/>
+          </p:cNvSpPr>
+          <p:nvPr>
+            <p:ph type="ftr" sz="quarter" idx="4"/>
+          </p:nvPr>
+        </p:nvSpPr>
+        <p:spPr>
+          <a:xfrm>
+            <a:off x="0" y="8685213"/>
+            <a:ext cx="2971800" cy="458787"/>
+          </a:xfrm>
+          <a:prstGeom prst="rect">
+            <a:avLst/>
+          </a:prstGeom>
+        </p:spPr>
+        <p:txBody>
+          <a:bodyPr vert="horz" lIns="91440" tIns="45720" rIns="91440" bIns="45720" rtlCol="0" anchor="b"/>
+          <a:lstStyle>
+            <a:lvl1pPr algn="l">
+              <a:defRPr sz="1200"/>
+            </a:lvl1pPr>
+          </a:lstStyle>
+          <a:p>
+            <a:endParaRPr lang="en-US"/>
+          </a:p>
+        </p:txBody>
+      </p:sp>
+      <p:sp>
+        <p:nvSpPr>
+          <p:cNvPr id="7" name="Slide Number Placeholder 6"/>
+          <p:cNvSpPr>
+            <a:spLocks noGrp="1"/>
+          </p:cNvSpPr>
+          <p:nvPr>
+            <p:ph type="sldNum" sz="quarter" idx="5"/>
+          </p:nvPr>
+        </p:nvSpPr>
+        <p:spPr>
+          <a:xfrm>
+            <a:off x="3884613" y="8685213"/>
+            <a:ext cx="2971800" cy="458787"/>
+          </a:xfrm>
+          <a:prstGeom prst="rect">
+            <a:avLst/>
+          </a:prstGeom>
+        </p:spPr>
+        <p:txBody>
+          <a:bodyPr vert="horz" lIns="91440" tIns="45720" rIns="91440" bIns="45720" rtlCol="0" anchor="b"/>
+          <a:lstStyle>
+            <a:lvl1pPr algn="r">
+              <a:defRPr sz="1200"/>
+            </a:lvl1pPr>
+          </a:lstStyle>
+          <a:p>
+            <a:fld id="{1ACBC571-0237-B947-ACEF-19124F71DA04}" type="slidenum">
+              <a:rPr lang="en-US" smtClean="0"/>
+              <a:t>‹#›</a:t>
+            </a:fld>
+            <a:endParaRPr lang="en-US"/>
+          </a:p>
+        </p:txBody>
+      </p:sp>
+    </p:spTree>
+    <p:extLst>
+      <p:ext uri="{BB962C8B-B14F-4D97-AF65-F5344CB8AC3E}">
+        <p14:creationId xmlns:p14="http://schemas.microsoft.com/office/powerpoint/2010/main" val="2834643604"/>
+      </p:ext>
+    </p:extLst>
+  </p:cSld>
+  <p:clrMap bg1="lt1" tx1="dk1" bg2="lt2" tx2="dk2" accent1="accent1" accent2="accent2" accent3="accent3" accent4="accent4" accent5="accent5" accent6="accent6" hlink="hlink" folHlink="folHlink"/>
+  <p:notesStyle>
+    <a:lvl1pPr marL="0" algn="l" defTabSz="914400" rtl="0" eaLnBrk="1" latinLnBrk="0" hangingPunct="1">
+      <a:defRPr sz="1200" kern="1200">
+        <a:solidFill>
+          <a:schemeClr val="tx1"/>
+        </a:solidFill>
+        <a:latin typeface="+mn-lt"/>
+        <a:ea typeface="+mn-ea"/>
+        <a:cs typeface="+mn-cs"/>
+      </a:defRPr>
+    </a:lvl1pPr>
+    <a:lvl2pPr marL="457200" algn="l" defTabSz="914400" rtl="0" eaLnBrk="1" latinLnBrk="0" hangingPunct="1">
+      <a:defRPr sz="1200" kern="1200">
+        <a:solidFill>
+          <a:schemeClr val="tx1"/>
+        </a:solidFill>
+        <a:latin typeface="+mn-lt"/>
+        <a:ea typeface="+mn-ea"/>
+        <a:cs typeface="+mn-cs"/>
+      </a:defRPr>
+    </a:lvl2pPr>
+    <a:lvl3pPr marL="914400" algn="l" defTabSz="914400" rtl="0" eaLnBrk="1" latinLnBrk="0" hangingPunct="1">
+      <a:defRPr sz="1200" kern="1200">
+        <a:solidFill>
+          <a:schemeClr val="tx1"/>
+        </a:solidFill>
+        <a:latin typeface="+mn-lt"/>
+        <a:ea typeface="+mn-ea"/>
+        <a:cs typeface="+mn-cs"/>
+      </a:defRPr>
+    </a:lvl3pPr>
+    <a:lvl4pPr marL="1371600" algn="l" defTabSz="914400" rtl="0" eaLnBrk="1" latinLnBrk="0" hangingPunct="1">
+      <a:defRPr sz="1200" kern="1200">
+        <a:solidFill>
+          <a:schemeClr val="tx1"/>
+        </a:solidFill>
+        <a:latin typeface="+mn-lt"/>
+        <a:ea typeface="+mn-ea"/>
+        <a:cs typeface="+mn-cs"/>
+      </a:defRPr>
+    </a:lvl4pPr>
+    <a:lvl5pPr marL="1828800" algn="l" defTabSz="914400" rtl="0" eaLnBrk="1" latinLnBrk="0" hangingPunct="1">
+      <a:defRPr sz="1200" kern="1200">
+        <a:solidFill>
+          <a:schemeClr val="tx1"/>
+        </a:solidFill>
+        <a:latin typeface="+mn-lt"/>
+        <a:ea typeface="+mn-ea"/>
+        <a:cs typeface="+mn-cs"/>
+      </a:defRPr>
+    </a:lvl5pPr>
+    <a:lvl6pPr marL="2286000" algn="l" defTabSz="914400" rtl="0" eaLnBrk="1" latinLnBrk="0" hangingPunct="1">
+      <a:defRPr sz="1200" kern="1200">
+        <a:solidFill>
+          <a:schemeClr val="tx1"/>
+        </a:solidFill>
+        <a:latin typeface="+mn-lt"/>
+        <a:ea typeface="+mn-ea"/>
+        <a:cs typeface="+mn-cs"/>
+      </a:defRPr>
+    </a:lvl6pPr>
+    <a:lvl7pPr marL="2743200" algn="l" defTabSz="914400" rtl="0" eaLnBrk="1" latinLnBrk="0" hangingPunct="1">
+      <a:defRPr sz="1200" kern="1200">
+        <a:solidFill>
+          <a:schemeClr val="tx1"/>
+        </a:solidFill>
+        <a:latin typeface="+mn-lt"/>
+        <a:ea typeface="+mn-ea"/>
+        <a:cs typeface="+mn-cs"/>
+      </a:defRPr>
+    </a:lvl7pPr>
+    <a:lvl8pPr marL="3200400" algn="l" defTabSz="914400" rtl="0" eaLnBrk="1" latinLnBrk="0" hangingPunct="1">
+      <a:defRPr sz="1200" kern="1200">
+        <a:solidFill>
+          <a:schemeClr val="tx1"/>
+        </a:solidFill>
+        <a:latin typeface="+mn-lt"/>
+        <a:ea typeface="+mn-ea"/>
+        <a:cs typeface="+mn-cs"/>
+      </a:defRPr>
+    </a:lvl8pPr>
+    <a:lvl9pPr marL="3657600" algn="l" defTabSz="914400" rtl="0" eaLnBrk="1" latinLnBrk="0" hangingPunct="1">
+      <a:defRPr sz="1200" kern="1200">
+        <a:solidFill>
+          <a:schemeClr val="tx1"/>
+        </a:solidFill>
+        <a:latin typeface="+mn-lt"/>
+        <a:ea typeface="+mn-ea"/>
+        <a:cs typeface="+mn-cs"/>
+      </a:defRPr>
+    </a:lvl9pPr>
+  </p:notesStyle>
+</p:notesMaster>
+</file>
+
+<file path=ppt/notesSlides/notesSlide1.xml><?xml version="1.0" encoding="utf-8"?>
+<p:notes xmlns:a="http://schemas.openxmlformats.org/drawingml/2006/main" xmlns:r="http://schemas.openxmlformats.org/officeDocument/2006/relationships" xmlns:p="http://schemas.openxmlformats.org/presentationml/2006/main">
+  <p:cSld>
+    <p:spTree>
+      <p:nvGrpSpPr>
+        <p:cNvPr id="1" name=""/>
+        <p:cNvGrpSpPr/>
+        <p:nvPr/>
+      </p:nvGrpSpPr>
+      <p:grpSpPr>
+        <a:xfrm>
+          <a:off x="0" y="0"/>
+          <a:ext cx="0" cy="0"/>
+          <a:chOff x="0" y="0"/>
+          <a:chExt cx="0" cy="0"/>
+        </a:xfrm>
+      </p:grpSpPr>
+      <p:sp>
+        <p:nvSpPr>
+          <p:cNvPr id="2" name="Slide Image Placeholder 1"/>
+          <p:cNvSpPr>
+            <a:spLocks noGrp="1" noRot="1" noChangeAspect="1"/>
+          </p:cNvSpPr>
+          <p:nvPr>
+            <p:ph type="sldImg"/>
+          </p:nvPr>
+        </p:nvSpPr>
+        <p:spPr/>
+      </p:sp>
+      <p:sp>
+        <p:nvSpPr>
+          <p:cNvPr id="3" name="Notes Placeholder 2"/>
+          <p:cNvSpPr>
+            <a:spLocks noGrp="1"/>
+          </p:cNvSpPr>
+          <p:nvPr>
+            <p:ph type="body" idx="1"/>
+          </p:nvPr>
+        </p:nvSpPr>
+        <p:spPr/>
+        <p:txBody>
+          <a:bodyPr/>
+          <a:lstStyle/>
+          <a:p>
+            <a:r>
+              <a:rPr lang="en-US" dirty="0"/>
+              <a:t>SHOW APPLICATION LOGGED OUT</a:t>
+            </a:r>
+          </a:p>
+          <a:p>
+            <a:pPr marL="171450" indent="-171450">
+              <a:buFont typeface="Arial" panose="020B0604020202020204" pitchFamily="34" charset="0"/>
+              <a:buChar char="•"/>
+            </a:pPr>
+            <a:r>
+              <a:rPr lang="en-US" dirty="0"/>
+              <a:t>When the user is logged out, the calendar has a grey overlay to convey that the user is not able to use it until they are logged in. At this point, the user has the option to toggle the theme (TOGGLE THEME) and log in. (PAUSE, TOGGLE THEME BACK)</a:t>
+            </a:r>
+          </a:p>
+          <a:p>
+            <a:pPr marL="0" indent="0">
+              <a:buFont typeface="Arial" panose="020B0604020202020204" pitchFamily="34" charset="0"/>
+              <a:buNone/>
+            </a:pPr>
+            <a:r>
+              <a:rPr lang="en-US" dirty="0"/>
+              <a:t>CLICK LOG IN</a:t>
+            </a:r>
+          </a:p>
+          <a:p>
+            <a:pPr marL="171450" indent="-171450">
+              <a:buFont typeface="Arial" panose="020B0604020202020204" pitchFamily="34" charset="0"/>
+              <a:buChar char="•"/>
+            </a:pPr>
+            <a:r>
+              <a:rPr lang="en-US" dirty="0"/>
+              <a:t>If the user does not have an account, then they can register an account (CLICK REGISTER). When they fill in the form, if all the information is provided and the username is not already in use then the account will be created and the user will be logged in</a:t>
+            </a:r>
+          </a:p>
+          <a:p>
+            <a:pPr marL="0" indent="0">
+              <a:buFont typeface="Arial" panose="020B0604020202020204" pitchFamily="34" charset="0"/>
+              <a:buNone/>
+            </a:pPr>
+            <a:r>
+              <a:rPr lang="en-US" dirty="0"/>
+              <a:t>LOG IN</a:t>
+            </a:r>
+          </a:p>
+          <a:p>
+            <a:pPr marL="171450" indent="-171450">
+              <a:buFont typeface="Arial" panose="020B0604020202020204" pitchFamily="34" charset="0"/>
+              <a:buChar char="•"/>
+            </a:pPr>
+            <a:r>
+              <a:rPr lang="en-US" dirty="0"/>
+              <a:t>After the user has logged in, they will be able to see any reminders that they have already created. If a reminder has a description that is too long to fit, the user can hover over the description and the whole description will appear</a:t>
+            </a:r>
+          </a:p>
+          <a:p>
+            <a:pPr marL="171450" indent="-171450">
+              <a:buFont typeface="Arial" panose="020B0604020202020204" pitchFamily="34" charset="0"/>
+              <a:buChar char="•"/>
+            </a:pPr>
+            <a:r>
+              <a:rPr lang="en-US" dirty="0"/>
+              <a:t>The user can also create new reminders (CLICK NEW). If they fill in all the required information the reminder will be saved to the server and displayed in their calendar</a:t>
+            </a:r>
+          </a:p>
+          <a:p>
+            <a:pPr marL="171450" indent="-171450">
+              <a:buFont typeface="Arial" panose="020B0604020202020204" pitchFamily="34" charset="0"/>
+              <a:buChar char="•"/>
+            </a:pPr>
+            <a:r>
+              <a:rPr lang="en-US" dirty="0"/>
+              <a:t>If the user wants to edit a reminder this can easily be done by clicking on the reminder (DEMONSTRATE) and editing the information. This will then be updated both on the server and in the calendar.</a:t>
+            </a:r>
+          </a:p>
+          <a:p>
+            <a:pPr marL="171450" indent="-171450">
+              <a:buFont typeface="Arial" panose="020B0604020202020204" pitchFamily="34" charset="0"/>
+              <a:buChar char="•"/>
+            </a:pPr>
+            <a:r>
+              <a:rPr lang="en-US" dirty="0"/>
+              <a:t>When the user has completed the task they can complete the reminder by ticking the checkbox, making the reminder disappear from the calendar and it will be removed from the server (DEMONSTRATE).</a:t>
+            </a:r>
+          </a:p>
+          <a:p>
+            <a:pPr marL="171450" indent="-171450">
+              <a:buFont typeface="Arial" panose="020B0604020202020204" pitchFamily="34" charset="0"/>
+              <a:buChar char="•"/>
+            </a:pPr>
+            <a:r>
+              <a:rPr lang="en-US" dirty="0"/>
+              <a:t>The calendar can also be navigated to different weeks by using the buttons in the nav bar (DEMONSTRATE) and the user can easily return to the this week afterwards.</a:t>
+            </a:r>
+          </a:p>
+        </p:txBody>
+      </p:sp>
+      <p:sp>
+        <p:nvSpPr>
+          <p:cNvPr id="4" name="Slide Number Placeholder 3"/>
+          <p:cNvSpPr>
+            <a:spLocks noGrp="1"/>
+          </p:cNvSpPr>
+          <p:nvPr>
+            <p:ph type="sldNum" sz="quarter" idx="5"/>
+          </p:nvPr>
+        </p:nvSpPr>
+        <p:spPr/>
+        <p:txBody>
+          <a:bodyPr/>
+          <a:lstStyle/>
+          <a:p>
+            <a:fld id="{1ACBC571-0237-B947-ACEF-19124F71DA04}" type="slidenum">
+              <a:rPr lang="en-US" smtClean="0"/>
+              <a:t>1</a:t>
+            </a:fld>
+            <a:endParaRPr lang="en-US"/>
+          </a:p>
+        </p:txBody>
+      </p:sp>
+    </p:spTree>
+    <p:extLst>
+      <p:ext uri="{BB962C8B-B14F-4D97-AF65-F5344CB8AC3E}">
+        <p14:creationId xmlns:p14="http://schemas.microsoft.com/office/powerpoint/2010/main" val="3245129508"/>
+      </p:ext>
+    </p:extLst>
+  </p:cSld>
+  <p:clrMapOvr>
+    <a:masterClrMapping/>
+  </p:clrMapOvr>
+</p:notes>
 </file>
 
 <file path=ppt/slideLayouts/slideLayout1.xml><?xml version="1.0" encoding="utf-8"?>
@@ -3351,33 +3886,8 @@
           <a:p>
             <a:r>
               <a:rPr lang="en-GB" dirty="0"/>
-              <a:t>Application executing</a:t>
-            </a:r>
-          </a:p>
-        </p:txBody>
-      </p:sp>
-      <p:sp>
-        <p:nvSpPr>
-          <p:cNvPr id="3" name="Subtitle 2">
-            <a:extLst>
-              <a:ext uri="{FF2B5EF4-FFF2-40B4-BE49-F238E27FC236}">
-                <a16:creationId xmlns:a16="http://schemas.microsoft.com/office/drawing/2014/main" id="{5F9AB773-18DC-6468-B21B-319867B633B7}"/>
-              </a:ext>
-            </a:extLst>
-          </p:cNvPr>
-          <p:cNvSpPr>
-            <a:spLocks noGrp="1"/>
-          </p:cNvSpPr>
-          <p:nvPr>
-            <p:ph type="subTitle" idx="1"/>
-          </p:nvPr>
-        </p:nvSpPr>
-        <p:spPr/>
-        <p:txBody>
-          <a:bodyPr/>
-          <a:lstStyle/>
-          <a:p>
-            <a:endParaRPr lang="en-GB"/>
+              <a:t>Application Executing</a:t>
+            </a:r>
           </a:p>
         </p:txBody>
       </p:sp>
@@ -3455,7 +3965,12 @@
             <p:ph idx="1"/>
           </p:nvPr>
         </p:nvSpPr>
-        <p:spPr/>
+        <p:spPr>
+          <a:xfrm>
+            <a:off x="838200" y="1825625"/>
+            <a:ext cx="10515600" cy="4667250"/>
+          </a:xfrm>
+        </p:spPr>
         <p:txBody>
           <a:bodyPr>
             <a:normAutofit fontScale="92500" lnSpcReduction="10000"/>
@@ -3494,6 +4009,10 @@
               <a:rPr lang="en-GB" dirty="0"/>
               <a:t>Create Wireframes</a:t>
             </a:r>
+          </a:p>
+          <a:p>
+            <a:pPr lvl="1"/>
+            <a:endParaRPr lang="en-GB" dirty="0"/>
           </a:p>
           <a:p>
             <a:r>
@@ -3623,7 +4142,12 @@
             <p:ph idx="1"/>
           </p:nvPr>
         </p:nvSpPr>
-        <p:spPr/>
+        <p:spPr>
+          <a:xfrm>
+            <a:off x="838200" y="1825625"/>
+            <a:ext cx="10515600" cy="4667250"/>
+          </a:xfrm>
+        </p:spPr>
         <p:txBody>
           <a:bodyPr/>
           <a:lstStyle/>
@@ -3637,13 +4161,8 @@
             <a:pPr lvl="1"/>
             <a:r>
               <a:rPr lang="en-GB" dirty="0"/>
-              <a:t>JavaScript function for putting dates </a:t>
-            </a:r>
-            <a:r>
-              <a:rPr lang="en-GB"/>
-              <a:t>in calendar</a:t>
-            </a:r>
-            <a:endParaRPr lang="en-GB" dirty="0"/>
+              <a:t>JavaScript function for putting dates in calendar</a:t>
+            </a:r>
           </a:p>
           <a:p>
             <a:pPr lvl="1"/>
@@ -3658,6 +4177,10 @@
               <a:rPr lang="en-GB" dirty="0"/>
               <a:t>Highlight current date</a:t>
             </a:r>
+          </a:p>
+          <a:p>
+            <a:pPr lvl="1"/>
+            <a:endParaRPr lang="en-GB" dirty="0"/>
           </a:p>
           <a:p>
             <a:r>
@@ -3793,6 +4316,30 @@
               <a:t>Server-side new reminder function</a:t>
             </a:r>
           </a:p>
+          <a:p>
+            <a:pPr lvl="1"/>
+            <a:endParaRPr lang="en-GB" dirty="0"/>
+          </a:p>
+          <a:p>
+            <a:r>
+              <a:rPr lang="en-GB" dirty="0"/>
+              <a:t>Sprint 6:</a:t>
+            </a:r>
+          </a:p>
+          <a:p>
+            <a:pPr lvl="1"/>
+            <a:r>
+              <a:rPr lang="en-GB" dirty="0"/>
+              <a:t>Client-side create reminder function</a:t>
+            </a:r>
+          </a:p>
+          <a:p>
+            <a:pPr lvl="1"/>
+            <a:r>
+              <a:rPr lang="en-GB" dirty="0"/>
+              <a:t>HTML create reminder dialogue</a:t>
+            </a:r>
+          </a:p>
         </p:txBody>
       </p:sp>
     </p:spTree>
@@ -3869,12 +4416,91 @@
             <p:ph idx="1"/>
           </p:nvPr>
         </p:nvSpPr>
-        <p:spPr/>
-        <p:txBody>
-          <a:bodyPr/>
-          <a:lstStyle/>
-          <a:p>
-            <a:endParaRPr lang="en-GB"/>
+        <p:spPr>
+          <a:xfrm>
+            <a:off x="838200" y="1825625"/>
+            <a:ext cx="10515600" cy="4863410"/>
+          </a:xfrm>
+        </p:spPr>
+        <p:txBody>
+          <a:bodyPr>
+            <a:normAutofit lnSpcReduction="10000"/>
+          </a:bodyPr>
+          <a:lstStyle/>
+          <a:p>
+            <a:r>
+              <a:rPr lang="en-GB" dirty="0"/>
+              <a:t>Sprint 7:</a:t>
+            </a:r>
+          </a:p>
+          <a:p>
+            <a:pPr lvl="1"/>
+            <a:r>
+              <a:rPr lang="en-GB" dirty="0"/>
+              <a:t>Server-side function to send reminders</a:t>
+            </a:r>
+          </a:p>
+          <a:p>
+            <a:pPr lvl="1"/>
+            <a:r>
+              <a:rPr lang="en-GB" dirty="0"/>
+              <a:t>Server-side function for completing reminders</a:t>
+            </a:r>
+          </a:p>
+          <a:p>
+            <a:pPr lvl="1"/>
+            <a:r>
+              <a:rPr lang="en-GB" dirty="0"/>
+              <a:t>Reminder template in calendar</a:t>
+            </a:r>
+          </a:p>
+          <a:p>
+            <a:pPr lvl="1"/>
+            <a:endParaRPr lang="en-GB" dirty="0"/>
+          </a:p>
+          <a:p>
+            <a:r>
+              <a:rPr lang="en-GB" dirty="0"/>
+              <a:t>Sprint 8:</a:t>
+            </a:r>
+          </a:p>
+          <a:p>
+            <a:pPr lvl="1"/>
+            <a:r>
+              <a:rPr lang="en-GB" dirty="0"/>
+              <a:t>Client-side function to receive reminders</a:t>
+            </a:r>
+          </a:p>
+          <a:p>
+            <a:pPr lvl="1"/>
+            <a:r>
+              <a:rPr lang="en-GB" dirty="0"/>
+              <a:t>Client-side function for displaying reminders</a:t>
+            </a:r>
+          </a:p>
+          <a:p>
+            <a:pPr lvl="1"/>
+            <a:r>
+              <a:rPr lang="en-GB" dirty="0"/>
+              <a:t>Dialogue for editing reminders</a:t>
+            </a:r>
+          </a:p>
+          <a:p>
+            <a:pPr lvl="1"/>
+            <a:endParaRPr lang="en-GB" dirty="0"/>
+          </a:p>
+          <a:p>
+            <a:r>
+              <a:rPr lang="en-GB" dirty="0"/>
+              <a:t>Sprint 9:</a:t>
+            </a:r>
+          </a:p>
+          <a:p>
+            <a:pPr lvl="1"/>
+            <a:r>
+              <a:rPr lang="en-GB" dirty="0"/>
+              <a:t>Server-side function for editing reminders</a:t>
+            </a:r>
           </a:p>
         </p:txBody>
       </p:sp>
@@ -3931,7 +4557,7 @@
           <a:p>
             <a:r>
               <a:rPr lang="en-GB" dirty="0"/>
-              <a:t>UML diagrams</a:t>
+              <a:t>UML Diagrams</a:t>
             </a:r>
           </a:p>
         </p:txBody>
@@ -3996,6 +4622,76 @@
           </a:prstGeom>
         </p:spPr>
       </p:pic>
+      <p:sp>
+        <p:nvSpPr>
+          <p:cNvPr id="3" name="TextBox 2">
+            <a:extLst>
+              <a:ext uri="{FF2B5EF4-FFF2-40B4-BE49-F238E27FC236}">
+                <a16:creationId xmlns:a16="http://schemas.microsoft.com/office/drawing/2014/main" id="{D56B8004-CD17-5600-0552-0D8ACA7DFB69}"/>
+              </a:ext>
+            </a:extLst>
+          </p:cNvPr>
+          <p:cNvSpPr txBox="1"/>
+          <p:nvPr/>
+        </p:nvSpPr>
+        <p:spPr>
+          <a:xfrm>
+            <a:off x="944217" y="5555974"/>
+            <a:ext cx="3403308" cy="923330"/>
+          </a:xfrm>
+          <a:prstGeom prst="rect">
+            <a:avLst/>
+          </a:prstGeom>
+          <a:noFill/>
+        </p:spPr>
+        <p:txBody>
+          <a:bodyPr wrap="square" rtlCol="0">
+            <a:spAutoFit/>
+          </a:bodyPr>
+          <a:lstStyle/>
+          <a:p>
+            <a:r>
+              <a:rPr lang="en-US" dirty="0"/>
+              <a:t>This UML diagram demonstrates how reminders will be stored and handled client-side.</a:t>
+            </a:r>
+          </a:p>
+        </p:txBody>
+      </p:sp>
+      <p:sp>
+        <p:nvSpPr>
+          <p:cNvPr id="6" name="TextBox 5">
+            <a:extLst>
+              <a:ext uri="{FF2B5EF4-FFF2-40B4-BE49-F238E27FC236}">
+                <a16:creationId xmlns:a16="http://schemas.microsoft.com/office/drawing/2014/main" id="{D60A4A36-272E-E6DB-597C-2F10828E87B5}"/>
+              </a:ext>
+            </a:extLst>
+          </p:cNvPr>
+          <p:cNvSpPr txBox="1"/>
+          <p:nvPr/>
+        </p:nvSpPr>
+        <p:spPr>
+          <a:xfrm>
+            <a:off x="7896226" y="4274529"/>
+            <a:ext cx="2971800" cy="1200329"/>
+          </a:xfrm>
+          <a:prstGeom prst="rect">
+            <a:avLst/>
+          </a:prstGeom>
+          <a:noFill/>
+        </p:spPr>
+        <p:txBody>
+          <a:bodyPr wrap="square" rtlCol="0">
+            <a:spAutoFit/>
+          </a:bodyPr>
+          <a:lstStyle/>
+          <a:p>
+            <a:r>
+              <a:rPr lang="en-US" dirty="0"/>
+              <a:t>This diagram demonstrates how the system will store relevant data for the application to run.</a:t>
+            </a:r>
+          </a:p>
+        </p:txBody>
+      </p:sp>
     </p:spTree>
     <p:extLst>
       <p:ext uri="{BB962C8B-B14F-4D97-AF65-F5344CB8AC3E}">
@@ -4049,7 +4745,7 @@
           <a:p>
             <a:r>
               <a:rPr lang="en-GB" dirty="0"/>
-              <a:t>Issues and challenges faced</a:t>
+              <a:t>Issues and Challenges Faced</a:t>
             </a:r>
           </a:p>
         </p:txBody>
@@ -4075,7 +4771,65 @@
           <a:bodyPr/>
           <a:lstStyle/>
           <a:p>
-            <a:endParaRPr lang="en-GB"/>
+            <a:pPr marL="457200" indent="-457200"/>
+            <a:r>
+              <a:rPr lang="en-GB" sz="2800" dirty="0">
+                <a:solidFill>
+                  <a:schemeClr val="tx1"/>
+                </a:solidFill>
+                <a:effectLst/>
+                <a:latin typeface="Arial" panose="020B0604020202020204" pitchFamily="34" charset="0"/>
+                <a:ea typeface="Calibri" panose="020F0502020204030204" pitchFamily="34" charset="0"/>
+                <a:cs typeface="Arial" panose="020B0604020202020204" pitchFamily="34" charset="0"/>
+              </a:rPr>
+              <a:t>Learning how to setup and use a NodeJS server</a:t>
+            </a:r>
+          </a:p>
+          <a:p>
+            <a:pPr marL="457200" indent="-457200"/>
+            <a:endParaRPr lang="en-GB" dirty="0">
+              <a:latin typeface="Arial" panose="020B0604020202020204" pitchFamily="34" charset="0"/>
+              <a:ea typeface="Calibri" panose="020F0502020204030204" pitchFamily="34" charset="0"/>
+              <a:cs typeface="Arial" panose="020B0604020202020204" pitchFamily="34" charset="0"/>
+            </a:endParaRPr>
+          </a:p>
+          <a:p>
+            <a:pPr marL="457200" indent="-457200"/>
+            <a:r>
+              <a:rPr lang="en-GB" dirty="0">
+                <a:latin typeface="Arial" panose="020B0604020202020204" pitchFamily="34" charset="0"/>
+                <a:ea typeface="Calibri" panose="020F0502020204030204" pitchFamily="34" charset="0"/>
+                <a:cs typeface="Arial" panose="020B0604020202020204" pitchFamily="34" charset="0"/>
+              </a:rPr>
+              <a:t>Lining up the dates in the calendar when navigating through</a:t>
+            </a:r>
+          </a:p>
+          <a:p>
+            <a:pPr marL="457200" indent="-457200"/>
+            <a:endParaRPr lang="en-GB" sz="2800" dirty="0">
+              <a:solidFill>
+                <a:schemeClr val="tx1"/>
+              </a:solidFill>
+              <a:effectLst/>
+              <a:latin typeface="Arial" panose="020B0604020202020204" pitchFamily="34" charset="0"/>
+              <a:ea typeface="Calibri" panose="020F0502020204030204" pitchFamily="34" charset="0"/>
+              <a:cs typeface="Arial" panose="020B0604020202020204" pitchFamily="34" charset="0"/>
+            </a:endParaRPr>
+          </a:p>
+          <a:p>
+            <a:pPr marL="457200" indent="-457200">
+              <a:buFont typeface="Arial" panose="020B0604020202020204" pitchFamily="34" charset="0"/>
+              <a:buChar char="•"/>
+            </a:pPr>
+            <a:r>
+              <a:rPr lang="en-GB" sz="2800" dirty="0">
+                <a:latin typeface="Arial" panose="020B0604020202020204" pitchFamily="34" charset="0"/>
+                <a:ea typeface="Calibri" panose="020F0502020204030204" pitchFamily="34" charset="0"/>
+                <a:cs typeface="Arial" panose="020B0604020202020204" pitchFamily="34" charset="0"/>
+              </a:rPr>
+              <a:t>Time management making sure other module deadlines were met while still completing sprints</a:t>
+            </a:r>
+            <a:endParaRPr lang="en-GB" dirty="0"/>
           </a:p>
         </p:txBody>
       </p:sp>
@@ -4459,4 +5213,319 @@
     </a:ext>
   </a:extLst>
 </a:theme>
+</file>
+
+<file path=ppt/theme/theme2.xml><?xml version="1.0" encoding="utf-8"?>
+<a:theme xmlns:a="http://schemas.openxmlformats.org/drawingml/2006/main" name="Office Theme">
+  <a:themeElements>
+    <a:clrScheme name="Office">
+      <a:dk1>
+        <a:sysClr val="windowText" lastClr="000000"/>
+      </a:dk1>
+      <a:lt1>
+        <a:sysClr val="window" lastClr="FFFFFF"/>
+      </a:lt1>
+      <a:dk2>
+        <a:srgbClr val="0E2841"/>
+      </a:dk2>
+      <a:lt2>
+        <a:srgbClr val="E8E8E8"/>
+      </a:lt2>
+      <a:accent1>
+        <a:srgbClr val="156082"/>
+      </a:accent1>
+      <a:accent2>
+        <a:srgbClr val="E97132"/>
+      </a:accent2>
+      <a:accent3>
+        <a:srgbClr val="196B24"/>
+      </a:accent3>
+      <a:accent4>
+        <a:srgbClr val="0F9ED5"/>
+      </a:accent4>
+      <a:accent5>
+        <a:srgbClr val="A02B93"/>
+      </a:accent5>
+      <a:accent6>
+        <a:srgbClr val="4EA72E"/>
+      </a:accent6>
+      <a:hlink>
+        <a:srgbClr val="467886"/>
+      </a:hlink>
+      <a:folHlink>
+        <a:srgbClr val="96607D"/>
+      </a:folHlink>
+    </a:clrScheme>
+    <a:fontScheme name="Office">
+      <a:majorFont>
+        <a:latin typeface="Aptos Display" panose="02110004020202020204"/>
+        <a:ea typeface=""/>
+        <a:cs typeface=""/>
+        <a:font script="Jpan" typeface="游ゴシック Light"/>
+        <a:font script="Hang" typeface="맑은 고딕"/>
+        <a:font script="Hans" typeface="等线 Light"/>
+        <a:font script="Hant" typeface="新細明體"/>
+        <a:font script="Arab" typeface="Times New Roman"/>
+        <a:font script="Hebr" typeface="Times New Roman"/>
+        <a:font script="Thai" typeface="Angsana New"/>
+        <a:font script="Ethi" typeface="Nyala"/>
+        <a:font script="Beng" typeface="Vrinda"/>
+        <a:font script="Gujr" typeface="Shruti"/>
+        <a:font script="Khmr" typeface="MoolBoran"/>
+        <a:font script="Knda" typeface="Tunga"/>
+        <a:font script="Guru" typeface="Raavi"/>
+        <a:font script="Cans" typeface="Euphemia"/>
+        <a:font script="Cher" typeface="Plantagenet Cherokee"/>
+        <a:font script="Yiii" typeface="Microsoft Yi Baiti"/>
+        <a:font script="Tibt" typeface="Microsoft Himalaya"/>
+        <a:font script="Thaa" typeface="MV Boli"/>
+        <a:font script="Deva" typeface="Mangal"/>
+        <a:font script="Telu" typeface="Gautami"/>
+        <a:font script="Taml" typeface="Latha"/>
+        <a:font script="Syrc" typeface="Estrangelo Edessa"/>
+        <a:font script="Orya" typeface="Kalinga"/>
+        <a:font script="Mlym" typeface="Kartika"/>
+        <a:font script="Laoo" typeface="DokChampa"/>
+        <a:font script="Sinh" typeface="Iskoola Pota"/>
+        <a:font script="Mong" typeface="Mongolian Baiti"/>
+        <a:font script="Viet" typeface="Times New Roman"/>
+        <a:font script="Uigh" typeface="Microsoft Uighur"/>
+        <a:font script="Geor" typeface="Sylfaen"/>
+        <a:font script="Armn" typeface="Arial"/>
+        <a:font script="Bugi" typeface="Leelawadee UI"/>
+        <a:font script="Bopo" typeface="Microsoft JhengHei"/>
+        <a:font script="Java" typeface="Javanese Text"/>
+        <a:font script="Lisu" typeface="Segoe UI"/>
+        <a:font script="Mymr" typeface="Myanmar Text"/>
+        <a:font script="Nkoo" typeface="Ebrima"/>
+        <a:font script="Olck" typeface="Nirmala UI"/>
+        <a:font script="Osma" typeface="Ebrima"/>
+        <a:font script="Phag" typeface="Phagspa"/>
+        <a:font script="Syrn" typeface="Estrangelo Edessa"/>
+        <a:font script="Syrj" typeface="Estrangelo Edessa"/>
+        <a:font script="Syre" typeface="Estrangelo Edessa"/>
+        <a:font script="Sora" typeface="Nirmala UI"/>
+        <a:font script="Tale" typeface="Microsoft Tai Le"/>
+        <a:font script="Talu" typeface="Microsoft New Tai Lue"/>
+        <a:font script="Tfng" typeface="Ebrima"/>
+      </a:majorFont>
+      <a:minorFont>
+        <a:latin typeface="Aptos" panose="02110004020202020204"/>
+        <a:ea typeface=""/>
+        <a:cs typeface=""/>
+        <a:font script="Jpan" typeface="游ゴシック"/>
+        <a:font script="Hang" typeface="맑은 고딕"/>
+        <a:font script="Hans" typeface="等线"/>
+        <a:font script="Hant" typeface="新細明體"/>
+        <a:font script="Arab" typeface="Arial"/>
+        <a:font script="Hebr" typeface="Arial"/>
+        <a:font script="Thai" typeface="Cordia New"/>
+        <a:font script="Ethi" typeface="Nyala"/>
+        <a:font script="Beng" typeface="Vrinda"/>
+        <a:font script="Gujr" typeface="Shruti"/>
+        <a:font script="Khmr" typeface="DaunPenh"/>
+        <a:font script="Knda" typeface="Tunga"/>
+        <a:font script="Guru" typeface="Raavi"/>
+        <a:font script="Cans" typeface="Euphemia"/>
+        <a:font script="Cher" typeface="Plantagenet Cherokee"/>
+        <a:font script="Yiii" typeface="Microsoft Yi Baiti"/>
+        <a:font script="Tibt" typeface="Microsoft Himalaya"/>
+        <a:font script="Thaa" typeface="MV Boli"/>
+        <a:font script="Deva" typeface="Mangal"/>
+        <a:font script="Telu" typeface="Gautami"/>
+        <a:font script="Taml" typeface="Latha"/>
+        <a:font script="Syrc" typeface="Estrangelo Edessa"/>
+        <a:font script="Orya" typeface="Kalinga"/>
+        <a:font script="Mlym" typeface="Kartika"/>
+        <a:font script="Laoo" typeface="DokChampa"/>
+        <a:font script="Sinh" typeface="Iskoola Pota"/>
+        <a:font script="Mong" typeface="Mongolian Baiti"/>
+        <a:font script="Viet" typeface="Arial"/>
+        <a:font script="Uigh" typeface="Microsoft Uighur"/>
+        <a:font script="Geor" typeface="Sylfaen"/>
+        <a:font script="Armn" typeface="Arial"/>
+        <a:font script="Bugi" typeface="Leelawadee UI"/>
+        <a:font script="Bopo" typeface="Microsoft JhengHei"/>
+        <a:font script="Java" typeface="Javanese Text"/>
+        <a:font script="Lisu" typeface="Segoe UI"/>
+        <a:font script="Mymr" typeface="Myanmar Text"/>
+        <a:font script="Nkoo" typeface="Ebrima"/>
+        <a:font script="Olck" typeface="Nirmala UI"/>
+        <a:font script="Osma" typeface="Ebrima"/>
+        <a:font script="Phag" typeface="Phagspa"/>
+        <a:font script="Syrn" typeface="Estrangelo Edessa"/>
+        <a:font script="Syrj" typeface="Estrangelo Edessa"/>
+        <a:font script="Syre" typeface="Estrangelo Edessa"/>
+        <a:font script="Sora" typeface="Nirmala UI"/>
+        <a:font script="Tale" typeface="Microsoft Tai Le"/>
+        <a:font script="Talu" typeface="Microsoft New Tai Lue"/>
+        <a:font script="Tfng" typeface="Ebrima"/>
+      </a:minorFont>
+    </a:fontScheme>
+    <a:fmtScheme name="Office">
+      <a:fillStyleLst>
+        <a:solidFill>
+          <a:schemeClr val="phClr"/>
+        </a:solidFill>
+        <a:gradFill rotWithShape="1">
+          <a:gsLst>
+            <a:gs pos="0">
+              <a:schemeClr val="phClr">
+                <a:lumMod val="110000"/>
+                <a:satMod val="105000"/>
+                <a:tint val="67000"/>
+              </a:schemeClr>
+            </a:gs>
+            <a:gs pos="50000">
+              <a:schemeClr val="phClr">
+                <a:lumMod val="105000"/>
+                <a:satMod val="103000"/>
+                <a:tint val="73000"/>
+              </a:schemeClr>
+            </a:gs>
+            <a:gs pos="100000">
+              <a:schemeClr val="phClr">
+                <a:lumMod val="105000"/>
+                <a:satMod val="109000"/>
+                <a:tint val="81000"/>
+              </a:schemeClr>
+            </a:gs>
+          </a:gsLst>
+          <a:lin ang="5400000" scaled="0"/>
+        </a:gradFill>
+        <a:gradFill rotWithShape="1">
+          <a:gsLst>
+            <a:gs pos="0">
+              <a:schemeClr val="phClr">
+                <a:satMod val="103000"/>
+                <a:lumMod val="102000"/>
+                <a:tint val="94000"/>
+              </a:schemeClr>
+            </a:gs>
+            <a:gs pos="50000">
+              <a:schemeClr val="phClr">
+                <a:satMod val="110000"/>
+                <a:lumMod val="100000"/>
+                <a:shade val="100000"/>
+              </a:schemeClr>
+            </a:gs>
+            <a:gs pos="100000">
+              <a:schemeClr val="phClr">
+                <a:lumMod val="99000"/>
+                <a:satMod val="120000"/>
+                <a:shade val="78000"/>
+              </a:schemeClr>
+            </a:gs>
+          </a:gsLst>
+          <a:lin ang="5400000" scaled="0"/>
+        </a:gradFill>
+      </a:fillStyleLst>
+      <a:lnStyleLst>
+        <a:ln w="12700" cap="flat" cmpd="sng" algn="ctr">
+          <a:solidFill>
+            <a:schemeClr val="phClr"/>
+          </a:solidFill>
+          <a:prstDash val="solid"/>
+          <a:miter lim="800000"/>
+        </a:ln>
+        <a:ln w="19050" cap="flat" cmpd="sng" algn="ctr">
+          <a:solidFill>
+            <a:schemeClr val="phClr"/>
+          </a:solidFill>
+          <a:prstDash val="solid"/>
+          <a:miter lim="800000"/>
+        </a:ln>
+        <a:ln w="25400" cap="flat" cmpd="sng" algn="ctr">
+          <a:solidFill>
+            <a:schemeClr val="phClr"/>
+          </a:solidFill>
+          <a:prstDash val="solid"/>
+          <a:miter lim="800000"/>
+        </a:ln>
+      </a:lnStyleLst>
+      <a:effectStyleLst>
+        <a:effectStyle>
+          <a:effectLst/>
+        </a:effectStyle>
+        <a:effectStyle>
+          <a:effectLst/>
+        </a:effectStyle>
+        <a:effectStyle>
+          <a:effectLst>
+            <a:outerShdw blurRad="57150" dist="19050" dir="5400000" algn="ctr" rotWithShape="0">
+              <a:srgbClr val="000000">
+                <a:alpha val="63000"/>
+              </a:srgbClr>
+            </a:outerShdw>
+          </a:effectLst>
+        </a:effectStyle>
+      </a:effectStyleLst>
+      <a:bgFillStyleLst>
+        <a:solidFill>
+          <a:schemeClr val="phClr"/>
+        </a:solidFill>
+        <a:solidFill>
+          <a:schemeClr val="phClr">
+            <a:tint val="95000"/>
+            <a:satMod val="170000"/>
+          </a:schemeClr>
+        </a:solidFill>
+        <a:gradFill rotWithShape="1">
+          <a:gsLst>
+            <a:gs pos="0">
+              <a:schemeClr val="phClr">
+                <a:tint val="93000"/>
+                <a:satMod val="150000"/>
+                <a:shade val="98000"/>
+                <a:lumMod val="102000"/>
+              </a:schemeClr>
+            </a:gs>
+            <a:gs pos="50000">
+              <a:schemeClr val="phClr">
+                <a:tint val="98000"/>
+                <a:satMod val="130000"/>
+                <a:shade val="90000"/>
+                <a:lumMod val="103000"/>
+              </a:schemeClr>
+            </a:gs>
+            <a:gs pos="100000">
+              <a:schemeClr val="phClr">
+                <a:shade val="63000"/>
+                <a:satMod val="120000"/>
+              </a:schemeClr>
+            </a:gs>
+          </a:gsLst>
+          <a:lin ang="5400000" scaled="0"/>
+        </a:gradFill>
+      </a:bgFillStyleLst>
+    </a:fmtScheme>
+  </a:themeElements>
+  <a:objectDefaults>
+    <a:lnDef>
+      <a:spPr/>
+      <a:bodyPr/>
+      <a:lstStyle/>
+      <a:style>
+        <a:lnRef idx="2">
+          <a:schemeClr val="accent1"/>
+        </a:lnRef>
+        <a:fillRef idx="0">
+          <a:schemeClr val="accent1"/>
+        </a:fillRef>
+        <a:effectRef idx="1">
+          <a:schemeClr val="accent1"/>
+        </a:effectRef>
+        <a:fontRef idx="minor">
+          <a:schemeClr val="tx1"/>
+        </a:fontRef>
+      </a:style>
+    </a:lnDef>
+  </a:objectDefaults>
+  <a:extraClrSchemeLst/>
+  <a:extLst>
+    <a:ext uri="{05A4C25C-085E-4340-85A3-A5531E510DB2}">
+      <thm15:themeFamily xmlns:thm15="http://schemas.microsoft.com/office/thememl/2012/main" name="Office Theme" id="{2E142A2C-CD16-42D6-873A-C26D2A0506FA}" vid="{1BDDFF52-6CD6-40A5-AB3C-68EB2F1E4D0A}"/>
+    </a:ext>
+  </a:extLst>
+</a:theme>
 </file>
--- a/Documents/Presentation.pptx
+++ b/Documents/Presentation.pptx
@@ -640,6 +640,772 @@
     <p:extLst>
       <p:ext uri="{BB962C8B-B14F-4D97-AF65-F5344CB8AC3E}">
         <p14:creationId xmlns:p14="http://schemas.microsoft.com/office/powerpoint/2010/main" val="3245129508"/>
+      </p:ext>
+    </p:extLst>
+  </p:cSld>
+  <p:clrMapOvr>
+    <a:masterClrMapping/>
+  </p:clrMapOvr>
+</p:notes>
+</file>
+
+<file path=ppt/notesSlides/notesSlide2.xml><?xml version="1.0" encoding="utf-8"?>
+<p:notes xmlns:a="http://schemas.openxmlformats.org/drawingml/2006/main" xmlns:r="http://schemas.openxmlformats.org/officeDocument/2006/relationships" xmlns:p="http://schemas.openxmlformats.org/presentationml/2006/main">
+  <p:cSld>
+    <p:spTree>
+      <p:nvGrpSpPr>
+        <p:cNvPr id="1" name=""/>
+        <p:cNvGrpSpPr/>
+        <p:nvPr/>
+      </p:nvGrpSpPr>
+      <p:grpSpPr>
+        <a:xfrm>
+          <a:off x="0" y="0"/>
+          <a:ext cx="0" cy="0"/>
+          <a:chOff x="0" y="0"/>
+          <a:chExt cx="0" cy="0"/>
+        </a:xfrm>
+      </p:grpSpPr>
+      <p:sp>
+        <p:nvSpPr>
+          <p:cNvPr id="2" name="Slide Image Placeholder 1"/>
+          <p:cNvSpPr>
+            <a:spLocks noGrp="1" noRot="1" noChangeAspect="1"/>
+          </p:cNvSpPr>
+          <p:nvPr>
+            <p:ph type="sldImg"/>
+          </p:nvPr>
+        </p:nvSpPr>
+        <p:spPr/>
+      </p:sp>
+      <p:sp>
+        <p:nvSpPr>
+          <p:cNvPr id="3" name="Notes Placeholder 2"/>
+          <p:cNvSpPr>
+            <a:spLocks noGrp="1"/>
+          </p:cNvSpPr>
+          <p:nvPr>
+            <p:ph type="body" idx="1"/>
+          </p:nvPr>
+        </p:nvSpPr>
+        <p:spPr/>
+        <p:txBody>
+          <a:bodyPr/>
+          <a:lstStyle/>
+          <a:p>
+            <a:pPr marL="171450" indent="-171450">
+              <a:buFont typeface="Arial" panose="020B0604020202020204" pitchFamily="34" charset="0"/>
+              <a:buChar char="•"/>
+            </a:pPr>
+            <a:r>
+              <a:rPr lang="en-US" dirty="0"/>
+              <a:t>In the first sprint, I started by writing an introduction to the project and creating the project vision. I then conducted research on the background of how reminders and calendars have been used in the past, and this dates back thousands of years, emphasizing how important a reminder calendar system can be to people. To finish off this sprint I created some wireframes which laid out how the application should look.</a:t>
+            </a:r>
+          </a:p>
+          <a:p>
+            <a:pPr marL="171450" indent="-171450">
+              <a:buFont typeface="Arial" panose="020B0604020202020204" pitchFamily="34" charset="0"/>
+              <a:buChar char="•"/>
+            </a:pPr>
+            <a:endParaRPr lang="en-US" dirty="0"/>
+          </a:p>
+          <a:p>
+            <a:pPr marL="171450" indent="-171450">
+              <a:buFont typeface="Arial" panose="020B0604020202020204" pitchFamily="34" charset="0"/>
+              <a:buChar char="•"/>
+            </a:pPr>
+            <a:r>
+              <a:rPr lang="en-US" dirty="0"/>
+              <a:t>In the second sprint I created UML diagrams to understand how data structures should be organized so that all the required data was stored logically, and the data is only accessed through getter and setter functions so that it is easy to control how the data is changed. I also began to program the application. I started with the nav bar, the table that contains the calendar and reminders, the log in dialogue and the register dialogue.</a:t>
+            </a:r>
+          </a:p>
+        </p:txBody>
+      </p:sp>
+      <p:sp>
+        <p:nvSpPr>
+          <p:cNvPr id="4" name="Slide Number Placeholder 3"/>
+          <p:cNvSpPr>
+            <a:spLocks noGrp="1"/>
+          </p:cNvSpPr>
+          <p:nvPr>
+            <p:ph type="sldNum" sz="quarter" idx="5"/>
+          </p:nvPr>
+        </p:nvSpPr>
+        <p:spPr/>
+        <p:txBody>
+          <a:bodyPr/>
+          <a:lstStyle/>
+          <a:p>
+            <a:fld id="{1ACBC571-0237-B947-ACEF-19124F71DA04}" type="slidenum">
+              <a:rPr lang="en-US" smtClean="0"/>
+              <a:t>2</a:t>
+            </a:fld>
+            <a:endParaRPr lang="en-US"/>
+          </a:p>
+        </p:txBody>
+      </p:sp>
+    </p:spTree>
+    <p:extLst>
+      <p:ext uri="{BB962C8B-B14F-4D97-AF65-F5344CB8AC3E}">
+        <p14:creationId xmlns:p14="http://schemas.microsoft.com/office/powerpoint/2010/main" val="1355480464"/>
+      </p:ext>
+    </p:extLst>
+  </p:cSld>
+  <p:clrMapOvr>
+    <a:masterClrMapping/>
+  </p:clrMapOvr>
+</p:notes>
+</file>
+
+<file path=ppt/notesSlides/notesSlide3.xml><?xml version="1.0" encoding="utf-8"?>
+<p:notes xmlns:a="http://schemas.openxmlformats.org/drawingml/2006/main" xmlns:r="http://schemas.openxmlformats.org/officeDocument/2006/relationships" xmlns:p="http://schemas.openxmlformats.org/presentationml/2006/main">
+  <p:cSld>
+    <p:spTree>
+      <p:nvGrpSpPr>
+        <p:cNvPr id="1" name=""/>
+        <p:cNvGrpSpPr/>
+        <p:nvPr/>
+      </p:nvGrpSpPr>
+      <p:grpSpPr>
+        <a:xfrm>
+          <a:off x="0" y="0"/>
+          <a:ext cx="0" cy="0"/>
+          <a:chOff x="0" y="0"/>
+          <a:chExt cx="0" cy="0"/>
+        </a:xfrm>
+      </p:grpSpPr>
+      <p:sp>
+        <p:nvSpPr>
+          <p:cNvPr id="2" name="Slide Image Placeholder 1"/>
+          <p:cNvSpPr>
+            <a:spLocks noGrp="1" noRot="1" noChangeAspect="1"/>
+          </p:cNvSpPr>
+          <p:nvPr>
+            <p:ph type="sldImg"/>
+          </p:nvPr>
+        </p:nvSpPr>
+        <p:spPr/>
+      </p:sp>
+      <p:sp>
+        <p:nvSpPr>
+          <p:cNvPr id="3" name="Notes Placeholder 2"/>
+          <p:cNvSpPr>
+            <a:spLocks noGrp="1"/>
+          </p:cNvSpPr>
+          <p:nvPr>
+            <p:ph type="body" idx="1"/>
+          </p:nvPr>
+        </p:nvSpPr>
+        <p:spPr/>
+        <p:txBody>
+          <a:bodyPr/>
+          <a:lstStyle/>
+          <a:p>
+            <a:pPr marL="171450" indent="-171450">
+              <a:buFont typeface="Arial" panose="020B0604020202020204" pitchFamily="34" charset="0"/>
+              <a:buChar char="•"/>
+            </a:pPr>
+            <a:r>
+              <a:rPr lang="en-US" dirty="0"/>
+              <a:t>In my third sprint I started to create JavaScript functions to allow the application to function. The first function I created sorted out putting dates into the calendar table and making sure that the dates lined up with the corrected day of the week. The current date is also highlighted to make it easier for the user to know which day it is. I also implemented functions to allow the user to navigate through the calendar.</a:t>
+            </a:r>
+          </a:p>
+          <a:p>
+            <a:pPr marL="171450" indent="-171450">
+              <a:buFont typeface="Arial" panose="020B0604020202020204" pitchFamily="34" charset="0"/>
+              <a:buChar char="•"/>
+            </a:pPr>
+            <a:endParaRPr lang="en-US" dirty="0"/>
+          </a:p>
+          <a:p>
+            <a:pPr marL="171450" indent="-171450">
+              <a:buFont typeface="Arial" panose="020B0604020202020204" pitchFamily="34" charset="0"/>
+              <a:buChar char="•"/>
+            </a:pPr>
+            <a:r>
+              <a:rPr lang="en-US" dirty="0"/>
+              <a:t>The fourth sprint consisted of creating a NodeJS server to allow data to be stored centrally to allow access from anywhere. A log in and register function were also created to allow the client to communicate with the server to either verify log in credentials or create an account. A client side JavaScript function was also created to allow the user to log in.</a:t>
+            </a:r>
+          </a:p>
+        </p:txBody>
+      </p:sp>
+      <p:sp>
+        <p:nvSpPr>
+          <p:cNvPr id="4" name="Slide Number Placeholder 3"/>
+          <p:cNvSpPr>
+            <a:spLocks noGrp="1"/>
+          </p:cNvSpPr>
+          <p:nvPr>
+            <p:ph type="sldNum" sz="quarter" idx="5"/>
+          </p:nvPr>
+        </p:nvSpPr>
+        <p:spPr/>
+        <p:txBody>
+          <a:bodyPr/>
+          <a:lstStyle/>
+          <a:p>
+            <a:fld id="{1ACBC571-0237-B947-ACEF-19124F71DA04}" type="slidenum">
+              <a:rPr lang="en-US" smtClean="0"/>
+              <a:t>3</a:t>
+            </a:fld>
+            <a:endParaRPr lang="en-US"/>
+          </a:p>
+        </p:txBody>
+      </p:sp>
+    </p:spTree>
+    <p:extLst>
+      <p:ext uri="{BB962C8B-B14F-4D97-AF65-F5344CB8AC3E}">
+        <p14:creationId xmlns:p14="http://schemas.microsoft.com/office/powerpoint/2010/main" val="2625148437"/>
+      </p:ext>
+    </p:extLst>
+  </p:cSld>
+  <p:clrMapOvr>
+    <a:masterClrMapping/>
+  </p:clrMapOvr>
+</p:notes>
+</file>
+
+<file path=ppt/notesSlides/notesSlide4.xml><?xml version="1.0" encoding="utf-8"?>
+<p:notes xmlns:a="http://schemas.openxmlformats.org/drawingml/2006/main" xmlns:r="http://schemas.openxmlformats.org/officeDocument/2006/relationships" xmlns:p="http://schemas.openxmlformats.org/presentationml/2006/main">
+  <p:cSld>
+    <p:spTree>
+      <p:nvGrpSpPr>
+        <p:cNvPr id="1" name=""/>
+        <p:cNvGrpSpPr/>
+        <p:nvPr/>
+      </p:nvGrpSpPr>
+      <p:grpSpPr>
+        <a:xfrm>
+          <a:off x="0" y="0"/>
+          <a:ext cx="0" cy="0"/>
+          <a:chOff x="0" y="0"/>
+          <a:chExt cx="0" cy="0"/>
+        </a:xfrm>
+      </p:grpSpPr>
+      <p:sp>
+        <p:nvSpPr>
+          <p:cNvPr id="2" name="Slide Image Placeholder 1"/>
+          <p:cNvSpPr>
+            <a:spLocks noGrp="1" noRot="1" noChangeAspect="1"/>
+          </p:cNvSpPr>
+          <p:nvPr>
+            <p:ph type="sldImg"/>
+          </p:nvPr>
+        </p:nvSpPr>
+        <p:spPr/>
+      </p:sp>
+      <p:sp>
+        <p:nvSpPr>
+          <p:cNvPr id="3" name="Notes Placeholder 2"/>
+          <p:cNvSpPr>
+            <a:spLocks noGrp="1"/>
+          </p:cNvSpPr>
+          <p:nvPr>
+            <p:ph type="body" idx="1"/>
+          </p:nvPr>
+        </p:nvSpPr>
+        <p:spPr/>
+        <p:txBody>
+          <a:bodyPr/>
+          <a:lstStyle/>
+          <a:p>
+            <a:pPr marL="171450" indent="-171450">
+              <a:buFont typeface="Arial" panose="020B0604020202020204" pitchFamily="34" charset="0"/>
+              <a:buChar char="•"/>
+            </a:pPr>
+            <a:r>
+              <a:rPr lang="en-GB" dirty="0"/>
+              <a:t>In my fifth sprint, the client side function was created to allow users to register for an account, along with a server side function for creating new reminders. I also used this sprint to make sure that all previous sprints were complete, catching up on any delays.</a:t>
+            </a:r>
+          </a:p>
+          <a:p>
+            <a:pPr marL="171450" indent="-171450">
+              <a:buFont typeface="Arial" panose="020B0604020202020204" pitchFamily="34" charset="0"/>
+              <a:buChar char="•"/>
+            </a:pPr>
+            <a:endParaRPr lang="en-GB" dirty="0"/>
+          </a:p>
+          <a:p>
+            <a:pPr marL="171450" indent="-171450">
+              <a:buFont typeface="Arial" panose="020B0604020202020204" pitchFamily="34" charset="0"/>
+              <a:buChar char="•"/>
+            </a:pPr>
+            <a:r>
+              <a:rPr lang="en-GB" dirty="0"/>
+              <a:t>The sixth sprint implemented the JavaScript function to allow the user to create the reminders, as well as a dialogue for the user to fill in data for that reminder. This sprint was also used to fix any bugs that had been found.</a:t>
+            </a:r>
+          </a:p>
+        </p:txBody>
+      </p:sp>
+      <p:sp>
+        <p:nvSpPr>
+          <p:cNvPr id="4" name="Slide Number Placeholder 3"/>
+          <p:cNvSpPr>
+            <a:spLocks noGrp="1"/>
+          </p:cNvSpPr>
+          <p:nvPr>
+            <p:ph type="sldNum" sz="quarter" idx="5"/>
+          </p:nvPr>
+        </p:nvSpPr>
+        <p:spPr/>
+        <p:txBody>
+          <a:bodyPr/>
+          <a:lstStyle/>
+          <a:p>
+            <a:fld id="{1ACBC571-0237-B947-ACEF-19124F71DA04}" type="slidenum">
+              <a:rPr lang="en-US" smtClean="0"/>
+              <a:t>4</a:t>
+            </a:fld>
+            <a:endParaRPr lang="en-US"/>
+          </a:p>
+        </p:txBody>
+      </p:sp>
+    </p:spTree>
+    <p:extLst>
+      <p:ext uri="{BB962C8B-B14F-4D97-AF65-F5344CB8AC3E}">
+        <p14:creationId xmlns:p14="http://schemas.microsoft.com/office/powerpoint/2010/main" val="988596631"/>
+      </p:ext>
+    </p:extLst>
+  </p:cSld>
+  <p:clrMapOvr>
+    <a:masterClrMapping/>
+  </p:clrMapOvr>
+</p:notes>
+</file>
+
+<file path=ppt/notesSlides/notesSlide5.xml><?xml version="1.0" encoding="utf-8"?>
+<p:notes xmlns:a="http://schemas.openxmlformats.org/drawingml/2006/main" xmlns:r="http://schemas.openxmlformats.org/officeDocument/2006/relationships" xmlns:p="http://schemas.openxmlformats.org/presentationml/2006/main">
+  <p:cSld>
+    <p:spTree>
+      <p:nvGrpSpPr>
+        <p:cNvPr id="1" name=""/>
+        <p:cNvGrpSpPr/>
+        <p:nvPr/>
+      </p:nvGrpSpPr>
+      <p:grpSpPr>
+        <a:xfrm>
+          <a:off x="0" y="0"/>
+          <a:ext cx="0" cy="0"/>
+          <a:chOff x="0" y="0"/>
+          <a:chExt cx="0" cy="0"/>
+        </a:xfrm>
+      </p:grpSpPr>
+      <p:sp>
+        <p:nvSpPr>
+          <p:cNvPr id="2" name="Slide Image Placeholder 1"/>
+          <p:cNvSpPr>
+            <a:spLocks noGrp="1" noRot="1" noChangeAspect="1"/>
+          </p:cNvSpPr>
+          <p:nvPr>
+            <p:ph type="sldImg"/>
+          </p:nvPr>
+        </p:nvSpPr>
+        <p:spPr/>
+      </p:sp>
+      <p:sp>
+        <p:nvSpPr>
+          <p:cNvPr id="3" name="Notes Placeholder 2"/>
+          <p:cNvSpPr>
+            <a:spLocks noGrp="1"/>
+          </p:cNvSpPr>
+          <p:nvPr>
+            <p:ph type="body" idx="1"/>
+          </p:nvPr>
+        </p:nvSpPr>
+        <p:spPr/>
+        <p:txBody>
+          <a:bodyPr/>
+          <a:lstStyle/>
+          <a:p>
+            <a:pPr marL="171450" indent="-171450">
+              <a:buFont typeface="Arial" panose="020B0604020202020204" pitchFamily="34" charset="0"/>
+              <a:buChar char="•"/>
+            </a:pPr>
+            <a:r>
+              <a:rPr lang="en-GB" dirty="0"/>
+              <a:t>The seventh sprint involved creating server-side functions for both sending reminders from the server to the client and completing reminders. A template for how the reminder would be displayed was also created.</a:t>
+            </a:r>
+          </a:p>
+          <a:p>
+            <a:pPr marL="171450" indent="-171450">
+              <a:buFont typeface="Arial" panose="020B0604020202020204" pitchFamily="34" charset="0"/>
+              <a:buChar char="•"/>
+            </a:pPr>
+            <a:endParaRPr lang="en-GB" dirty="0"/>
+          </a:p>
+          <a:p>
+            <a:pPr marL="171450" indent="-171450">
+              <a:buFont typeface="Arial" panose="020B0604020202020204" pitchFamily="34" charset="0"/>
+              <a:buChar char="•"/>
+            </a:pPr>
+            <a:r>
+              <a:rPr lang="en-GB" dirty="0"/>
+              <a:t>In Sprint 8, client-side functions were created for receiving reminders from the server, and sorting them into an array. A function was also created to sort displaying the relevant reminders on the screen as well as a dialogue box to allow users to edit reminders that already exist.</a:t>
+            </a:r>
+          </a:p>
+          <a:p>
+            <a:pPr marL="171450" indent="-171450">
+              <a:buFont typeface="Arial" panose="020B0604020202020204" pitchFamily="34" charset="0"/>
+              <a:buChar char="•"/>
+            </a:pPr>
+            <a:endParaRPr lang="en-GB" dirty="0"/>
+          </a:p>
+          <a:p>
+            <a:pPr marL="171450" indent="-171450">
+              <a:buFont typeface="Arial" panose="020B0604020202020204" pitchFamily="34" charset="0"/>
+              <a:buChar char="•"/>
+            </a:pPr>
+            <a:r>
+              <a:rPr lang="en-GB" dirty="0"/>
+              <a:t>In the final sprint, the server-side function for editing reminders was created, as well as completing any delayed tasks and fixing any bugs that had been found.</a:t>
+            </a:r>
+          </a:p>
+        </p:txBody>
+      </p:sp>
+      <p:sp>
+        <p:nvSpPr>
+          <p:cNvPr id="4" name="Slide Number Placeholder 3"/>
+          <p:cNvSpPr>
+            <a:spLocks noGrp="1"/>
+          </p:cNvSpPr>
+          <p:nvPr>
+            <p:ph type="sldNum" sz="quarter" idx="5"/>
+          </p:nvPr>
+        </p:nvSpPr>
+        <p:spPr/>
+        <p:txBody>
+          <a:bodyPr/>
+          <a:lstStyle/>
+          <a:p>
+            <a:fld id="{1ACBC571-0237-B947-ACEF-19124F71DA04}" type="slidenum">
+              <a:rPr lang="en-US" smtClean="0"/>
+              <a:t>5</a:t>
+            </a:fld>
+            <a:endParaRPr lang="en-US"/>
+          </a:p>
+        </p:txBody>
+      </p:sp>
+    </p:spTree>
+    <p:extLst>
+      <p:ext uri="{BB962C8B-B14F-4D97-AF65-F5344CB8AC3E}">
+        <p14:creationId xmlns:p14="http://schemas.microsoft.com/office/powerpoint/2010/main" val="2668757586"/>
+      </p:ext>
+    </p:extLst>
+  </p:cSld>
+  <p:clrMapOvr>
+    <a:masterClrMapping/>
+  </p:clrMapOvr>
+</p:notes>
+</file>
+
+<file path=ppt/notesSlides/notesSlide6.xml><?xml version="1.0" encoding="utf-8"?>
+<p:notes xmlns:a="http://schemas.openxmlformats.org/drawingml/2006/main" xmlns:r="http://schemas.openxmlformats.org/officeDocument/2006/relationships" xmlns:p="http://schemas.openxmlformats.org/presentationml/2006/main">
+  <p:cSld>
+    <p:spTree>
+      <p:nvGrpSpPr>
+        <p:cNvPr id="1" name=""/>
+        <p:cNvGrpSpPr/>
+        <p:nvPr/>
+      </p:nvGrpSpPr>
+      <p:grpSpPr>
+        <a:xfrm>
+          <a:off x="0" y="0"/>
+          <a:ext cx="0" cy="0"/>
+          <a:chOff x="0" y="0"/>
+          <a:chExt cx="0" cy="0"/>
+        </a:xfrm>
+      </p:grpSpPr>
+      <p:sp>
+        <p:nvSpPr>
+          <p:cNvPr id="2" name="Slide Image Placeholder 1"/>
+          <p:cNvSpPr>
+            <a:spLocks noGrp="1" noRot="1" noChangeAspect="1"/>
+          </p:cNvSpPr>
+          <p:nvPr>
+            <p:ph type="sldImg"/>
+          </p:nvPr>
+        </p:nvSpPr>
+        <p:spPr/>
+      </p:sp>
+      <p:sp>
+        <p:nvSpPr>
+          <p:cNvPr id="3" name="Notes Placeholder 2"/>
+          <p:cNvSpPr>
+            <a:spLocks noGrp="1"/>
+          </p:cNvSpPr>
+          <p:nvPr>
+            <p:ph type="body" idx="1"/>
+          </p:nvPr>
+        </p:nvSpPr>
+        <p:spPr/>
+        <p:txBody>
+          <a:bodyPr/>
+          <a:lstStyle/>
+          <a:p>
+            <a:pPr marL="171450" indent="-171450">
+              <a:buFont typeface="Arial" panose="020B0604020202020204" pitchFamily="34" charset="0"/>
+              <a:buChar char="•"/>
+            </a:pPr>
+            <a:r>
+              <a:rPr lang="en-GB" dirty="0"/>
+              <a:t>These are a couple of UML diagrams that were created to demonstrate how data should be stored, and the functions associated with that data. The Reminder diagram contains data to hold the contents of the reminders, and the relevant getter and setter functions to access the data. These functions are used to prevent the data from being edited anywhere in the program which makes it easier to monitor and error check the data before it gets overwritten.</a:t>
+            </a:r>
+          </a:p>
+          <a:p>
+            <a:pPr marL="171450" indent="-171450">
+              <a:buFont typeface="Arial" panose="020B0604020202020204" pitchFamily="34" charset="0"/>
+              <a:buChar char="•"/>
+            </a:pPr>
+            <a:endParaRPr lang="en-GB" dirty="0"/>
+          </a:p>
+          <a:p>
+            <a:pPr marL="171450" indent="-171450">
+              <a:buFont typeface="Arial" panose="020B0604020202020204" pitchFamily="34" charset="0"/>
+              <a:buChar char="•"/>
+            </a:pPr>
+            <a:r>
+              <a:rPr lang="en-GB" dirty="0"/>
+              <a:t>The system data UML diagram shows how the data will be stored that is required for the application to run successfully. After having created the application, this data structure also stores the users data, such as name and username.</a:t>
+            </a:r>
+          </a:p>
+        </p:txBody>
+      </p:sp>
+      <p:sp>
+        <p:nvSpPr>
+          <p:cNvPr id="4" name="Slide Number Placeholder 3"/>
+          <p:cNvSpPr>
+            <a:spLocks noGrp="1"/>
+          </p:cNvSpPr>
+          <p:nvPr>
+            <p:ph type="sldNum" sz="quarter" idx="5"/>
+          </p:nvPr>
+        </p:nvSpPr>
+        <p:spPr/>
+        <p:txBody>
+          <a:bodyPr/>
+          <a:lstStyle/>
+          <a:p>
+            <a:fld id="{1ACBC571-0237-B947-ACEF-19124F71DA04}" type="slidenum">
+              <a:rPr lang="en-US" smtClean="0"/>
+              <a:t>6</a:t>
+            </a:fld>
+            <a:endParaRPr lang="en-US"/>
+          </a:p>
+        </p:txBody>
+      </p:sp>
+    </p:spTree>
+    <p:extLst>
+      <p:ext uri="{BB962C8B-B14F-4D97-AF65-F5344CB8AC3E}">
+        <p14:creationId xmlns:p14="http://schemas.microsoft.com/office/powerpoint/2010/main" val="132930427"/>
+      </p:ext>
+    </p:extLst>
+  </p:cSld>
+  <p:clrMapOvr>
+    <a:masterClrMapping/>
+  </p:clrMapOvr>
+</p:notes>
+</file>
+
+<file path=ppt/notesSlides/notesSlide7.xml><?xml version="1.0" encoding="utf-8"?>
+<p:notes xmlns:a="http://schemas.openxmlformats.org/drawingml/2006/main" xmlns:r="http://schemas.openxmlformats.org/officeDocument/2006/relationships" xmlns:p="http://schemas.openxmlformats.org/presentationml/2006/main">
+  <p:cSld>
+    <p:spTree>
+      <p:nvGrpSpPr>
+        <p:cNvPr id="1" name=""/>
+        <p:cNvGrpSpPr/>
+        <p:nvPr/>
+      </p:nvGrpSpPr>
+      <p:grpSpPr>
+        <a:xfrm>
+          <a:off x="0" y="0"/>
+          <a:ext cx="0" cy="0"/>
+          <a:chOff x="0" y="0"/>
+          <a:chExt cx="0" cy="0"/>
+        </a:xfrm>
+      </p:grpSpPr>
+      <p:sp>
+        <p:nvSpPr>
+          <p:cNvPr id="2" name="Slide Image Placeholder 1"/>
+          <p:cNvSpPr>
+            <a:spLocks noGrp="1" noRot="1" noChangeAspect="1"/>
+          </p:cNvSpPr>
+          <p:nvPr>
+            <p:ph type="sldImg"/>
+          </p:nvPr>
+        </p:nvSpPr>
+        <p:spPr/>
+      </p:sp>
+      <p:sp>
+        <p:nvSpPr>
+          <p:cNvPr id="3" name="Notes Placeholder 2"/>
+          <p:cNvSpPr>
+            <a:spLocks noGrp="1"/>
+          </p:cNvSpPr>
+          <p:nvPr>
+            <p:ph type="body" idx="1"/>
+          </p:nvPr>
+        </p:nvSpPr>
+        <p:spPr/>
+        <p:txBody>
+          <a:bodyPr/>
+          <a:lstStyle/>
+          <a:p>
+            <a:pPr marL="171450" indent="-171450">
+              <a:buFont typeface="Arial" panose="020B0604020202020204" pitchFamily="34" charset="0"/>
+              <a:buChar char="•"/>
+            </a:pPr>
+            <a:r>
+              <a:rPr lang="en-GB" dirty="0"/>
+              <a:t>The first challenge I came across was how to centrally store user data. After researching how to solve this issue, I found that creating a NodeJS server would solve this issue. I then had to research and learn how to use and create this type of server, and how best to communicate between the client and server.</a:t>
+            </a:r>
+          </a:p>
+          <a:p>
+            <a:pPr marL="171450" indent="-171450">
+              <a:buFont typeface="Arial" panose="020B0604020202020204" pitchFamily="34" charset="0"/>
+              <a:buChar char="•"/>
+            </a:pPr>
+            <a:endParaRPr lang="en-GB" dirty="0"/>
+          </a:p>
+          <a:p>
+            <a:pPr marL="171450" indent="-171450">
+              <a:buFont typeface="Arial" panose="020B0604020202020204" pitchFamily="34" charset="0"/>
+              <a:buChar char="•"/>
+            </a:pPr>
+            <a:r>
+              <a:rPr lang="en-GB" dirty="0"/>
+              <a:t>Another issue I came across was creating the functions for navigating through the calendar. I wasn’t expecting this to be as challenging as it turned out to be as when navigating backwards and forwards, the dates would not stay lined up with the correct day of the week. This challenge led to this sprint being extended to make sure that these functions operated correctly.</a:t>
+            </a:r>
+          </a:p>
+          <a:p>
+            <a:pPr marL="171450" indent="-171450">
+              <a:buFont typeface="Arial" panose="020B0604020202020204" pitchFamily="34" charset="0"/>
+              <a:buChar char="•"/>
+            </a:pPr>
+            <a:endParaRPr lang="en-GB" dirty="0"/>
+          </a:p>
+          <a:p>
+            <a:pPr marL="171450" indent="-171450">
+              <a:buFont typeface="Arial" panose="020B0604020202020204" pitchFamily="34" charset="0"/>
+              <a:buChar char="•"/>
+            </a:pPr>
+            <a:r>
+              <a:rPr lang="en-GB" dirty="0"/>
+              <a:t>A third challenge I faced was managing my time when other modules deadlines were approaching, to make sure that my other coursework was completed whilst still trying to complete the sprints on time. This did lead to some delays in sprints being completed.</a:t>
+            </a:r>
+          </a:p>
+        </p:txBody>
+      </p:sp>
+      <p:sp>
+        <p:nvSpPr>
+          <p:cNvPr id="4" name="Slide Number Placeholder 3"/>
+          <p:cNvSpPr>
+            <a:spLocks noGrp="1"/>
+          </p:cNvSpPr>
+          <p:nvPr>
+            <p:ph type="sldNum" sz="quarter" idx="5"/>
+          </p:nvPr>
+        </p:nvSpPr>
+        <p:spPr/>
+        <p:txBody>
+          <a:bodyPr/>
+          <a:lstStyle/>
+          <a:p>
+            <a:fld id="{1ACBC571-0237-B947-ACEF-19124F71DA04}" type="slidenum">
+              <a:rPr lang="en-US" smtClean="0"/>
+              <a:t>7</a:t>
+            </a:fld>
+            <a:endParaRPr lang="en-US"/>
+          </a:p>
+        </p:txBody>
+      </p:sp>
+    </p:spTree>
+    <p:extLst>
+      <p:ext uri="{BB962C8B-B14F-4D97-AF65-F5344CB8AC3E}">
+        <p14:creationId xmlns:p14="http://schemas.microsoft.com/office/powerpoint/2010/main" val="3167301112"/>
+      </p:ext>
+    </p:extLst>
+  </p:cSld>
+  <p:clrMapOvr>
+    <a:masterClrMapping/>
+  </p:clrMapOvr>
+</p:notes>
+</file>
+
+<file path=ppt/notesSlides/notesSlide8.xml><?xml version="1.0" encoding="utf-8"?>
+<p:notes xmlns:a="http://schemas.openxmlformats.org/drawingml/2006/main" xmlns:r="http://schemas.openxmlformats.org/officeDocument/2006/relationships" xmlns:p="http://schemas.openxmlformats.org/presentationml/2006/main">
+  <p:cSld>
+    <p:spTree>
+      <p:nvGrpSpPr>
+        <p:cNvPr id="1" name=""/>
+        <p:cNvGrpSpPr/>
+        <p:nvPr/>
+      </p:nvGrpSpPr>
+      <p:grpSpPr>
+        <a:xfrm>
+          <a:off x="0" y="0"/>
+          <a:ext cx="0" cy="0"/>
+          <a:chOff x="0" y="0"/>
+          <a:chExt cx="0" cy="0"/>
+        </a:xfrm>
+      </p:grpSpPr>
+      <p:sp>
+        <p:nvSpPr>
+          <p:cNvPr id="2" name="Slide Image Placeholder 1"/>
+          <p:cNvSpPr>
+            <a:spLocks noGrp="1" noRot="1" noChangeAspect="1"/>
+          </p:cNvSpPr>
+          <p:nvPr>
+            <p:ph type="sldImg"/>
+          </p:nvPr>
+        </p:nvSpPr>
+        <p:spPr/>
+      </p:sp>
+      <p:sp>
+        <p:nvSpPr>
+          <p:cNvPr id="3" name="Notes Placeholder 2"/>
+          <p:cNvSpPr>
+            <a:spLocks noGrp="1"/>
+          </p:cNvSpPr>
+          <p:nvPr>
+            <p:ph type="body" idx="1"/>
+          </p:nvPr>
+        </p:nvSpPr>
+        <p:spPr/>
+        <p:txBody>
+          <a:bodyPr/>
+          <a:lstStyle/>
+          <a:p>
+            <a:endParaRPr lang="en-GB"/>
+          </a:p>
+        </p:txBody>
+      </p:sp>
+      <p:sp>
+        <p:nvSpPr>
+          <p:cNvPr id="4" name="Slide Number Placeholder 3"/>
+          <p:cNvSpPr>
+            <a:spLocks noGrp="1"/>
+          </p:cNvSpPr>
+          <p:nvPr>
+            <p:ph type="sldNum" sz="quarter" idx="5"/>
+          </p:nvPr>
+        </p:nvSpPr>
+        <p:spPr/>
+        <p:txBody>
+          <a:bodyPr/>
+          <a:lstStyle/>
+          <a:p>
+            <a:fld id="{1ACBC571-0237-B947-ACEF-19124F71DA04}" type="slidenum">
+              <a:rPr lang="en-US" smtClean="0"/>
+              <a:t>8</a:t>
+            </a:fld>
+            <a:endParaRPr lang="en-US"/>
+          </a:p>
+        </p:txBody>
+      </p:sp>
+    </p:spTree>
+    <p:extLst>
+      <p:ext uri="{BB962C8B-B14F-4D97-AF65-F5344CB8AC3E}">
+        <p14:creationId xmlns:p14="http://schemas.microsoft.com/office/powerpoint/2010/main" val="110071426"/>
       </p:ext>
     </p:extLst>
   </p:cSld>
@@ -3944,7 +4710,7 @@
           <a:p>
             <a:r>
               <a:rPr lang="en-GB" dirty="0"/>
-              <a:t>Project Plan and Sprints</a:t>
+              <a:t>Sprints</a:t>
             </a:r>
           </a:p>
         </p:txBody>
@@ -4121,7 +4887,7 @@
           <a:p>
             <a:r>
               <a:rPr lang="en-GB" dirty="0"/>
-              <a:t>Project Plan and Sprints</a:t>
+              <a:t>Sprints</a:t>
             </a:r>
           </a:p>
         </p:txBody>
@@ -4168,14 +4934,14 @@
             <a:pPr lvl="1"/>
             <a:r>
               <a:rPr lang="en-GB" dirty="0"/>
+              <a:t>Highlight current date</a:t>
+            </a:r>
+          </a:p>
+          <a:p>
+            <a:pPr lvl="1"/>
+            <a:r>
+              <a:rPr lang="en-GB" dirty="0"/>
               <a:t>Function for navigating calendar</a:t>
-            </a:r>
-          </a:p>
-          <a:p>
-            <a:pPr lvl="1"/>
-            <a:r>
-              <a:rPr lang="en-GB" dirty="0"/>
-              <a:t>Highlight current date</a:t>
             </a:r>
           </a:p>
           <a:p>
@@ -4271,7 +5037,7 @@
           <a:p>
             <a:r>
               <a:rPr lang="en-GB" dirty="0"/>
-              <a:t>Project Plan and Sprints</a:t>
+              <a:t>Sprints</a:t>
             </a:r>
           </a:p>
         </p:txBody>
@@ -4318,6 +5084,13 @@
           </a:p>
           <a:p>
             <a:pPr lvl="1"/>
+            <a:r>
+              <a:rPr lang="en-GB" dirty="0"/>
+              <a:t>Make sure all previous sprints are complete</a:t>
+            </a:r>
+          </a:p>
+          <a:p>
+            <a:pPr lvl="1"/>
             <a:endParaRPr lang="en-GB" dirty="0"/>
           </a:p>
           <a:p>
@@ -4338,6 +5111,13 @@
             <a:r>
               <a:rPr lang="en-GB" dirty="0"/>
               <a:t>HTML create reminder dialogue</a:t>
+            </a:r>
+          </a:p>
+          <a:p>
+            <a:pPr lvl="1"/>
+            <a:r>
+              <a:rPr lang="en-GB" dirty="0"/>
+              <a:t>Bug fixing</a:t>
             </a:r>
           </a:p>
         </p:txBody>
@@ -4395,7 +5175,7 @@
           <a:p>
             <a:r>
               <a:rPr lang="en-GB" dirty="0"/>
-              <a:t>Project Plan and Sprints</a:t>
+              <a:t>Sprints</a:t>
             </a:r>
           </a:p>
         </p:txBody>
@@ -4424,7 +5204,7 @@
         </p:spPr>
         <p:txBody>
           <a:bodyPr>
-            <a:normAutofit lnSpcReduction="10000"/>
+            <a:normAutofit fontScale="92500" lnSpcReduction="10000"/>
           </a:bodyPr>
           <a:lstStyle/>
           <a:p>
@@ -4500,6 +5280,13 @@
             <a:r>
               <a:rPr lang="en-GB" dirty="0"/>
               <a:t>Server-side function for editing reminders</a:t>
+            </a:r>
+          </a:p>
+          <a:p>
+            <a:pPr lvl="1"/>
+            <a:r>
+              <a:rPr lang="en-GB" dirty="0"/>
+              <a:t>Bug fixing and delayed tasks</a:t>
             </a:r>
           </a:p>
         </p:txBody>
@@ -4577,7 +5364,7 @@
           <p:nvPr/>
         </p:nvPicPr>
         <p:blipFill>
-          <a:blip r:embed="rId2"/>
+          <a:blip r:embed="rId3"/>
           <a:stretch>
             <a:fillRect/>
           </a:stretch>
@@ -4607,7 +5394,7 @@
           <p:nvPr/>
         </p:nvPicPr>
         <p:blipFill>
-          <a:blip r:embed="rId3"/>
+          <a:blip r:embed="rId4"/>
           <a:stretch>
             <a:fillRect/>
           </a:stretch>
@@ -4886,7 +5673,7 @@
           <p:nvPr/>
         </p:nvPicPr>
         <p:blipFill>
-          <a:blip r:embed="rId2">
+          <a:blip r:embed="rId3">
             <a:extLst>
               <a:ext uri="{28A0092B-C50C-407E-A947-70E740481C1C}">
                 <a14:useLocalDpi xmlns:a14="http://schemas.microsoft.com/office/drawing/2010/main" val="0"/>

--- a/Documents/Presentation.pptx
+++ b/Documents/Presentation.pptx
@@ -1375,7 +1375,7 @@
           <a:bodyPr/>
           <a:lstStyle/>
           <a:p>
-            <a:endParaRPr lang="en-GB"/>
+            <a:endParaRPr lang="en-GB" dirty="0"/>
           </a:p>
         </p:txBody>
       </p:sp>

--- a/Documents/Presentation.pptx
+++ b/Documents/Presentation.pptx
@@ -204,7 +204,7 @@
           <a:p>
             <a:fld id="{58A70CE5-E671-484D-828A-A02D8575A20E}" type="datetimeFigureOut">
               <a:rPr lang="en-US" smtClean="0"/>
-              <a:t>5/1/24</a:t>
+              <a:t>5/2/24</a:t>
             </a:fld>
             <a:endParaRPr lang="en-US"/>
           </a:p>
@@ -1375,6 +1375,14 @@
           <a:bodyPr/>
           <a:lstStyle/>
           <a:p>
+            <a:r>
+              <a:rPr lang="en-GB" dirty="0"/>
+              <a:t>This poster was created to outline what the project is, allowing people to see what the project vision is as well as the key features of the application. It also gives people the opportunity to see what is likely to happen to the application in the future by reading the future </a:t>
+            </a:r>
+            <a:r>
+              <a:rPr lang="en-GB"/>
+              <a:t>development section.</a:t>
+            </a:r>
             <a:endParaRPr lang="en-GB" dirty="0"/>
           </a:p>
         </p:txBody>
@@ -1562,7 +1570,7 @@
           <a:p>
             <a:fld id="{F518D1B8-B5DD-417F-B912-B4E9A7A5F0F4}" type="datetimeFigureOut">
               <a:rPr lang="en-GB" smtClean="0"/>
-              <a:t>01/05/2024</a:t>
+              <a:t>02/05/2024</a:t>
             </a:fld>
             <a:endParaRPr lang="en-GB"/>
           </a:p>
@@ -1760,7 +1768,7 @@
           <a:p>
             <a:fld id="{F518D1B8-B5DD-417F-B912-B4E9A7A5F0F4}" type="datetimeFigureOut">
               <a:rPr lang="en-GB" smtClean="0"/>
-              <a:t>01/05/2024</a:t>
+              <a:t>02/05/2024</a:t>
             </a:fld>
             <a:endParaRPr lang="en-GB"/>
           </a:p>
@@ -1968,7 +1976,7 @@
           <a:p>
             <a:fld id="{F518D1B8-B5DD-417F-B912-B4E9A7A5F0F4}" type="datetimeFigureOut">
               <a:rPr lang="en-GB" smtClean="0"/>
-              <a:t>01/05/2024</a:t>
+              <a:t>02/05/2024</a:t>
             </a:fld>
             <a:endParaRPr lang="en-GB"/>
           </a:p>
@@ -2166,7 +2174,7 @@
           <a:p>
             <a:fld id="{F518D1B8-B5DD-417F-B912-B4E9A7A5F0F4}" type="datetimeFigureOut">
               <a:rPr lang="en-GB" smtClean="0"/>
-              <a:t>01/05/2024</a:t>
+              <a:t>02/05/2024</a:t>
             </a:fld>
             <a:endParaRPr lang="en-GB"/>
           </a:p>
@@ -2441,7 +2449,7 @@
           <a:p>
             <a:fld id="{F518D1B8-B5DD-417F-B912-B4E9A7A5F0F4}" type="datetimeFigureOut">
               <a:rPr lang="en-GB" smtClean="0"/>
-              <a:t>01/05/2024</a:t>
+              <a:t>02/05/2024</a:t>
             </a:fld>
             <a:endParaRPr lang="en-GB"/>
           </a:p>
@@ -2706,7 +2714,7 @@
           <a:p>
             <a:fld id="{F518D1B8-B5DD-417F-B912-B4E9A7A5F0F4}" type="datetimeFigureOut">
               <a:rPr lang="en-GB" smtClean="0"/>
-              <a:t>01/05/2024</a:t>
+              <a:t>02/05/2024</a:t>
             </a:fld>
             <a:endParaRPr lang="en-GB"/>
           </a:p>
@@ -3118,7 +3126,7 @@
           <a:p>
             <a:fld id="{F518D1B8-B5DD-417F-B912-B4E9A7A5F0F4}" type="datetimeFigureOut">
               <a:rPr lang="en-GB" smtClean="0"/>
-              <a:t>01/05/2024</a:t>
+              <a:t>02/05/2024</a:t>
             </a:fld>
             <a:endParaRPr lang="en-GB"/>
           </a:p>
@@ -3259,7 +3267,7 @@
           <a:p>
             <a:fld id="{F518D1B8-B5DD-417F-B912-B4E9A7A5F0F4}" type="datetimeFigureOut">
               <a:rPr lang="en-GB" smtClean="0"/>
-              <a:t>01/05/2024</a:t>
+              <a:t>02/05/2024</a:t>
             </a:fld>
             <a:endParaRPr lang="en-GB"/>
           </a:p>
@@ -3372,7 +3380,7 @@
           <a:p>
             <a:fld id="{F518D1B8-B5DD-417F-B912-B4E9A7A5F0F4}" type="datetimeFigureOut">
               <a:rPr lang="en-GB" smtClean="0"/>
-              <a:t>01/05/2024</a:t>
+              <a:t>02/05/2024</a:t>
             </a:fld>
             <a:endParaRPr lang="en-GB"/>
           </a:p>
@@ -3683,7 +3691,7 @@
           <a:p>
             <a:fld id="{F518D1B8-B5DD-417F-B912-B4E9A7A5F0F4}" type="datetimeFigureOut">
               <a:rPr lang="en-GB" smtClean="0"/>
-              <a:t>01/05/2024</a:t>
+              <a:t>02/05/2024</a:t>
             </a:fld>
             <a:endParaRPr lang="en-GB"/>
           </a:p>
@@ -3971,7 +3979,7 @@
           <a:p>
             <a:fld id="{F518D1B8-B5DD-417F-B912-B4E9A7A5F0F4}" type="datetimeFigureOut">
               <a:rPr lang="en-GB" smtClean="0"/>
-              <a:t>01/05/2024</a:t>
+              <a:t>02/05/2024</a:t>
             </a:fld>
             <a:endParaRPr lang="en-GB"/>
           </a:p>
@@ -4212,7 +4220,7 @@
           <a:p>
             <a:fld id="{F518D1B8-B5DD-417F-B912-B4E9A7A5F0F4}" type="datetimeFigureOut">
               <a:rPr lang="en-GB" smtClean="0"/>
-              <a:t>01/05/2024</a:t>
+              <a:t>02/05/2024</a:t>
             </a:fld>
             <a:endParaRPr lang="en-GB"/>
           </a:p>

--- a/Documents/Presentation.pptx
+++ b/Documents/Presentation.pptx
@@ -2,20 +2,21 @@
 <file path=ppt/presentation.xml><?xml version="1.0" encoding="utf-8"?>
 <p:presentation xmlns:a="http://schemas.openxmlformats.org/drawingml/2006/main" xmlns:r="http://schemas.openxmlformats.org/officeDocument/2006/relationships" xmlns:p="http://schemas.openxmlformats.org/presentationml/2006/main" saveSubsetFonts="1">
   <p:sldMasterIdLst>
-    <p:sldMasterId id="2147483648" r:id="rId1"/>
+    <p:sldMasterId id="2147483711" r:id="rId1"/>
   </p:sldMasterIdLst>
   <p:notesMasterIdLst>
-    <p:notesMasterId r:id="rId10"/>
+    <p:notesMasterId r:id="rId11"/>
   </p:notesMasterIdLst>
   <p:sldIdLst>
     <p:sldId id="256" r:id="rId2"/>
-    <p:sldId id="257" r:id="rId3"/>
-    <p:sldId id="263" r:id="rId4"/>
-    <p:sldId id="261" r:id="rId5"/>
-    <p:sldId id="262" r:id="rId6"/>
-    <p:sldId id="258" r:id="rId7"/>
-    <p:sldId id="259" r:id="rId8"/>
-    <p:sldId id="260" r:id="rId9"/>
+    <p:sldId id="264" r:id="rId3"/>
+    <p:sldId id="257" r:id="rId4"/>
+    <p:sldId id="263" r:id="rId5"/>
+    <p:sldId id="261" r:id="rId6"/>
+    <p:sldId id="262" r:id="rId7"/>
+    <p:sldId id="258" r:id="rId8"/>
+    <p:sldId id="259" r:id="rId9"/>
+    <p:sldId id="260" r:id="rId10"/>
   </p:sldIdLst>
   <p:sldSz cx="12192000" cy="6858000"/>
   <p:notesSz cx="6858000" cy="9144000"/>
@@ -23,7 +24,7 @@
     <a:defPPr>
       <a:defRPr lang="en-US"/>
     </a:defPPr>
-    <a:lvl1pPr marL="0" algn="l" defTabSz="914400" rtl="0" eaLnBrk="1" latinLnBrk="0" hangingPunct="1">
+    <a:lvl1pPr marL="0" algn="l" defTabSz="457200" rtl="0" eaLnBrk="1" latinLnBrk="0" hangingPunct="1">
       <a:defRPr sz="1800" kern="1200">
         <a:solidFill>
           <a:schemeClr val="tx1"/>
@@ -33,7 +34,7 @@
         <a:cs typeface="+mn-cs"/>
       </a:defRPr>
     </a:lvl1pPr>
-    <a:lvl2pPr marL="457200" algn="l" defTabSz="914400" rtl="0" eaLnBrk="1" latinLnBrk="0" hangingPunct="1">
+    <a:lvl2pPr marL="457200" algn="l" defTabSz="457200" rtl="0" eaLnBrk="1" latinLnBrk="0" hangingPunct="1">
       <a:defRPr sz="1800" kern="1200">
         <a:solidFill>
           <a:schemeClr val="tx1"/>
@@ -43,7 +44,7 @@
         <a:cs typeface="+mn-cs"/>
       </a:defRPr>
     </a:lvl2pPr>
-    <a:lvl3pPr marL="914400" algn="l" defTabSz="914400" rtl="0" eaLnBrk="1" latinLnBrk="0" hangingPunct="1">
+    <a:lvl3pPr marL="914400" algn="l" defTabSz="457200" rtl="0" eaLnBrk="1" latinLnBrk="0" hangingPunct="1">
       <a:defRPr sz="1800" kern="1200">
         <a:solidFill>
           <a:schemeClr val="tx1"/>
@@ -53,7 +54,7 @@
         <a:cs typeface="+mn-cs"/>
       </a:defRPr>
     </a:lvl3pPr>
-    <a:lvl4pPr marL="1371600" algn="l" defTabSz="914400" rtl="0" eaLnBrk="1" latinLnBrk="0" hangingPunct="1">
+    <a:lvl4pPr marL="1371600" algn="l" defTabSz="457200" rtl="0" eaLnBrk="1" latinLnBrk="0" hangingPunct="1">
       <a:defRPr sz="1800" kern="1200">
         <a:solidFill>
           <a:schemeClr val="tx1"/>
@@ -63,7 +64,7 @@
         <a:cs typeface="+mn-cs"/>
       </a:defRPr>
     </a:lvl4pPr>
-    <a:lvl5pPr marL="1828800" algn="l" defTabSz="914400" rtl="0" eaLnBrk="1" latinLnBrk="0" hangingPunct="1">
+    <a:lvl5pPr marL="1828800" algn="l" defTabSz="457200" rtl="0" eaLnBrk="1" latinLnBrk="0" hangingPunct="1">
       <a:defRPr sz="1800" kern="1200">
         <a:solidFill>
           <a:schemeClr val="tx1"/>
@@ -73,7 +74,7 @@
         <a:cs typeface="+mn-cs"/>
       </a:defRPr>
     </a:lvl5pPr>
-    <a:lvl6pPr marL="2286000" algn="l" defTabSz="914400" rtl="0" eaLnBrk="1" latinLnBrk="0" hangingPunct="1">
+    <a:lvl6pPr marL="2286000" algn="l" defTabSz="457200" rtl="0" eaLnBrk="1" latinLnBrk="0" hangingPunct="1">
       <a:defRPr sz="1800" kern="1200">
         <a:solidFill>
           <a:schemeClr val="tx1"/>
@@ -83,7 +84,7 @@
         <a:cs typeface="+mn-cs"/>
       </a:defRPr>
     </a:lvl6pPr>
-    <a:lvl7pPr marL="2743200" algn="l" defTabSz="914400" rtl="0" eaLnBrk="1" latinLnBrk="0" hangingPunct="1">
+    <a:lvl7pPr marL="2743200" algn="l" defTabSz="457200" rtl="0" eaLnBrk="1" latinLnBrk="0" hangingPunct="1">
       <a:defRPr sz="1800" kern="1200">
         <a:solidFill>
           <a:schemeClr val="tx1"/>
@@ -93,7 +94,7 @@
         <a:cs typeface="+mn-cs"/>
       </a:defRPr>
     </a:lvl7pPr>
-    <a:lvl8pPr marL="3200400" algn="l" defTabSz="914400" rtl="0" eaLnBrk="1" latinLnBrk="0" hangingPunct="1">
+    <a:lvl8pPr marL="3200400" algn="l" defTabSz="457200" rtl="0" eaLnBrk="1" latinLnBrk="0" hangingPunct="1">
       <a:defRPr sz="1800" kern="1200">
         <a:solidFill>
           <a:schemeClr val="tx1"/>
@@ -103,7 +104,7 @@
         <a:cs typeface="+mn-cs"/>
       </a:defRPr>
     </a:lvl8pPr>
-    <a:lvl9pPr marL="3657600" algn="l" defTabSz="914400" rtl="0" eaLnBrk="1" latinLnBrk="0" hangingPunct="1">
+    <a:lvl9pPr marL="3657600" algn="l" defTabSz="457200" rtl="0" eaLnBrk="1" latinLnBrk="0" hangingPunct="1">
       <a:defRPr sz="1800" kern="1200">
         <a:solidFill>
           <a:schemeClr val="tx1"/>
@@ -204,7 +205,7 @@
           <a:p>
             <a:fld id="{58A70CE5-E671-484D-828A-A02D8575A20E}" type="datetimeFigureOut">
               <a:rPr lang="en-US" smtClean="0"/>
-              <a:t>5/2/24</a:t>
+              <a:t>5/6/24</a:t>
             </a:fld>
             <a:endParaRPr lang="en-US"/>
           </a:p>
@@ -738,7 +739,7 @@
           <a:p>
             <a:fld id="{1ACBC571-0237-B947-ACEF-19124F71DA04}" type="slidenum">
               <a:rPr lang="en-US" smtClean="0"/>
-              <a:t>2</a:t>
+              <a:t>3</a:t>
             </a:fld>
             <a:endParaRPr lang="en-US"/>
           </a:p>
@@ -846,7 +847,7 @@
           <a:p>
             <a:fld id="{1ACBC571-0237-B947-ACEF-19124F71DA04}" type="slidenum">
               <a:rPr lang="en-US" smtClean="0"/>
-              <a:t>3</a:t>
+              <a:t>4</a:t>
             </a:fld>
             <a:endParaRPr lang="en-US"/>
           </a:p>
@@ -954,7 +955,7 @@
           <a:p>
             <a:fld id="{1ACBC571-0237-B947-ACEF-19124F71DA04}" type="slidenum">
               <a:rPr lang="en-US" smtClean="0"/>
-              <a:t>4</a:t>
+              <a:t>5</a:t>
             </a:fld>
             <a:endParaRPr lang="en-US"/>
           </a:p>
@@ -1079,7 +1080,7 @@
           <a:p>
             <a:fld id="{1ACBC571-0237-B947-ACEF-19124F71DA04}" type="slidenum">
               <a:rPr lang="en-US" smtClean="0"/>
-              <a:t>5</a:t>
+              <a:t>6</a:t>
             </a:fld>
             <a:endParaRPr lang="en-US"/>
           </a:p>
@@ -1187,7 +1188,7 @@
           <a:p>
             <a:fld id="{1ACBC571-0237-B947-ACEF-19124F71DA04}" type="slidenum">
               <a:rPr lang="en-US" smtClean="0"/>
-              <a:t>6</a:t>
+              <a:t>7</a:t>
             </a:fld>
             <a:endParaRPr lang="en-US"/>
           </a:p>
@@ -1312,7 +1313,7 @@
           <a:p>
             <a:fld id="{1ACBC571-0237-B947-ACEF-19124F71DA04}" type="slidenum">
               <a:rPr lang="en-US" smtClean="0"/>
-              <a:t>7</a:t>
+              <a:t>8</a:t>
             </a:fld>
             <a:endParaRPr lang="en-US"/>
           </a:p>
@@ -1404,7 +1405,7 @@
           <a:p>
             <a:fld id="{1ACBC571-0237-B947-ACEF-19124F71DA04}" type="slidenum">
               <a:rPr lang="en-US" smtClean="0"/>
-              <a:t>8</a:t>
+              <a:t>9</a:t>
             </a:fld>
             <a:endParaRPr lang="en-US"/>
           </a:p>
@@ -1424,7 +1425,7 @@
 </file>
 
 <file path=ppt/slideLayouts/slideLayout1.xml><?xml version="1.0" encoding="utf-8"?>
-<p:sldLayout xmlns:a="http://schemas.openxmlformats.org/drawingml/2006/main" xmlns:r="http://schemas.openxmlformats.org/officeDocument/2006/relationships" xmlns:p="http://schemas.openxmlformats.org/presentationml/2006/main" type="title" preserve="1">
+<p:sldLayout xmlns:a="http://schemas.openxmlformats.org/drawingml/2006/main" xmlns:r="http://schemas.openxmlformats.org/officeDocument/2006/relationships" xmlns:p="http://schemas.openxmlformats.org/presentationml/2006/main" showMasterSp="0" type="title" preserve="1">
   <p:cSld name="Title Slide">
     <p:spTree>
       <p:nvGrpSpPr>
@@ -1440,15 +1441,562 @@
           <a:chExt cx="0" cy="0"/>
         </a:xfrm>
       </p:grpSpPr>
-      <p:sp>
-        <p:nvSpPr>
-          <p:cNvPr id="2" name="Title 1">
-            <a:extLst>
-              <a:ext uri="{FF2B5EF4-FFF2-40B4-BE49-F238E27FC236}">
-                <a16:creationId xmlns:a16="http://schemas.microsoft.com/office/drawing/2014/main" id="{D855743E-819F-BAA3-38C4-742039E265A9}"/>
-              </a:ext>
-            </a:extLst>
-          </p:cNvPr>
+      <p:grpSp>
+        <p:nvGrpSpPr>
+          <p:cNvPr id="16" name="Group 15"/>
+          <p:cNvGrpSpPr/>
+          <p:nvPr/>
+        </p:nvGrpSpPr>
+        <p:grpSpPr>
+          <a:xfrm>
+            <a:off x="0" y="-8467"/>
+            <a:ext cx="12192000" cy="6866467"/>
+            <a:chOff x="0" y="-8467"/>
+            <a:chExt cx="12192000" cy="6866467"/>
+          </a:xfrm>
+        </p:grpSpPr>
+        <p:sp>
+          <p:nvSpPr>
+            <p:cNvPr id="15" name="Freeform 14"/>
+            <p:cNvSpPr/>
+            <p:nvPr/>
+          </p:nvSpPr>
+          <p:spPr>
+            <a:xfrm>
+              <a:off x="0" y="-7862"/>
+              <a:ext cx="863600" cy="5698067"/>
+            </a:xfrm>
+            <a:custGeom>
+              <a:avLst/>
+              <a:gdLst/>
+              <a:ahLst/>
+              <a:cxnLst/>
+              <a:rect l="l" t="t" r="r" b="b"/>
+              <a:pathLst>
+                <a:path w="863600" h="5698067">
+                  <a:moveTo>
+                    <a:pt x="0" y="8467"/>
+                  </a:moveTo>
+                  <a:lnTo>
+                    <a:pt x="863600" y="0"/>
+                  </a:lnTo>
+                  <a:lnTo>
+                    <a:pt x="863600" y="16934"/>
+                  </a:lnTo>
+                  <a:lnTo>
+                    <a:pt x="0" y="5698067"/>
+                  </a:lnTo>
+                  <a:lnTo>
+                    <a:pt x="0" y="8467"/>
+                  </a:lnTo>
+                  <a:close/>
+                </a:path>
+              </a:pathLst>
+            </a:custGeom>
+            <a:solidFill>
+              <a:schemeClr val="accent1">
+                <a:alpha val="70000"/>
+              </a:schemeClr>
+            </a:solidFill>
+            <a:ln>
+              <a:noFill/>
+            </a:ln>
+            <a:effectLst/>
+          </p:spPr>
+          <p:style>
+            <a:lnRef idx="1">
+              <a:schemeClr val="accent1"/>
+            </a:lnRef>
+            <a:fillRef idx="3">
+              <a:schemeClr val="accent1"/>
+            </a:fillRef>
+            <a:effectRef idx="2">
+              <a:schemeClr val="accent1"/>
+            </a:effectRef>
+            <a:fontRef idx="minor">
+              <a:schemeClr val="lt1"/>
+            </a:fontRef>
+          </p:style>
+        </p:sp>
+        <p:cxnSp>
+          <p:nvCxnSpPr>
+            <p:cNvPr id="19" name="Straight Connector 18"/>
+            <p:cNvCxnSpPr/>
+            <p:nvPr/>
+          </p:nvCxnSpPr>
+          <p:spPr>
+            <a:xfrm>
+              <a:off x="9371012" y="0"/>
+              <a:ext cx="1219200" cy="6858000"/>
+            </a:xfrm>
+            <a:prstGeom prst="line">
+              <a:avLst/>
+            </a:prstGeom>
+            <a:ln w="9525">
+              <a:solidFill>
+                <a:schemeClr val="accent1">
+                  <a:alpha val="70000"/>
+                </a:schemeClr>
+              </a:solidFill>
+            </a:ln>
+          </p:spPr>
+          <p:style>
+            <a:lnRef idx="2">
+              <a:schemeClr val="accent1"/>
+            </a:lnRef>
+            <a:fillRef idx="0">
+              <a:schemeClr val="accent1"/>
+            </a:fillRef>
+            <a:effectRef idx="1">
+              <a:schemeClr val="accent1"/>
+            </a:effectRef>
+            <a:fontRef idx="minor">
+              <a:schemeClr val="tx1"/>
+            </a:fontRef>
+          </p:style>
+        </p:cxnSp>
+        <p:cxnSp>
+          <p:nvCxnSpPr>
+            <p:cNvPr id="20" name="Straight Connector 19"/>
+            <p:cNvCxnSpPr/>
+            <p:nvPr/>
+          </p:nvCxnSpPr>
+          <p:spPr>
+            <a:xfrm flipH="1">
+              <a:off x="7425267" y="3681413"/>
+              <a:ext cx="4763558" cy="3176587"/>
+            </a:xfrm>
+            <a:prstGeom prst="line">
+              <a:avLst/>
+            </a:prstGeom>
+            <a:ln w="9525">
+              <a:solidFill>
+                <a:schemeClr val="accent1">
+                  <a:alpha val="70000"/>
+                </a:schemeClr>
+              </a:solidFill>
+            </a:ln>
+          </p:spPr>
+          <p:style>
+            <a:lnRef idx="2">
+              <a:schemeClr val="accent1"/>
+            </a:lnRef>
+            <a:fillRef idx="0">
+              <a:schemeClr val="accent1"/>
+            </a:fillRef>
+            <a:effectRef idx="1">
+              <a:schemeClr val="accent1"/>
+            </a:effectRef>
+            <a:fontRef idx="minor">
+              <a:schemeClr val="tx1"/>
+            </a:fontRef>
+          </p:style>
+        </p:cxnSp>
+        <p:sp>
+          <p:nvSpPr>
+            <p:cNvPr id="21" name="Rectangle 23"/>
+            <p:cNvSpPr/>
+            <p:nvPr/>
+          </p:nvSpPr>
+          <p:spPr>
+            <a:xfrm>
+              <a:off x="9181476" y="-8467"/>
+              <a:ext cx="3007349" cy="6866467"/>
+            </a:xfrm>
+            <a:custGeom>
+              <a:avLst/>
+              <a:gdLst/>
+              <a:ahLst/>
+              <a:cxnLst/>
+              <a:rect l="l" t="t" r="r" b="b"/>
+              <a:pathLst>
+                <a:path w="3007349" h="6866467">
+                  <a:moveTo>
+                    <a:pt x="2045532" y="0"/>
+                  </a:moveTo>
+                  <a:lnTo>
+                    <a:pt x="3007349" y="0"/>
+                  </a:lnTo>
+                  <a:lnTo>
+                    <a:pt x="3007349" y="6866467"/>
+                  </a:lnTo>
+                  <a:lnTo>
+                    <a:pt x="0" y="6866467"/>
+                  </a:lnTo>
+                  <a:lnTo>
+                    <a:pt x="2045532" y="0"/>
+                  </a:lnTo>
+                  <a:close/>
+                </a:path>
+              </a:pathLst>
+            </a:custGeom>
+            <a:solidFill>
+              <a:schemeClr val="accent1">
+                <a:alpha val="36000"/>
+              </a:schemeClr>
+            </a:solidFill>
+            <a:ln>
+              <a:noFill/>
+            </a:ln>
+            <a:effectLst/>
+          </p:spPr>
+          <p:style>
+            <a:lnRef idx="1">
+              <a:schemeClr val="accent1"/>
+            </a:lnRef>
+            <a:fillRef idx="3">
+              <a:schemeClr val="accent1"/>
+            </a:fillRef>
+            <a:effectRef idx="2">
+              <a:schemeClr val="accent1"/>
+            </a:effectRef>
+            <a:fontRef idx="minor">
+              <a:schemeClr val="lt1"/>
+            </a:fontRef>
+          </p:style>
+        </p:sp>
+        <p:sp>
+          <p:nvSpPr>
+            <p:cNvPr id="22" name="Rectangle 25"/>
+            <p:cNvSpPr/>
+            <p:nvPr/>
+          </p:nvSpPr>
+          <p:spPr>
+            <a:xfrm>
+              <a:off x="9603442" y="-8467"/>
+              <a:ext cx="2588558" cy="6866467"/>
+            </a:xfrm>
+            <a:custGeom>
+              <a:avLst/>
+              <a:gdLst/>
+              <a:ahLst/>
+              <a:cxnLst/>
+              <a:rect l="l" t="t" r="r" b="b"/>
+              <a:pathLst>
+                <a:path w="2573311" h="6866467">
+                  <a:moveTo>
+                    <a:pt x="0" y="0"/>
+                  </a:moveTo>
+                  <a:lnTo>
+                    <a:pt x="2573311" y="0"/>
+                  </a:lnTo>
+                  <a:lnTo>
+                    <a:pt x="2573311" y="6866467"/>
+                  </a:lnTo>
+                  <a:lnTo>
+                    <a:pt x="1202336" y="6866467"/>
+                  </a:lnTo>
+                  <a:lnTo>
+                    <a:pt x="0" y="0"/>
+                  </a:lnTo>
+                  <a:close/>
+                </a:path>
+              </a:pathLst>
+            </a:custGeom>
+            <a:solidFill>
+              <a:schemeClr val="accent1">
+                <a:alpha val="20000"/>
+              </a:schemeClr>
+            </a:solidFill>
+            <a:ln>
+              <a:noFill/>
+            </a:ln>
+            <a:effectLst/>
+          </p:spPr>
+          <p:style>
+            <a:lnRef idx="1">
+              <a:schemeClr val="accent1"/>
+            </a:lnRef>
+            <a:fillRef idx="3">
+              <a:schemeClr val="accent1"/>
+            </a:fillRef>
+            <a:effectRef idx="2">
+              <a:schemeClr val="accent1"/>
+            </a:effectRef>
+            <a:fontRef idx="minor">
+              <a:schemeClr val="lt1"/>
+            </a:fontRef>
+          </p:style>
+        </p:sp>
+        <p:sp>
+          <p:nvSpPr>
+            <p:cNvPr id="23" name="Isosceles Triangle 22"/>
+            <p:cNvSpPr/>
+            <p:nvPr/>
+          </p:nvSpPr>
+          <p:spPr>
+            <a:xfrm>
+              <a:off x="8932333" y="3048000"/>
+              <a:ext cx="3259667" cy="3810000"/>
+            </a:xfrm>
+            <a:prstGeom prst="triangle">
+              <a:avLst>
+                <a:gd name="adj" fmla="val 100000"/>
+              </a:avLst>
+            </a:prstGeom>
+            <a:solidFill>
+              <a:schemeClr val="accent1">
+                <a:lumMod val="75000"/>
+                <a:alpha val="66000"/>
+              </a:schemeClr>
+            </a:solidFill>
+            <a:ln>
+              <a:noFill/>
+            </a:ln>
+            <a:effectLst/>
+          </p:spPr>
+          <p:style>
+            <a:lnRef idx="1">
+              <a:schemeClr val="accent1"/>
+            </a:lnRef>
+            <a:fillRef idx="3">
+              <a:schemeClr val="accent1"/>
+            </a:fillRef>
+            <a:effectRef idx="2">
+              <a:schemeClr val="accent1"/>
+            </a:effectRef>
+            <a:fontRef idx="minor">
+              <a:schemeClr val="lt1"/>
+            </a:fontRef>
+          </p:style>
+        </p:sp>
+        <p:sp>
+          <p:nvSpPr>
+            <p:cNvPr id="24" name="Rectangle 27"/>
+            <p:cNvSpPr/>
+            <p:nvPr/>
+          </p:nvSpPr>
+          <p:spPr>
+            <a:xfrm>
+              <a:off x="9334500" y="-8467"/>
+              <a:ext cx="2854326" cy="6866467"/>
+            </a:xfrm>
+            <a:custGeom>
+              <a:avLst/>
+              <a:gdLst/>
+              <a:ahLst/>
+              <a:cxnLst/>
+              <a:rect l="l" t="t" r="r" b="b"/>
+              <a:pathLst>
+                <a:path w="2858013" h="6866467">
+                  <a:moveTo>
+                    <a:pt x="0" y="0"/>
+                  </a:moveTo>
+                  <a:lnTo>
+                    <a:pt x="2858013" y="0"/>
+                  </a:lnTo>
+                  <a:lnTo>
+                    <a:pt x="2858013" y="6866467"/>
+                  </a:lnTo>
+                  <a:lnTo>
+                    <a:pt x="2473942" y="6866467"/>
+                  </a:lnTo>
+                  <a:lnTo>
+                    <a:pt x="0" y="0"/>
+                  </a:lnTo>
+                  <a:close/>
+                </a:path>
+              </a:pathLst>
+            </a:custGeom>
+            <a:solidFill>
+              <a:schemeClr val="accent1">
+                <a:lumMod val="75000"/>
+                <a:alpha val="50000"/>
+              </a:schemeClr>
+            </a:solidFill>
+            <a:ln>
+              <a:noFill/>
+            </a:ln>
+            <a:effectLst/>
+          </p:spPr>
+          <p:style>
+            <a:lnRef idx="1">
+              <a:schemeClr val="accent1"/>
+            </a:lnRef>
+            <a:fillRef idx="3">
+              <a:schemeClr val="accent1"/>
+            </a:fillRef>
+            <a:effectRef idx="2">
+              <a:schemeClr val="accent1"/>
+            </a:effectRef>
+            <a:fontRef idx="minor">
+              <a:schemeClr val="lt1"/>
+            </a:fontRef>
+          </p:style>
+        </p:sp>
+        <p:sp>
+          <p:nvSpPr>
+            <p:cNvPr id="25" name="Rectangle 28"/>
+            <p:cNvSpPr/>
+            <p:nvPr/>
+          </p:nvSpPr>
+          <p:spPr>
+            <a:xfrm>
+              <a:off x="10898730" y="-8467"/>
+              <a:ext cx="1290094" cy="6866467"/>
+            </a:xfrm>
+            <a:custGeom>
+              <a:avLst/>
+              <a:gdLst/>
+              <a:ahLst/>
+              <a:cxnLst/>
+              <a:rect l="l" t="t" r="r" b="b"/>
+              <a:pathLst>
+                <a:path w="1290094" h="6858000">
+                  <a:moveTo>
+                    <a:pt x="1019735" y="0"/>
+                  </a:moveTo>
+                  <a:lnTo>
+                    <a:pt x="1290094" y="0"/>
+                  </a:lnTo>
+                  <a:lnTo>
+                    <a:pt x="1290094" y="6858000"/>
+                  </a:lnTo>
+                  <a:lnTo>
+                    <a:pt x="0" y="6858000"/>
+                  </a:lnTo>
+                  <a:lnTo>
+                    <a:pt x="1019735" y="0"/>
+                  </a:lnTo>
+                  <a:close/>
+                </a:path>
+              </a:pathLst>
+            </a:custGeom>
+            <a:solidFill>
+              <a:schemeClr val="accent2">
+                <a:alpha val="70000"/>
+              </a:schemeClr>
+            </a:solidFill>
+            <a:ln>
+              <a:noFill/>
+            </a:ln>
+            <a:effectLst/>
+          </p:spPr>
+          <p:style>
+            <a:lnRef idx="1">
+              <a:schemeClr val="accent1"/>
+            </a:lnRef>
+            <a:fillRef idx="3">
+              <a:schemeClr val="accent1"/>
+            </a:fillRef>
+            <a:effectRef idx="2">
+              <a:schemeClr val="accent1"/>
+            </a:effectRef>
+            <a:fontRef idx="minor">
+              <a:schemeClr val="lt1"/>
+            </a:fontRef>
+          </p:style>
+        </p:sp>
+        <p:sp>
+          <p:nvSpPr>
+            <p:cNvPr id="26" name="Rectangle 29"/>
+            <p:cNvSpPr/>
+            <p:nvPr/>
+          </p:nvSpPr>
+          <p:spPr>
+            <a:xfrm>
+              <a:off x="10938999" y="-8467"/>
+              <a:ext cx="1249825" cy="6866467"/>
+            </a:xfrm>
+            <a:custGeom>
+              <a:avLst/>
+              <a:gdLst/>
+              <a:ahLst/>
+              <a:cxnLst/>
+              <a:rect l="l" t="t" r="r" b="b"/>
+              <a:pathLst>
+                <a:path w="1249825" h="6858000">
+                  <a:moveTo>
+                    <a:pt x="0" y="0"/>
+                  </a:moveTo>
+                  <a:lnTo>
+                    <a:pt x="1249825" y="0"/>
+                  </a:lnTo>
+                  <a:lnTo>
+                    <a:pt x="1249825" y="6858000"/>
+                  </a:lnTo>
+                  <a:lnTo>
+                    <a:pt x="1109382" y="6858000"/>
+                  </a:lnTo>
+                  <a:lnTo>
+                    <a:pt x="0" y="0"/>
+                  </a:lnTo>
+                  <a:close/>
+                </a:path>
+              </a:pathLst>
+            </a:custGeom>
+            <a:solidFill>
+              <a:schemeClr val="accent2">
+                <a:lumMod val="75000"/>
+                <a:alpha val="80000"/>
+              </a:schemeClr>
+            </a:solidFill>
+            <a:ln>
+              <a:noFill/>
+            </a:ln>
+            <a:effectLst/>
+          </p:spPr>
+          <p:style>
+            <a:lnRef idx="1">
+              <a:schemeClr val="accent1"/>
+            </a:lnRef>
+            <a:fillRef idx="3">
+              <a:schemeClr val="accent1"/>
+            </a:fillRef>
+            <a:effectRef idx="2">
+              <a:schemeClr val="accent1"/>
+            </a:effectRef>
+            <a:fontRef idx="minor">
+              <a:schemeClr val="lt1"/>
+            </a:fontRef>
+          </p:style>
+        </p:sp>
+        <p:sp>
+          <p:nvSpPr>
+            <p:cNvPr id="27" name="Isosceles Triangle 26"/>
+            <p:cNvSpPr/>
+            <p:nvPr/>
+          </p:nvSpPr>
+          <p:spPr>
+            <a:xfrm>
+              <a:off x="10371666" y="3589867"/>
+              <a:ext cx="1817159" cy="3268133"/>
+            </a:xfrm>
+            <a:prstGeom prst="triangle">
+              <a:avLst>
+                <a:gd name="adj" fmla="val 100000"/>
+              </a:avLst>
+            </a:prstGeom>
+            <a:solidFill>
+              <a:schemeClr val="accent1">
+                <a:lumMod val="75000"/>
+                <a:alpha val="66000"/>
+              </a:schemeClr>
+            </a:solidFill>
+            <a:ln>
+              <a:noFill/>
+            </a:ln>
+            <a:effectLst/>
+          </p:spPr>
+          <p:style>
+            <a:lnRef idx="1">
+              <a:schemeClr val="accent1"/>
+            </a:lnRef>
+            <a:fillRef idx="3">
+              <a:schemeClr val="accent1"/>
+            </a:fillRef>
+            <a:effectRef idx="2">
+              <a:schemeClr val="accent1"/>
+            </a:effectRef>
+            <a:fontRef idx="minor">
+              <a:schemeClr val="lt1"/>
+            </a:fontRef>
+          </p:style>
+        </p:sp>
+      </p:grpSp>
+      <p:sp>
+        <p:nvSpPr>
+          <p:cNvPr id="2" name="Title 1"/>
           <p:cNvSpPr>
             <a:spLocks noGrp="1"/>
           </p:cNvSpPr>
@@ -1458,15 +2006,21 @@
         </p:nvSpPr>
         <p:spPr>
           <a:xfrm>
-            <a:off x="1524000" y="1122363"/>
-            <a:ext cx="9144000" cy="2387600"/>
+            <a:off x="1507067" y="2404534"/>
+            <a:ext cx="7766936" cy="1646302"/>
           </a:xfrm>
         </p:spPr>
         <p:txBody>
-          <a:bodyPr anchor="b"/>
+          <a:bodyPr anchor="b">
+            <a:noAutofit/>
+          </a:bodyPr>
           <a:lstStyle>
-            <a:lvl1pPr algn="ctr">
-              <a:defRPr sz="6000"/>
+            <a:lvl1pPr algn="r">
+              <a:defRPr sz="5400">
+                <a:solidFill>
+                  <a:schemeClr val="accent1"/>
+                </a:solidFill>
+              </a:defRPr>
             </a:lvl1pPr>
           </a:lstStyle>
           <a:p>
@@ -1474,18 +2028,13 @@
               <a:rPr lang="en-GB"/>
               <a:t>Click to edit Master title style</a:t>
             </a:r>
-          </a:p>
-        </p:txBody>
-      </p:sp>
-      <p:sp>
-        <p:nvSpPr>
-          <p:cNvPr id="3" name="Subtitle 2">
-            <a:extLst>
-              <a:ext uri="{FF2B5EF4-FFF2-40B4-BE49-F238E27FC236}">
-                <a16:creationId xmlns:a16="http://schemas.microsoft.com/office/drawing/2014/main" id="{7511825E-6EA5-D3BC-AFD5-37AE810731BA}"/>
-              </a:ext>
-            </a:extLst>
-          </p:cNvPr>
+            <a:endParaRPr lang="en-US" dirty="0"/>
+          </a:p>
+        </p:txBody>
+      </p:sp>
+      <p:sp>
+        <p:nvSpPr>
+          <p:cNvPr id="3" name="Subtitle 2"/>
           <p:cNvSpPr>
             <a:spLocks noGrp="1"/>
           </p:cNvSpPr>
@@ -1495,48 +2044,103 @@
         </p:nvSpPr>
         <p:spPr>
           <a:xfrm>
-            <a:off x="1524000" y="3602038"/>
-            <a:ext cx="9144000" cy="1655762"/>
+            <a:off x="1507067" y="4050833"/>
+            <a:ext cx="7766936" cy="1096899"/>
           </a:xfrm>
         </p:spPr>
         <p:txBody>
-          <a:bodyPr/>
+          <a:bodyPr anchor="t"/>
           <a:lstStyle>
-            <a:lvl1pPr marL="0" indent="0" algn="ctr">
-              <a:buNone/>
-              <a:defRPr sz="2400"/>
+            <a:lvl1pPr marL="0" indent="0" algn="r">
+              <a:buNone/>
+              <a:defRPr>
+                <a:solidFill>
+                  <a:schemeClr val="tx1">
+                    <a:lumMod val="50000"/>
+                    <a:lumOff val="50000"/>
+                  </a:schemeClr>
+                </a:solidFill>
+              </a:defRPr>
             </a:lvl1pPr>
             <a:lvl2pPr marL="457200" indent="0" algn="ctr">
               <a:buNone/>
-              <a:defRPr sz="2000"/>
+              <a:defRPr>
+                <a:solidFill>
+                  <a:schemeClr val="tx1">
+                    <a:tint val="75000"/>
+                  </a:schemeClr>
+                </a:solidFill>
+              </a:defRPr>
             </a:lvl2pPr>
             <a:lvl3pPr marL="914400" indent="0" algn="ctr">
               <a:buNone/>
-              <a:defRPr sz="1800"/>
+              <a:defRPr>
+                <a:solidFill>
+                  <a:schemeClr val="tx1">
+                    <a:tint val="75000"/>
+                  </a:schemeClr>
+                </a:solidFill>
+              </a:defRPr>
             </a:lvl3pPr>
             <a:lvl4pPr marL="1371600" indent="0" algn="ctr">
               <a:buNone/>
-              <a:defRPr sz="1600"/>
+              <a:defRPr>
+                <a:solidFill>
+                  <a:schemeClr val="tx1">
+                    <a:tint val="75000"/>
+                  </a:schemeClr>
+                </a:solidFill>
+              </a:defRPr>
             </a:lvl4pPr>
             <a:lvl5pPr marL="1828800" indent="0" algn="ctr">
               <a:buNone/>
-              <a:defRPr sz="1600"/>
+              <a:defRPr>
+                <a:solidFill>
+                  <a:schemeClr val="tx1">
+                    <a:tint val="75000"/>
+                  </a:schemeClr>
+                </a:solidFill>
+              </a:defRPr>
             </a:lvl5pPr>
             <a:lvl6pPr marL="2286000" indent="0" algn="ctr">
               <a:buNone/>
-              <a:defRPr sz="1600"/>
+              <a:defRPr>
+                <a:solidFill>
+                  <a:schemeClr val="tx1">
+                    <a:tint val="75000"/>
+                  </a:schemeClr>
+                </a:solidFill>
+              </a:defRPr>
             </a:lvl6pPr>
             <a:lvl7pPr marL="2743200" indent="0" algn="ctr">
               <a:buNone/>
-              <a:defRPr sz="1600"/>
+              <a:defRPr>
+                <a:solidFill>
+                  <a:schemeClr val="tx1">
+                    <a:tint val="75000"/>
+                  </a:schemeClr>
+                </a:solidFill>
+              </a:defRPr>
             </a:lvl7pPr>
             <a:lvl8pPr marL="3200400" indent="0" algn="ctr">
               <a:buNone/>
-              <a:defRPr sz="1600"/>
+              <a:defRPr>
+                <a:solidFill>
+                  <a:schemeClr val="tx1">
+                    <a:tint val="75000"/>
+                  </a:schemeClr>
+                </a:solidFill>
+              </a:defRPr>
             </a:lvl8pPr>
             <a:lvl9pPr marL="3657600" indent="0" algn="ctr">
               <a:buNone/>
-              <a:defRPr sz="1600"/>
+              <a:defRPr>
+                <a:solidFill>
+                  <a:schemeClr val="tx1">
+                    <a:tint val="75000"/>
+                  </a:schemeClr>
+                </a:solidFill>
+              </a:defRPr>
             </a:lvl9pPr>
           </a:lstStyle>
           <a:p>
@@ -1544,18 +2148,13 @@
               <a:rPr lang="en-GB"/>
               <a:t>Click to edit Master subtitle style</a:t>
             </a:r>
-          </a:p>
-        </p:txBody>
-      </p:sp>
-      <p:sp>
-        <p:nvSpPr>
-          <p:cNvPr id="4" name="Date Placeholder 3">
-            <a:extLst>
-              <a:ext uri="{FF2B5EF4-FFF2-40B4-BE49-F238E27FC236}">
-                <a16:creationId xmlns:a16="http://schemas.microsoft.com/office/drawing/2014/main" id="{4330202D-7718-75AB-7190-CB064C04CB22}"/>
-              </a:ext>
-            </a:extLst>
-          </p:cNvPr>
+            <a:endParaRPr lang="en-US" dirty="0"/>
+          </a:p>
+        </p:txBody>
+      </p:sp>
+      <p:sp>
+        <p:nvSpPr>
+          <p:cNvPr id="4" name="Date Placeholder 3"/>
           <p:cNvSpPr>
             <a:spLocks noGrp="1"/>
           </p:cNvSpPr>
@@ -1570,7 +2169,7 @@
           <a:p>
             <a:fld id="{F518D1B8-B5DD-417F-B912-B4E9A7A5F0F4}" type="datetimeFigureOut">
               <a:rPr lang="en-GB" smtClean="0"/>
-              <a:t>02/05/2024</a:t>
+              <a:t>06/05/2024</a:t>
             </a:fld>
             <a:endParaRPr lang="en-GB"/>
           </a:p>
@@ -1578,13 +2177,7 @@
       </p:sp>
       <p:sp>
         <p:nvSpPr>
-          <p:cNvPr id="5" name="Footer Placeholder 4">
-            <a:extLst>
-              <a:ext uri="{FF2B5EF4-FFF2-40B4-BE49-F238E27FC236}">
-                <a16:creationId xmlns:a16="http://schemas.microsoft.com/office/drawing/2014/main" id="{AC259D11-BDED-088A-855A-F4665BACC0BC}"/>
-              </a:ext>
-            </a:extLst>
-          </p:cNvPr>
+          <p:cNvPr id="5" name="Footer Placeholder 4"/>
           <p:cNvSpPr>
             <a:spLocks noGrp="1"/>
           </p:cNvSpPr>
@@ -1603,13 +2196,7 @@
       </p:sp>
       <p:sp>
         <p:nvSpPr>
-          <p:cNvPr id="6" name="Slide Number Placeholder 5">
-            <a:extLst>
-              <a:ext uri="{FF2B5EF4-FFF2-40B4-BE49-F238E27FC236}">
-                <a16:creationId xmlns:a16="http://schemas.microsoft.com/office/drawing/2014/main" id="{EFD02AA0-65BF-8031-24DC-0DC23AAFB5F1}"/>
-              </a:ext>
-            </a:extLst>
-          </p:cNvPr>
+          <p:cNvPr id="6" name="Slide Number Placeholder 5"/>
           <p:cNvSpPr>
             <a:spLocks noGrp="1"/>
           </p:cNvSpPr>
@@ -1633,7 +2220,7 @@
     </p:spTree>
     <p:extLst>
       <p:ext uri="{BB962C8B-B14F-4D97-AF65-F5344CB8AC3E}">
-        <p14:creationId xmlns:p14="http://schemas.microsoft.com/office/powerpoint/2010/main" val="3172032091"/>
+        <p14:creationId xmlns:p14="http://schemas.microsoft.com/office/powerpoint/2010/main" val="2289145170"/>
       </p:ext>
     </p:extLst>
   </p:cSld>
@@ -1644,6 +2231,1611 @@
 </file>
 
 <file path=ppt/slideLayouts/slideLayout10.xml><?xml version="1.0" encoding="utf-8"?>
+<p:sldLayout xmlns:a="http://schemas.openxmlformats.org/drawingml/2006/main" xmlns:r="http://schemas.openxmlformats.org/officeDocument/2006/relationships" xmlns:p="http://schemas.openxmlformats.org/presentationml/2006/main" preserve="1">
+  <p:cSld name="Title and Caption">
+    <p:spTree>
+      <p:nvGrpSpPr>
+        <p:cNvPr id="1" name=""/>
+        <p:cNvGrpSpPr/>
+        <p:nvPr/>
+      </p:nvGrpSpPr>
+      <p:grpSpPr>
+        <a:xfrm>
+          <a:off x="0" y="0"/>
+          <a:ext cx="0" cy="0"/>
+          <a:chOff x="0" y="0"/>
+          <a:chExt cx="0" cy="0"/>
+        </a:xfrm>
+      </p:grpSpPr>
+      <p:sp>
+        <p:nvSpPr>
+          <p:cNvPr id="2" name="Title 1"/>
+          <p:cNvSpPr>
+            <a:spLocks noGrp="1"/>
+          </p:cNvSpPr>
+          <p:nvPr>
+            <p:ph type="title"/>
+          </p:nvPr>
+        </p:nvSpPr>
+        <p:spPr>
+          <a:xfrm>
+            <a:off x="677335" y="609600"/>
+            <a:ext cx="8596668" cy="3403600"/>
+          </a:xfrm>
+        </p:spPr>
+        <p:txBody>
+          <a:bodyPr anchor="ctr">
+            <a:normAutofit/>
+          </a:bodyPr>
+          <a:lstStyle>
+            <a:lvl1pPr algn="l">
+              <a:defRPr sz="4400" b="0" cap="none"/>
+            </a:lvl1pPr>
+          </a:lstStyle>
+          <a:p>
+            <a:r>
+              <a:rPr lang="en-GB"/>
+              <a:t>Click to edit Master title style</a:t>
+            </a:r>
+            <a:endParaRPr lang="en-US" dirty="0"/>
+          </a:p>
+        </p:txBody>
+      </p:sp>
+      <p:sp>
+        <p:nvSpPr>
+          <p:cNvPr id="3" name="Text Placeholder 2"/>
+          <p:cNvSpPr>
+            <a:spLocks noGrp="1"/>
+          </p:cNvSpPr>
+          <p:nvPr>
+            <p:ph type="body" idx="1"/>
+          </p:nvPr>
+        </p:nvSpPr>
+        <p:spPr>
+          <a:xfrm>
+            <a:off x="677335" y="4470400"/>
+            <a:ext cx="8596668" cy="1570962"/>
+          </a:xfrm>
+        </p:spPr>
+        <p:txBody>
+          <a:bodyPr anchor="ctr">
+            <a:normAutofit/>
+          </a:bodyPr>
+          <a:lstStyle>
+            <a:lvl1pPr marL="0" indent="0" algn="l">
+              <a:buNone/>
+              <a:defRPr sz="1800">
+                <a:solidFill>
+                  <a:schemeClr val="tx1">
+                    <a:lumMod val="75000"/>
+                    <a:lumOff val="25000"/>
+                  </a:schemeClr>
+                </a:solidFill>
+              </a:defRPr>
+            </a:lvl1pPr>
+            <a:lvl2pPr marL="457200" indent="0">
+              <a:buNone/>
+              <a:defRPr sz="1800">
+                <a:solidFill>
+                  <a:schemeClr val="tx1">
+                    <a:tint val="75000"/>
+                  </a:schemeClr>
+                </a:solidFill>
+              </a:defRPr>
+            </a:lvl2pPr>
+            <a:lvl3pPr marL="914400" indent="0">
+              <a:buNone/>
+              <a:defRPr sz="1600">
+                <a:solidFill>
+                  <a:schemeClr val="tx1">
+                    <a:tint val="75000"/>
+                  </a:schemeClr>
+                </a:solidFill>
+              </a:defRPr>
+            </a:lvl3pPr>
+            <a:lvl4pPr marL="1371600" indent="0">
+              <a:buNone/>
+              <a:defRPr sz="1400">
+                <a:solidFill>
+                  <a:schemeClr val="tx1">
+                    <a:tint val="75000"/>
+                  </a:schemeClr>
+                </a:solidFill>
+              </a:defRPr>
+            </a:lvl4pPr>
+            <a:lvl5pPr marL="1828800" indent="0">
+              <a:buNone/>
+              <a:defRPr sz="1400">
+                <a:solidFill>
+                  <a:schemeClr val="tx1">
+                    <a:tint val="75000"/>
+                  </a:schemeClr>
+                </a:solidFill>
+              </a:defRPr>
+            </a:lvl5pPr>
+            <a:lvl6pPr marL="2286000" indent="0">
+              <a:buNone/>
+              <a:defRPr sz="1400">
+                <a:solidFill>
+                  <a:schemeClr val="tx1">
+                    <a:tint val="75000"/>
+                  </a:schemeClr>
+                </a:solidFill>
+              </a:defRPr>
+            </a:lvl6pPr>
+            <a:lvl7pPr marL="2743200" indent="0">
+              <a:buNone/>
+              <a:defRPr sz="1400">
+                <a:solidFill>
+                  <a:schemeClr val="tx1">
+                    <a:tint val="75000"/>
+                  </a:schemeClr>
+                </a:solidFill>
+              </a:defRPr>
+            </a:lvl7pPr>
+            <a:lvl8pPr marL="3200400" indent="0">
+              <a:buNone/>
+              <a:defRPr sz="1400">
+                <a:solidFill>
+                  <a:schemeClr val="tx1">
+                    <a:tint val="75000"/>
+                  </a:schemeClr>
+                </a:solidFill>
+              </a:defRPr>
+            </a:lvl8pPr>
+            <a:lvl9pPr marL="3657600" indent="0">
+              <a:buNone/>
+              <a:defRPr sz="1400">
+                <a:solidFill>
+                  <a:schemeClr val="tx1">
+                    <a:tint val="75000"/>
+                  </a:schemeClr>
+                </a:solidFill>
+              </a:defRPr>
+            </a:lvl9pPr>
+          </a:lstStyle>
+          <a:p>
+            <a:pPr lvl="0"/>
+            <a:r>
+              <a:rPr lang="en-GB"/>
+              <a:t>Click to edit Master text styles</a:t>
+            </a:r>
+          </a:p>
+        </p:txBody>
+      </p:sp>
+      <p:sp>
+        <p:nvSpPr>
+          <p:cNvPr id="4" name="Date Placeholder 3"/>
+          <p:cNvSpPr>
+            <a:spLocks noGrp="1"/>
+          </p:cNvSpPr>
+          <p:nvPr>
+            <p:ph type="dt" sz="half" idx="10"/>
+          </p:nvPr>
+        </p:nvSpPr>
+        <p:spPr/>
+        <p:txBody>
+          <a:bodyPr/>
+          <a:lstStyle/>
+          <a:p>
+            <a:fld id="{F518D1B8-B5DD-417F-B912-B4E9A7A5F0F4}" type="datetimeFigureOut">
+              <a:rPr lang="en-GB" smtClean="0"/>
+              <a:t>06/05/2024</a:t>
+            </a:fld>
+            <a:endParaRPr lang="en-GB"/>
+          </a:p>
+        </p:txBody>
+      </p:sp>
+      <p:sp>
+        <p:nvSpPr>
+          <p:cNvPr id="5" name="Footer Placeholder 4"/>
+          <p:cNvSpPr>
+            <a:spLocks noGrp="1"/>
+          </p:cNvSpPr>
+          <p:nvPr>
+            <p:ph type="ftr" sz="quarter" idx="11"/>
+          </p:nvPr>
+        </p:nvSpPr>
+        <p:spPr/>
+        <p:txBody>
+          <a:bodyPr/>
+          <a:lstStyle/>
+          <a:p>
+            <a:endParaRPr lang="en-GB"/>
+          </a:p>
+        </p:txBody>
+      </p:sp>
+      <p:sp>
+        <p:nvSpPr>
+          <p:cNvPr id="6" name="Slide Number Placeholder 5"/>
+          <p:cNvSpPr>
+            <a:spLocks noGrp="1"/>
+          </p:cNvSpPr>
+          <p:nvPr>
+            <p:ph type="sldNum" sz="quarter" idx="12"/>
+          </p:nvPr>
+        </p:nvSpPr>
+        <p:spPr/>
+        <p:txBody>
+          <a:bodyPr/>
+          <a:lstStyle/>
+          <a:p>
+            <a:fld id="{EE7CB581-5F24-470C-957D-B7E5A9ABB799}" type="slidenum">
+              <a:rPr lang="en-GB" smtClean="0"/>
+              <a:t>‹#›</a:t>
+            </a:fld>
+            <a:endParaRPr lang="en-GB"/>
+          </a:p>
+        </p:txBody>
+      </p:sp>
+    </p:spTree>
+    <p:extLst>
+      <p:ext uri="{BB962C8B-B14F-4D97-AF65-F5344CB8AC3E}">
+        <p14:creationId xmlns:p14="http://schemas.microsoft.com/office/powerpoint/2010/main" val="3987134552"/>
+      </p:ext>
+    </p:extLst>
+  </p:cSld>
+  <p:clrMapOvr>
+    <a:masterClrMapping/>
+  </p:clrMapOvr>
+</p:sldLayout>
+</file>
+
+<file path=ppt/slideLayouts/slideLayout11.xml><?xml version="1.0" encoding="utf-8"?>
+<p:sldLayout xmlns:a="http://schemas.openxmlformats.org/drawingml/2006/main" xmlns:r="http://schemas.openxmlformats.org/officeDocument/2006/relationships" xmlns:p="http://schemas.openxmlformats.org/presentationml/2006/main" preserve="1">
+  <p:cSld name="Quote with Caption">
+    <p:spTree>
+      <p:nvGrpSpPr>
+        <p:cNvPr id="1" name=""/>
+        <p:cNvGrpSpPr/>
+        <p:nvPr/>
+      </p:nvGrpSpPr>
+      <p:grpSpPr>
+        <a:xfrm>
+          <a:off x="0" y="0"/>
+          <a:ext cx="0" cy="0"/>
+          <a:chOff x="0" y="0"/>
+          <a:chExt cx="0" cy="0"/>
+        </a:xfrm>
+      </p:grpSpPr>
+      <p:sp>
+        <p:nvSpPr>
+          <p:cNvPr id="2" name="Title 1"/>
+          <p:cNvSpPr>
+            <a:spLocks noGrp="1"/>
+          </p:cNvSpPr>
+          <p:nvPr>
+            <p:ph type="title"/>
+          </p:nvPr>
+        </p:nvSpPr>
+        <p:spPr>
+          <a:xfrm>
+            <a:off x="931334" y="609600"/>
+            <a:ext cx="8094134" cy="3022600"/>
+          </a:xfrm>
+        </p:spPr>
+        <p:txBody>
+          <a:bodyPr anchor="ctr">
+            <a:normAutofit/>
+          </a:bodyPr>
+          <a:lstStyle>
+            <a:lvl1pPr algn="l">
+              <a:defRPr sz="4400" b="0" cap="none"/>
+            </a:lvl1pPr>
+          </a:lstStyle>
+          <a:p>
+            <a:r>
+              <a:rPr lang="en-GB"/>
+              <a:t>Click to edit Master title style</a:t>
+            </a:r>
+            <a:endParaRPr lang="en-US" dirty="0"/>
+          </a:p>
+        </p:txBody>
+      </p:sp>
+      <p:sp>
+        <p:nvSpPr>
+          <p:cNvPr id="23" name="Text Placeholder 9"/>
+          <p:cNvSpPr>
+            <a:spLocks noGrp="1"/>
+          </p:cNvSpPr>
+          <p:nvPr>
+            <p:ph type="body" sz="quarter" idx="13"/>
+          </p:nvPr>
+        </p:nvSpPr>
+        <p:spPr>
+          <a:xfrm>
+            <a:off x="1366139" y="3632200"/>
+            <a:ext cx="7224524" cy="381000"/>
+          </a:xfrm>
+        </p:spPr>
+        <p:txBody>
+          <a:bodyPr anchor="ctr">
+            <a:noAutofit/>
+          </a:bodyPr>
+          <a:lstStyle>
+            <a:lvl1pPr marL="0" indent="0">
+              <a:buFontTx/>
+              <a:buNone/>
+              <a:defRPr sz="1600">
+                <a:solidFill>
+                  <a:schemeClr val="tx1">
+                    <a:lumMod val="50000"/>
+                    <a:lumOff val="50000"/>
+                  </a:schemeClr>
+                </a:solidFill>
+              </a:defRPr>
+            </a:lvl1pPr>
+            <a:lvl2pPr marL="457200" indent="0">
+              <a:buFontTx/>
+              <a:buNone/>
+              <a:defRPr/>
+            </a:lvl2pPr>
+            <a:lvl3pPr marL="914400" indent="0">
+              <a:buFontTx/>
+              <a:buNone/>
+              <a:defRPr/>
+            </a:lvl3pPr>
+            <a:lvl4pPr marL="1371600" indent="0">
+              <a:buFontTx/>
+              <a:buNone/>
+              <a:defRPr/>
+            </a:lvl4pPr>
+            <a:lvl5pPr marL="1828800" indent="0">
+              <a:buFontTx/>
+              <a:buNone/>
+              <a:defRPr/>
+            </a:lvl5pPr>
+          </a:lstStyle>
+          <a:p>
+            <a:pPr lvl="0"/>
+            <a:r>
+              <a:rPr lang="en-GB"/>
+              <a:t>Click to edit Master text styles</a:t>
+            </a:r>
+          </a:p>
+        </p:txBody>
+      </p:sp>
+      <p:sp>
+        <p:nvSpPr>
+          <p:cNvPr id="3" name="Text Placeholder 2"/>
+          <p:cNvSpPr>
+            <a:spLocks noGrp="1"/>
+          </p:cNvSpPr>
+          <p:nvPr>
+            <p:ph type="body" idx="1"/>
+          </p:nvPr>
+        </p:nvSpPr>
+        <p:spPr>
+          <a:xfrm>
+            <a:off x="677335" y="4470400"/>
+            <a:ext cx="8596668" cy="1570962"/>
+          </a:xfrm>
+        </p:spPr>
+        <p:txBody>
+          <a:bodyPr anchor="ctr">
+            <a:normAutofit/>
+          </a:bodyPr>
+          <a:lstStyle>
+            <a:lvl1pPr marL="0" indent="0" algn="l">
+              <a:buNone/>
+              <a:defRPr sz="1800">
+                <a:solidFill>
+                  <a:schemeClr val="tx1">
+                    <a:lumMod val="75000"/>
+                    <a:lumOff val="25000"/>
+                  </a:schemeClr>
+                </a:solidFill>
+              </a:defRPr>
+            </a:lvl1pPr>
+            <a:lvl2pPr marL="457200" indent="0">
+              <a:buNone/>
+              <a:defRPr sz="1800">
+                <a:solidFill>
+                  <a:schemeClr val="tx1">
+                    <a:tint val="75000"/>
+                  </a:schemeClr>
+                </a:solidFill>
+              </a:defRPr>
+            </a:lvl2pPr>
+            <a:lvl3pPr marL="914400" indent="0">
+              <a:buNone/>
+              <a:defRPr sz="1600">
+                <a:solidFill>
+                  <a:schemeClr val="tx1">
+                    <a:tint val="75000"/>
+                  </a:schemeClr>
+                </a:solidFill>
+              </a:defRPr>
+            </a:lvl3pPr>
+            <a:lvl4pPr marL="1371600" indent="0">
+              <a:buNone/>
+              <a:defRPr sz="1400">
+                <a:solidFill>
+                  <a:schemeClr val="tx1">
+                    <a:tint val="75000"/>
+                  </a:schemeClr>
+                </a:solidFill>
+              </a:defRPr>
+            </a:lvl4pPr>
+            <a:lvl5pPr marL="1828800" indent="0">
+              <a:buNone/>
+              <a:defRPr sz="1400">
+                <a:solidFill>
+                  <a:schemeClr val="tx1">
+                    <a:tint val="75000"/>
+                  </a:schemeClr>
+                </a:solidFill>
+              </a:defRPr>
+            </a:lvl5pPr>
+            <a:lvl6pPr marL="2286000" indent="0">
+              <a:buNone/>
+              <a:defRPr sz="1400">
+                <a:solidFill>
+                  <a:schemeClr val="tx1">
+                    <a:tint val="75000"/>
+                  </a:schemeClr>
+                </a:solidFill>
+              </a:defRPr>
+            </a:lvl6pPr>
+            <a:lvl7pPr marL="2743200" indent="0">
+              <a:buNone/>
+              <a:defRPr sz="1400">
+                <a:solidFill>
+                  <a:schemeClr val="tx1">
+                    <a:tint val="75000"/>
+                  </a:schemeClr>
+                </a:solidFill>
+              </a:defRPr>
+            </a:lvl7pPr>
+            <a:lvl8pPr marL="3200400" indent="0">
+              <a:buNone/>
+              <a:defRPr sz="1400">
+                <a:solidFill>
+                  <a:schemeClr val="tx1">
+                    <a:tint val="75000"/>
+                  </a:schemeClr>
+                </a:solidFill>
+              </a:defRPr>
+            </a:lvl8pPr>
+            <a:lvl9pPr marL="3657600" indent="0">
+              <a:buNone/>
+              <a:defRPr sz="1400">
+                <a:solidFill>
+                  <a:schemeClr val="tx1">
+                    <a:tint val="75000"/>
+                  </a:schemeClr>
+                </a:solidFill>
+              </a:defRPr>
+            </a:lvl9pPr>
+          </a:lstStyle>
+          <a:p>
+            <a:pPr lvl="0"/>
+            <a:r>
+              <a:rPr lang="en-GB"/>
+              <a:t>Click to edit Master text styles</a:t>
+            </a:r>
+          </a:p>
+        </p:txBody>
+      </p:sp>
+      <p:sp>
+        <p:nvSpPr>
+          <p:cNvPr id="4" name="Date Placeholder 3"/>
+          <p:cNvSpPr>
+            <a:spLocks noGrp="1"/>
+          </p:cNvSpPr>
+          <p:nvPr>
+            <p:ph type="dt" sz="half" idx="10"/>
+          </p:nvPr>
+        </p:nvSpPr>
+        <p:spPr/>
+        <p:txBody>
+          <a:bodyPr/>
+          <a:lstStyle/>
+          <a:p>
+            <a:fld id="{F518D1B8-B5DD-417F-B912-B4E9A7A5F0F4}" type="datetimeFigureOut">
+              <a:rPr lang="en-GB" smtClean="0"/>
+              <a:t>06/05/2024</a:t>
+            </a:fld>
+            <a:endParaRPr lang="en-GB"/>
+          </a:p>
+        </p:txBody>
+      </p:sp>
+      <p:sp>
+        <p:nvSpPr>
+          <p:cNvPr id="5" name="Footer Placeholder 4"/>
+          <p:cNvSpPr>
+            <a:spLocks noGrp="1"/>
+          </p:cNvSpPr>
+          <p:nvPr>
+            <p:ph type="ftr" sz="quarter" idx="11"/>
+          </p:nvPr>
+        </p:nvSpPr>
+        <p:spPr/>
+        <p:txBody>
+          <a:bodyPr/>
+          <a:lstStyle/>
+          <a:p>
+            <a:endParaRPr lang="en-GB"/>
+          </a:p>
+        </p:txBody>
+      </p:sp>
+      <p:sp>
+        <p:nvSpPr>
+          <p:cNvPr id="6" name="Slide Number Placeholder 5"/>
+          <p:cNvSpPr>
+            <a:spLocks noGrp="1"/>
+          </p:cNvSpPr>
+          <p:nvPr>
+            <p:ph type="sldNum" sz="quarter" idx="12"/>
+          </p:nvPr>
+        </p:nvSpPr>
+        <p:spPr/>
+        <p:txBody>
+          <a:bodyPr/>
+          <a:lstStyle/>
+          <a:p>
+            <a:fld id="{EE7CB581-5F24-470C-957D-B7E5A9ABB799}" type="slidenum">
+              <a:rPr lang="en-GB" smtClean="0"/>
+              <a:t>‹#›</a:t>
+            </a:fld>
+            <a:endParaRPr lang="en-GB"/>
+          </a:p>
+        </p:txBody>
+      </p:sp>
+      <p:sp>
+        <p:nvSpPr>
+          <p:cNvPr id="24" name="TextBox 23"/>
+          <p:cNvSpPr txBox="1"/>
+          <p:nvPr/>
+        </p:nvSpPr>
+        <p:spPr>
+          <a:xfrm>
+            <a:off x="541870" y="790378"/>
+            <a:ext cx="609600" cy="584776"/>
+          </a:xfrm>
+          <a:prstGeom prst="rect">
+            <a:avLst/>
+          </a:prstGeom>
+        </p:spPr>
+        <p:txBody>
+          <a:bodyPr vert="horz" lIns="91440" tIns="45720" rIns="91440" bIns="45720" rtlCol="0" anchor="ctr">
+            <a:noAutofit/>
+          </a:bodyPr>
+          <a:lstStyle/>
+          <a:p>
+            <a:pPr lvl="0"/>
+            <a:r>
+              <a:rPr lang="en-US" sz="8000" baseline="0" dirty="0">
+                <a:ln w="3175" cmpd="sng">
+                  <a:noFill/>
+                </a:ln>
+                <a:solidFill>
+                  <a:schemeClr val="accent1">
+                    <a:lumMod val="60000"/>
+                    <a:lumOff val="40000"/>
+                  </a:schemeClr>
+                </a:solidFill>
+                <a:effectLst/>
+                <a:latin typeface="Arial"/>
+              </a:rPr>
+              <a:t>“</a:t>
+            </a:r>
+          </a:p>
+        </p:txBody>
+      </p:sp>
+      <p:sp>
+        <p:nvSpPr>
+          <p:cNvPr id="25" name="TextBox 24"/>
+          <p:cNvSpPr txBox="1"/>
+          <p:nvPr/>
+        </p:nvSpPr>
+        <p:spPr>
+          <a:xfrm>
+            <a:off x="8893011" y="2886556"/>
+            <a:ext cx="609600" cy="584776"/>
+          </a:xfrm>
+          <a:prstGeom prst="rect">
+            <a:avLst/>
+          </a:prstGeom>
+        </p:spPr>
+        <p:txBody>
+          <a:bodyPr vert="horz" lIns="91440" tIns="45720" rIns="91440" bIns="45720" rtlCol="0" anchor="ctr">
+            <a:noAutofit/>
+          </a:bodyPr>
+          <a:lstStyle/>
+          <a:p>
+            <a:pPr lvl="0"/>
+            <a:r>
+              <a:rPr lang="en-US" sz="8000" baseline="0" dirty="0">
+                <a:ln w="3175" cmpd="sng">
+                  <a:noFill/>
+                </a:ln>
+                <a:solidFill>
+                  <a:schemeClr val="accent1">
+                    <a:lumMod val="60000"/>
+                    <a:lumOff val="40000"/>
+                  </a:schemeClr>
+                </a:solidFill>
+                <a:effectLst/>
+                <a:latin typeface="Arial"/>
+              </a:rPr>
+              <a:t>”</a:t>
+            </a:r>
+          </a:p>
+        </p:txBody>
+      </p:sp>
+    </p:spTree>
+    <p:extLst>
+      <p:ext uri="{BB962C8B-B14F-4D97-AF65-F5344CB8AC3E}">
+        <p14:creationId xmlns:p14="http://schemas.microsoft.com/office/powerpoint/2010/main" val="1633069033"/>
+      </p:ext>
+    </p:extLst>
+  </p:cSld>
+  <p:clrMapOvr>
+    <a:masterClrMapping/>
+  </p:clrMapOvr>
+</p:sldLayout>
+</file>
+
+<file path=ppt/slideLayouts/slideLayout12.xml><?xml version="1.0" encoding="utf-8"?>
+<p:sldLayout xmlns:a="http://schemas.openxmlformats.org/drawingml/2006/main" xmlns:r="http://schemas.openxmlformats.org/officeDocument/2006/relationships" xmlns:p="http://schemas.openxmlformats.org/presentationml/2006/main" preserve="1">
+  <p:cSld name="Name Card">
+    <p:spTree>
+      <p:nvGrpSpPr>
+        <p:cNvPr id="1" name=""/>
+        <p:cNvGrpSpPr/>
+        <p:nvPr/>
+      </p:nvGrpSpPr>
+      <p:grpSpPr>
+        <a:xfrm>
+          <a:off x="0" y="0"/>
+          <a:ext cx="0" cy="0"/>
+          <a:chOff x="0" y="0"/>
+          <a:chExt cx="0" cy="0"/>
+        </a:xfrm>
+      </p:grpSpPr>
+      <p:sp>
+        <p:nvSpPr>
+          <p:cNvPr id="2" name="Title 1"/>
+          <p:cNvSpPr>
+            <a:spLocks noGrp="1"/>
+          </p:cNvSpPr>
+          <p:nvPr>
+            <p:ph type="title"/>
+          </p:nvPr>
+        </p:nvSpPr>
+        <p:spPr>
+          <a:xfrm>
+            <a:off x="677335" y="1931988"/>
+            <a:ext cx="8596668" cy="2595460"/>
+          </a:xfrm>
+        </p:spPr>
+        <p:txBody>
+          <a:bodyPr anchor="b">
+            <a:normAutofit/>
+          </a:bodyPr>
+          <a:lstStyle>
+            <a:lvl1pPr algn="l">
+              <a:defRPr sz="4400" b="0" cap="none"/>
+            </a:lvl1pPr>
+          </a:lstStyle>
+          <a:p>
+            <a:r>
+              <a:rPr lang="en-GB"/>
+              <a:t>Click to edit Master title style</a:t>
+            </a:r>
+            <a:endParaRPr lang="en-US" dirty="0"/>
+          </a:p>
+        </p:txBody>
+      </p:sp>
+      <p:sp>
+        <p:nvSpPr>
+          <p:cNvPr id="3" name="Text Placeholder 2"/>
+          <p:cNvSpPr>
+            <a:spLocks noGrp="1"/>
+          </p:cNvSpPr>
+          <p:nvPr>
+            <p:ph type="body" idx="1"/>
+          </p:nvPr>
+        </p:nvSpPr>
+        <p:spPr>
+          <a:xfrm>
+            <a:off x="677335" y="4527448"/>
+            <a:ext cx="8596668" cy="1513914"/>
+          </a:xfrm>
+        </p:spPr>
+        <p:txBody>
+          <a:bodyPr anchor="t">
+            <a:normAutofit/>
+          </a:bodyPr>
+          <a:lstStyle>
+            <a:lvl1pPr marL="0" indent="0" algn="l">
+              <a:buNone/>
+              <a:defRPr sz="1800">
+                <a:solidFill>
+                  <a:schemeClr val="tx1">
+                    <a:lumMod val="75000"/>
+                    <a:lumOff val="25000"/>
+                  </a:schemeClr>
+                </a:solidFill>
+              </a:defRPr>
+            </a:lvl1pPr>
+            <a:lvl2pPr marL="457200" indent="0">
+              <a:buNone/>
+              <a:defRPr sz="1800">
+                <a:solidFill>
+                  <a:schemeClr val="tx1">
+                    <a:tint val="75000"/>
+                  </a:schemeClr>
+                </a:solidFill>
+              </a:defRPr>
+            </a:lvl2pPr>
+            <a:lvl3pPr marL="914400" indent="0">
+              <a:buNone/>
+              <a:defRPr sz="1600">
+                <a:solidFill>
+                  <a:schemeClr val="tx1">
+                    <a:tint val="75000"/>
+                  </a:schemeClr>
+                </a:solidFill>
+              </a:defRPr>
+            </a:lvl3pPr>
+            <a:lvl4pPr marL="1371600" indent="0">
+              <a:buNone/>
+              <a:defRPr sz="1400">
+                <a:solidFill>
+                  <a:schemeClr val="tx1">
+                    <a:tint val="75000"/>
+                  </a:schemeClr>
+                </a:solidFill>
+              </a:defRPr>
+            </a:lvl4pPr>
+            <a:lvl5pPr marL="1828800" indent="0">
+              <a:buNone/>
+              <a:defRPr sz="1400">
+                <a:solidFill>
+                  <a:schemeClr val="tx1">
+                    <a:tint val="75000"/>
+                  </a:schemeClr>
+                </a:solidFill>
+              </a:defRPr>
+            </a:lvl5pPr>
+            <a:lvl6pPr marL="2286000" indent="0">
+              <a:buNone/>
+              <a:defRPr sz="1400">
+                <a:solidFill>
+                  <a:schemeClr val="tx1">
+                    <a:tint val="75000"/>
+                  </a:schemeClr>
+                </a:solidFill>
+              </a:defRPr>
+            </a:lvl6pPr>
+            <a:lvl7pPr marL="2743200" indent="0">
+              <a:buNone/>
+              <a:defRPr sz="1400">
+                <a:solidFill>
+                  <a:schemeClr val="tx1">
+                    <a:tint val="75000"/>
+                  </a:schemeClr>
+                </a:solidFill>
+              </a:defRPr>
+            </a:lvl7pPr>
+            <a:lvl8pPr marL="3200400" indent="0">
+              <a:buNone/>
+              <a:defRPr sz="1400">
+                <a:solidFill>
+                  <a:schemeClr val="tx1">
+                    <a:tint val="75000"/>
+                  </a:schemeClr>
+                </a:solidFill>
+              </a:defRPr>
+            </a:lvl8pPr>
+            <a:lvl9pPr marL="3657600" indent="0">
+              <a:buNone/>
+              <a:defRPr sz="1400">
+                <a:solidFill>
+                  <a:schemeClr val="tx1">
+                    <a:tint val="75000"/>
+                  </a:schemeClr>
+                </a:solidFill>
+              </a:defRPr>
+            </a:lvl9pPr>
+          </a:lstStyle>
+          <a:p>
+            <a:pPr lvl="0"/>
+            <a:r>
+              <a:rPr lang="en-GB"/>
+              <a:t>Click to edit Master text styles</a:t>
+            </a:r>
+          </a:p>
+        </p:txBody>
+      </p:sp>
+      <p:sp>
+        <p:nvSpPr>
+          <p:cNvPr id="4" name="Date Placeholder 3"/>
+          <p:cNvSpPr>
+            <a:spLocks noGrp="1"/>
+          </p:cNvSpPr>
+          <p:nvPr>
+            <p:ph type="dt" sz="half" idx="10"/>
+          </p:nvPr>
+        </p:nvSpPr>
+        <p:spPr/>
+        <p:txBody>
+          <a:bodyPr/>
+          <a:lstStyle/>
+          <a:p>
+            <a:fld id="{F518D1B8-B5DD-417F-B912-B4E9A7A5F0F4}" type="datetimeFigureOut">
+              <a:rPr lang="en-GB" smtClean="0"/>
+              <a:t>06/05/2024</a:t>
+            </a:fld>
+            <a:endParaRPr lang="en-GB"/>
+          </a:p>
+        </p:txBody>
+      </p:sp>
+      <p:sp>
+        <p:nvSpPr>
+          <p:cNvPr id="5" name="Footer Placeholder 4"/>
+          <p:cNvSpPr>
+            <a:spLocks noGrp="1"/>
+          </p:cNvSpPr>
+          <p:nvPr>
+            <p:ph type="ftr" sz="quarter" idx="11"/>
+          </p:nvPr>
+        </p:nvSpPr>
+        <p:spPr/>
+        <p:txBody>
+          <a:bodyPr/>
+          <a:lstStyle/>
+          <a:p>
+            <a:endParaRPr lang="en-GB"/>
+          </a:p>
+        </p:txBody>
+      </p:sp>
+      <p:sp>
+        <p:nvSpPr>
+          <p:cNvPr id="6" name="Slide Number Placeholder 5"/>
+          <p:cNvSpPr>
+            <a:spLocks noGrp="1"/>
+          </p:cNvSpPr>
+          <p:nvPr>
+            <p:ph type="sldNum" sz="quarter" idx="12"/>
+          </p:nvPr>
+        </p:nvSpPr>
+        <p:spPr/>
+        <p:txBody>
+          <a:bodyPr/>
+          <a:lstStyle/>
+          <a:p>
+            <a:fld id="{EE7CB581-5F24-470C-957D-B7E5A9ABB799}" type="slidenum">
+              <a:rPr lang="en-GB" smtClean="0"/>
+              <a:t>‹#›</a:t>
+            </a:fld>
+            <a:endParaRPr lang="en-GB"/>
+          </a:p>
+        </p:txBody>
+      </p:sp>
+    </p:spTree>
+    <p:extLst>
+      <p:ext uri="{BB962C8B-B14F-4D97-AF65-F5344CB8AC3E}">
+        <p14:creationId xmlns:p14="http://schemas.microsoft.com/office/powerpoint/2010/main" val="312863628"/>
+      </p:ext>
+    </p:extLst>
+  </p:cSld>
+  <p:clrMapOvr>
+    <a:masterClrMapping/>
+  </p:clrMapOvr>
+</p:sldLayout>
+</file>
+
+<file path=ppt/slideLayouts/slideLayout13.xml><?xml version="1.0" encoding="utf-8"?>
+<p:sldLayout xmlns:a="http://schemas.openxmlformats.org/drawingml/2006/main" xmlns:r="http://schemas.openxmlformats.org/officeDocument/2006/relationships" xmlns:p="http://schemas.openxmlformats.org/presentationml/2006/main" preserve="1">
+  <p:cSld name="Quote Name Card">
+    <p:spTree>
+      <p:nvGrpSpPr>
+        <p:cNvPr id="1" name=""/>
+        <p:cNvGrpSpPr/>
+        <p:nvPr/>
+      </p:nvGrpSpPr>
+      <p:grpSpPr>
+        <a:xfrm>
+          <a:off x="0" y="0"/>
+          <a:ext cx="0" cy="0"/>
+          <a:chOff x="0" y="0"/>
+          <a:chExt cx="0" cy="0"/>
+        </a:xfrm>
+      </p:grpSpPr>
+      <p:sp>
+        <p:nvSpPr>
+          <p:cNvPr id="2" name="Title 1"/>
+          <p:cNvSpPr>
+            <a:spLocks noGrp="1"/>
+          </p:cNvSpPr>
+          <p:nvPr>
+            <p:ph type="title"/>
+          </p:nvPr>
+        </p:nvSpPr>
+        <p:spPr>
+          <a:xfrm>
+            <a:off x="931334" y="609600"/>
+            <a:ext cx="8094134" cy="3022600"/>
+          </a:xfrm>
+        </p:spPr>
+        <p:txBody>
+          <a:bodyPr anchor="ctr">
+            <a:normAutofit/>
+          </a:bodyPr>
+          <a:lstStyle>
+            <a:lvl1pPr algn="l">
+              <a:defRPr sz="4400" b="0" cap="none"/>
+            </a:lvl1pPr>
+          </a:lstStyle>
+          <a:p>
+            <a:r>
+              <a:rPr lang="en-GB"/>
+              <a:t>Click to edit Master title style</a:t>
+            </a:r>
+            <a:endParaRPr lang="en-US" dirty="0"/>
+          </a:p>
+        </p:txBody>
+      </p:sp>
+      <p:sp>
+        <p:nvSpPr>
+          <p:cNvPr id="23" name="Text Placeholder 9"/>
+          <p:cNvSpPr>
+            <a:spLocks noGrp="1"/>
+          </p:cNvSpPr>
+          <p:nvPr>
+            <p:ph type="body" sz="quarter" idx="13"/>
+          </p:nvPr>
+        </p:nvSpPr>
+        <p:spPr>
+          <a:xfrm>
+            <a:off x="677332" y="4013200"/>
+            <a:ext cx="8596669" cy="514248"/>
+          </a:xfrm>
+        </p:spPr>
+        <p:txBody>
+          <a:bodyPr anchor="b">
+            <a:noAutofit/>
+          </a:bodyPr>
+          <a:lstStyle>
+            <a:lvl1pPr marL="0" indent="0">
+              <a:buFontTx/>
+              <a:buNone/>
+              <a:defRPr sz="2400">
+                <a:solidFill>
+                  <a:schemeClr val="tx1">
+                    <a:lumMod val="75000"/>
+                    <a:lumOff val="25000"/>
+                  </a:schemeClr>
+                </a:solidFill>
+              </a:defRPr>
+            </a:lvl1pPr>
+            <a:lvl2pPr marL="457200" indent="0">
+              <a:buFontTx/>
+              <a:buNone/>
+              <a:defRPr/>
+            </a:lvl2pPr>
+            <a:lvl3pPr marL="914400" indent="0">
+              <a:buFontTx/>
+              <a:buNone/>
+              <a:defRPr/>
+            </a:lvl3pPr>
+            <a:lvl4pPr marL="1371600" indent="0">
+              <a:buFontTx/>
+              <a:buNone/>
+              <a:defRPr/>
+            </a:lvl4pPr>
+            <a:lvl5pPr marL="1828800" indent="0">
+              <a:buFontTx/>
+              <a:buNone/>
+              <a:defRPr/>
+            </a:lvl5pPr>
+          </a:lstStyle>
+          <a:p>
+            <a:pPr lvl="0"/>
+            <a:r>
+              <a:rPr lang="en-GB"/>
+              <a:t>Click to edit Master text styles</a:t>
+            </a:r>
+          </a:p>
+        </p:txBody>
+      </p:sp>
+      <p:sp>
+        <p:nvSpPr>
+          <p:cNvPr id="3" name="Text Placeholder 2"/>
+          <p:cNvSpPr>
+            <a:spLocks noGrp="1"/>
+          </p:cNvSpPr>
+          <p:nvPr>
+            <p:ph type="body" idx="1"/>
+          </p:nvPr>
+        </p:nvSpPr>
+        <p:spPr>
+          <a:xfrm>
+            <a:off x="677335" y="4527448"/>
+            <a:ext cx="8596668" cy="1513914"/>
+          </a:xfrm>
+        </p:spPr>
+        <p:txBody>
+          <a:bodyPr anchor="t">
+            <a:normAutofit/>
+          </a:bodyPr>
+          <a:lstStyle>
+            <a:lvl1pPr marL="0" indent="0" algn="l">
+              <a:buNone/>
+              <a:defRPr sz="1800">
+                <a:solidFill>
+                  <a:schemeClr val="tx1">
+                    <a:lumMod val="50000"/>
+                    <a:lumOff val="50000"/>
+                  </a:schemeClr>
+                </a:solidFill>
+              </a:defRPr>
+            </a:lvl1pPr>
+            <a:lvl2pPr marL="457200" indent="0">
+              <a:buNone/>
+              <a:defRPr sz="1800">
+                <a:solidFill>
+                  <a:schemeClr val="tx1">
+                    <a:tint val="75000"/>
+                  </a:schemeClr>
+                </a:solidFill>
+              </a:defRPr>
+            </a:lvl2pPr>
+            <a:lvl3pPr marL="914400" indent="0">
+              <a:buNone/>
+              <a:defRPr sz="1600">
+                <a:solidFill>
+                  <a:schemeClr val="tx1">
+                    <a:tint val="75000"/>
+                  </a:schemeClr>
+                </a:solidFill>
+              </a:defRPr>
+            </a:lvl3pPr>
+            <a:lvl4pPr marL="1371600" indent="0">
+              <a:buNone/>
+              <a:defRPr sz="1400">
+                <a:solidFill>
+                  <a:schemeClr val="tx1">
+                    <a:tint val="75000"/>
+                  </a:schemeClr>
+                </a:solidFill>
+              </a:defRPr>
+            </a:lvl4pPr>
+            <a:lvl5pPr marL="1828800" indent="0">
+              <a:buNone/>
+              <a:defRPr sz="1400">
+                <a:solidFill>
+                  <a:schemeClr val="tx1">
+                    <a:tint val="75000"/>
+                  </a:schemeClr>
+                </a:solidFill>
+              </a:defRPr>
+            </a:lvl5pPr>
+            <a:lvl6pPr marL="2286000" indent="0">
+              <a:buNone/>
+              <a:defRPr sz="1400">
+                <a:solidFill>
+                  <a:schemeClr val="tx1">
+                    <a:tint val="75000"/>
+                  </a:schemeClr>
+                </a:solidFill>
+              </a:defRPr>
+            </a:lvl6pPr>
+            <a:lvl7pPr marL="2743200" indent="0">
+              <a:buNone/>
+              <a:defRPr sz="1400">
+                <a:solidFill>
+                  <a:schemeClr val="tx1">
+                    <a:tint val="75000"/>
+                  </a:schemeClr>
+                </a:solidFill>
+              </a:defRPr>
+            </a:lvl7pPr>
+            <a:lvl8pPr marL="3200400" indent="0">
+              <a:buNone/>
+              <a:defRPr sz="1400">
+                <a:solidFill>
+                  <a:schemeClr val="tx1">
+                    <a:tint val="75000"/>
+                  </a:schemeClr>
+                </a:solidFill>
+              </a:defRPr>
+            </a:lvl8pPr>
+            <a:lvl9pPr marL="3657600" indent="0">
+              <a:buNone/>
+              <a:defRPr sz="1400">
+                <a:solidFill>
+                  <a:schemeClr val="tx1">
+                    <a:tint val="75000"/>
+                  </a:schemeClr>
+                </a:solidFill>
+              </a:defRPr>
+            </a:lvl9pPr>
+          </a:lstStyle>
+          <a:p>
+            <a:pPr lvl="0"/>
+            <a:r>
+              <a:rPr lang="en-GB"/>
+              <a:t>Click to edit Master text styles</a:t>
+            </a:r>
+          </a:p>
+        </p:txBody>
+      </p:sp>
+      <p:sp>
+        <p:nvSpPr>
+          <p:cNvPr id="4" name="Date Placeholder 3"/>
+          <p:cNvSpPr>
+            <a:spLocks noGrp="1"/>
+          </p:cNvSpPr>
+          <p:nvPr>
+            <p:ph type="dt" sz="half" idx="10"/>
+          </p:nvPr>
+        </p:nvSpPr>
+        <p:spPr/>
+        <p:txBody>
+          <a:bodyPr/>
+          <a:lstStyle/>
+          <a:p>
+            <a:fld id="{F518D1B8-B5DD-417F-B912-B4E9A7A5F0F4}" type="datetimeFigureOut">
+              <a:rPr lang="en-GB" smtClean="0"/>
+              <a:t>06/05/2024</a:t>
+            </a:fld>
+            <a:endParaRPr lang="en-GB"/>
+          </a:p>
+        </p:txBody>
+      </p:sp>
+      <p:sp>
+        <p:nvSpPr>
+          <p:cNvPr id="5" name="Footer Placeholder 4"/>
+          <p:cNvSpPr>
+            <a:spLocks noGrp="1"/>
+          </p:cNvSpPr>
+          <p:nvPr>
+            <p:ph type="ftr" sz="quarter" idx="11"/>
+          </p:nvPr>
+        </p:nvSpPr>
+        <p:spPr/>
+        <p:txBody>
+          <a:bodyPr/>
+          <a:lstStyle/>
+          <a:p>
+            <a:endParaRPr lang="en-GB"/>
+          </a:p>
+        </p:txBody>
+      </p:sp>
+      <p:sp>
+        <p:nvSpPr>
+          <p:cNvPr id="6" name="Slide Number Placeholder 5"/>
+          <p:cNvSpPr>
+            <a:spLocks noGrp="1"/>
+          </p:cNvSpPr>
+          <p:nvPr>
+            <p:ph type="sldNum" sz="quarter" idx="12"/>
+          </p:nvPr>
+        </p:nvSpPr>
+        <p:spPr/>
+        <p:txBody>
+          <a:bodyPr/>
+          <a:lstStyle/>
+          <a:p>
+            <a:fld id="{EE7CB581-5F24-470C-957D-B7E5A9ABB799}" type="slidenum">
+              <a:rPr lang="en-GB" smtClean="0"/>
+              <a:t>‹#›</a:t>
+            </a:fld>
+            <a:endParaRPr lang="en-GB"/>
+          </a:p>
+        </p:txBody>
+      </p:sp>
+      <p:sp>
+        <p:nvSpPr>
+          <p:cNvPr id="24" name="TextBox 23"/>
+          <p:cNvSpPr txBox="1"/>
+          <p:nvPr/>
+        </p:nvSpPr>
+        <p:spPr>
+          <a:xfrm>
+            <a:off x="541870" y="790378"/>
+            <a:ext cx="609600" cy="584776"/>
+          </a:xfrm>
+          <a:prstGeom prst="rect">
+            <a:avLst/>
+          </a:prstGeom>
+        </p:spPr>
+        <p:txBody>
+          <a:bodyPr vert="horz" lIns="91440" tIns="45720" rIns="91440" bIns="45720" rtlCol="0" anchor="ctr">
+            <a:noAutofit/>
+          </a:bodyPr>
+          <a:lstStyle/>
+          <a:p>
+            <a:pPr lvl="0"/>
+            <a:r>
+              <a:rPr lang="en-US" sz="8000" baseline="0" dirty="0">
+                <a:ln w="3175" cmpd="sng">
+                  <a:noFill/>
+                </a:ln>
+                <a:solidFill>
+                  <a:schemeClr val="accent1">
+                    <a:lumMod val="60000"/>
+                    <a:lumOff val="40000"/>
+                  </a:schemeClr>
+                </a:solidFill>
+                <a:effectLst/>
+                <a:latin typeface="Arial"/>
+              </a:rPr>
+              <a:t>“</a:t>
+            </a:r>
+          </a:p>
+        </p:txBody>
+      </p:sp>
+      <p:sp>
+        <p:nvSpPr>
+          <p:cNvPr id="25" name="TextBox 24"/>
+          <p:cNvSpPr txBox="1"/>
+          <p:nvPr/>
+        </p:nvSpPr>
+        <p:spPr>
+          <a:xfrm>
+            <a:off x="8893011" y="2886556"/>
+            <a:ext cx="609600" cy="584776"/>
+          </a:xfrm>
+          <a:prstGeom prst="rect">
+            <a:avLst/>
+          </a:prstGeom>
+        </p:spPr>
+        <p:txBody>
+          <a:bodyPr vert="horz" lIns="91440" tIns="45720" rIns="91440" bIns="45720" rtlCol="0" anchor="ctr">
+            <a:noAutofit/>
+          </a:bodyPr>
+          <a:lstStyle/>
+          <a:p>
+            <a:pPr lvl="0"/>
+            <a:r>
+              <a:rPr lang="en-US" sz="8000" baseline="0" dirty="0">
+                <a:ln w="3175" cmpd="sng">
+                  <a:noFill/>
+                </a:ln>
+                <a:solidFill>
+                  <a:schemeClr val="accent1">
+                    <a:lumMod val="60000"/>
+                    <a:lumOff val="40000"/>
+                  </a:schemeClr>
+                </a:solidFill>
+                <a:effectLst/>
+                <a:latin typeface="Arial"/>
+              </a:rPr>
+              <a:t>”</a:t>
+            </a:r>
+          </a:p>
+        </p:txBody>
+      </p:sp>
+    </p:spTree>
+    <p:extLst>
+      <p:ext uri="{BB962C8B-B14F-4D97-AF65-F5344CB8AC3E}">
+        <p14:creationId xmlns:p14="http://schemas.microsoft.com/office/powerpoint/2010/main" val="1395193570"/>
+      </p:ext>
+    </p:extLst>
+  </p:cSld>
+  <p:clrMapOvr>
+    <a:masterClrMapping/>
+  </p:clrMapOvr>
+</p:sldLayout>
+</file>
+
+<file path=ppt/slideLayouts/slideLayout14.xml><?xml version="1.0" encoding="utf-8"?>
+<p:sldLayout xmlns:a="http://schemas.openxmlformats.org/drawingml/2006/main" xmlns:r="http://schemas.openxmlformats.org/officeDocument/2006/relationships" xmlns:p="http://schemas.openxmlformats.org/presentationml/2006/main" preserve="1">
+  <p:cSld name="True or False">
+    <p:spTree>
+      <p:nvGrpSpPr>
+        <p:cNvPr id="1" name=""/>
+        <p:cNvGrpSpPr/>
+        <p:nvPr/>
+      </p:nvGrpSpPr>
+      <p:grpSpPr>
+        <a:xfrm>
+          <a:off x="0" y="0"/>
+          <a:ext cx="0" cy="0"/>
+          <a:chOff x="0" y="0"/>
+          <a:chExt cx="0" cy="0"/>
+        </a:xfrm>
+      </p:grpSpPr>
+      <p:sp>
+        <p:nvSpPr>
+          <p:cNvPr id="2" name="Title 1"/>
+          <p:cNvSpPr>
+            <a:spLocks noGrp="1"/>
+          </p:cNvSpPr>
+          <p:nvPr>
+            <p:ph type="title"/>
+          </p:nvPr>
+        </p:nvSpPr>
+        <p:spPr>
+          <a:xfrm>
+            <a:off x="685799" y="609600"/>
+            <a:ext cx="8588203" cy="3022600"/>
+          </a:xfrm>
+        </p:spPr>
+        <p:txBody>
+          <a:bodyPr anchor="ctr">
+            <a:normAutofit/>
+          </a:bodyPr>
+          <a:lstStyle>
+            <a:lvl1pPr algn="l">
+              <a:defRPr sz="4400" b="0" cap="none"/>
+            </a:lvl1pPr>
+          </a:lstStyle>
+          <a:p>
+            <a:r>
+              <a:rPr lang="en-GB"/>
+              <a:t>Click to edit Master title style</a:t>
+            </a:r>
+            <a:endParaRPr lang="en-US" dirty="0"/>
+          </a:p>
+        </p:txBody>
+      </p:sp>
+      <p:sp>
+        <p:nvSpPr>
+          <p:cNvPr id="23" name="Text Placeholder 9"/>
+          <p:cNvSpPr>
+            <a:spLocks noGrp="1"/>
+          </p:cNvSpPr>
+          <p:nvPr>
+            <p:ph type="body" sz="quarter" idx="13"/>
+          </p:nvPr>
+        </p:nvSpPr>
+        <p:spPr>
+          <a:xfrm>
+            <a:off x="677332" y="4013200"/>
+            <a:ext cx="8596669" cy="514248"/>
+          </a:xfrm>
+        </p:spPr>
+        <p:txBody>
+          <a:bodyPr anchor="b">
+            <a:noAutofit/>
+          </a:bodyPr>
+          <a:lstStyle>
+            <a:lvl1pPr marL="0" indent="0">
+              <a:buFontTx/>
+              <a:buNone/>
+              <a:defRPr sz="2400">
+                <a:solidFill>
+                  <a:schemeClr val="accent1"/>
+                </a:solidFill>
+              </a:defRPr>
+            </a:lvl1pPr>
+            <a:lvl2pPr marL="457200" indent="0">
+              <a:buFontTx/>
+              <a:buNone/>
+              <a:defRPr/>
+            </a:lvl2pPr>
+            <a:lvl3pPr marL="914400" indent="0">
+              <a:buFontTx/>
+              <a:buNone/>
+              <a:defRPr/>
+            </a:lvl3pPr>
+            <a:lvl4pPr marL="1371600" indent="0">
+              <a:buFontTx/>
+              <a:buNone/>
+              <a:defRPr/>
+            </a:lvl4pPr>
+            <a:lvl5pPr marL="1828800" indent="0">
+              <a:buFontTx/>
+              <a:buNone/>
+              <a:defRPr/>
+            </a:lvl5pPr>
+          </a:lstStyle>
+          <a:p>
+            <a:pPr lvl="0"/>
+            <a:r>
+              <a:rPr lang="en-GB"/>
+              <a:t>Click to edit Master text styles</a:t>
+            </a:r>
+          </a:p>
+        </p:txBody>
+      </p:sp>
+      <p:sp>
+        <p:nvSpPr>
+          <p:cNvPr id="3" name="Text Placeholder 2"/>
+          <p:cNvSpPr>
+            <a:spLocks noGrp="1"/>
+          </p:cNvSpPr>
+          <p:nvPr>
+            <p:ph type="body" idx="1"/>
+          </p:nvPr>
+        </p:nvSpPr>
+        <p:spPr>
+          <a:xfrm>
+            <a:off x="677335" y="4527448"/>
+            <a:ext cx="8596668" cy="1513914"/>
+          </a:xfrm>
+        </p:spPr>
+        <p:txBody>
+          <a:bodyPr anchor="t">
+            <a:normAutofit/>
+          </a:bodyPr>
+          <a:lstStyle>
+            <a:lvl1pPr marL="0" indent="0" algn="l">
+              <a:buNone/>
+              <a:defRPr sz="1800">
+                <a:solidFill>
+                  <a:schemeClr val="tx1">
+                    <a:lumMod val="50000"/>
+                    <a:lumOff val="50000"/>
+                  </a:schemeClr>
+                </a:solidFill>
+              </a:defRPr>
+            </a:lvl1pPr>
+            <a:lvl2pPr marL="457200" indent="0">
+              <a:buNone/>
+              <a:defRPr sz="1800">
+                <a:solidFill>
+                  <a:schemeClr val="tx1">
+                    <a:tint val="75000"/>
+                  </a:schemeClr>
+                </a:solidFill>
+              </a:defRPr>
+            </a:lvl2pPr>
+            <a:lvl3pPr marL="914400" indent="0">
+              <a:buNone/>
+              <a:defRPr sz="1600">
+                <a:solidFill>
+                  <a:schemeClr val="tx1">
+                    <a:tint val="75000"/>
+                  </a:schemeClr>
+                </a:solidFill>
+              </a:defRPr>
+            </a:lvl3pPr>
+            <a:lvl4pPr marL="1371600" indent="0">
+              <a:buNone/>
+              <a:defRPr sz="1400">
+                <a:solidFill>
+                  <a:schemeClr val="tx1">
+                    <a:tint val="75000"/>
+                  </a:schemeClr>
+                </a:solidFill>
+              </a:defRPr>
+            </a:lvl4pPr>
+            <a:lvl5pPr marL="1828800" indent="0">
+              <a:buNone/>
+              <a:defRPr sz="1400">
+                <a:solidFill>
+                  <a:schemeClr val="tx1">
+                    <a:tint val="75000"/>
+                  </a:schemeClr>
+                </a:solidFill>
+              </a:defRPr>
+            </a:lvl5pPr>
+            <a:lvl6pPr marL="2286000" indent="0">
+              <a:buNone/>
+              <a:defRPr sz="1400">
+                <a:solidFill>
+                  <a:schemeClr val="tx1">
+                    <a:tint val="75000"/>
+                  </a:schemeClr>
+                </a:solidFill>
+              </a:defRPr>
+            </a:lvl6pPr>
+            <a:lvl7pPr marL="2743200" indent="0">
+              <a:buNone/>
+              <a:defRPr sz="1400">
+                <a:solidFill>
+                  <a:schemeClr val="tx1">
+                    <a:tint val="75000"/>
+                  </a:schemeClr>
+                </a:solidFill>
+              </a:defRPr>
+            </a:lvl7pPr>
+            <a:lvl8pPr marL="3200400" indent="0">
+              <a:buNone/>
+              <a:defRPr sz="1400">
+                <a:solidFill>
+                  <a:schemeClr val="tx1">
+                    <a:tint val="75000"/>
+                  </a:schemeClr>
+                </a:solidFill>
+              </a:defRPr>
+            </a:lvl8pPr>
+            <a:lvl9pPr marL="3657600" indent="0">
+              <a:buNone/>
+              <a:defRPr sz="1400">
+                <a:solidFill>
+                  <a:schemeClr val="tx1">
+                    <a:tint val="75000"/>
+                  </a:schemeClr>
+                </a:solidFill>
+              </a:defRPr>
+            </a:lvl9pPr>
+          </a:lstStyle>
+          <a:p>
+            <a:pPr lvl="0"/>
+            <a:r>
+              <a:rPr lang="en-GB"/>
+              <a:t>Click to edit Master text styles</a:t>
+            </a:r>
+          </a:p>
+        </p:txBody>
+      </p:sp>
+      <p:sp>
+        <p:nvSpPr>
+          <p:cNvPr id="4" name="Date Placeholder 3"/>
+          <p:cNvSpPr>
+            <a:spLocks noGrp="1"/>
+          </p:cNvSpPr>
+          <p:nvPr>
+            <p:ph type="dt" sz="half" idx="10"/>
+          </p:nvPr>
+        </p:nvSpPr>
+        <p:spPr/>
+        <p:txBody>
+          <a:bodyPr/>
+          <a:lstStyle/>
+          <a:p>
+            <a:fld id="{F518D1B8-B5DD-417F-B912-B4E9A7A5F0F4}" type="datetimeFigureOut">
+              <a:rPr lang="en-GB" smtClean="0"/>
+              <a:t>06/05/2024</a:t>
+            </a:fld>
+            <a:endParaRPr lang="en-GB"/>
+          </a:p>
+        </p:txBody>
+      </p:sp>
+      <p:sp>
+        <p:nvSpPr>
+          <p:cNvPr id="5" name="Footer Placeholder 4"/>
+          <p:cNvSpPr>
+            <a:spLocks noGrp="1"/>
+          </p:cNvSpPr>
+          <p:nvPr>
+            <p:ph type="ftr" sz="quarter" idx="11"/>
+          </p:nvPr>
+        </p:nvSpPr>
+        <p:spPr/>
+        <p:txBody>
+          <a:bodyPr/>
+          <a:lstStyle/>
+          <a:p>
+            <a:endParaRPr lang="en-GB"/>
+          </a:p>
+        </p:txBody>
+      </p:sp>
+      <p:sp>
+        <p:nvSpPr>
+          <p:cNvPr id="6" name="Slide Number Placeholder 5"/>
+          <p:cNvSpPr>
+            <a:spLocks noGrp="1"/>
+          </p:cNvSpPr>
+          <p:nvPr>
+            <p:ph type="sldNum" sz="quarter" idx="12"/>
+          </p:nvPr>
+        </p:nvSpPr>
+        <p:spPr/>
+        <p:txBody>
+          <a:bodyPr/>
+          <a:lstStyle/>
+          <a:p>
+            <a:fld id="{EE7CB581-5F24-470C-957D-B7E5A9ABB799}" type="slidenum">
+              <a:rPr lang="en-GB" smtClean="0"/>
+              <a:t>‹#›</a:t>
+            </a:fld>
+            <a:endParaRPr lang="en-GB"/>
+          </a:p>
+        </p:txBody>
+      </p:sp>
+    </p:spTree>
+    <p:extLst>
+      <p:ext uri="{BB962C8B-B14F-4D97-AF65-F5344CB8AC3E}">
+        <p14:creationId xmlns:p14="http://schemas.microsoft.com/office/powerpoint/2010/main" val="3872211895"/>
+      </p:ext>
+    </p:extLst>
+  </p:cSld>
+  <p:clrMapOvr>
+    <a:masterClrMapping/>
+  </p:clrMapOvr>
+</p:sldLayout>
+</file>
+
+<file path=ppt/slideLayouts/slideLayout15.xml><?xml version="1.0" encoding="utf-8"?>
 <p:sldLayout xmlns:a="http://schemas.openxmlformats.org/drawingml/2006/main" xmlns:r="http://schemas.openxmlformats.org/officeDocument/2006/relationships" xmlns:p="http://schemas.openxmlformats.org/presentationml/2006/main" type="vertTx" preserve="1">
   <p:cSld name="Title and Vertical Text">
     <p:spTree>
@@ -1662,13 +3854,7 @@
       </p:grpSpPr>
       <p:sp>
         <p:nvSpPr>
-          <p:cNvPr id="2" name="Title 1">
-            <a:extLst>
-              <a:ext uri="{FF2B5EF4-FFF2-40B4-BE49-F238E27FC236}">
-                <a16:creationId xmlns:a16="http://schemas.microsoft.com/office/drawing/2014/main" id="{F04CD6D8-95D2-378E-18CD-A145EC179923}"/>
-              </a:ext>
-            </a:extLst>
-          </p:cNvPr>
+          <p:cNvPr id="2" name="Title 1"/>
           <p:cNvSpPr>
             <a:spLocks noGrp="1"/>
           </p:cNvSpPr>
@@ -1685,18 +3871,13 @@
               <a:rPr lang="en-GB"/>
               <a:t>Click to edit Master title style</a:t>
             </a:r>
-          </a:p>
-        </p:txBody>
-      </p:sp>
-      <p:sp>
-        <p:nvSpPr>
-          <p:cNvPr id="3" name="Vertical Text Placeholder 2">
-            <a:extLst>
-              <a:ext uri="{FF2B5EF4-FFF2-40B4-BE49-F238E27FC236}">
-                <a16:creationId xmlns:a16="http://schemas.microsoft.com/office/drawing/2014/main" id="{1C689317-56D7-B0D1-9BA3-7AF2911A455F}"/>
-              </a:ext>
-            </a:extLst>
-          </p:cNvPr>
+            <a:endParaRPr lang="en-US" dirty="0"/>
+          </a:p>
+        </p:txBody>
+      </p:sp>
+      <p:sp>
+        <p:nvSpPr>
+          <p:cNvPr id="3" name="Vertical Text Placeholder 2"/>
           <p:cNvSpPr>
             <a:spLocks noGrp="1"/>
           </p:cNvSpPr>
@@ -1742,18 +3923,13 @@
               <a:rPr lang="en-GB"/>
               <a:t>Fifth level</a:t>
             </a:r>
-          </a:p>
-        </p:txBody>
-      </p:sp>
-      <p:sp>
-        <p:nvSpPr>
-          <p:cNvPr id="4" name="Date Placeholder 3">
-            <a:extLst>
-              <a:ext uri="{FF2B5EF4-FFF2-40B4-BE49-F238E27FC236}">
-                <a16:creationId xmlns:a16="http://schemas.microsoft.com/office/drawing/2014/main" id="{B9064AE8-CD71-89C7-51A1-E209CDA76329}"/>
-              </a:ext>
-            </a:extLst>
-          </p:cNvPr>
+            <a:endParaRPr lang="en-US" dirty="0"/>
+          </a:p>
+        </p:txBody>
+      </p:sp>
+      <p:sp>
+        <p:nvSpPr>
+          <p:cNvPr id="4" name="Date Placeholder 3"/>
           <p:cNvSpPr>
             <a:spLocks noGrp="1"/>
           </p:cNvSpPr>
@@ -1768,7 +3944,7 @@
           <a:p>
             <a:fld id="{F518D1B8-B5DD-417F-B912-B4E9A7A5F0F4}" type="datetimeFigureOut">
               <a:rPr lang="en-GB" smtClean="0"/>
-              <a:t>02/05/2024</a:t>
+              <a:t>06/05/2024</a:t>
             </a:fld>
             <a:endParaRPr lang="en-GB"/>
           </a:p>
@@ -1776,13 +3952,7 @@
       </p:sp>
       <p:sp>
         <p:nvSpPr>
-          <p:cNvPr id="5" name="Footer Placeholder 4">
-            <a:extLst>
-              <a:ext uri="{FF2B5EF4-FFF2-40B4-BE49-F238E27FC236}">
-                <a16:creationId xmlns:a16="http://schemas.microsoft.com/office/drawing/2014/main" id="{3F384133-6E05-9A33-E4D3-5BDBAA48808F}"/>
-              </a:ext>
-            </a:extLst>
-          </p:cNvPr>
+          <p:cNvPr id="5" name="Footer Placeholder 4"/>
           <p:cNvSpPr>
             <a:spLocks noGrp="1"/>
           </p:cNvSpPr>
@@ -1801,13 +3971,7 @@
       </p:sp>
       <p:sp>
         <p:nvSpPr>
-          <p:cNvPr id="6" name="Slide Number Placeholder 5">
-            <a:extLst>
-              <a:ext uri="{FF2B5EF4-FFF2-40B4-BE49-F238E27FC236}">
-                <a16:creationId xmlns:a16="http://schemas.microsoft.com/office/drawing/2014/main" id="{6D8BFF39-5F8F-3F64-1F6F-4C1A4B8DCEC7}"/>
-              </a:ext>
-            </a:extLst>
-          </p:cNvPr>
+          <p:cNvPr id="6" name="Slide Number Placeholder 5"/>
           <p:cNvSpPr>
             <a:spLocks noGrp="1"/>
           </p:cNvSpPr>
@@ -1831,7 +3995,7 @@
     </p:spTree>
     <p:extLst>
       <p:ext uri="{BB962C8B-B14F-4D97-AF65-F5344CB8AC3E}">
-        <p14:creationId xmlns:p14="http://schemas.microsoft.com/office/powerpoint/2010/main" val="1413360874"/>
+        <p14:creationId xmlns:p14="http://schemas.microsoft.com/office/powerpoint/2010/main" val="584690202"/>
       </p:ext>
     </p:extLst>
   </p:cSld>
@@ -1841,7 +4005,7 @@
 </p:sldLayout>
 </file>
 
-<file path=ppt/slideLayouts/slideLayout11.xml><?xml version="1.0" encoding="utf-8"?>
+<file path=ppt/slideLayouts/slideLayout16.xml><?xml version="1.0" encoding="utf-8"?>
 <p:sldLayout xmlns:a="http://schemas.openxmlformats.org/drawingml/2006/main" xmlns:r="http://schemas.openxmlformats.org/officeDocument/2006/relationships" xmlns:p="http://schemas.openxmlformats.org/presentationml/2006/main" type="vertTitleAndTx" preserve="1">
   <p:cSld name="Vertical Title and Text">
     <p:spTree>
@@ -1860,13 +4024,7 @@
       </p:grpSpPr>
       <p:sp>
         <p:nvSpPr>
-          <p:cNvPr id="2" name="Vertical Title 1">
-            <a:extLst>
-              <a:ext uri="{FF2B5EF4-FFF2-40B4-BE49-F238E27FC236}">
-                <a16:creationId xmlns:a16="http://schemas.microsoft.com/office/drawing/2014/main" id="{F55F8B6A-073C-466F-0CA4-826D1517F8C0}"/>
-              </a:ext>
-            </a:extLst>
-          </p:cNvPr>
+          <p:cNvPr id="2" name="Vertical Title 1"/>
           <p:cNvSpPr>
             <a:spLocks noGrp="1"/>
           </p:cNvSpPr>
@@ -1876,30 +4034,25 @@
         </p:nvSpPr>
         <p:spPr>
           <a:xfrm>
-            <a:off x="8724900" y="365125"/>
-            <a:ext cx="2628900" cy="5811838"/>
+            <a:off x="7967673" y="609599"/>
+            <a:ext cx="1304743" cy="5251451"/>
           </a:xfrm>
         </p:spPr>
         <p:txBody>
-          <a:bodyPr vert="eaVert"/>
+          <a:bodyPr vert="eaVert" anchor="ctr"/>
           <a:lstStyle/>
           <a:p>
             <a:r>
               <a:rPr lang="en-GB"/>
               <a:t>Click to edit Master title style</a:t>
             </a:r>
-          </a:p>
-        </p:txBody>
-      </p:sp>
-      <p:sp>
-        <p:nvSpPr>
-          <p:cNvPr id="3" name="Vertical Text Placeholder 2">
-            <a:extLst>
-              <a:ext uri="{FF2B5EF4-FFF2-40B4-BE49-F238E27FC236}">
-                <a16:creationId xmlns:a16="http://schemas.microsoft.com/office/drawing/2014/main" id="{6BF830B5-D0EE-8006-7F06-048FE904F006}"/>
-              </a:ext>
-            </a:extLst>
-          </p:cNvPr>
+            <a:endParaRPr lang="en-US" dirty="0"/>
+          </a:p>
+        </p:txBody>
+      </p:sp>
+      <p:sp>
+        <p:nvSpPr>
+          <p:cNvPr id="3" name="Vertical Text Placeholder 2"/>
           <p:cNvSpPr>
             <a:spLocks noGrp="1"/>
           </p:cNvSpPr>
@@ -1909,8 +4062,8 @@
         </p:nvSpPr>
         <p:spPr>
           <a:xfrm>
-            <a:off x="838200" y="365125"/>
-            <a:ext cx="7734300" cy="5811838"/>
+            <a:off x="677335" y="609600"/>
+            <a:ext cx="7060150" cy="5251450"/>
           </a:xfrm>
         </p:spPr>
         <p:txBody>
@@ -1950,18 +4103,13 @@
               <a:rPr lang="en-GB"/>
               <a:t>Fifth level</a:t>
             </a:r>
-          </a:p>
-        </p:txBody>
-      </p:sp>
-      <p:sp>
-        <p:nvSpPr>
-          <p:cNvPr id="4" name="Date Placeholder 3">
-            <a:extLst>
-              <a:ext uri="{FF2B5EF4-FFF2-40B4-BE49-F238E27FC236}">
-                <a16:creationId xmlns:a16="http://schemas.microsoft.com/office/drawing/2014/main" id="{54A4C385-7331-9992-7604-A031C01A0E0F}"/>
-              </a:ext>
-            </a:extLst>
-          </p:cNvPr>
+            <a:endParaRPr lang="en-US" dirty="0"/>
+          </a:p>
+        </p:txBody>
+      </p:sp>
+      <p:sp>
+        <p:nvSpPr>
+          <p:cNvPr id="4" name="Date Placeholder 3"/>
           <p:cNvSpPr>
             <a:spLocks noGrp="1"/>
           </p:cNvSpPr>
@@ -1976,7 +4124,7 @@
           <a:p>
             <a:fld id="{F518D1B8-B5DD-417F-B912-B4E9A7A5F0F4}" type="datetimeFigureOut">
               <a:rPr lang="en-GB" smtClean="0"/>
-              <a:t>02/05/2024</a:t>
+              <a:t>06/05/2024</a:t>
             </a:fld>
             <a:endParaRPr lang="en-GB"/>
           </a:p>
@@ -1984,13 +4132,7 @@
       </p:sp>
       <p:sp>
         <p:nvSpPr>
-          <p:cNvPr id="5" name="Footer Placeholder 4">
-            <a:extLst>
-              <a:ext uri="{FF2B5EF4-FFF2-40B4-BE49-F238E27FC236}">
-                <a16:creationId xmlns:a16="http://schemas.microsoft.com/office/drawing/2014/main" id="{8792B343-BF02-63B3-0D08-BD4AA9E57868}"/>
-              </a:ext>
-            </a:extLst>
-          </p:cNvPr>
+          <p:cNvPr id="5" name="Footer Placeholder 4"/>
           <p:cNvSpPr>
             <a:spLocks noGrp="1"/>
           </p:cNvSpPr>
@@ -2009,13 +4151,7 @@
       </p:sp>
       <p:sp>
         <p:nvSpPr>
-          <p:cNvPr id="6" name="Slide Number Placeholder 5">
-            <a:extLst>
-              <a:ext uri="{FF2B5EF4-FFF2-40B4-BE49-F238E27FC236}">
-                <a16:creationId xmlns:a16="http://schemas.microsoft.com/office/drawing/2014/main" id="{FBD09110-1576-0558-32EB-B5D72F734CC8}"/>
-              </a:ext>
-            </a:extLst>
-          </p:cNvPr>
+          <p:cNvPr id="6" name="Slide Number Placeholder 5"/>
           <p:cNvSpPr>
             <a:spLocks noGrp="1"/>
           </p:cNvSpPr>
@@ -2039,7 +4175,7 @@
     </p:spTree>
     <p:extLst>
       <p:ext uri="{BB962C8B-B14F-4D97-AF65-F5344CB8AC3E}">
-        <p14:creationId xmlns:p14="http://schemas.microsoft.com/office/powerpoint/2010/main" val="4180579385"/>
+        <p14:creationId xmlns:p14="http://schemas.microsoft.com/office/powerpoint/2010/main" val="2098167664"/>
       </p:ext>
     </p:extLst>
   </p:cSld>
@@ -2068,13 +4204,7 @@
       </p:grpSpPr>
       <p:sp>
         <p:nvSpPr>
-          <p:cNvPr id="2" name="Title 1">
-            <a:extLst>
-              <a:ext uri="{FF2B5EF4-FFF2-40B4-BE49-F238E27FC236}">
-                <a16:creationId xmlns:a16="http://schemas.microsoft.com/office/drawing/2014/main" id="{CB9B625A-08F2-7202-162E-0E0F3E57ED77}"/>
-              </a:ext>
-            </a:extLst>
-          </p:cNvPr>
+          <p:cNvPr id="2" name="Title 1"/>
           <p:cNvSpPr>
             <a:spLocks noGrp="1"/>
           </p:cNvSpPr>
@@ -2091,18 +4221,13 @@
               <a:rPr lang="en-GB"/>
               <a:t>Click to edit Master title style</a:t>
             </a:r>
-          </a:p>
-        </p:txBody>
-      </p:sp>
-      <p:sp>
-        <p:nvSpPr>
-          <p:cNvPr id="3" name="Content Placeholder 2">
-            <a:extLst>
-              <a:ext uri="{FF2B5EF4-FFF2-40B4-BE49-F238E27FC236}">
-                <a16:creationId xmlns:a16="http://schemas.microsoft.com/office/drawing/2014/main" id="{30E02A10-F1CA-FC11-EFF2-A68A9434AFFE}"/>
-              </a:ext>
-            </a:extLst>
-          </p:cNvPr>
+            <a:endParaRPr lang="en-US" dirty="0"/>
+          </a:p>
+        </p:txBody>
+      </p:sp>
+      <p:sp>
+        <p:nvSpPr>
+          <p:cNvPr id="3" name="Content Placeholder 2"/>
           <p:cNvSpPr>
             <a:spLocks noGrp="1"/>
           </p:cNvSpPr>
@@ -2148,18 +4273,13 @@
               <a:rPr lang="en-GB"/>
               <a:t>Fifth level</a:t>
             </a:r>
-          </a:p>
-        </p:txBody>
-      </p:sp>
-      <p:sp>
-        <p:nvSpPr>
-          <p:cNvPr id="4" name="Date Placeholder 3">
-            <a:extLst>
-              <a:ext uri="{FF2B5EF4-FFF2-40B4-BE49-F238E27FC236}">
-                <a16:creationId xmlns:a16="http://schemas.microsoft.com/office/drawing/2014/main" id="{830DB400-D711-DF53-E493-31E620E274DD}"/>
-              </a:ext>
-            </a:extLst>
-          </p:cNvPr>
+            <a:endParaRPr lang="en-US" dirty="0"/>
+          </a:p>
+        </p:txBody>
+      </p:sp>
+      <p:sp>
+        <p:nvSpPr>
+          <p:cNvPr id="4" name="Date Placeholder 3"/>
           <p:cNvSpPr>
             <a:spLocks noGrp="1"/>
           </p:cNvSpPr>
@@ -2174,7 +4294,7 @@
           <a:p>
             <a:fld id="{F518D1B8-B5DD-417F-B912-B4E9A7A5F0F4}" type="datetimeFigureOut">
               <a:rPr lang="en-GB" smtClean="0"/>
-              <a:t>02/05/2024</a:t>
+              <a:t>06/05/2024</a:t>
             </a:fld>
             <a:endParaRPr lang="en-GB"/>
           </a:p>
@@ -2182,13 +4302,7 @@
       </p:sp>
       <p:sp>
         <p:nvSpPr>
-          <p:cNvPr id="5" name="Footer Placeholder 4">
-            <a:extLst>
-              <a:ext uri="{FF2B5EF4-FFF2-40B4-BE49-F238E27FC236}">
-                <a16:creationId xmlns:a16="http://schemas.microsoft.com/office/drawing/2014/main" id="{038D6CDA-CFE0-CA56-94C3-070DD03A2422}"/>
-              </a:ext>
-            </a:extLst>
-          </p:cNvPr>
+          <p:cNvPr id="5" name="Footer Placeholder 4"/>
           <p:cNvSpPr>
             <a:spLocks noGrp="1"/>
           </p:cNvSpPr>
@@ -2207,13 +4321,7 @@
       </p:sp>
       <p:sp>
         <p:nvSpPr>
-          <p:cNvPr id="6" name="Slide Number Placeholder 5">
-            <a:extLst>
-              <a:ext uri="{FF2B5EF4-FFF2-40B4-BE49-F238E27FC236}">
-                <a16:creationId xmlns:a16="http://schemas.microsoft.com/office/drawing/2014/main" id="{61F61B61-B906-1A7E-590A-AFE5E08A9AD5}"/>
-              </a:ext>
-            </a:extLst>
-          </p:cNvPr>
+          <p:cNvPr id="6" name="Slide Number Placeholder 5"/>
           <p:cNvSpPr>
             <a:spLocks noGrp="1"/>
           </p:cNvSpPr>
@@ -2237,7 +4345,7 @@
     </p:spTree>
     <p:extLst>
       <p:ext uri="{BB962C8B-B14F-4D97-AF65-F5344CB8AC3E}">
-        <p14:creationId xmlns:p14="http://schemas.microsoft.com/office/powerpoint/2010/main" val="3417496713"/>
+        <p14:creationId xmlns:p14="http://schemas.microsoft.com/office/powerpoint/2010/main" val="1301977479"/>
       </p:ext>
     </p:extLst>
   </p:cSld>
@@ -2266,13 +4374,7 @@
       </p:grpSpPr>
       <p:sp>
         <p:nvSpPr>
-          <p:cNvPr id="2" name="Title 1">
-            <a:extLst>
-              <a:ext uri="{FF2B5EF4-FFF2-40B4-BE49-F238E27FC236}">
-                <a16:creationId xmlns:a16="http://schemas.microsoft.com/office/drawing/2014/main" id="{F1B3D34C-F364-2B3E-B516-6ED70CB719D8}"/>
-              </a:ext>
-            </a:extLst>
-          </p:cNvPr>
+          <p:cNvPr id="2" name="Title 1"/>
           <p:cNvSpPr>
             <a:spLocks noGrp="1"/>
           </p:cNvSpPr>
@@ -2282,15 +4384,15 @@
         </p:nvSpPr>
         <p:spPr>
           <a:xfrm>
-            <a:off x="831850" y="1709738"/>
-            <a:ext cx="10515600" cy="2852737"/>
+            <a:off x="677335" y="2700867"/>
+            <a:ext cx="8596668" cy="1826581"/>
           </a:xfrm>
         </p:spPr>
         <p:txBody>
           <a:bodyPr anchor="b"/>
           <a:lstStyle>
-            <a:lvl1pPr>
-              <a:defRPr sz="6000"/>
+            <a:lvl1pPr algn="l">
+              <a:defRPr sz="4000" b="0" cap="none"/>
             </a:lvl1pPr>
           </a:lstStyle>
           <a:p>
@@ -2298,18 +4400,13 @@
               <a:rPr lang="en-GB"/>
               <a:t>Click to edit Master title style</a:t>
             </a:r>
-          </a:p>
-        </p:txBody>
-      </p:sp>
-      <p:sp>
-        <p:nvSpPr>
-          <p:cNvPr id="3" name="Text Placeholder 2">
-            <a:extLst>
-              <a:ext uri="{FF2B5EF4-FFF2-40B4-BE49-F238E27FC236}">
-                <a16:creationId xmlns:a16="http://schemas.microsoft.com/office/drawing/2014/main" id="{249A0399-D4A9-4323-A125-7D64E320B6EF}"/>
-              </a:ext>
-            </a:extLst>
-          </p:cNvPr>
+            <a:endParaRPr lang="en-US" dirty="0"/>
+          </a:p>
+        </p:txBody>
+      </p:sp>
+      <p:sp>
+        <p:nvSpPr>
+          <p:cNvPr id="3" name="Text Placeholder 2"/>
           <p:cNvSpPr>
             <a:spLocks noGrp="1"/>
           </p:cNvSpPr>
@@ -2319,26 +4416,27 @@
         </p:nvSpPr>
         <p:spPr>
           <a:xfrm>
-            <a:off x="831850" y="4589463"/>
-            <a:ext cx="10515600" cy="1500187"/>
+            <a:off x="677335" y="4527448"/>
+            <a:ext cx="8596668" cy="860400"/>
           </a:xfrm>
         </p:spPr>
         <p:txBody>
-          <a:bodyPr/>
+          <a:bodyPr anchor="t"/>
           <a:lstStyle>
-            <a:lvl1pPr marL="0" indent="0">
-              <a:buNone/>
-              <a:defRPr sz="2400">
+            <a:lvl1pPr marL="0" indent="0" algn="l">
+              <a:buNone/>
+              <a:defRPr sz="2000">
                 <a:solidFill>
                   <a:schemeClr val="tx1">
-                    <a:tint val="75000"/>
+                    <a:lumMod val="50000"/>
+                    <a:lumOff val="50000"/>
                   </a:schemeClr>
                 </a:solidFill>
               </a:defRPr>
             </a:lvl1pPr>
             <a:lvl2pPr marL="457200" indent="0">
               <a:buNone/>
-              <a:defRPr sz="2000">
+              <a:defRPr sz="1800">
                 <a:solidFill>
                   <a:schemeClr val="tx1">
                     <a:tint val="75000"/>
@@ -2348,7 +4446,7 @@
             </a:lvl2pPr>
             <a:lvl3pPr marL="914400" indent="0">
               <a:buNone/>
-              <a:defRPr sz="1800">
+              <a:defRPr sz="1600">
                 <a:solidFill>
                   <a:schemeClr val="tx1">
                     <a:tint val="75000"/>
@@ -2358,7 +4456,7 @@
             </a:lvl3pPr>
             <a:lvl4pPr marL="1371600" indent="0">
               <a:buNone/>
-              <a:defRPr sz="1600">
+              <a:defRPr sz="1400">
                 <a:solidFill>
                   <a:schemeClr val="tx1">
                     <a:tint val="75000"/>
@@ -2368,7 +4466,7 @@
             </a:lvl4pPr>
             <a:lvl5pPr marL="1828800" indent="0">
               <a:buNone/>
-              <a:defRPr sz="1600">
+              <a:defRPr sz="1400">
                 <a:solidFill>
                   <a:schemeClr val="tx1">
                     <a:tint val="75000"/>
@@ -2378,7 +4476,7 @@
             </a:lvl5pPr>
             <a:lvl6pPr marL="2286000" indent="0">
               <a:buNone/>
-              <a:defRPr sz="1600">
+              <a:defRPr sz="1400">
                 <a:solidFill>
                   <a:schemeClr val="tx1">
                     <a:tint val="75000"/>
@@ -2388,7 +4486,7 @@
             </a:lvl6pPr>
             <a:lvl7pPr marL="2743200" indent="0">
               <a:buNone/>
-              <a:defRPr sz="1600">
+              <a:defRPr sz="1400">
                 <a:solidFill>
                   <a:schemeClr val="tx1">
                     <a:tint val="75000"/>
@@ -2398,7 +4496,7 @@
             </a:lvl7pPr>
             <a:lvl8pPr marL="3200400" indent="0">
               <a:buNone/>
-              <a:defRPr sz="1600">
+              <a:defRPr sz="1400">
                 <a:solidFill>
                   <a:schemeClr val="tx1">
                     <a:tint val="75000"/>
@@ -2408,7 +4506,7 @@
             </a:lvl8pPr>
             <a:lvl9pPr marL="3657600" indent="0">
               <a:buNone/>
-              <a:defRPr sz="1600">
+              <a:defRPr sz="1400">
                 <a:solidFill>
                   <a:schemeClr val="tx1">
                     <a:tint val="75000"/>
@@ -2428,13 +4526,7 @@
       </p:sp>
       <p:sp>
         <p:nvSpPr>
-          <p:cNvPr id="4" name="Date Placeholder 3">
-            <a:extLst>
-              <a:ext uri="{FF2B5EF4-FFF2-40B4-BE49-F238E27FC236}">
-                <a16:creationId xmlns:a16="http://schemas.microsoft.com/office/drawing/2014/main" id="{C5A04703-713D-62AA-1AA1-28CF46FE9807}"/>
-              </a:ext>
-            </a:extLst>
-          </p:cNvPr>
+          <p:cNvPr id="4" name="Date Placeholder 3"/>
           <p:cNvSpPr>
             <a:spLocks noGrp="1"/>
           </p:cNvSpPr>
@@ -2449,7 +4541,7 @@
           <a:p>
             <a:fld id="{F518D1B8-B5DD-417F-B912-B4E9A7A5F0F4}" type="datetimeFigureOut">
               <a:rPr lang="en-GB" smtClean="0"/>
-              <a:t>02/05/2024</a:t>
+              <a:t>06/05/2024</a:t>
             </a:fld>
             <a:endParaRPr lang="en-GB"/>
           </a:p>
@@ -2457,13 +4549,7 @@
       </p:sp>
       <p:sp>
         <p:nvSpPr>
-          <p:cNvPr id="5" name="Footer Placeholder 4">
-            <a:extLst>
-              <a:ext uri="{FF2B5EF4-FFF2-40B4-BE49-F238E27FC236}">
-                <a16:creationId xmlns:a16="http://schemas.microsoft.com/office/drawing/2014/main" id="{01B00C6E-0D3D-5B1B-75FE-DBC705DDB19D}"/>
-              </a:ext>
-            </a:extLst>
-          </p:cNvPr>
+          <p:cNvPr id="5" name="Footer Placeholder 4"/>
           <p:cNvSpPr>
             <a:spLocks noGrp="1"/>
           </p:cNvSpPr>
@@ -2482,13 +4568,7 @@
       </p:sp>
       <p:sp>
         <p:nvSpPr>
-          <p:cNvPr id="6" name="Slide Number Placeholder 5">
-            <a:extLst>
-              <a:ext uri="{FF2B5EF4-FFF2-40B4-BE49-F238E27FC236}">
-                <a16:creationId xmlns:a16="http://schemas.microsoft.com/office/drawing/2014/main" id="{A28E9A2B-1C2E-1123-DB27-BD850667C9E7}"/>
-              </a:ext>
-            </a:extLst>
-          </p:cNvPr>
+          <p:cNvPr id="6" name="Slide Number Placeholder 5"/>
           <p:cNvSpPr>
             <a:spLocks noGrp="1"/>
           </p:cNvSpPr>
@@ -2512,7 +4592,7 @@
     </p:spTree>
     <p:extLst>
       <p:ext uri="{BB962C8B-B14F-4D97-AF65-F5344CB8AC3E}">
-        <p14:creationId xmlns:p14="http://schemas.microsoft.com/office/powerpoint/2010/main" val="2509446979"/>
+        <p14:creationId xmlns:p14="http://schemas.microsoft.com/office/powerpoint/2010/main" val="1134332400"/>
       </p:ext>
     </p:extLst>
   </p:cSld>
@@ -2541,13 +4621,7 @@
       </p:grpSpPr>
       <p:sp>
         <p:nvSpPr>
-          <p:cNvPr id="2" name="Title 1">
-            <a:extLst>
-              <a:ext uri="{FF2B5EF4-FFF2-40B4-BE49-F238E27FC236}">
-                <a16:creationId xmlns:a16="http://schemas.microsoft.com/office/drawing/2014/main" id="{4D3E832C-1D08-C6ED-F1F2-DDCABE328E56}"/>
-              </a:ext>
-            </a:extLst>
-          </p:cNvPr>
+          <p:cNvPr id="2" name="Title 1"/>
           <p:cNvSpPr>
             <a:spLocks noGrp="1"/>
           </p:cNvSpPr>
@@ -2564,18 +4638,13 @@
               <a:rPr lang="en-GB"/>
               <a:t>Click to edit Master title style</a:t>
             </a:r>
-          </a:p>
-        </p:txBody>
-      </p:sp>
-      <p:sp>
-        <p:nvSpPr>
-          <p:cNvPr id="3" name="Content Placeholder 2">
-            <a:extLst>
-              <a:ext uri="{FF2B5EF4-FFF2-40B4-BE49-F238E27FC236}">
-                <a16:creationId xmlns:a16="http://schemas.microsoft.com/office/drawing/2014/main" id="{5D0A11B5-2B0C-83CC-008E-DAD9958714CE}"/>
-              </a:ext>
-            </a:extLst>
-          </p:cNvPr>
+            <a:endParaRPr lang="en-US" dirty="0"/>
+          </a:p>
+        </p:txBody>
+      </p:sp>
+      <p:sp>
+        <p:nvSpPr>
+          <p:cNvPr id="3" name="Content Placeholder 2"/>
           <p:cNvSpPr>
             <a:spLocks noGrp="1"/>
           </p:cNvSpPr>
@@ -2585,8 +4654,8 @@
         </p:nvSpPr>
         <p:spPr>
           <a:xfrm>
-            <a:off x="838200" y="1825625"/>
-            <a:ext cx="5181600" cy="4351338"/>
+            <a:off x="677334" y="2160589"/>
+            <a:ext cx="4184035" cy="3880772"/>
           </a:xfrm>
         </p:spPr>
         <p:txBody>
@@ -2626,18 +4695,13 @@
               <a:rPr lang="en-GB"/>
               <a:t>Fifth level</a:t>
             </a:r>
-          </a:p>
-        </p:txBody>
-      </p:sp>
-      <p:sp>
-        <p:nvSpPr>
-          <p:cNvPr id="4" name="Content Placeholder 3">
-            <a:extLst>
-              <a:ext uri="{FF2B5EF4-FFF2-40B4-BE49-F238E27FC236}">
-                <a16:creationId xmlns:a16="http://schemas.microsoft.com/office/drawing/2014/main" id="{D63B2DF9-9EC4-12CF-7D3A-36429744E16B}"/>
-              </a:ext>
-            </a:extLst>
-          </p:cNvPr>
+            <a:endParaRPr lang="en-US" dirty="0"/>
+          </a:p>
+        </p:txBody>
+      </p:sp>
+      <p:sp>
+        <p:nvSpPr>
+          <p:cNvPr id="4" name="Content Placeholder 3"/>
           <p:cNvSpPr>
             <a:spLocks noGrp="1"/>
           </p:cNvSpPr>
@@ -2647,8 +4711,8 @@
         </p:nvSpPr>
         <p:spPr>
           <a:xfrm>
-            <a:off x="6172200" y="1825625"/>
-            <a:ext cx="5181600" cy="4351338"/>
+            <a:off x="5089970" y="2160589"/>
+            <a:ext cx="4184034" cy="3880773"/>
           </a:xfrm>
         </p:spPr>
         <p:txBody>
@@ -2688,18 +4752,13 @@
               <a:rPr lang="en-GB"/>
               <a:t>Fifth level</a:t>
             </a:r>
-          </a:p>
-        </p:txBody>
-      </p:sp>
-      <p:sp>
-        <p:nvSpPr>
-          <p:cNvPr id="5" name="Date Placeholder 4">
-            <a:extLst>
-              <a:ext uri="{FF2B5EF4-FFF2-40B4-BE49-F238E27FC236}">
-                <a16:creationId xmlns:a16="http://schemas.microsoft.com/office/drawing/2014/main" id="{9389A63D-DD28-BA43-EABB-9898B4157C64}"/>
-              </a:ext>
-            </a:extLst>
-          </p:cNvPr>
+            <a:endParaRPr lang="en-US" dirty="0"/>
+          </a:p>
+        </p:txBody>
+      </p:sp>
+      <p:sp>
+        <p:nvSpPr>
+          <p:cNvPr id="5" name="Date Placeholder 4"/>
           <p:cNvSpPr>
             <a:spLocks noGrp="1"/>
           </p:cNvSpPr>
@@ -2714,7 +4773,7 @@
           <a:p>
             <a:fld id="{F518D1B8-B5DD-417F-B912-B4E9A7A5F0F4}" type="datetimeFigureOut">
               <a:rPr lang="en-GB" smtClean="0"/>
-              <a:t>02/05/2024</a:t>
+              <a:t>06/05/2024</a:t>
             </a:fld>
             <a:endParaRPr lang="en-GB"/>
           </a:p>
@@ -2722,13 +4781,7 @@
       </p:sp>
       <p:sp>
         <p:nvSpPr>
-          <p:cNvPr id="6" name="Footer Placeholder 5">
-            <a:extLst>
-              <a:ext uri="{FF2B5EF4-FFF2-40B4-BE49-F238E27FC236}">
-                <a16:creationId xmlns:a16="http://schemas.microsoft.com/office/drawing/2014/main" id="{609E9C2C-1B55-039A-6B67-BDC56AE4722B}"/>
-              </a:ext>
-            </a:extLst>
-          </p:cNvPr>
+          <p:cNvPr id="6" name="Footer Placeholder 5"/>
           <p:cNvSpPr>
             <a:spLocks noGrp="1"/>
           </p:cNvSpPr>
@@ -2747,13 +4800,7 @@
       </p:sp>
       <p:sp>
         <p:nvSpPr>
-          <p:cNvPr id="7" name="Slide Number Placeholder 6">
-            <a:extLst>
-              <a:ext uri="{FF2B5EF4-FFF2-40B4-BE49-F238E27FC236}">
-                <a16:creationId xmlns:a16="http://schemas.microsoft.com/office/drawing/2014/main" id="{B367F318-F9AA-7903-24B0-515BF90222CD}"/>
-              </a:ext>
-            </a:extLst>
-          </p:cNvPr>
+          <p:cNvPr id="7" name="Slide Number Placeholder 6"/>
           <p:cNvSpPr>
             <a:spLocks noGrp="1"/>
           </p:cNvSpPr>
@@ -2777,7 +4824,7 @@
     </p:spTree>
     <p:extLst>
       <p:ext uri="{BB962C8B-B14F-4D97-AF65-F5344CB8AC3E}">
-        <p14:creationId xmlns:p14="http://schemas.microsoft.com/office/powerpoint/2010/main" val="327217268"/>
+        <p14:creationId xmlns:p14="http://schemas.microsoft.com/office/powerpoint/2010/main" val="3666479455"/>
       </p:ext>
     </p:extLst>
   </p:cSld>
@@ -2806,65 +4853,55 @@
       </p:grpSpPr>
       <p:sp>
         <p:nvSpPr>
-          <p:cNvPr id="2" name="Title 1">
-            <a:extLst>
-              <a:ext uri="{FF2B5EF4-FFF2-40B4-BE49-F238E27FC236}">
-                <a16:creationId xmlns:a16="http://schemas.microsoft.com/office/drawing/2014/main" id="{A18EB3C7-38FC-F8B7-D9D3-8C781594C49D}"/>
-              </a:ext>
-            </a:extLst>
-          </p:cNvPr>
+          <p:cNvPr id="2" name="Title 1"/>
           <p:cNvSpPr>
             <a:spLocks noGrp="1"/>
           </p:cNvSpPr>
           <p:nvPr>
             <p:ph type="title"/>
+          </p:nvPr>
+        </p:nvSpPr>
+        <p:spPr/>
+        <p:txBody>
+          <a:bodyPr/>
+          <a:lstStyle>
+            <a:lvl1pPr>
+              <a:defRPr/>
+            </a:lvl1pPr>
+          </a:lstStyle>
+          <a:p>
+            <a:r>
+              <a:rPr lang="en-GB"/>
+              <a:t>Click to edit Master title style</a:t>
+            </a:r>
+            <a:endParaRPr lang="en-US" dirty="0"/>
+          </a:p>
+        </p:txBody>
+      </p:sp>
+      <p:sp>
+        <p:nvSpPr>
+          <p:cNvPr id="3" name="Text Placeholder 2"/>
+          <p:cNvSpPr>
+            <a:spLocks noGrp="1"/>
+          </p:cNvSpPr>
+          <p:nvPr>
+            <p:ph type="body" idx="1"/>
           </p:nvPr>
         </p:nvSpPr>
         <p:spPr>
           <a:xfrm>
-            <a:off x="839788" y="365125"/>
-            <a:ext cx="10515600" cy="1325563"/>
+            <a:off x="675745" y="2160983"/>
+            <a:ext cx="4185623" cy="576262"/>
           </a:xfrm>
         </p:spPr>
         <p:txBody>
-          <a:bodyPr/>
-          <a:lstStyle/>
-          <a:p>
-            <a:r>
-              <a:rPr lang="en-GB"/>
-              <a:t>Click to edit Master title style</a:t>
-            </a:r>
-          </a:p>
-        </p:txBody>
-      </p:sp>
-      <p:sp>
-        <p:nvSpPr>
-          <p:cNvPr id="3" name="Text Placeholder 2">
-            <a:extLst>
-              <a:ext uri="{FF2B5EF4-FFF2-40B4-BE49-F238E27FC236}">
-                <a16:creationId xmlns:a16="http://schemas.microsoft.com/office/drawing/2014/main" id="{C5C6BCFE-730B-0003-9DBB-547C00BA8AA3}"/>
-              </a:ext>
-            </a:extLst>
-          </p:cNvPr>
-          <p:cNvSpPr>
-            <a:spLocks noGrp="1"/>
-          </p:cNvSpPr>
-          <p:nvPr>
-            <p:ph type="body" idx="1"/>
-          </p:nvPr>
-        </p:nvSpPr>
-        <p:spPr>
-          <a:xfrm>
-            <a:off x="839788" y="1681163"/>
-            <a:ext cx="5157787" cy="823912"/>
-          </a:xfrm>
-        </p:spPr>
-        <p:txBody>
-          <a:bodyPr anchor="b"/>
+          <a:bodyPr anchor="b">
+            <a:noAutofit/>
+          </a:bodyPr>
           <a:lstStyle>
             <a:lvl1pPr marL="0" indent="0">
               <a:buNone/>
-              <a:defRPr sz="2400" b="1"/>
+              <a:defRPr sz="2400" b="0"/>
             </a:lvl1pPr>
             <a:lvl2pPr marL="457200" indent="0">
               <a:buNone/>
@@ -2910,13 +4947,7 @@
       </p:sp>
       <p:sp>
         <p:nvSpPr>
-          <p:cNvPr id="4" name="Content Placeholder 3">
-            <a:extLst>
-              <a:ext uri="{FF2B5EF4-FFF2-40B4-BE49-F238E27FC236}">
-                <a16:creationId xmlns:a16="http://schemas.microsoft.com/office/drawing/2014/main" id="{B81C53D1-581B-0279-E6A5-38D55B3A002B}"/>
-              </a:ext>
-            </a:extLst>
-          </p:cNvPr>
+          <p:cNvPr id="4" name="Content Placeholder 3"/>
           <p:cNvSpPr>
             <a:spLocks noGrp="1"/>
           </p:cNvSpPr>
@@ -2926,12 +4957,14 @@
         </p:nvSpPr>
         <p:spPr>
           <a:xfrm>
-            <a:off x="839788" y="2505075"/>
-            <a:ext cx="5157787" cy="3684588"/>
+            <a:off x="675745" y="2737245"/>
+            <a:ext cx="4185623" cy="3304117"/>
           </a:xfrm>
         </p:spPr>
         <p:txBody>
-          <a:bodyPr/>
+          <a:bodyPr>
+            <a:normAutofit/>
+          </a:bodyPr>
           <a:lstStyle/>
           <a:p>
             <a:pPr lvl="0"/>
@@ -2967,18 +5000,13 @@
               <a:rPr lang="en-GB"/>
               <a:t>Fifth level</a:t>
             </a:r>
-          </a:p>
-        </p:txBody>
-      </p:sp>
-      <p:sp>
-        <p:nvSpPr>
-          <p:cNvPr id="5" name="Text Placeholder 4">
-            <a:extLst>
-              <a:ext uri="{FF2B5EF4-FFF2-40B4-BE49-F238E27FC236}">
-                <a16:creationId xmlns:a16="http://schemas.microsoft.com/office/drawing/2014/main" id="{933809DC-9A9C-F051-056C-27044FA10A9A}"/>
-              </a:ext>
-            </a:extLst>
-          </p:cNvPr>
+            <a:endParaRPr lang="en-US" dirty="0"/>
+          </a:p>
+        </p:txBody>
+      </p:sp>
+      <p:sp>
+        <p:nvSpPr>
+          <p:cNvPr id="5" name="Text Placeholder 4"/>
           <p:cNvSpPr>
             <a:spLocks noGrp="1"/>
           </p:cNvSpPr>
@@ -2988,16 +5016,18 @@
         </p:nvSpPr>
         <p:spPr>
           <a:xfrm>
-            <a:off x="6172200" y="1681163"/>
-            <a:ext cx="5183188" cy="823912"/>
+            <a:off x="5088383" y="2160983"/>
+            <a:ext cx="4185618" cy="576262"/>
           </a:xfrm>
         </p:spPr>
         <p:txBody>
-          <a:bodyPr anchor="b"/>
+          <a:bodyPr anchor="b">
+            <a:noAutofit/>
+          </a:bodyPr>
           <a:lstStyle>
             <a:lvl1pPr marL="0" indent="0">
               <a:buNone/>
-              <a:defRPr sz="2400" b="1"/>
+              <a:defRPr sz="2400" b="0"/>
             </a:lvl1pPr>
             <a:lvl2pPr marL="457200" indent="0">
               <a:buNone/>
@@ -3043,13 +5073,7 @@
       </p:sp>
       <p:sp>
         <p:nvSpPr>
-          <p:cNvPr id="6" name="Content Placeholder 5">
-            <a:extLst>
-              <a:ext uri="{FF2B5EF4-FFF2-40B4-BE49-F238E27FC236}">
-                <a16:creationId xmlns:a16="http://schemas.microsoft.com/office/drawing/2014/main" id="{6D545EF0-75E9-7DB7-47A0-18CEDFC09C0D}"/>
-              </a:ext>
-            </a:extLst>
-          </p:cNvPr>
+          <p:cNvPr id="6" name="Content Placeholder 5"/>
           <p:cNvSpPr>
             <a:spLocks noGrp="1"/>
           </p:cNvSpPr>
@@ -3059,12 +5083,14 @@
         </p:nvSpPr>
         <p:spPr>
           <a:xfrm>
-            <a:off x="6172200" y="2505075"/>
-            <a:ext cx="5183188" cy="3684588"/>
+            <a:off x="5088384" y="2737245"/>
+            <a:ext cx="4185617" cy="3304117"/>
           </a:xfrm>
         </p:spPr>
         <p:txBody>
-          <a:bodyPr/>
+          <a:bodyPr>
+            <a:normAutofit/>
+          </a:bodyPr>
           <a:lstStyle/>
           <a:p>
             <a:pPr lvl="0"/>
@@ -3100,18 +5126,13 @@
               <a:rPr lang="en-GB"/>
               <a:t>Fifth level</a:t>
             </a:r>
-          </a:p>
-        </p:txBody>
-      </p:sp>
-      <p:sp>
-        <p:nvSpPr>
-          <p:cNvPr id="7" name="Date Placeholder 6">
-            <a:extLst>
-              <a:ext uri="{FF2B5EF4-FFF2-40B4-BE49-F238E27FC236}">
-                <a16:creationId xmlns:a16="http://schemas.microsoft.com/office/drawing/2014/main" id="{505BE490-D200-A4A3-CE6E-5C947F87534C}"/>
-              </a:ext>
-            </a:extLst>
-          </p:cNvPr>
+            <a:endParaRPr lang="en-US" dirty="0"/>
+          </a:p>
+        </p:txBody>
+      </p:sp>
+      <p:sp>
+        <p:nvSpPr>
+          <p:cNvPr id="7" name="Date Placeholder 6"/>
           <p:cNvSpPr>
             <a:spLocks noGrp="1"/>
           </p:cNvSpPr>
@@ -3126,7 +5147,7 @@
           <a:p>
             <a:fld id="{F518D1B8-B5DD-417F-B912-B4E9A7A5F0F4}" type="datetimeFigureOut">
               <a:rPr lang="en-GB" smtClean="0"/>
-              <a:t>02/05/2024</a:t>
+              <a:t>06/05/2024</a:t>
             </a:fld>
             <a:endParaRPr lang="en-GB"/>
           </a:p>
@@ -3134,13 +5155,7 @@
       </p:sp>
       <p:sp>
         <p:nvSpPr>
-          <p:cNvPr id="8" name="Footer Placeholder 7">
-            <a:extLst>
-              <a:ext uri="{FF2B5EF4-FFF2-40B4-BE49-F238E27FC236}">
-                <a16:creationId xmlns:a16="http://schemas.microsoft.com/office/drawing/2014/main" id="{70B888DC-38E9-1DD9-12C0-22D65E7A970C}"/>
-              </a:ext>
-            </a:extLst>
-          </p:cNvPr>
+          <p:cNvPr id="8" name="Footer Placeholder 7"/>
           <p:cNvSpPr>
             <a:spLocks noGrp="1"/>
           </p:cNvSpPr>
@@ -3159,13 +5174,7 @@
       </p:sp>
       <p:sp>
         <p:nvSpPr>
-          <p:cNvPr id="9" name="Slide Number Placeholder 8">
-            <a:extLst>
-              <a:ext uri="{FF2B5EF4-FFF2-40B4-BE49-F238E27FC236}">
-                <a16:creationId xmlns:a16="http://schemas.microsoft.com/office/drawing/2014/main" id="{3FF40485-359C-C6A3-CC71-A0CF343CC17B}"/>
-              </a:ext>
-            </a:extLst>
-          </p:cNvPr>
+          <p:cNvPr id="9" name="Slide Number Placeholder 8"/>
           <p:cNvSpPr>
             <a:spLocks noGrp="1"/>
           </p:cNvSpPr>
@@ -3189,7 +5198,7 @@
     </p:spTree>
     <p:extLst>
       <p:ext uri="{BB962C8B-B14F-4D97-AF65-F5344CB8AC3E}">
-        <p14:creationId xmlns:p14="http://schemas.microsoft.com/office/powerpoint/2010/main" val="4230581224"/>
+        <p14:creationId xmlns:p14="http://schemas.microsoft.com/office/powerpoint/2010/main" val="3689542021"/>
       </p:ext>
     </p:extLst>
   </p:cSld>
@@ -3218,13 +5227,7 @@
       </p:grpSpPr>
       <p:sp>
         <p:nvSpPr>
-          <p:cNvPr id="2" name="Title 1">
-            <a:extLst>
-              <a:ext uri="{FF2B5EF4-FFF2-40B4-BE49-F238E27FC236}">
-                <a16:creationId xmlns:a16="http://schemas.microsoft.com/office/drawing/2014/main" id="{76FF61A2-7F7F-5D02-74FA-775F611BA289}"/>
-              </a:ext>
-            </a:extLst>
-          </p:cNvPr>
+          <p:cNvPr id="2" name="Title 1"/>
           <p:cNvSpPr>
             <a:spLocks noGrp="1"/>
           </p:cNvSpPr>
@@ -3232,7 +5235,12 @@
             <p:ph type="title"/>
           </p:nvPr>
         </p:nvSpPr>
-        <p:spPr/>
+        <p:spPr>
+          <a:xfrm>
+            <a:off x="677334" y="609600"/>
+            <a:ext cx="8596668" cy="1320800"/>
+          </a:xfrm>
+        </p:spPr>
         <p:txBody>
           <a:bodyPr/>
           <a:lstStyle/>
@@ -3241,18 +5249,13 @@
               <a:rPr lang="en-GB"/>
               <a:t>Click to edit Master title style</a:t>
             </a:r>
-          </a:p>
-        </p:txBody>
-      </p:sp>
-      <p:sp>
-        <p:nvSpPr>
-          <p:cNvPr id="3" name="Date Placeholder 2">
-            <a:extLst>
-              <a:ext uri="{FF2B5EF4-FFF2-40B4-BE49-F238E27FC236}">
-                <a16:creationId xmlns:a16="http://schemas.microsoft.com/office/drawing/2014/main" id="{7DDE332C-4702-F339-A3AE-D9965E6AA95C}"/>
-              </a:ext>
-            </a:extLst>
-          </p:cNvPr>
+            <a:endParaRPr lang="en-US" dirty="0"/>
+          </a:p>
+        </p:txBody>
+      </p:sp>
+      <p:sp>
+        <p:nvSpPr>
+          <p:cNvPr id="3" name="Date Placeholder 2"/>
           <p:cNvSpPr>
             <a:spLocks noGrp="1"/>
           </p:cNvSpPr>
@@ -3267,7 +5270,7 @@
           <a:p>
             <a:fld id="{F518D1B8-B5DD-417F-B912-B4E9A7A5F0F4}" type="datetimeFigureOut">
               <a:rPr lang="en-GB" smtClean="0"/>
-              <a:t>02/05/2024</a:t>
+              <a:t>06/05/2024</a:t>
             </a:fld>
             <a:endParaRPr lang="en-GB"/>
           </a:p>
@@ -3275,13 +5278,7 @@
       </p:sp>
       <p:sp>
         <p:nvSpPr>
-          <p:cNvPr id="4" name="Footer Placeholder 3">
-            <a:extLst>
-              <a:ext uri="{FF2B5EF4-FFF2-40B4-BE49-F238E27FC236}">
-                <a16:creationId xmlns:a16="http://schemas.microsoft.com/office/drawing/2014/main" id="{1934E4EE-3A76-2304-F90C-8A769810172E}"/>
-              </a:ext>
-            </a:extLst>
-          </p:cNvPr>
+          <p:cNvPr id="4" name="Footer Placeholder 3"/>
           <p:cNvSpPr>
             <a:spLocks noGrp="1"/>
           </p:cNvSpPr>
@@ -3300,13 +5297,7 @@
       </p:sp>
       <p:sp>
         <p:nvSpPr>
-          <p:cNvPr id="5" name="Slide Number Placeholder 4">
-            <a:extLst>
-              <a:ext uri="{FF2B5EF4-FFF2-40B4-BE49-F238E27FC236}">
-                <a16:creationId xmlns:a16="http://schemas.microsoft.com/office/drawing/2014/main" id="{635E84B9-C70E-C629-1959-9A02861A197C}"/>
-              </a:ext>
-            </a:extLst>
-          </p:cNvPr>
+          <p:cNvPr id="5" name="Slide Number Placeholder 4"/>
           <p:cNvSpPr>
             <a:spLocks noGrp="1"/>
           </p:cNvSpPr>
@@ -3330,7 +5321,7 @@
     </p:spTree>
     <p:extLst>
       <p:ext uri="{BB962C8B-B14F-4D97-AF65-F5344CB8AC3E}">
-        <p14:creationId xmlns:p14="http://schemas.microsoft.com/office/powerpoint/2010/main" val="3316309962"/>
+        <p14:creationId xmlns:p14="http://schemas.microsoft.com/office/powerpoint/2010/main" val="3206037661"/>
       </p:ext>
     </p:extLst>
   </p:cSld>
@@ -3359,13 +5350,7 @@
       </p:grpSpPr>
       <p:sp>
         <p:nvSpPr>
-          <p:cNvPr id="2" name="Date Placeholder 1">
-            <a:extLst>
-              <a:ext uri="{FF2B5EF4-FFF2-40B4-BE49-F238E27FC236}">
-                <a16:creationId xmlns:a16="http://schemas.microsoft.com/office/drawing/2014/main" id="{9CB3B1CE-0165-FA99-B98A-D390BF3EE3D9}"/>
-              </a:ext>
-            </a:extLst>
-          </p:cNvPr>
+          <p:cNvPr id="2" name="Date Placeholder 1"/>
           <p:cNvSpPr>
             <a:spLocks noGrp="1"/>
           </p:cNvSpPr>
@@ -3380,7 +5365,7 @@
           <a:p>
             <a:fld id="{F518D1B8-B5DD-417F-B912-B4E9A7A5F0F4}" type="datetimeFigureOut">
               <a:rPr lang="en-GB" smtClean="0"/>
-              <a:t>02/05/2024</a:t>
+              <a:t>06/05/2024</a:t>
             </a:fld>
             <a:endParaRPr lang="en-GB"/>
           </a:p>
@@ -3388,13 +5373,7 @@
       </p:sp>
       <p:sp>
         <p:nvSpPr>
-          <p:cNvPr id="3" name="Footer Placeholder 2">
-            <a:extLst>
-              <a:ext uri="{FF2B5EF4-FFF2-40B4-BE49-F238E27FC236}">
-                <a16:creationId xmlns:a16="http://schemas.microsoft.com/office/drawing/2014/main" id="{E02EE01A-0A87-CFE6-F6F3-34B62C311735}"/>
-              </a:ext>
-            </a:extLst>
-          </p:cNvPr>
+          <p:cNvPr id="3" name="Footer Placeholder 2"/>
           <p:cNvSpPr>
             <a:spLocks noGrp="1"/>
           </p:cNvSpPr>
@@ -3413,13 +5392,7 @@
       </p:sp>
       <p:sp>
         <p:nvSpPr>
-          <p:cNvPr id="4" name="Slide Number Placeholder 3">
-            <a:extLst>
-              <a:ext uri="{FF2B5EF4-FFF2-40B4-BE49-F238E27FC236}">
-                <a16:creationId xmlns:a16="http://schemas.microsoft.com/office/drawing/2014/main" id="{9D34F937-394D-9B8D-165B-129D6A43C831}"/>
-              </a:ext>
-            </a:extLst>
-          </p:cNvPr>
+          <p:cNvPr id="4" name="Slide Number Placeholder 3"/>
           <p:cNvSpPr>
             <a:spLocks noGrp="1"/>
           </p:cNvSpPr>
@@ -3443,7 +5416,7 @@
     </p:spTree>
     <p:extLst>
       <p:ext uri="{BB962C8B-B14F-4D97-AF65-F5344CB8AC3E}">
-        <p14:creationId xmlns:p14="http://schemas.microsoft.com/office/powerpoint/2010/main" val="2581971852"/>
+        <p14:creationId xmlns:p14="http://schemas.microsoft.com/office/powerpoint/2010/main" val="3754264929"/>
       </p:ext>
     </p:extLst>
   </p:cSld>
@@ -3472,13 +5445,7 @@
       </p:grpSpPr>
       <p:sp>
         <p:nvSpPr>
-          <p:cNvPr id="2" name="Title 1">
-            <a:extLst>
-              <a:ext uri="{FF2B5EF4-FFF2-40B4-BE49-F238E27FC236}">
-                <a16:creationId xmlns:a16="http://schemas.microsoft.com/office/drawing/2014/main" id="{377D51D3-9A78-B5B3-D36A-4AC3080B026F}"/>
-              </a:ext>
-            </a:extLst>
-          </p:cNvPr>
+          <p:cNvPr id="2" name="Title 1"/>
           <p:cNvSpPr>
             <a:spLocks noGrp="1"/>
           </p:cNvSpPr>
@@ -3488,15 +5455,17 @@
         </p:nvSpPr>
         <p:spPr>
           <a:xfrm>
-            <a:off x="839788" y="457200"/>
-            <a:ext cx="3932237" cy="1600200"/>
+            <a:off x="677334" y="1498604"/>
+            <a:ext cx="3854528" cy="1278466"/>
           </a:xfrm>
         </p:spPr>
         <p:txBody>
-          <a:bodyPr anchor="b"/>
+          <a:bodyPr anchor="b">
+            <a:normAutofit/>
+          </a:bodyPr>
           <a:lstStyle>
             <a:lvl1pPr>
-              <a:defRPr sz="3200"/>
+              <a:defRPr sz="2000"/>
             </a:lvl1pPr>
           </a:lstStyle>
           <a:p>
@@ -3504,18 +5473,13 @@
               <a:rPr lang="en-GB"/>
               <a:t>Click to edit Master title style</a:t>
             </a:r>
-          </a:p>
-        </p:txBody>
-      </p:sp>
-      <p:sp>
-        <p:nvSpPr>
-          <p:cNvPr id="3" name="Content Placeholder 2">
-            <a:extLst>
-              <a:ext uri="{FF2B5EF4-FFF2-40B4-BE49-F238E27FC236}">
-                <a16:creationId xmlns:a16="http://schemas.microsoft.com/office/drawing/2014/main" id="{64FEF390-CCC0-6012-F9FA-3FF1C3D1922A}"/>
-              </a:ext>
-            </a:extLst>
-          </p:cNvPr>
+            <a:endParaRPr lang="en-US" dirty="0"/>
+          </a:p>
+        </p:txBody>
+      </p:sp>
+      <p:sp>
+        <p:nvSpPr>
+          <p:cNvPr id="3" name="Content Placeholder 2"/>
           <p:cNvSpPr>
             <a:spLocks noGrp="1"/>
           </p:cNvSpPr>
@@ -3525,41 +5489,15 @@
         </p:nvSpPr>
         <p:spPr>
           <a:xfrm>
-            <a:off x="5183188" y="987425"/>
-            <a:ext cx="6172200" cy="4873625"/>
+            <a:off x="4760461" y="514924"/>
+            <a:ext cx="4513541" cy="5526437"/>
           </a:xfrm>
         </p:spPr>
         <p:txBody>
-          <a:bodyPr/>
-          <a:lstStyle>
-            <a:lvl1pPr>
-              <a:defRPr sz="3200"/>
-            </a:lvl1pPr>
-            <a:lvl2pPr>
-              <a:defRPr sz="2800"/>
-            </a:lvl2pPr>
-            <a:lvl3pPr>
-              <a:defRPr sz="2400"/>
-            </a:lvl3pPr>
-            <a:lvl4pPr>
-              <a:defRPr sz="2000"/>
-            </a:lvl4pPr>
-            <a:lvl5pPr>
-              <a:defRPr sz="2000"/>
-            </a:lvl5pPr>
-            <a:lvl6pPr>
-              <a:defRPr sz="2000"/>
-            </a:lvl6pPr>
-            <a:lvl7pPr>
-              <a:defRPr sz="2000"/>
-            </a:lvl7pPr>
-            <a:lvl8pPr>
-              <a:defRPr sz="2000"/>
-            </a:lvl8pPr>
-            <a:lvl9pPr>
-              <a:defRPr sz="2000"/>
-            </a:lvl9pPr>
-          </a:lstStyle>
+          <a:bodyPr>
+            <a:normAutofit/>
+          </a:bodyPr>
+          <a:lstStyle/>
           <a:p>
             <a:pPr lvl="0"/>
             <a:r>
@@ -3594,18 +5532,13 @@
               <a:rPr lang="en-GB"/>
               <a:t>Fifth level</a:t>
             </a:r>
-          </a:p>
-        </p:txBody>
-      </p:sp>
-      <p:sp>
-        <p:nvSpPr>
-          <p:cNvPr id="4" name="Text Placeholder 3">
-            <a:extLst>
-              <a:ext uri="{FF2B5EF4-FFF2-40B4-BE49-F238E27FC236}">
-                <a16:creationId xmlns:a16="http://schemas.microsoft.com/office/drawing/2014/main" id="{B4DA5164-A84B-DE80-1FB3-950B3E15F546}"/>
-              </a:ext>
-            </a:extLst>
-          </p:cNvPr>
+            <a:endParaRPr lang="en-US" dirty="0"/>
+          </a:p>
+        </p:txBody>
+      </p:sp>
+      <p:sp>
+        <p:nvSpPr>
+          <p:cNvPr id="4" name="Text Placeholder 3"/>
           <p:cNvSpPr>
             <a:spLocks noGrp="1"/>
           </p:cNvSpPr>
@@ -3615,46 +5548,48 @@
         </p:nvSpPr>
         <p:spPr>
           <a:xfrm>
-            <a:off x="839788" y="2057400"/>
-            <a:ext cx="3932237" cy="3811588"/>
+            <a:off x="677334" y="2777069"/>
+            <a:ext cx="3854528" cy="2584449"/>
           </a:xfrm>
         </p:spPr>
         <p:txBody>
-          <a:bodyPr/>
+          <a:bodyPr>
+            <a:normAutofit/>
+          </a:bodyPr>
           <a:lstStyle>
             <a:lvl1pPr marL="0" indent="0">
               <a:buNone/>
-              <a:defRPr sz="1600"/>
+              <a:defRPr sz="1400"/>
             </a:lvl1pPr>
-            <a:lvl2pPr marL="457200" indent="0">
+            <a:lvl2pPr marL="457063" indent="0">
               <a:buNone/>
               <a:defRPr sz="1400"/>
             </a:lvl2pPr>
-            <a:lvl3pPr marL="914400" indent="0">
+            <a:lvl3pPr marL="914126" indent="0">
               <a:buNone/>
               <a:defRPr sz="1200"/>
             </a:lvl3pPr>
-            <a:lvl4pPr marL="1371600" indent="0">
+            <a:lvl4pPr marL="1371189" indent="0">
               <a:buNone/>
               <a:defRPr sz="1000"/>
             </a:lvl4pPr>
-            <a:lvl5pPr marL="1828800" indent="0">
+            <a:lvl5pPr marL="1828251" indent="0">
               <a:buNone/>
               <a:defRPr sz="1000"/>
             </a:lvl5pPr>
-            <a:lvl6pPr marL="2286000" indent="0">
+            <a:lvl6pPr marL="2285314" indent="0">
               <a:buNone/>
               <a:defRPr sz="1000"/>
             </a:lvl6pPr>
-            <a:lvl7pPr marL="2743200" indent="0">
+            <a:lvl7pPr marL="2742377" indent="0">
               <a:buNone/>
               <a:defRPr sz="1000"/>
             </a:lvl7pPr>
-            <a:lvl8pPr marL="3200400" indent="0">
+            <a:lvl8pPr marL="3199440" indent="0">
               <a:buNone/>
               <a:defRPr sz="1000"/>
             </a:lvl8pPr>
-            <a:lvl9pPr marL="3657600" indent="0">
+            <a:lvl9pPr marL="3656503" indent="0">
               <a:buNone/>
               <a:defRPr sz="1000"/>
             </a:lvl9pPr>
@@ -3670,13 +5605,7 @@
       </p:sp>
       <p:sp>
         <p:nvSpPr>
-          <p:cNvPr id="5" name="Date Placeholder 4">
-            <a:extLst>
-              <a:ext uri="{FF2B5EF4-FFF2-40B4-BE49-F238E27FC236}">
-                <a16:creationId xmlns:a16="http://schemas.microsoft.com/office/drawing/2014/main" id="{5E3851CE-8DFD-C565-189D-3851DCD3D37D}"/>
-              </a:ext>
-            </a:extLst>
-          </p:cNvPr>
+          <p:cNvPr id="5" name="Date Placeholder 4"/>
           <p:cNvSpPr>
             <a:spLocks noGrp="1"/>
           </p:cNvSpPr>
@@ -3691,7 +5620,7 @@
           <a:p>
             <a:fld id="{F518D1B8-B5DD-417F-B912-B4E9A7A5F0F4}" type="datetimeFigureOut">
               <a:rPr lang="en-GB" smtClean="0"/>
-              <a:t>02/05/2024</a:t>
+              <a:t>06/05/2024</a:t>
             </a:fld>
             <a:endParaRPr lang="en-GB"/>
           </a:p>
@@ -3699,13 +5628,7 @@
       </p:sp>
       <p:sp>
         <p:nvSpPr>
-          <p:cNvPr id="6" name="Footer Placeholder 5">
-            <a:extLst>
-              <a:ext uri="{FF2B5EF4-FFF2-40B4-BE49-F238E27FC236}">
-                <a16:creationId xmlns:a16="http://schemas.microsoft.com/office/drawing/2014/main" id="{24E49F3D-2497-D422-A070-C01E740B216A}"/>
-              </a:ext>
-            </a:extLst>
-          </p:cNvPr>
+          <p:cNvPr id="6" name="Footer Placeholder 5"/>
           <p:cNvSpPr>
             <a:spLocks noGrp="1"/>
           </p:cNvSpPr>
@@ -3724,13 +5647,7 @@
       </p:sp>
       <p:sp>
         <p:nvSpPr>
-          <p:cNvPr id="7" name="Slide Number Placeholder 6">
-            <a:extLst>
-              <a:ext uri="{FF2B5EF4-FFF2-40B4-BE49-F238E27FC236}">
-                <a16:creationId xmlns:a16="http://schemas.microsoft.com/office/drawing/2014/main" id="{AE096D68-BD83-C563-DA4D-7F19A8717906}"/>
-              </a:ext>
-            </a:extLst>
-          </p:cNvPr>
+          <p:cNvPr id="7" name="Slide Number Placeholder 6"/>
           <p:cNvSpPr>
             <a:spLocks noGrp="1"/>
           </p:cNvSpPr>
@@ -3754,7 +5671,7 @@
     </p:spTree>
     <p:extLst>
       <p:ext uri="{BB962C8B-B14F-4D97-AF65-F5344CB8AC3E}">
-        <p14:creationId xmlns:p14="http://schemas.microsoft.com/office/powerpoint/2010/main" val="1953389923"/>
+        <p14:creationId xmlns:p14="http://schemas.microsoft.com/office/powerpoint/2010/main" val="1392674298"/>
       </p:ext>
     </p:extLst>
   </p:cSld>
@@ -3783,13 +5700,7 @@
       </p:grpSpPr>
       <p:sp>
         <p:nvSpPr>
-          <p:cNvPr id="2" name="Title 1">
-            <a:extLst>
-              <a:ext uri="{FF2B5EF4-FFF2-40B4-BE49-F238E27FC236}">
-                <a16:creationId xmlns:a16="http://schemas.microsoft.com/office/drawing/2014/main" id="{C667E23C-AF90-5C2C-C71B-149B743D1B4E}"/>
-              </a:ext>
-            </a:extLst>
-          </p:cNvPr>
+          <p:cNvPr id="2" name="Title 1"/>
           <p:cNvSpPr>
             <a:spLocks noGrp="1"/>
           </p:cNvSpPr>
@@ -3799,15 +5710,17 @@
         </p:nvSpPr>
         <p:spPr>
           <a:xfrm>
-            <a:off x="839788" y="457200"/>
-            <a:ext cx="3932237" cy="1600200"/>
+            <a:off x="677334" y="4800600"/>
+            <a:ext cx="8596667" cy="566738"/>
           </a:xfrm>
         </p:spPr>
         <p:txBody>
-          <a:bodyPr anchor="b"/>
+          <a:bodyPr anchor="b">
+            <a:normAutofit/>
+          </a:bodyPr>
           <a:lstStyle>
-            <a:lvl1pPr>
-              <a:defRPr sz="3200"/>
+            <a:lvl1pPr algn="l">
+              <a:defRPr sz="2400" b="0"/>
             </a:lvl1pPr>
           </a:lstStyle>
           <a:p>
@@ -3815,20 +5728,15 @@
               <a:rPr lang="en-GB"/>
               <a:t>Click to edit Master title style</a:t>
             </a:r>
-          </a:p>
-        </p:txBody>
-      </p:sp>
-      <p:sp>
-        <p:nvSpPr>
-          <p:cNvPr id="3" name="Picture Placeholder 2">
-            <a:extLst>
-              <a:ext uri="{FF2B5EF4-FFF2-40B4-BE49-F238E27FC236}">
-                <a16:creationId xmlns:a16="http://schemas.microsoft.com/office/drawing/2014/main" id="{3C07E40B-7A74-6B2C-969D-CB0EF77B1CF4}"/>
-              </a:ext>
-            </a:extLst>
-          </p:cNvPr>
-          <p:cNvSpPr>
-            <a:spLocks noGrp="1"/>
+            <a:endParaRPr lang="en-US" dirty="0"/>
+          </a:p>
+        </p:txBody>
+      </p:sp>
+      <p:sp>
+        <p:nvSpPr>
+          <p:cNvPr id="3" name="Picture Placeholder 2"/>
+          <p:cNvSpPr>
+            <a:spLocks noGrp="1" noChangeAspect="1"/>
           </p:cNvSpPr>
           <p:nvPr>
             <p:ph type="pic" idx="1"/>
@@ -3836,118 +5744,120 @@
         </p:nvSpPr>
         <p:spPr>
           <a:xfrm>
-            <a:off x="5183188" y="987425"/>
-            <a:ext cx="6172200" cy="4873625"/>
+            <a:off x="677334" y="609600"/>
+            <a:ext cx="8596668" cy="3845718"/>
           </a:xfrm>
         </p:spPr>
         <p:txBody>
-          <a:bodyPr/>
+          <a:bodyPr anchor="t">
+            <a:normAutofit/>
+          </a:bodyPr>
           <a:lstStyle>
-            <a:lvl1pPr marL="0" indent="0">
-              <a:buNone/>
-              <a:defRPr sz="3200"/>
-            </a:lvl1pPr>
-            <a:lvl2pPr marL="457200" indent="0">
-              <a:buNone/>
-              <a:defRPr sz="2800"/>
-            </a:lvl2pPr>
-            <a:lvl3pPr marL="914400" indent="0">
-              <a:buNone/>
-              <a:defRPr sz="2400"/>
-            </a:lvl3pPr>
-            <a:lvl4pPr marL="1371600" indent="0">
-              <a:buNone/>
-              <a:defRPr sz="2000"/>
-            </a:lvl4pPr>
-            <a:lvl5pPr marL="1828800" indent="0">
-              <a:buNone/>
-              <a:defRPr sz="2000"/>
-            </a:lvl5pPr>
-            <a:lvl6pPr marL="2286000" indent="0">
-              <a:buNone/>
-              <a:defRPr sz="2000"/>
-            </a:lvl6pPr>
-            <a:lvl7pPr marL="2743200" indent="0">
-              <a:buNone/>
-              <a:defRPr sz="2000"/>
-            </a:lvl7pPr>
-            <a:lvl8pPr marL="3200400" indent="0">
-              <a:buNone/>
-              <a:defRPr sz="2000"/>
-            </a:lvl8pPr>
-            <a:lvl9pPr marL="3657600" indent="0">
-              <a:buNone/>
-              <a:defRPr sz="2000"/>
-            </a:lvl9pPr>
-          </a:lstStyle>
-          <a:p>
-            <a:endParaRPr lang="en-GB"/>
-          </a:p>
-        </p:txBody>
-      </p:sp>
-      <p:sp>
-        <p:nvSpPr>
-          <p:cNvPr id="4" name="Text Placeholder 3">
-            <a:extLst>
-              <a:ext uri="{FF2B5EF4-FFF2-40B4-BE49-F238E27FC236}">
-                <a16:creationId xmlns:a16="http://schemas.microsoft.com/office/drawing/2014/main" id="{19DE40A2-BBE8-EAC0-1E2E-53F109DCF465}"/>
-              </a:ext>
-            </a:extLst>
-          </p:cNvPr>
-          <p:cNvSpPr>
-            <a:spLocks noGrp="1"/>
-          </p:cNvSpPr>
-          <p:nvPr>
-            <p:ph type="body" sz="half" idx="2"/>
-          </p:nvPr>
-        </p:nvSpPr>
-        <p:spPr>
-          <a:xfrm>
-            <a:off x="839788" y="2057400"/>
-            <a:ext cx="3932237" cy="3811588"/>
-          </a:xfrm>
-        </p:spPr>
-        <p:txBody>
-          <a:bodyPr/>
-          <a:lstStyle>
-            <a:lvl1pPr marL="0" indent="0">
+            <a:lvl1pPr marL="0" indent="0" algn="ctr">
               <a:buNone/>
               <a:defRPr sz="1600"/>
             </a:lvl1pPr>
             <a:lvl2pPr marL="457200" indent="0">
               <a:buNone/>
-              <a:defRPr sz="1400"/>
+              <a:defRPr sz="1600"/>
             </a:lvl2pPr>
             <a:lvl3pPr marL="914400" indent="0">
               <a:buNone/>
-              <a:defRPr sz="1200"/>
+              <a:defRPr sz="1600"/>
             </a:lvl3pPr>
             <a:lvl4pPr marL="1371600" indent="0">
               <a:buNone/>
-              <a:defRPr sz="1000"/>
+              <a:defRPr sz="1600"/>
             </a:lvl4pPr>
             <a:lvl5pPr marL="1828800" indent="0">
               <a:buNone/>
-              <a:defRPr sz="1000"/>
+              <a:defRPr sz="1600"/>
             </a:lvl5pPr>
             <a:lvl6pPr marL="2286000" indent="0">
               <a:buNone/>
-              <a:defRPr sz="1000"/>
+              <a:defRPr sz="1600"/>
             </a:lvl6pPr>
             <a:lvl7pPr marL="2743200" indent="0">
               <a:buNone/>
-              <a:defRPr sz="1000"/>
+              <a:defRPr sz="1600"/>
             </a:lvl7pPr>
             <a:lvl8pPr marL="3200400" indent="0">
               <a:buNone/>
-              <a:defRPr sz="1000"/>
+              <a:defRPr sz="1600"/>
             </a:lvl8pPr>
             <a:lvl9pPr marL="3657600" indent="0">
               <a:buNone/>
-              <a:defRPr sz="1000"/>
+              <a:defRPr sz="1600"/>
             </a:lvl9pPr>
           </a:lstStyle>
           <a:p>
+            <a:r>
+              <a:rPr lang="en-GB"/>
+              <a:t>Click icon to add picture</a:t>
+            </a:r>
+            <a:endParaRPr lang="en-US" dirty="0"/>
+          </a:p>
+        </p:txBody>
+      </p:sp>
+      <p:sp>
+        <p:nvSpPr>
+          <p:cNvPr id="4" name="Text Placeholder 3"/>
+          <p:cNvSpPr>
+            <a:spLocks noGrp="1"/>
+          </p:cNvSpPr>
+          <p:nvPr>
+            <p:ph type="body" sz="half" idx="2"/>
+          </p:nvPr>
+        </p:nvSpPr>
+        <p:spPr>
+          <a:xfrm>
+            <a:off x="677334" y="5367338"/>
+            <a:ext cx="8596667" cy="674024"/>
+          </a:xfrm>
+        </p:spPr>
+        <p:txBody>
+          <a:bodyPr>
+            <a:normAutofit/>
+          </a:bodyPr>
+          <a:lstStyle>
+            <a:lvl1pPr marL="0" indent="0">
+              <a:buNone/>
+              <a:defRPr sz="1200"/>
+            </a:lvl1pPr>
+            <a:lvl2pPr marL="457200" indent="0">
+              <a:buNone/>
+              <a:defRPr sz="1200"/>
+            </a:lvl2pPr>
+            <a:lvl3pPr marL="914400" indent="0">
+              <a:buNone/>
+              <a:defRPr sz="1000"/>
+            </a:lvl3pPr>
+            <a:lvl4pPr marL="1371600" indent="0">
+              <a:buNone/>
+              <a:defRPr sz="900"/>
+            </a:lvl4pPr>
+            <a:lvl5pPr marL="1828800" indent="0">
+              <a:buNone/>
+              <a:defRPr sz="900"/>
+            </a:lvl5pPr>
+            <a:lvl6pPr marL="2286000" indent="0">
+              <a:buNone/>
+              <a:defRPr sz="900"/>
+            </a:lvl6pPr>
+            <a:lvl7pPr marL="2743200" indent="0">
+              <a:buNone/>
+              <a:defRPr sz="900"/>
+            </a:lvl7pPr>
+            <a:lvl8pPr marL="3200400" indent="0">
+              <a:buNone/>
+              <a:defRPr sz="900"/>
+            </a:lvl8pPr>
+            <a:lvl9pPr marL="3657600" indent="0">
+              <a:buNone/>
+              <a:defRPr sz="900"/>
+            </a:lvl9pPr>
+          </a:lstStyle>
+          <a:p>
             <a:pPr lvl="0"/>
             <a:r>
               <a:rPr lang="en-GB"/>
@@ -3958,18 +5868,12 @@
       </p:sp>
       <p:sp>
         <p:nvSpPr>
-          <p:cNvPr id="5" name="Date Placeholder 4">
-            <a:extLst>
-              <a:ext uri="{FF2B5EF4-FFF2-40B4-BE49-F238E27FC236}">
-                <a16:creationId xmlns:a16="http://schemas.microsoft.com/office/drawing/2014/main" id="{6C4C1068-4073-8991-979D-42768B62BAED}"/>
-              </a:ext>
-            </a:extLst>
-          </p:cNvPr>
-          <p:cNvSpPr>
-            <a:spLocks noGrp="1"/>
-          </p:cNvSpPr>
-          <p:nvPr>
-            <p:ph type="dt" sz="half" idx="10"/>
+          <p:cNvPr id="6" name="Footer Placeholder 5"/>
+          <p:cNvSpPr>
+            <a:spLocks noGrp="1"/>
+          </p:cNvSpPr>
+          <p:nvPr>
+            <p:ph type="ftr" sz="quarter" idx="11"/>
           </p:nvPr>
         </p:nvSpPr>
         <p:spPr/>
@@ -3977,48 +5881,13 @@
           <a:bodyPr/>
           <a:lstStyle/>
           <a:p>
-            <a:fld id="{F518D1B8-B5DD-417F-B912-B4E9A7A5F0F4}" type="datetimeFigureOut">
-              <a:rPr lang="en-GB" smtClean="0"/>
-              <a:t>02/05/2024</a:t>
-            </a:fld>
             <a:endParaRPr lang="en-GB"/>
           </a:p>
         </p:txBody>
       </p:sp>
       <p:sp>
         <p:nvSpPr>
-          <p:cNvPr id="6" name="Footer Placeholder 5">
-            <a:extLst>
-              <a:ext uri="{FF2B5EF4-FFF2-40B4-BE49-F238E27FC236}">
-                <a16:creationId xmlns:a16="http://schemas.microsoft.com/office/drawing/2014/main" id="{5C5EBC64-B324-8682-33FD-DCD74DA9F2ED}"/>
-              </a:ext>
-            </a:extLst>
-          </p:cNvPr>
-          <p:cNvSpPr>
-            <a:spLocks noGrp="1"/>
-          </p:cNvSpPr>
-          <p:nvPr>
-            <p:ph type="ftr" sz="quarter" idx="11"/>
-          </p:nvPr>
-        </p:nvSpPr>
-        <p:spPr/>
-        <p:txBody>
-          <a:bodyPr/>
-          <a:lstStyle/>
-          <a:p>
-            <a:endParaRPr lang="en-GB"/>
-          </a:p>
-        </p:txBody>
-      </p:sp>
-      <p:sp>
-        <p:nvSpPr>
-          <p:cNvPr id="7" name="Slide Number Placeholder 6">
-            <a:extLst>
-              <a:ext uri="{FF2B5EF4-FFF2-40B4-BE49-F238E27FC236}">
-                <a16:creationId xmlns:a16="http://schemas.microsoft.com/office/drawing/2014/main" id="{B7951137-1BEC-7E58-3C46-11E153307772}"/>
-              </a:ext>
-            </a:extLst>
-          </p:cNvPr>
+          <p:cNvPr id="7" name="Slide Number Placeholder 6"/>
           <p:cNvSpPr>
             <a:spLocks noGrp="1"/>
           </p:cNvSpPr>
@@ -4039,10 +5908,33 @@
           </a:p>
         </p:txBody>
       </p:sp>
+      <p:sp>
+        <p:nvSpPr>
+          <p:cNvPr id="5" name="Date Placeholder 4"/>
+          <p:cNvSpPr>
+            <a:spLocks noGrp="1"/>
+          </p:cNvSpPr>
+          <p:nvPr>
+            <p:ph type="dt" sz="half" idx="10"/>
+          </p:nvPr>
+        </p:nvSpPr>
+        <p:spPr/>
+        <p:txBody>
+          <a:bodyPr/>
+          <a:lstStyle/>
+          <a:p>
+            <a:fld id="{F518D1B8-B5DD-417F-B912-B4E9A7A5F0F4}" type="datetimeFigureOut">
+              <a:rPr lang="en-GB" smtClean="0"/>
+              <a:t>06/05/2024</a:t>
+            </a:fld>
+            <a:endParaRPr lang="en-GB"/>
+          </a:p>
+        </p:txBody>
+      </p:sp>
     </p:spTree>
     <p:extLst>
       <p:ext uri="{BB962C8B-B14F-4D97-AF65-F5344CB8AC3E}">
-        <p14:creationId xmlns:p14="http://schemas.microsoft.com/office/powerpoint/2010/main" val="945595626"/>
+        <p14:creationId xmlns:p14="http://schemas.microsoft.com/office/powerpoint/2010/main" val="32982267"/>
       </p:ext>
     </p:extLst>
   </p:cSld>
@@ -4074,15 +5966,540 @@
           <a:chExt cx="0" cy="0"/>
         </a:xfrm>
       </p:grpSpPr>
-      <p:sp>
-        <p:nvSpPr>
-          <p:cNvPr id="2" name="Title Placeholder 1">
-            <a:extLst>
-              <a:ext uri="{FF2B5EF4-FFF2-40B4-BE49-F238E27FC236}">
-                <a16:creationId xmlns:a16="http://schemas.microsoft.com/office/drawing/2014/main" id="{C8137F7E-C4F5-A811-02B1-18AF76933820}"/>
-              </a:ext>
-            </a:extLst>
-          </p:cNvPr>
+      <p:grpSp>
+        <p:nvGrpSpPr>
+          <p:cNvPr id="44" name="Group 43"/>
+          <p:cNvGrpSpPr/>
+          <p:nvPr/>
+        </p:nvGrpSpPr>
+        <p:grpSpPr>
+          <a:xfrm>
+            <a:off x="0" y="-8467"/>
+            <a:ext cx="12192000" cy="6866467"/>
+            <a:chOff x="0" y="-8467"/>
+            <a:chExt cx="12192000" cy="6866467"/>
+          </a:xfrm>
+        </p:grpSpPr>
+        <p:cxnSp>
+          <p:nvCxnSpPr>
+            <p:cNvPr id="20" name="Straight Connector 19"/>
+            <p:cNvCxnSpPr/>
+            <p:nvPr/>
+          </p:nvCxnSpPr>
+          <p:spPr>
+            <a:xfrm>
+              <a:off x="9371012" y="0"/>
+              <a:ext cx="1219200" cy="6858000"/>
+            </a:xfrm>
+            <a:prstGeom prst="line">
+              <a:avLst/>
+            </a:prstGeom>
+            <a:ln w="9525">
+              <a:solidFill>
+                <a:schemeClr val="accent1">
+                  <a:alpha val="70000"/>
+                </a:schemeClr>
+              </a:solidFill>
+            </a:ln>
+          </p:spPr>
+          <p:style>
+            <a:lnRef idx="2">
+              <a:schemeClr val="accent1"/>
+            </a:lnRef>
+            <a:fillRef idx="0">
+              <a:schemeClr val="accent1"/>
+            </a:fillRef>
+            <a:effectRef idx="1">
+              <a:schemeClr val="accent1"/>
+            </a:effectRef>
+            <a:fontRef idx="minor">
+              <a:schemeClr val="tx1"/>
+            </a:fontRef>
+          </p:style>
+        </p:cxnSp>
+        <p:cxnSp>
+          <p:nvCxnSpPr>
+            <p:cNvPr id="21" name="Straight Connector 20"/>
+            <p:cNvCxnSpPr/>
+            <p:nvPr/>
+          </p:nvCxnSpPr>
+          <p:spPr>
+            <a:xfrm flipH="1">
+              <a:off x="7425267" y="3681413"/>
+              <a:ext cx="4763558" cy="3176587"/>
+            </a:xfrm>
+            <a:prstGeom prst="line">
+              <a:avLst/>
+            </a:prstGeom>
+            <a:ln w="9525">
+              <a:solidFill>
+                <a:schemeClr val="accent1">
+                  <a:alpha val="70000"/>
+                </a:schemeClr>
+              </a:solidFill>
+            </a:ln>
+          </p:spPr>
+          <p:style>
+            <a:lnRef idx="2">
+              <a:schemeClr val="accent1"/>
+            </a:lnRef>
+            <a:fillRef idx="0">
+              <a:schemeClr val="accent1"/>
+            </a:fillRef>
+            <a:effectRef idx="1">
+              <a:schemeClr val="accent1"/>
+            </a:effectRef>
+            <a:fontRef idx="minor">
+              <a:schemeClr val="tx1"/>
+            </a:fontRef>
+          </p:style>
+        </p:cxnSp>
+        <p:sp>
+          <p:nvSpPr>
+            <p:cNvPr id="22" name="Rectangle 23"/>
+            <p:cNvSpPr/>
+            <p:nvPr/>
+          </p:nvSpPr>
+          <p:spPr>
+            <a:xfrm>
+              <a:off x="9181476" y="-8467"/>
+              <a:ext cx="3007349" cy="6866467"/>
+            </a:xfrm>
+            <a:custGeom>
+              <a:avLst/>
+              <a:gdLst/>
+              <a:ahLst/>
+              <a:cxnLst/>
+              <a:rect l="l" t="t" r="r" b="b"/>
+              <a:pathLst>
+                <a:path w="3007349" h="6866467">
+                  <a:moveTo>
+                    <a:pt x="2045532" y="0"/>
+                  </a:moveTo>
+                  <a:lnTo>
+                    <a:pt x="3007349" y="0"/>
+                  </a:lnTo>
+                  <a:lnTo>
+                    <a:pt x="3007349" y="6866467"/>
+                  </a:lnTo>
+                  <a:lnTo>
+                    <a:pt x="0" y="6866467"/>
+                  </a:lnTo>
+                  <a:lnTo>
+                    <a:pt x="2045532" y="0"/>
+                  </a:lnTo>
+                  <a:close/>
+                </a:path>
+              </a:pathLst>
+            </a:custGeom>
+            <a:solidFill>
+              <a:schemeClr val="accent1">
+                <a:alpha val="36000"/>
+              </a:schemeClr>
+            </a:solidFill>
+            <a:ln>
+              <a:noFill/>
+            </a:ln>
+            <a:effectLst/>
+          </p:spPr>
+          <p:style>
+            <a:lnRef idx="1">
+              <a:schemeClr val="accent1"/>
+            </a:lnRef>
+            <a:fillRef idx="3">
+              <a:schemeClr val="accent1"/>
+            </a:fillRef>
+            <a:effectRef idx="2">
+              <a:schemeClr val="accent1"/>
+            </a:effectRef>
+            <a:fontRef idx="minor">
+              <a:schemeClr val="lt1"/>
+            </a:fontRef>
+          </p:style>
+        </p:sp>
+        <p:sp>
+          <p:nvSpPr>
+            <p:cNvPr id="23" name="Rectangle 25"/>
+            <p:cNvSpPr/>
+            <p:nvPr/>
+          </p:nvSpPr>
+          <p:spPr>
+            <a:xfrm>
+              <a:off x="9603442" y="-8467"/>
+              <a:ext cx="2588558" cy="6866467"/>
+            </a:xfrm>
+            <a:custGeom>
+              <a:avLst/>
+              <a:gdLst/>
+              <a:ahLst/>
+              <a:cxnLst/>
+              <a:rect l="l" t="t" r="r" b="b"/>
+              <a:pathLst>
+                <a:path w="2573311" h="6866467">
+                  <a:moveTo>
+                    <a:pt x="0" y="0"/>
+                  </a:moveTo>
+                  <a:lnTo>
+                    <a:pt x="2573311" y="0"/>
+                  </a:lnTo>
+                  <a:lnTo>
+                    <a:pt x="2573311" y="6866467"/>
+                  </a:lnTo>
+                  <a:lnTo>
+                    <a:pt x="1202336" y="6866467"/>
+                  </a:lnTo>
+                  <a:lnTo>
+                    <a:pt x="0" y="0"/>
+                  </a:lnTo>
+                  <a:close/>
+                </a:path>
+              </a:pathLst>
+            </a:custGeom>
+            <a:solidFill>
+              <a:schemeClr val="accent1">
+                <a:alpha val="20000"/>
+              </a:schemeClr>
+            </a:solidFill>
+            <a:ln>
+              <a:noFill/>
+            </a:ln>
+            <a:effectLst/>
+          </p:spPr>
+          <p:style>
+            <a:lnRef idx="1">
+              <a:schemeClr val="accent1"/>
+            </a:lnRef>
+            <a:fillRef idx="3">
+              <a:schemeClr val="accent1"/>
+            </a:fillRef>
+            <a:effectRef idx="2">
+              <a:schemeClr val="accent1"/>
+            </a:effectRef>
+            <a:fontRef idx="minor">
+              <a:schemeClr val="lt1"/>
+            </a:fontRef>
+          </p:style>
+        </p:sp>
+        <p:sp>
+          <p:nvSpPr>
+            <p:cNvPr id="24" name="Isosceles Triangle 23"/>
+            <p:cNvSpPr/>
+            <p:nvPr/>
+          </p:nvSpPr>
+          <p:spPr>
+            <a:xfrm>
+              <a:off x="8932333" y="3048000"/>
+              <a:ext cx="3259667" cy="3810000"/>
+            </a:xfrm>
+            <a:prstGeom prst="triangle">
+              <a:avLst>
+                <a:gd name="adj" fmla="val 100000"/>
+              </a:avLst>
+            </a:prstGeom>
+            <a:solidFill>
+              <a:schemeClr val="accent1">
+                <a:lumMod val="75000"/>
+                <a:alpha val="66000"/>
+              </a:schemeClr>
+            </a:solidFill>
+            <a:ln>
+              <a:noFill/>
+            </a:ln>
+            <a:effectLst/>
+          </p:spPr>
+          <p:style>
+            <a:lnRef idx="1">
+              <a:schemeClr val="accent1"/>
+            </a:lnRef>
+            <a:fillRef idx="3">
+              <a:schemeClr val="accent1"/>
+            </a:fillRef>
+            <a:effectRef idx="2">
+              <a:schemeClr val="accent1"/>
+            </a:effectRef>
+            <a:fontRef idx="minor">
+              <a:schemeClr val="lt1"/>
+            </a:fontRef>
+          </p:style>
+        </p:sp>
+        <p:sp>
+          <p:nvSpPr>
+            <p:cNvPr id="25" name="Rectangle 27"/>
+            <p:cNvSpPr/>
+            <p:nvPr/>
+          </p:nvSpPr>
+          <p:spPr>
+            <a:xfrm>
+              <a:off x="9334500" y="-8467"/>
+              <a:ext cx="2854326" cy="6866467"/>
+            </a:xfrm>
+            <a:custGeom>
+              <a:avLst/>
+              <a:gdLst/>
+              <a:ahLst/>
+              <a:cxnLst/>
+              <a:rect l="l" t="t" r="r" b="b"/>
+              <a:pathLst>
+                <a:path w="2858013" h="6866467">
+                  <a:moveTo>
+                    <a:pt x="0" y="0"/>
+                  </a:moveTo>
+                  <a:lnTo>
+                    <a:pt x="2858013" y="0"/>
+                  </a:lnTo>
+                  <a:lnTo>
+                    <a:pt x="2858013" y="6866467"/>
+                  </a:lnTo>
+                  <a:lnTo>
+                    <a:pt x="2473942" y="6866467"/>
+                  </a:lnTo>
+                  <a:lnTo>
+                    <a:pt x="0" y="0"/>
+                  </a:lnTo>
+                  <a:close/>
+                </a:path>
+              </a:pathLst>
+            </a:custGeom>
+            <a:solidFill>
+              <a:schemeClr val="accent1">
+                <a:lumMod val="75000"/>
+                <a:alpha val="50000"/>
+              </a:schemeClr>
+            </a:solidFill>
+            <a:ln>
+              <a:noFill/>
+            </a:ln>
+            <a:effectLst/>
+          </p:spPr>
+          <p:style>
+            <a:lnRef idx="1">
+              <a:schemeClr val="accent1"/>
+            </a:lnRef>
+            <a:fillRef idx="3">
+              <a:schemeClr val="accent1"/>
+            </a:fillRef>
+            <a:effectRef idx="2">
+              <a:schemeClr val="accent1"/>
+            </a:effectRef>
+            <a:fontRef idx="minor">
+              <a:schemeClr val="lt1"/>
+            </a:fontRef>
+          </p:style>
+        </p:sp>
+        <p:sp>
+          <p:nvSpPr>
+            <p:cNvPr id="26" name="Rectangle 28"/>
+            <p:cNvSpPr/>
+            <p:nvPr/>
+          </p:nvSpPr>
+          <p:spPr>
+            <a:xfrm>
+              <a:off x="10898730" y="-8467"/>
+              <a:ext cx="1290094" cy="6866467"/>
+            </a:xfrm>
+            <a:custGeom>
+              <a:avLst/>
+              <a:gdLst/>
+              <a:ahLst/>
+              <a:cxnLst/>
+              <a:rect l="l" t="t" r="r" b="b"/>
+              <a:pathLst>
+                <a:path w="1290094" h="6858000">
+                  <a:moveTo>
+                    <a:pt x="1019735" y="0"/>
+                  </a:moveTo>
+                  <a:lnTo>
+                    <a:pt x="1290094" y="0"/>
+                  </a:lnTo>
+                  <a:lnTo>
+                    <a:pt x="1290094" y="6858000"/>
+                  </a:lnTo>
+                  <a:lnTo>
+                    <a:pt x="0" y="6858000"/>
+                  </a:lnTo>
+                  <a:lnTo>
+                    <a:pt x="1019735" y="0"/>
+                  </a:lnTo>
+                  <a:close/>
+                </a:path>
+              </a:pathLst>
+            </a:custGeom>
+            <a:solidFill>
+              <a:schemeClr val="accent2">
+                <a:alpha val="70000"/>
+              </a:schemeClr>
+            </a:solidFill>
+            <a:ln>
+              <a:noFill/>
+            </a:ln>
+            <a:effectLst/>
+          </p:spPr>
+          <p:style>
+            <a:lnRef idx="1">
+              <a:schemeClr val="accent1"/>
+            </a:lnRef>
+            <a:fillRef idx="3">
+              <a:schemeClr val="accent1"/>
+            </a:fillRef>
+            <a:effectRef idx="2">
+              <a:schemeClr val="accent1"/>
+            </a:effectRef>
+            <a:fontRef idx="minor">
+              <a:schemeClr val="lt1"/>
+            </a:fontRef>
+          </p:style>
+        </p:sp>
+        <p:sp>
+          <p:nvSpPr>
+            <p:cNvPr id="27" name="Rectangle 29"/>
+            <p:cNvSpPr/>
+            <p:nvPr/>
+          </p:nvSpPr>
+          <p:spPr>
+            <a:xfrm>
+              <a:off x="10938999" y="-8467"/>
+              <a:ext cx="1249825" cy="6866467"/>
+            </a:xfrm>
+            <a:custGeom>
+              <a:avLst/>
+              <a:gdLst/>
+              <a:ahLst/>
+              <a:cxnLst/>
+              <a:rect l="l" t="t" r="r" b="b"/>
+              <a:pathLst>
+                <a:path w="1249825" h="6858000">
+                  <a:moveTo>
+                    <a:pt x="0" y="0"/>
+                  </a:moveTo>
+                  <a:lnTo>
+                    <a:pt x="1249825" y="0"/>
+                  </a:lnTo>
+                  <a:lnTo>
+                    <a:pt x="1249825" y="6858000"/>
+                  </a:lnTo>
+                  <a:lnTo>
+                    <a:pt x="1109382" y="6858000"/>
+                  </a:lnTo>
+                  <a:lnTo>
+                    <a:pt x="0" y="0"/>
+                  </a:lnTo>
+                  <a:close/>
+                </a:path>
+              </a:pathLst>
+            </a:custGeom>
+            <a:solidFill>
+              <a:schemeClr val="accent2">
+                <a:lumMod val="75000"/>
+                <a:alpha val="80000"/>
+              </a:schemeClr>
+            </a:solidFill>
+            <a:ln>
+              <a:noFill/>
+            </a:ln>
+            <a:effectLst/>
+          </p:spPr>
+          <p:style>
+            <a:lnRef idx="1">
+              <a:schemeClr val="accent1"/>
+            </a:lnRef>
+            <a:fillRef idx="3">
+              <a:schemeClr val="accent1"/>
+            </a:fillRef>
+            <a:effectRef idx="2">
+              <a:schemeClr val="accent1"/>
+            </a:effectRef>
+            <a:fontRef idx="minor">
+              <a:schemeClr val="lt1"/>
+            </a:fontRef>
+          </p:style>
+        </p:sp>
+        <p:sp>
+          <p:nvSpPr>
+            <p:cNvPr id="28" name="Isosceles Triangle 27"/>
+            <p:cNvSpPr/>
+            <p:nvPr/>
+          </p:nvSpPr>
+          <p:spPr>
+            <a:xfrm>
+              <a:off x="10371666" y="3589867"/>
+              <a:ext cx="1817159" cy="3268133"/>
+            </a:xfrm>
+            <a:prstGeom prst="triangle">
+              <a:avLst>
+                <a:gd name="adj" fmla="val 100000"/>
+              </a:avLst>
+            </a:prstGeom>
+            <a:solidFill>
+              <a:schemeClr val="accent1">
+                <a:lumMod val="75000"/>
+                <a:alpha val="66000"/>
+              </a:schemeClr>
+            </a:solidFill>
+            <a:ln>
+              <a:noFill/>
+            </a:ln>
+            <a:effectLst/>
+          </p:spPr>
+          <p:style>
+            <a:lnRef idx="1">
+              <a:schemeClr val="accent1"/>
+            </a:lnRef>
+            <a:fillRef idx="3">
+              <a:schemeClr val="accent1"/>
+            </a:fillRef>
+            <a:effectRef idx="2">
+              <a:schemeClr val="accent1"/>
+            </a:effectRef>
+            <a:fontRef idx="minor">
+              <a:schemeClr val="lt1"/>
+            </a:fontRef>
+          </p:style>
+        </p:sp>
+        <p:sp>
+          <p:nvSpPr>
+            <p:cNvPr id="19" name="Isosceles Triangle 18"/>
+            <p:cNvSpPr/>
+            <p:nvPr/>
+          </p:nvSpPr>
+          <p:spPr>
+            <a:xfrm>
+              <a:off x="0" y="4013200"/>
+              <a:ext cx="448733" cy="2844800"/>
+            </a:xfrm>
+            <a:prstGeom prst="triangle">
+              <a:avLst>
+                <a:gd name="adj" fmla="val 0"/>
+              </a:avLst>
+            </a:prstGeom>
+            <a:solidFill>
+              <a:schemeClr val="accent1">
+                <a:alpha val="70000"/>
+              </a:schemeClr>
+            </a:solidFill>
+            <a:ln>
+              <a:noFill/>
+            </a:ln>
+            <a:effectLst/>
+          </p:spPr>
+          <p:style>
+            <a:lnRef idx="1">
+              <a:schemeClr val="accent1"/>
+            </a:lnRef>
+            <a:fillRef idx="3">
+              <a:schemeClr val="accent1"/>
+            </a:fillRef>
+            <a:effectRef idx="2">
+              <a:schemeClr val="accent1"/>
+            </a:effectRef>
+            <a:fontRef idx="minor">
+              <a:schemeClr val="lt1"/>
+            </a:fontRef>
+          </p:style>
+        </p:sp>
+      </p:grpSp>
+      <p:sp>
+        <p:nvSpPr>
+          <p:cNvPr id="2" name="Title Placeholder 1"/>
           <p:cNvSpPr>
             <a:spLocks noGrp="1"/>
           </p:cNvSpPr>
@@ -4092,15 +6509,15 @@
         </p:nvSpPr>
         <p:spPr>
           <a:xfrm>
-            <a:off x="838200" y="365125"/>
-            <a:ext cx="10515600" cy="1325563"/>
+            <a:off x="677334" y="609600"/>
+            <a:ext cx="8596668" cy="1320800"/>
           </a:xfrm>
           <a:prstGeom prst="rect">
             <a:avLst/>
           </a:prstGeom>
         </p:spPr>
         <p:txBody>
-          <a:bodyPr vert="horz" lIns="91440" tIns="45720" rIns="91440" bIns="45720" rtlCol="0" anchor="ctr">
+          <a:bodyPr vert="horz" lIns="91440" tIns="45720" rIns="91440" bIns="45720" rtlCol="0" anchor="t">
             <a:normAutofit/>
           </a:bodyPr>
           <a:lstStyle/>
@@ -4109,18 +6526,13 @@
               <a:rPr lang="en-GB"/>
               <a:t>Click to edit Master title style</a:t>
             </a:r>
-          </a:p>
-        </p:txBody>
-      </p:sp>
-      <p:sp>
-        <p:nvSpPr>
-          <p:cNvPr id="3" name="Text Placeholder 2">
-            <a:extLst>
-              <a:ext uri="{FF2B5EF4-FFF2-40B4-BE49-F238E27FC236}">
-                <a16:creationId xmlns:a16="http://schemas.microsoft.com/office/drawing/2014/main" id="{8D7558C9-B063-3679-48F7-38FA30D3D936}"/>
-              </a:ext>
-            </a:extLst>
-          </p:cNvPr>
+            <a:endParaRPr lang="en-US" dirty="0"/>
+          </a:p>
+        </p:txBody>
+      </p:sp>
+      <p:sp>
+        <p:nvSpPr>
+          <p:cNvPr id="3" name="Text Placeholder 2"/>
           <p:cNvSpPr>
             <a:spLocks noGrp="1"/>
           </p:cNvSpPr>
@@ -4130,8 +6542,8 @@
         </p:nvSpPr>
         <p:spPr>
           <a:xfrm>
-            <a:off x="838200" y="1825625"/>
-            <a:ext cx="10515600" cy="4351338"/>
+            <a:off x="677334" y="2160589"/>
+            <a:ext cx="8596668" cy="3880773"/>
           </a:xfrm>
           <a:prstGeom prst="rect">
             <a:avLst/>
@@ -4176,18 +6588,13 @@
               <a:rPr lang="en-GB"/>
               <a:t>Fifth level</a:t>
             </a:r>
-          </a:p>
-        </p:txBody>
-      </p:sp>
-      <p:sp>
-        <p:nvSpPr>
-          <p:cNvPr id="4" name="Date Placeholder 3">
-            <a:extLst>
-              <a:ext uri="{FF2B5EF4-FFF2-40B4-BE49-F238E27FC236}">
-                <a16:creationId xmlns:a16="http://schemas.microsoft.com/office/drawing/2014/main" id="{E4BD1583-B050-711B-5FB0-7400347B87A5}"/>
-              </a:ext>
-            </a:extLst>
-          </p:cNvPr>
+            <a:endParaRPr lang="en-US" dirty="0"/>
+          </a:p>
+        </p:txBody>
+      </p:sp>
+      <p:sp>
+        <p:nvSpPr>
+          <p:cNvPr id="4" name="Date Placeholder 3"/>
           <p:cNvSpPr>
             <a:spLocks noGrp="1"/>
           </p:cNvSpPr>
@@ -4197,8 +6604,8 @@
         </p:nvSpPr>
         <p:spPr>
           <a:xfrm>
-            <a:off x="838200" y="6356350"/>
-            <a:ext cx="2743200" cy="365125"/>
+            <a:off x="7205133" y="6041362"/>
+            <a:ext cx="911939" cy="365125"/>
           </a:xfrm>
           <a:prstGeom prst="rect">
             <a:avLst/>
@@ -4207,8 +6614,8 @@
         <p:txBody>
           <a:bodyPr vert="horz" lIns="91440" tIns="45720" rIns="91440" bIns="45720" rtlCol="0" anchor="ctr"/>
           <a:lstStyle>
-            <a:lvl1pPr algn="l">
-              <a:defRPr sz="1200">
+            <a:lvl1pPr algn="r">
+              <a:defRPr sz="900">
                 <a:solidFill>
                   <a:schemeClr val="tx1">
                     <a:tint val="75000"/>
@@ -4220,7 +6627,7 @@
           <a:p>
             <a:fld id="{F518D1B8-B5DD-417F-B912-B4E9A7A5F0F4}" type="datetimeFigureOut">
               <a:rPr lang="en-GB" smtClean="0"/>
-              <a:t>02/05/2024</a:t>
+              <a:t>06/05/2024</a:t>
             </a:fld>
             <a:endParaRPr lang="en-GB"/>
           </a:p>
@@ -4228,13 +6635,7 @@
       </p:sp>
       <p:sp>
         <p:nvSpPr>
-          <p:cNvPr id="5" name="Footer Placeholder 4">
-            <a:extLst>
-              <a:ext uri="{FF2B5EF4-FFF2-40B4-BE49-F238E27FC236}">
-                <a16:creationId xmlns:a16="http://schemas.microsoft.com/office/drawing/2014/main" id="{C0357279-E49B-46C2-9894-8A216A51C217}"/>
-              </a:ext>
-            </a:extLst>
-          </p:cNvPr>
+          <p:cNvPr id="5" name="Footer Placeholder 4"/>
           <p:cNvSpPr>
             <a:spLocks noGrp="1"/>
           </p:cNvSpPr>
@@ -4244,8 +6645,8 @@
         </p:nvSpPr>
         <p:spPr>
           <a:xfrm>
-            <a:off x="4038600" y="6356350"/>
-            <a:ext cx="4114800" cy="365125"/>
+            <a:off x="677334" y="6041362"/>
+            <a:ext cx="6297612" cy="365125"/>
           </a:xfrm>
           <a:prstGeom prst="rect">
             <a:avLst/>
@@ -4254,8 +6655,8 @@
         <p:txBody>
           <a:bodyPr vert="horz" lIns="91440" tIns="45720" rIns="91440" bIns="45720" rtlCol="0" anchor="ctr"/>
           <a:lstStyle>
-            <a:lvl1pPr algn="ctr">
-              <a:defRPr sz="1200">
+            <a:lvl1pPr algn="l">
+              <a:defRPr sz="900">
                 <a:solidFill>
                   <a:schemeClr val="tx1">
                     <a:tint val="75000"/>
@@ -4271,13 +6672,7 @@
       </p:sp>
       <p:sp>
         <p:nvSpPr>
-          <p:cNvPr id="6" name="Slide Number Placeholder 5">
-            <a:extLst>
-              <a:ext uri="{FF2B5EF4-FFF2-40B4-BE49-F238E27FC236}">
-                <a16:creationId xmlns:a16="http://schemas.microsoft.com/office/drawing/2014/main" id="{F23E2381-1095-AADC-464E-F6E280DA37D2}"/>
-              </a:ext>
-            </a:extLst>
-          </p:cNvPr>
+          <p:cNvPr id="6" name="Slide Number Placeholder 5"/>
           <p:cNvSpPr>
             <a:spLocks noGrp="1"/>
           </p:cNvSpPr>
@@ -4287,8 +6682,8 @@
         </p:nvSpPr>
         <p:spPr>
           <a:xfrm>
-            <a:off x="8610600" y="6356350"/>
-            <a:ext cx="2743200" cy="365125"/>
+            <a:off x="8590663" y="6041362"/>
+            <a:ext cx="683339" cy="365125"/>
           </a:xfrm>
           <a:prstGeom prst="rect">
             <a:avLst/>
@@ -4298,11 +6693,9 @@
           <a:bodyPr vert="horz" lIns="91440" tIns="45720" rIns="91440" bIns="45720" rtlCol="0" anchor="ctr"/>
           <a:lstStyle>
             <a:lvl1pPr algn="r">
-              <a:defRPr sz="1200">
+              <a:defRPr sz="900">
                 <a:solidFill>
-                  <a:schemeClr val="tx1">
-                    <a:tint val="75000"/>
-                  </a:schemeClr>
+                  <a:schemeClr val="accent1"/>
                 </a:solidFill>
               </a:defRPr>
             </a:lvl1pPr>
@@ -4319,201 +6712,322 @@
     </p:spTree>
     <p:extLst>
       <p:ext uri="{BB962C8B-B14F-4D97-AF65-F5344CB8AC3E}">
-        <p14:creationId xmlns:p14="http://schemas.microsoft.com/office/powerpoint/2010/main" val="3111116390"/>
+        <p14:creationId xmlns:p14="http://schemas.microsoft.com/office/powerpoint/2010/main" val="1335085688"/>
       </p:ext>
     </p:extLst>
   </p:cSld>
   <p:clrMap bg1="lt1" tx1="dk1" bg2="lt2" tx2="dk2" accent1="accent1" accent2="accent2" accent3="accent3" accent4="accent4" accent5="accent5" accent6="accent6" hlink="hlink" folHlink="folHlink"/>
   <p:sldLayoutIdLst>
-    <p:sldLayoutId id="2147483649" r:id="rId1"/>
-    <p:sldLayoutId id="2147483650" r:id="rId2"/>
-    <p:sldLayoutId id="2147483651" r:id="rId3"/>
-    <p:sldLayoutId id="2147483652" r:id="rId4"/>
-    <p:sldLayoutId id="2147483653" r:id="rId5"/>
-    <p:sldLayoutId id="2147483654" r:id="rId6"/>
-    <p:sldLayoutId id="2147483655" r:id="rId7"/>
-    <p:sldLayoutId id="2147483656" r:id="rId8"/>
-    <p:sldLayoutId id="2147483657" r:id="rId9"/>
-    <p:sldLayoutId id="2147483658" r:id="rId10"/>
-    <p:sldLayoutId id="2147483659" r:id="rId11"/>
+    <p:sldLayoutId id="2147483712" r:id="rId1"/>
+    <p:sldLayoutId id="2147483713" r:id="rId2"/>
+    <p:sldLayoutId id="2147483714" r:id="rId3"/>
+    <p:sldLayoutId id="2147483715" r:id="rId4"/>
+    <p:sldLayoutId id="2147483716" r:id="rId5"/>
+    <p:sldLayoutId id="2147483717" r:id="rId6"/>
+    <p:sldLayoutId id="2147483718" r:id="rId7"/>
+    <p:sldLayoutId id="2147483719" r:id="rId8"/>
+    <p:sldLayoutId id="2147483720" r:id="rId9"/>
+    <p:sldLayoutId id="2147483721" r:id="rId10"/>
+    <p:sldLayoutId id="2147483722" r:id="rId11"/>
+    <p:sldLayoutId id="2147483723" r:id="rId12"/>
+    <p:sldLayoutId id="2147483724" r:id="rId13"/>
+    <p:sldLayoutId id="2147483725" r:id="rId14"/>
+    <p:sldLayoutId id="2147483726" r:id="rId15"/>
+    <p:sldLayoutId id="2147483727" r:id="rId16"/>
   </p:sldLayoutIdLst>
   <p:txStyles>
     <p:titleStyle>
-      <a:lvl1pPr algn="l" defTabSz="914400" rtl="0" eaLnBrk="1" latinLnBrk="0" hangingPunct="1">
-        <a:lnSpc>
-          <a:spcPct val="90000"/>
-        </a:lnSpc>
+      <a:lvl1pPr algn="l" defTabSz="457200" rtl="0" eaLnBrk="1" latinLnBrk="0" hangingPunct="1">
         <a:spcBef>
           <a:spcPct val="0"/>
         </a:spcBef>
         <a:buNone/>
-        <a:defRPr sz="4400" kern="1200">
+        <a:defRPr sz="3600" kern="1200">
           <a:solidFill>
-            <a:schemeClr val="tx1"/>
+            <a:schemeClr val="accent1"/>
           </a:solidFill>
           <a:latin typeface="+mj-lt"/>
           <a:ea typeface="+mj-ea"/>
           <a:cs typeface="+mj-cs"/>
         </a:defRPr>
       </a:lvl1pPr>
+      <a:lvl2pPr eaLnBrk="1" hangingPunct="1">
+        <a:defRPr>
+          <a:solidFill>
+            <a:schemeClr val="tx2"/>
+          </a:solidFill>
+        </a:defRPr>
+      </a:lvl2pPr>
+      <a:lvl3pPr eaLnBrk="1" hangingPunct="1">
+        <a:defRPr>
+          <a:solidFill>
+            <a:schemeClr val="tx2"/>
+          </a:solidFill>
+        </a:defRPr>
+      </a:lvl3pPr>
+      <a:lvl4pPr eaLnBrk="1" hangingPunct="1">
+        <a:defRPr>
+          <a:solidFill>
+            <a:schemeClr val="tx2"/>
+          </a:solidFill>
+        </a:defRPr>
+      </a:lvl4pPr>
+      <a:lvl5pPr eaLnBrk="1" hangingPunct="1">
+        <a:defRPr>
+          <a:solidFill>
+            <a:schemeClr val="tx2"/>
+          </a:solidFill>
+        </a:defRPr>
+      </a:lvl5pPr>
+      <a:lvl6pPr eaLnBrk="1" hangingPunct="1">
+        <a:defRPr>
+          <a:solidFill>
+            <a:schemeClr val="tx2"/>
+          </a:solidFill>
+        </a:defRPr>
+      </a:lvl6pPr>
+      <a:lvl7pPr eaLnBrk="1" hangingPunct="1">
+        <a:defRPr>
+          <a:solidFill>
+            <a:schemeClr val="tx2"/>
+          </a:solidFill>
+        </a:defRPr>
+      </a:lvl7pPr>
+      <a:lvl8pPr eaLnBrk="1" hangingPunct="1">
+        <a:defRPr>
+          <a:solidFill>
+            <a:schemeClr val="tx2"/>
+          </a:solidFill>
+        </a:defRPr>
+      </a:lvl8pPr>
+      <a:lvl9pPr eaLnBrk="1" hangingPunct="1">
+        <a:defRPr>
+          <a:solidFill>
+            <a:schemeClr val="tx2"/>
+          </a:solidFill>
+        </a:defRPr>
+      </a:lvl9pPr>
     </p:titleStyle>
     <p:bodyStyle>
-      <a:lvl1pPr marL="228600" indent="-228600" algn="l" defTabSz="914400" rtl="0" eaLnBrk="1" latinLnBrk="0" hangingPunct="1">
-        <a:lnSpc>
-          <a:spcPct val="90000"/>
-        </a:lnSpc>
+      <a:lvl1pPr marL="342900" indent="-342900" algn="l" defTabSz="457200" rtl="0" eaLnBrk="1" latinLnBrk="0" hangingPunct="1">
         <a:spcBef>
           <a:spcPts val="1000"/>
         </a:spcBef>
-        <a:buFont typeface="Arial" panose="020B0604020202020204" pitchFamily="34" charset="0"/>
-        <a:buChar char="•"/>
-        <a:defRPr sz="2800" kern="1200">
+        <a:spcAft>
+          <a:spcPts val="0"/>
+        </a:spcAft>
+        <a:buClr>
+          <a:schemeClr val="accent1"/>
+        </a:buClr>
+        <a:buSzPct val="80000"/>
+        <a:buFont typeface="Wingdings 3" charset="2"/>
+        <a:buChar char=""/>
+        <a:defRPr sz="1800" kern="1200">
           <a:solidFill>
-            <a:schemeClr val="tx1"/>
+            <a:schemeClr val="tx1">
+              <a:lumMod val="75000"/>
+              <a:lumOff val="25000"/>
+            </a:schemeClr>
           </a:solidFill>
           <a:latin typeface="+mn-lt"/>
           <a:ea typeface="+mn-ea"/>
           <a:cs typeface="+mn-cs"/>
         </a:defRPr>
       </a:lvl1pPr>
-      <a:lvl2pPr marL="685800" indent="-228600" algn="l" defTabSz="914400" rtl="0" eaLnBrk="1" latinLnBrk="0" hangingPunct="1">
-        <a:lnSpc>
-          <a:spcPct val="90000"/>
-        </a:lnSpc>
+      <a:lvl2pPr marL="742950" indent="-285750" algn="l" defTabSz="457200" rtl="0" eaLnBrk="1" latinLnBrk="0" hangingPunct="1">
         <a:spcBef>
-          <a:spcPts val="500"/>
+          <a:spcPts val="1000"/>
         </a:spcBef>
-        <a:buFont typeface="Arial" panose="020B0604020202020204" pitchFamily="34" charset="0"/>
-        <a:buChar char="•"/>
-        <a:defRPr sz="2400" kern="1200">
+        <a:spcAft>
+          <a:spcPts val="0"/>
+        </a:spcAft>
+        <a:buClr>
+          <a:schemeClr val="accent1"/>
+        </a:buClr>
+        <a:buSzPct val="80000"/>
+        <a:buFont typeface="Wingdings 3" charset="2"/>
+        <a:buChar char=""/>
+        <a:defRPr sz="1600" kern="1200">
           <a:solidFill>
-            <a:schemeClr val="tx1"/>
+            <a:schemeClr val="tx1">
+              <a:lumMod val="75000"/>
+              <a:lumOff val="25000"/>
+            </a:schemeClr>
           </a:solidFill>
           <a:latin typeface="+mn-lt"/>
           <a:ea typeface="+mn-ea"/>
           <a:cs typeface="+mn-cs"/>
         </a:defRPr>
       </a:lvl2pPr>
-      <a:lvl3pPr marL="1143000" indent="-228600" algn="l" defTabSz="914400" rtl="0" eaLnBrk="1" latinLnBrk="0" hangingPunct="1">
-        <a:lnSpc>
-          <a:spcPct val="90000"/>
-        </a:lnSpc>
+      <a:lvl3pPr marL="1143000" indent="-228600" algn="l" defTabSz="457200" rtl="0" eaLnBrk="1" latinLnBrk="0" hangingPunct="1">
         <a:spcBef>
-          <a:spcPts val="500"/>
+          <a:spcPts val="1000"/>
         </a:spcBef>
-        <a:buFont typeface="Arial" panose="020B0604020202020204" pitchFamily="34" charset="0"/>
-        <a:buChar char="•"/>
-        <a:defRPr sz="2000" kern="1200">
+        <a:spcAft>
+          <a:spcPts val="0"/>
+        </a:spcAft>
+        <a:buClr>
+          <a:schemeClr val="accent1"/>
+        </a:buClr>
+        <a:buSzPct val="80000"/>
+        <a:buFont typeface="Wingdings 3" charset="2"/>
+        <a:buChar char=""/>
+        <a:defRPr sz="1400" kern="1200">
           <a:solidFill>
-            <a:schemeClr val="tx1"/>
+            <a:schemeClr val="tx1">
+              <a:lumMod val="75000"/>
+              <a:lumOff val="25000"/>
+            </a:schemeClr>
           </a:solidFill>
           <a:latin typeface="+mn-lt"/>
           <a:ea typeface="+mn-ea"/>
           <a:cs typeface="+mn-cs"/>
         </a:defRPr>
       </a:lvl3pPr>
-      <a:lvl4pPr marL="1600200" indent="-228600" algn="l" defTabSz="914400" rtl="0" eaLnBrk="1" latinLnBrk="0" hangingPunct="1">
-        <a:lnSpc>
-          <a:spcPct val="90000"/>
-        </a:lnSpc>
+      <a:lvl4pPr marL="1600200" indent="-228600" algn="l" defTabSz="457200" rtl="0" eaLnBrk="1" latinLnBrk="0" hangingPunct="1">
         <a:spcBef>
-          <a:spcPts val="500"/>
+          <a:spcPts val="1000"/>
         </a:spcBef>
-        <a:buFont typeface="Arial" panose="020B0604020202020204" pitchFamily="34" charset="0"/>
-        <a:buChar char="•"/>
-        <a:defRPr sz="1800" kern="1200">
+        <a:spcAft>
+          <a:spcPts val="0"/>
+        </a:spcAft>
+        <a:buClr>
+          <a:schemeClr val="accent1"/>
+        </a:buClr>
+        <a:buSzPct val="80000"/>
+        <a:buFont typeface="Wingdings 3" charset="2"/>
+        <a:buChar char=""/>
+        <a:defRPr sz="1200" kern="1200">
           <a:solidFill>
-            <a:schemeClr val="tx1"/>
+            <a:schemeClr val="tx1">
+              <a:lumMod val="75000"/>
+              <a:lumOff val="25000"/>
+            </a:schemeClr>
           </a:solidFill>
           <a:latin typeface="+mn-lt"/>
           <a:ea typeface="+mn-ea"/>
           <a:cs typeface="+mn-cs"/>
         </a:defRPr>
       </a:lvl4pPr>
-      <a:lvl5pPr marL="2057400" indent="-228600" algn="l" defTabSz="914400" rtl="0" eaLnBrk="1" latinLnBrk="0" hangingPunct="1">
-        <a:lnSpc>
-          <a:spcPct val="90000"/>
-        </a:lnSpc>
+      <a:lvl5pPr marL="2057400" indent="-228600" algn="l" defTabSz="457200" rtl="0" eaLnBrk="1" latinLnBrk="0" hangingPunct="1">
         <a:spcBef>
-          <a:spcPts val="500"/>
+          <a:spcPts val="1000"/>
         </a:spcBef>
-        <a:buFont typeface="Arial" panose="020B0604020202020204" pitchFamily="34" charset="0"/>
-        <a:buChar char="•"/>
-        <a:defRPr sz="1800" kern="1200">
+        <a:spcAft>
+          <a:spcPts val="0"/>
+        </a:spcAft>
+        <a:buClr>
+          <a:schemeClr val="accent1"/>
+        </a:buClr>
+        <a:buSzPct val="80000"/>
+        <a:buFont typeface="Wingdings 3" charset="2"/>
+        <a:buChar char=""/>
+        <a:defRPr sz="1200" kern="1200">
           <a:solidFill>
-            <a:schemeClr val="tx1"/>
+            <a:schemeClr val="tx1">
+              <a:lumMod val="75000"/>
+              <a:lumOff val="25000"/>
+            </a:schemeClr>
           </a:solidFill>
           <a:latin typeface="+mn-lt"/>
           <a:ea typeface="+mn-ea"/>
           <a:cs typeface="+mn-cs"/>
         </a:defRPr>
       </a:lvl5pPr>
-      <a:lvl6pPr marL="2514600" indent="-228600" algn="l" defTabSz="914400" rtl="0" eaLnBrk="1" latinLnBrk="0" hangingPunct="1">
-        <a:lnSpc>
-          <a:spcPct val="90000"/>
-        </a:lnSpc>
+      <a:lvl6pPr marL="2514600" indent="-228600" algn="l" defTabSz="457200" rtl="0" eaLnBrk="1" latinLnBrk="0" hangingPunct="1">
         <a:spcBef>
-          <a:spcPts val="500"/>
+          <a:spcPts val="1000"/>
         </a:spcBef>
-        <a:buFont typeface="Arial" panose="020B0604020202020204" pitchFamily="34" charset="0"/>
-        <a:buChar char="•"/>
-        <a:defRPr sz="1800" kern="1200">
+        <a:spcAft>
+          <a:spcPts val="0"/>
+        </a:spcAft>
+        <a:buClr>
+          <a:schemeClr val="accent1"/>
+        </a:buClr>
+        <a:buSzPct val="80000"/>
+        <a:buFont typeface="Wingdings 3" charset="2"/>
+        <a:buChar char=""/>
+        <a:defRPr sz="1200" kern="1200">
           <a:solidFill>
-            <a:schemeClr val="tx1"/>
+            <a:schemeClr val="tx1">
+              <a:lumMod val="75000"/>
+              <a:lumOff val="25000"/>
+            </a:schemeClr>
           </a:solidFill>
           <a:latin typeface="+mn-lt"/>
           <a:ea typeface="+mn-ea"/>
           <a:cs typeface="+mn-cs"/>
         </a:defRPr>
       </a:lvl6pPr>
-      <a:lvl7pPr marL="2971800" indent="-228600" algn="l" defTabSz="914400" rtl="0" eaLnBrk="1" latinLnBrk="0" hangingPunct="1">
-        <a:lnSpc>
-          <a:spcPct val="90000"/>
-        </a:lnSpc>
+      <a:lvl7pPr marL="2971800" indent="-228600" algn="l" defTabSz="457200" rtl="0" eaLnBrk="1" latinLnBrk="0" hangingPunct="1">
         <a:spcBef>
-          <a:spcPts val="500"/>
+          <a:spcPts val="1000"/>
         </a:spcBef>
-        <a:buFont typeface="Arial" panose="020B0604020202020204" pitchFamily="34" charset="0"/>
-        <a:buChar char="•"/>
-        <a:defRPr sz="1800" kern="1200">
+        <a:spcAft>
+          <a:spcPts val="0"/>
+        </a:spcAft>
+        <a:buClr>
+          <a:schemeClr val="accent1"/>
+        </a:buClr>
+        <a:buSzPct val="80000"/>
+        <a:buFont typeface="Wingdings 3" charset="2"/>
+        <a:buChar char=""/>
+        <a:defRPr sz="1200" kern="1200">
           <a:solidFill>
-            <a:schemeClr val="tx1"/>
+            <a:schemeClr val="tx1">
+              <a:lumMod val="75000"/>
+              <a:lumOff val="25000"/>
+            </a:schemeClr>
           </a:solidFill>
           <a:latin typeface="+mn-lt"/>
           <a:ea typeface="+mn-ea"/>
           <a:cs typeface="+mn-cs"/>
         </a:defRPr>
       </a:lvl7pPr>
-      <a:lvl8pPr marL="3429000" indent="-228600" algn="l" defTabSz="914400" rtl="0" eaLnBrk="1" latinLnBrk="0" hangingPunct="1">
-        <a:lnSpc>
-          <a:spcPct val="90000"/>
-        </a:lnSpc>
+      <a:lvl8pPr marL="3429000" indent="-228600" algn="l" defTabSz="457200" rtl="0" eaLnBrk="1" latinLnBrk="0" hangingPunct="1">
         <a:spcBef>
-          <a:spcPts val="500"/>
+          <a:spcPts val="1000"/>
         </a:spcBef>
-        <a:buFont typeface="Arial" panose="020B0604020202020204" pitchFamily="34" charset="0"/>
-        <a:buChar char="•"/>
-        <a:defRPr sz="1800" kern="1200">
+        <a:spcAft>
+          <a:spcPts val="0"/>
+        </a:spcAft>
+        <a:buClr>
+          <a:schemeClr val="accent1"/>
+        </a:buClr>
+        <a:buSzPct val="80000"/>
+        <a:buFont typeface="Wingdings 3" charset="2"/>
+        <a:buChar char=""/>
+        <a:defRPr sz="1200" kern="1200">
           <a:solidFill>
-            <a:schemeClr val="tx1"/>
+            <a:schemeClr val="tx1">
+              <a:lumMod val="75000"/>
+              <a:lumOff val="25000"/>
+            </a:schemeClr>
           </a:solidFill>
           <a:latin typeface="+mn-lt"/>
           <a:ea typeface="+mn-ea"/>
           <a:cs typeface="+mn-cs"/>
         </a:defRPr>
       </a:lvl8pPr>
-      <a:lvl9pPr marL="3886200" indent="-228600" algn="l" defTabSz="914400" rtl="0" eaLnBrk="1" latinLnBrk="0" hangingPunct="1">
-        <a:lnSpc>
-          <a:spcPct val="90000"/>
-        </a:lnSpc>
+      <a:lvl9pPr marL="3886200" indent="-228600" algn="l" defTabSz="457200" rtl="0" eaLnBrk="1" latinLnBrk="0" hangingPunct="1">
         <a:spcBef>
-          <a:spcPts val="500"/>
+          <a:spcPts val="1000"/>
         </a:spcBef>
-        <a:buFont typeface="Arial" panose="020B0604020202020204" pitchFamily="34" charset="0"/>
-        <a:buChar char="•"/>
-        <a:defRPr sz="1800" kern="1200">
+        <a:spcAft>
+          <a:spcPts val="0"/>
+        </a:spcAft>
+        <a:buClr>
+          <a:schemeClr val="accent1"/>
+        </a:buClr>
+        <a:buSzPct val="80000"/>
+        <a:buFont typeface="Wingdings 3" charset="2"/>
+        <a:buChar char=""/>
+        <a:defRPr sz="1200" kern="1200">
           <a:solidFill>
-            <a:schemeClr val="tx1"/>
+            <a:schemeClr val="tx1">
+              <a:lumMod val="75000"/>
+              <a:lumOff val="25000"/>
+            </a:schemeClr>
           </a:solidFill>
           <a:latin typeface="+mn-lt"/>
           <a:ea typeface="+mn-ea"/>
@@ -4525,7 +7039,7 @@
       <a:defPPr>
         <a:defRPr lang="en-US"/>
       </a:defPPr>
-      <a:lvl1pPr marL="0" algn="l" defTabSz="914400" rtl="0" eaLnBrk="1" latinLnBrk="0" hangingPunct="1">
+      <a:lvl1pPr marL="0" algn="l" defTabSz="457200" rtl="0" eaLnBrk="1" latinLnBrk="0" hangingPunct="1">
         <a:defRPr sz="1800" kern="1200">
           <a:solidFill>
             <a:schemeClr val="tx1"/>
@@ -4535,7 +7049,7 @@
           <a:cs typeface="+mn-cs"/>
         </a:defRPr>
       </a:lvl1pPr>
-      <a:lvl2pPr marL="457200" algn="l" defTabSz="914400" rtl="0" eaLnBrk="1" latinLnBrk="0" hangingPunct="1">
+      <a:lvl2pPr marL="457200" algn="l" defTabSz="457200" rtl="0" eaLnBrk="1" latinLnBrk="0" hangingPunct="1">
         <a:defRPr sz="1800" kern="1200">
           <a:solidFill>
             <a:schemeClr val="tx1"/>
@@ -4545,7 +7059,7 @@
           <a:cs typeface="+mn-cs"/>
         </a:defRPr>
       </a:lvl2pPr>
-      <a:lvl3pPr marL="914400" algn="l" defTabSz="914400" rtl="0" eaLnBrk="1" latinLnBrk="0" hangingPunct="1">
+      <a:lvl3pPr marL="914400" algn="l" defTabSz="457200" rtl="0" eaLnBrk="1" latinLnBrk="0" hangingPunct="1">
         <a:defRPr sz="1800" kern="1200">
           <a:solidFill>
             <a:schemeClr val="tx1"/>
@@ -4555,7 +7069,7 @@
           <a:cs typeface="+mn-cs"/>
         </a:defRPr>
       </a:lvl3pPr>
-      <a:lvl4pPr marL="1371600" algn="l" defTabSz="914400" rtl="0" eaLnBrk="1" latinLnBrk="0" hangingPunct="1">
+      <a:lvl4pPr marL="1371600" algn="l" defTabSz="457200" rtl="0" eaLnBrk="1" latinLnBrk="0" hangingPunct="1">
         <a:defRPr sz="1800" kern="1200">
           <a:solidFill>
             <a:schemeClr val="tx1"/>
@@ -4565,7 +7079,7 @@
           <a:cs typeface="+mn-cs"/>
         </a:defRPr>
       </a:lvl4pPr>
-      <a:lvl5pPr marL="1828800" algn="l" defTabSz="914400" rtl="0" eaLnBrk="1" latinLnBrk="0" hangingPunct="1">
+      <a:lvl5pPr marL="1828800" algn="l" defTabSz="457200" rtl="0" eaLnBrk="1" latinLnBrk="0" hangingPunct="1">
         <a:defRPr sz="1800" kern="1200">
           <a:solidFill>
             <a:schemeClr val="tx1"/>
@@ -4575,7 +7089,7 @@
           <a:cs typeface="+mn-cs"/>
         </a:defRPr>
       </a:lvl5pPr>
-      <a:lvl6pPr marL="2286000" algn="l" defTabSz="914400" rtl="0" eaLnBrk="1" latinLnBrk="0" hangingPunct="1">
+      <a:lvl6pPr marL="2286000" algn="l" defTabSz="457200" rtl="0" eaLnBrk="1" latinLnBrk="0" hangingPunct="1">
         <a:defRPr sz="1800" kern="1200">
           <a:solidFill>
             <a:schemeClr val="tx1"/>
@@ -4585,7 +7099,7 @@
           <a:cs typeface="+mn-cs"/>
         </a:defRPr>
       </a:lvl6pPr>
-      <a:lvl7pPr marL="2743200" algn="l" defTabSz="914400" rtl="0" eaLnBrk="1" latinLnBrk="0" hangingPunct="1">
+      <a:lvl7pPr marL="2743200" algn="l" defTabSz="457200" rtl="0" eaLnBrk="1" latinLnBrk="0" hangingPunct="1">
         <a:defRPr sz="1800" kern="1200">
           <a:solidFill>
             <a:schemeClr val="tx1"/>
@@ -4595,7 +7109,7 @@
           <a:cs typeface="+mn-cs"/>
         </a:defRPr>
       </a:lvl7pPr>
-      <a:lvl8pPr marL="3200400" algn="l" defTabSz="914400" rtl="0" eaLnBrk="1" latinLnBrk="0" hangingPunct="1">
+      <a:lvl8pPr marL="3200400" algn="l" defTabSz="457200" rtl="0" eaLnBrk="1" latinLnBrk="0" hangingPunct="1">
         <a:defRPr sz="1800" kern="1200">
           <a:solidFill>
             <a:schemeClr val="tx1"/>
@@ -4605,7 +7119,7 @@
           <a:cs typeface="+mn-cs"/>
         </a:defRPr>
       </a:lvl8pPr>
-      <a:lvl9pPr marL="3657600" algn="l" defTabSz="914400" rtl="0" eaLnBrk="1" latinLnBrk="0" hangingPunct="1">
+      <a:lvl9pPr marL="3657600" algn="l" defTabSz="457200" rtl="0" eaLnBrk="1" latinLnBrk="0" hangingPunct="1">
         <a:defRPr sz="1800" kern="1200">
           <a:solidFill>
             <a:schemeClr val="tx1"/>
@@ -4623,6 +7137,16 @@
 <file path=ppt/slides/slide1.xml><?xml version="1.0" encoding="utf-8"?>
 <p:sld xmlns:a="http://schemas.openxmlformats.org/drawingml/2006/main" xmlns:r="http://schemas.openxmlformats.org/officeDocument/2006/relationships" xmlns:p="http://schemas.openxmlformats.org/presentationml/2006/main">
   <p:cSld>
+    <p:bg>
+      <p:bgPr>
+        <a:solidFill>
+          <a:schemeClr val="accent1">
+            <a:lumMod val="50000"/>
+          </a:schemeClr>
+        </a:solidFill>
+        <a:effectLst/>
+      </p:bgPr>
+    </p:bg>
     <p:spTree>
       <p:nvGrpSpPr>
         <p:cNvPr id="1" name=""/>
@@ -4681,6 +7205,14 @@
 <file path=ppt/slides/slide2.xml><?xml version="1.0" encoding="utf-8"?>
 <p:sld xmlns:a="http://schemas.openxmlformats.org/drawingml/2006/main" xmlns:r="http://schemas.openxmlformats.org/officeDocument/2006/relationships" xmlns:p="http://schemas.openxmlformats.org/presentationml/2006/main">
   <p:cSld>
+    <p:bg>
+      <p:bgPr>
+        <a:solidFill>
+          <a:schemeClr val="tx1"/>
+        </a:solidFill>
+        <a:effectLst/>
+      </p:bgPr>
+    </p:bg>
     <p:spTree>
       <p:nvGrpSpPr>
         <p:cNvPr id="1" name=""/>
@@ -4697,155 +7229,62 @@
       </p:grpSpPr>
       <p:sp>
         <p:nvSpPr>
-          <p:cNvPr id="2" name="Title 1">
+          <p:cNvPr id="4" name="Rectangle 3">
             <a:extLst>
               <a:ext uri="{FF2B5EF4-FFF2-40B4-BE49-F238E27FC236}">
-                <a16:creationId xmlns:a16="http://schemas.microsoft.com/office/drawing/2014/main" id="{B6694341-4623-9638-2F74-6C0F8FDC1D7A}"/>
+                <a16:creationId xmlns:a16="http://schemas.microsoft.com/office/drawing/2014/main" id="{90E34124-FDE2-43D1-674D-5012EBFA9B89}"/>
               </a:ext>
             </a:extLst>
           </p:cNvPr>
-          <p:cNvSpPr>
-            <a:spLocks noGrp="1"/>
-          </p:cNvSpPr>
-          <p:nvPr>
-            <p:ph type="title"/>
-          </p:nvPr>
-        </p:nvSpPr>
-        <p:spPr/>
-        <p:txBody>
-          <a:bodyPr/>
-          <a:lstStyle/>
-          <a:p>
-            <a:r>
-              <a:rPr lang="en-GB" dirty="0"/>
-              <a:t>Sprints</a:t>
-            </a:r>
-          </a:p>
-        </p:txBody>
-      </p:sp>
-      <p:sp>
-        <p:nvSpPr>
-          <p:cNvPr id="4" name="Content Placeholder 3">
-            <a:extLst>
-              <a:ext uri="{FF2B5EF4-FFF2-40B4-BE49-F238E27FC236}">
-                <a16:creationId xmlns:a16="http://schemas.microsoft.com/office/drawing/2014/main" id="{7C502AF5-645B-394B-1693-21B9092D6AC1}"/>
-              </a:ext>
-            </a:extLst>
-          </p:cNvPr>
-          <p:cNvSpPr>
-            <a:spLocks noGrp="1"/>
-          </p:cNvSpPr>
-          <p:nvPr>
-            <p:ph idx="1"/>
-          </p:nvPr>
+          <p:cNvSpPr/>
+          <p:nvPr/>
         </p:nvSpPr>
         <p:spPr>
           <a:xfrm>
-            <a:off x="838200" y="1825625"/>
-            <a:ext cx="10515600" cy="4667250"/>
+            <a:off x="-778475" y="-1210963"/>
+            <a:ext cx="13098162" cy="8600303"/>
           </a:xfrm>
+          <a:prstGeom prst="rect">
+            <a:avLst/>
+          </a:prstGeom>
+          <a:solidFill>
+            <a:schemeClr val="tx1"/>
+          </a:solidFill>
+          <a:ln>
+            <a:solidFill>
+              <a:schemeClr val="tx1"/>
+            </a:solidFill>
+          </a:ln>
         </p:spPr>
-        <p:txBody>
-          <a:bodyPr>
-            <a:normAutofit fontScale="92500" lnSpcReduction="10000"/>
-          </a:bodyPr>
-          <a:lstStyle/>
-          <a:p>
-            <a:r>
-              <a:rPr lang="en-GB" dirty="0"/>
-              <a:t>Sprint 1:</a:t>
-            </a:r>
-          </a:p>
-          <a:p>
-            <a:pPr lvl="1"/>
-            <a:r>
-              <a:rPr lang="en-GB" dirty="0"/>
-              <a:t>Introduction</a:t>
-            </a:r>
-          </a:p>
-          <a:p>
-            <a:pPr lvl="1"/>
-            <a:r>
-              <a:rPr lang="en-GB" dirty="0"/>
-              <a:t>Project Vision</a:t>
-            </a:r>
-          </a:p>
-          <a:p>
-            <a:pPr lvl="1"/>
-            <a:r>
-              <a:rPr lang="en-GB" dirty="0"/>
-              <a:t>Research Background</a:t>
-            </a:r>
-          </a:p>
-          <a:p>
-            <a:pPr lvl="1"/>
-            <a:r>
-              <a:rPr lang="en-GB" dirty="0"/>
-              <a:t>Create Wireframes</a:t>
-            </a:r>
-          </a:p>
-          <a:p>
-            <a:pPr lvl="1"/>
-            <a:endParaRPr lang="en-GB" dirty="0"/>
-          </a:p>
-          <a:p>
-            <a:r>
-              <a:rPr lang="en-GB" dirty="0"/>
-              <a:t>Sprint 2:</a:t>
-            </a:r>
-          </a:p>
-          <a:p>
-            <a:pPr lvl="1"/>
-            <a:r>
-              <a:rPr lang="en-GB" dirty="0"/>
-              <a:t>UML Diagrams</a:t>
-            </a:r>
-          </a:p>
-          <a:p>
-            <a:pPr lvl="1"/>
-            <a:r>
-              <a:rPr lang="en-GB" dirty="0"/>
-              <a:t>Program template:</a:t>
-            </a:r>
-          </a:p>
-          <a:p>
-            <a:pPr lvl="2"/>
-            <a:r>
-              <a:rPr lang="en-GB" dirty="0"/>
-              <a:t>Nav bar</a:t>
-            </a:r>
-          </a:p>
-          <a:p>
-            <a:pPr lvl="2"/>
-            <a:r>
-              <a:rPr lang="en-GB" dirty="0"/>
-              <a:t>Calendar table</a:t>
-            </a:r>
-          </a:p>
-          <a:p>
-            <a:pPr lvl="2"/>
-            <a:r>
-              <a:rPr lang="en-GB" dirty="0"/>
-              <a:t>Log in dialogue</a:t>
-            </a:r>
-          </a:p>
-          <a:p>
-            <a:pPr lvl="2"/>
-            <a:r>
-              <a:rPr lang="en-GB" dirty="0"/>
-              <a:t>Register dialogue</a:t>
-            </a:r>
-          </a:p>
-          <a:p>
-            <a:pPr lvl="1"/>
-            <a:endParaRPr lang="en-GB" dirty="0"/>
+        <p:style>
+          <a:lnRef idx="2">
+            <a:schemeClr val="accent1">
+              <a:shade val="15000"/>
+            </a:schemeClr>
+          </a:lnRef>
+          <a:fillRef idx="1">
+            <a:schemeClr val="accent1"/>
+          </a:fillRef>
+          <a:effectRef idx="0">
+            <a:schemeClr val="accent1"/>
+          </a:effectRef>
+          <a:fontRef idx="minor">
+            <a:schemeClr val="lt1"/>
+          </a:fontRef>
+        </p:style>
+        <p:txBody>
+          <a:bodyPr rtlCol="0" anchor="ctr"/>
+          <a:lstStyle/>
+          <a:p>
+            <a:pPr algn="ctr"/>
+            <a:endParaRPr lang="en-GB"/>
           </a:p>
         </p:txBody>
       </p:sp>
     </p:spTree>
     <p:extLst>
       <p:ext uri="{BB962C8B-B14F-4D97-AF65-F5344CB8AC3E}">
-        <p14:creationId xmlns:p14="http://schemas.microsoft.com/office/powerpoint/2010/main" val="1277931015"/>
+        <p14:creationId xmlns:p14="http://schemas.microsoft.com/office/powerpoint/2010/main" val="2905413980"/>
       </p:ext>
     </p:extLst>
   </p:cSld>
@@ -4902,10 +7341,10 @@
       </p:sp>
       <p:sp>
         <p:nvSpPr>
-          <p:cNvPr id="3" name="Content Placeholder 2">
+          <p:cNvPr id="4" name="Content Placeholder 3">
             <a:extLst>
               <a:ext uri="{FF2B5EF4-FFF2-40B4-BE49-F238E27FC236}">
-                <a16:creationId xmlns:a16="http://schemas.microsoft.com/office/drawing/2014/main" id="{9B8B81C2-8488-7700-778B-13F2EFAC6481}"/>
+                <a16:creationId xmlns:a16="http://schemas.microsoft.com/office/drawing/2014/main" id="{7C502AF5-645B-394B-1693-21B9092D6AC1}"/>
               </a:ext>
             </a:extLst>
           </p:cNvPr>
@@ -4923,33 +7362,42 @@
           </a:xfrm>
         </p:spPr>
         <p:txBody>
-          <a:bodyPr/>
+          <a:bodyPr>
+            <a:normAutofit lnSpcReduction="10000"/>
+          </a:bodyPr>
           <a:lstStyle/>
           <a:p>
             <a:r>
               <a:rPr lang="en-GB" dirty="0"/>
-              <a:t>Sprint 3:</a:t>
+              <a:t>Sprint 1:</a:t>
             </a:r>
           </a:p>
           <a:p>
             <a:pPr lvl="1"/>
             <a:r>
               <a:rPr lang="en-GB" dirty="0"/>
-              <a:t>JavaScript function for putting dates in calendar</a:t>
+              <a:t>Introduction</a:t>
             </a:r>
           </a:p>
           <a:p>
             <a:pPr lvl="1"/>
             <a:r>
               <a:rPr lang="en-GB" dirty="0"/>
-              <a:t>Highlight current date</a:t>
+              <a:t>Project Vision</a:t>
             </a:r>
           </a:p>
           <a:p>
             <a:pPr lvl="1"/>
             <a:r>
               <a:rPr lang="en-GB" dirty="0"/>
-              <a:t>Function for navigating calendar</a:t>
+              <a:t>Research Background</a:t>
+            </a:r>
+          </a:p>
+          <a:p>
+            <a:pPr lvl="1"/>
+            <a:r>
+              <a:rPr lang="en-GB" dirty="0"/>
+              <a:t>Create Wireframes</a:t>
             </a:r>
           </a:p>
           <a:p>
@@ -4959,43 +7407,215 @@
           <a:p>
             <a:r>
               <a:rPr lang="en-GB" dirty="0"/>
-              <a:t>Sprint 4:</a:t>
+              <a:t>Sprint 2:</a:t>
             </a:r>
           </a:p>
           <a:p>
             <a:pPr lvl="1"/>
             <a:r>
               <a:rPr lang="en-GB" dirty="0"/>
-              <a:t>Create NodeJS server</a:t>
+              <a:t>UML Diagrams</a:t>
             </a:r>
           </a:p>
           <a:p>
             <a:pPr lvl="1"/>
             <a:r>
               <a:rPr lang="en-GB" dirty="0"/>
-              <a:t>Server-side log in function</a:t>
+              <a:t>Program template:</a:t>
+            </a:r>
+          </a:p>
+          <a:p>
+            <a:pPr lvl="2"/>
+            <a:r>
+              <a:rPr lang="en-GB" dirty="0"/>
+              <a:t>Nav bar</a:t>
+            </a:r>
+          </a:p>
+          <a:p>
+            <a:pPr lvl="2"/>
+            <a:r>
+              <a:rPr lang="en-GB" dirty="0"/>
+              <a:t>Calendar table</a:t>
+            </a:r>
+          </a:p>
+          <a:p>
+            <a:pPr lvl="2"/>
+            <a:r>
+              <a:rPr lang="en-GB" dirty="0"/>
+              <a:t>Log in dialogue</a:t>
+            </a:r>
+          </a:p>
+          <a:p>
+            <a:pPr lvl="2"/>
+            <a:r>
+              <a:rPr lang="en-GB" dirty="0"/>
+              <a:t>Register dialogue</a:t>
             </a:r>
           </a:p>
           <a:p>
             <a:pPr lvl="1"/>
-            <a:r>
-              <a:rPr lang="en-GB" dirty="0"/>
-              <a:t>Client-side log in function</a:t>
-            </a:r>
-          </a:p>
-          <a:p>
-            <a:pPr lvl="1"/>
-            <a:r>
-              <a:rPr lang="en-GB" dirty="0"/>
-              <a:t>Server-side register function</a:t>
-            </a:r>
-          </a:p>
-        </p:txBody>
-      </p:sp>
+            <a:endParaRPr lang="en-GB" dirty="0"/>
+          </a:p>
+        </p:txBody>
+      </p:sp>
+      <p:pic>
+        <p:nvPicPr>
+          <p:cNvPr id="1026" name="Picture 2" descr="The Agile Software Development Life Cycle | Wrike Agile Guide">
+            <a:extLst>
+              <a:ext uri="{FF2B5EF4-FFF2-40B4-BE49-F238E27FC236}">
+                <a16:creationId xmlns:a16="http://schemas.microsoft.com/office/drawing/2014/main" id="{CD4F0C02-74C9-1C63-CEE2-EE735D07F2EE}"/>
+              </a:ext>
+            </a:extLst>
+          </p:cNvPr>
+          <p:cNvPicPr>
+            <a:picLocks noChangeAspect="1" noChangeArrowheads="1"/>
+          </p:cNvPicPr>
+          <p:nvPr/>
+        </p:nvPicPr>
+        <p:blipFill rotWithShape="1">
+          <a:blip r:embed="rId3">
+            <a:extLst>
+              <a:ext uri="{BEBA8EAE-BF5A-486C-A8C5-ECC9F3942E4B}">
+                <a14:imgProps xmlns:a14="http://schemas.microsoft.com/office/drawing/2010/main">
+                  <a14:imgLayer r:embed="rId4">
+                    <a14:imgEffect>
+                      <a14:backgroundRemoval t="23786" b="81072" l="40811" r="72479">
+                        <a14:foregroundMark x1="41847" y1="53266" x2="40245" y2="39196"/>
+                        <a14:foregroundMark x1="40245" y1="39196" x2="45429" y2="56114"/>
+                        <a14:foregroundMark x1="45429" y1="56114" x2="44392" y2="40536"/>
+                        <a14:foregroundMark x1="44392" y1="40536" x2="47879" y2="51591"/>
+                        <a14:foregroundMark x1="47879" y1="51591" x2="46654" y2="38526"/>
+                        <a14:foregroundMark x1="46654" y1="38526" x2="51367" y2="49246"/>
+                        <a14:foregroundMark x1="51367" y1="49246" x2="49387" y2="37353"/>
+                        <a14:foregroundMark x1="49387" y1="37353" x2="53346" y2="28141"/>
+                        <a14:foregroundMark x1="53346" y1="28141" x2="60038" y2="27303"/>
+                        <a14:foregroundMark x1="60038" y1="27303" x2="65975" y2="34506"/>
+                        <a14:foregroundMark x1="65975" y1="34506" x2="68992" y2="45394"/>
+                        <a14:foregroundMark x1="68992" y1="45394" x2="69086" y2="57286"/>
+                        <a14:foregroundMark x1="69086" y1="57286" x2="65316" y2="66667"/>
+                        <a14:foregroundMark x1="65316" y1="66667" x2="59095" y2="72027"/>
+                        <a14:foregroundMark x1="59095" y1="72027" x2="41565" y2="72027"/>
+                        <a14:foregroundMark x1="45523" y1="57286" x2="45523" y2="57286"/>
+                        <a14:foregroundMark x1="46843" y1="36348" x2="46843" y2="36348"/>
+                        <a14:foregroundMark x1="47220" y1="32161" x2="46654" y2="44389"/>
+                        <a14:foregroundMark x1="52686" y1="28141" x2="55702" y2="28308"/>
+                        <a14:foregroundMark x1="56550" y1="25963" x2="59755" y2="26298"/>
+                        <a14:foregroundMark x1="70405" y1="49246" x2="70405" y2="53769"/>
+                        <a14:foregroundMark x1="40811" y1="73869" x2="44204" y2="74204"/>
+                        <a14:foregroundMark x1="51649" y1="46734" x2="57116" y2="46399"/>
+                        <a14:foregroundMark x1="52026" y1="48576" x2="58435" y2="47404"/>
+                        <a14:foregroundMark x1="58435" y1="47404" x2="51555" y2="48409"/>
+                        <a14:foregroundMark x1="51555" y1="48409" x2="58530" y2="49581"/>
+                        <a14:foregroundMark x1="58530" y1="49581" x2="51932" y2="56281"/>
+                        <a14:foregroundMark x1="51932" y1="56281" x2="63148" y2="51424"/>
+                        <a14:foregroundMark x1="51461" y1="54439" x2="58435" y2="55109"/>
+                        <a14:foregroundMark x1="58435" y1="55109" x2="61357" y2="57119"/>
+                        <a14:foregroundMark x1="50141" y1="53434" x2="50895" y2="53769"/>
+                        <a14:foregroundMark x1="60980" y1="40536" x2="47408" y2="41374"/>
+                        <a14:foregroundMark x1="47408" y1="41374" x2="45806" y2="53099"/>
+                        <a14:foregroundMark x1="45806" y1="53099" x2="50801" y2="61474"/>
+                        <a14:foregroundMark x1="50801" y1="61474" x2="58247" y2="63149"/>
+                        <a14:foregroundMark x1="58247" y1="63149" x2="63431" y2="54941"/>
+                        <a14:foregroundMark x1="63431" y1="54941" x2="62959" y2="43551"/>
+                        <a14:foregroundMark x1="62959" y1="43551" x2="60226" y2="40704"/>
+                        <a14:foregroundMark x1="60226" y1="40536" x2="53723" y2="43049"/>
+                        <a14:foregroundMark x1="53723" y1="43049" x2="56456" y2="54941"/>
+                        <a14:foregroundMark x1="56456" y1="54941" x2="62582" y2="49749"/>
+                        <a14:foregroundMark x1="62582" y1="49749" x2="59755" y2="39196"/>
+                        <a14:foregroundMark x1="59755" y1="39196" x2="58718" y2="39028"/>
+                        <a14:foregroundMark x1="69557" y1="43551" x2="71725" y2="53266"/>
+                        <a14:foregroundMark x1="70123" y1="58124" x2="70971" y2="46566"/>
+                        <a14:foregroundMark x1="70971" y1="46566" x2="72008" y2="45394"/>
+                        <a14:foregroundMark x1="70688" y1="41876" x2="67107" y2="43551"/>
+                        <a14:foregroundMark x1="70123" y1="41039" x2="67766" y2="43551"/>
+                        <a14:foregroundMark x1="69651" y1="42379" x2="66635" y2="44221"/>
+                        <a14:foregroundMark x1="69086" y1="42379" x2="72573" y2="43551"/>
+                        <a14:foregroundMark x1="52309" y1="24456" x2="48633" y2="34003"/>
+                        <a14:foregroundMark x1="48633" y1="34003" x2="55231" y2="31826"/>
+                        <a14:foregroundMark x1="55231" y1="31826" x2="52026" y2="23953"/>
+                        <a14:foregroundMark x1="61074" y1="69514" x2="54100" y2="69849"/>
+                        <a14:foregroundMark x1="54100" y1="69849" x2="59849" y2="81072"/>
+                        <a14:foregroundMark x1="59849" y1="81072" x2="61263" y2="69179"/>
+                        <a14:foregroundMark x1="60320" y1="46734" x2="60509" y2="47236"/>
+                        <a14:foregroundMark x1="60509" y1="46734" x2="62582" y2="48744"/>
+                        <a14:foregroundMark x1="62394" y1="44389" x2="54383" y2="44724"/>
+                        <a14:foregroundMark x1="54383" y1="44724" x2="55796" y2="57621"/>
+                        <a14:foregroundMark x1="55796" y1="57621" x2="61640" y2="52429"/>
+                        <a14:foregroundMark x1="61640" y1="52429" x2="59378" y2="46231"/>
+                        <a14:backgroundMark x1="65598" y1="25461" x2="65598" y2="25461"/>
+                      </a14:backgroundRemoval>
+                    </a14:imgEffect>
+                  </a14:imgLayer>
+                </a14:imgProps>
+              </a:ext>
+              <a:ext uri="{28A0092B-C50C-407E-A947-70E740481C1C}">
+                <a14:useLocalDpi xmlns:a14="http://schemas.microsoft.com/office/drawing/2010/main" val="0"/>
+              </a:ext>
+            </a:extLst>
+          </a:blip>
+          <a:srcRect l="38658" t="22540" r="27405" b="22699"/>
+          <a:stretch/>
+        </p:blipFill>
+        <p:spPr bwMode="auto">
+          <a:xfrm>
+            <a:off x="6811440" y="898958"/>
+            <a:ext cx="2786714" cy="2530042"/>
+          </a:xfrm>
+          <a:prstGeom prst="rect">
+            <a:avLst/>
+          </a:prstGeom>
+          <a:noFill/>
+          <a:extLst>
+            <a:ext uri="{909E8E84-426E-40DD-AFC4-6F175D3DCCD1}">
+              <a14:hiddenFill xmlns:a14="http://schemas.microsoft.com/office/drawing/2010/main">
+                <a:solidFill>
+                  <a:srgbClr val="FFFFFF"/>
+                </a:solidFill>
+              </a14:hiddenFill>
+            </a:ext>
+          </a:extLst>
+        </p:spPr>
+      </p:pic>
+      <p:pic>
+        <p:nvPicPr>
+          <p:cNvPr id="5" name="Picture 4" descr="A screenshot of a calendar&#10;&#10;Description automatically generated">
+            <a:extLst>
+              <a:ext uri="{FF2B5EF4-FFF2-40B4-BE49-F238E27FC236}">
+                <a16:creationId xmlns:a16="http://schemas.microsoft.com/office/drawing/2014/main" id="{D9735F9D-D00C-0E4A-A8FC-3556F0639B1F}"/>
+              </a:ext>
+            </a:extLst>
+          </p:cNvPr>
+          <p:cNvPicPr>
+            <a:picLocks noChangeAspect="1"/>
+          </p:cNvPicPr>
+          <p:nvPr/>
+        </p:nvPicPr>
+        <p:blipFill>
+          <a:blip r:embed="rId5" cstate="print">
+            <a:extLst>
+              <a:ext uri="{28A0092B-C50C-407E-A947-70E740481C1C}">
+                <a14:useLocalDpi xmlns:a14="http://schemas.microsoft.com/office/drawing/2010/main" val="0"/>
+              </a:ext>
+            </a:extLst>
+          </a:blip>
+          <a:stretch>
+            <a:fillRect/>
+          </a:stretch>
+        </p:blipFill>
+        <p:spPr>
+          <a:xfrm>
+            <a:off x="4083041" y="3829912"/>
+            <a:ext cx="3759931" cy="2662963"/>
+          </a:xfrm>
+          <a:prstGeom prst="rect">
+            <a:avLst/>
+          </a:prstGeom>
+        </p:spPr>
+      </p:pic>
     </p:spTree>
     <p:extLst>
       <p:ext uri="{BB962C8B-B14F-4D97-AF65-F5344CB8AC3E}">
-        <p14:creationId xmlns:p14="http://schemas.microsoft.com/office/powerpoint/2010/main" val="698547498"/>
+        <p14:creationId xmlns:p14="http://schemas.microsoft.com/office/powerpoint/2010/main" val="1277931015"/>
       </p:ext>
     </p:extLst>
   </p:cSld>
@@ -5066,35 +7686,40 @@
             <p:ph idx="1"/>
           </p:nvPr>
         </p:nvSpPr>
-        <p:spPr/>
+        <p:spPr>
+          <a:xfrm>
+            <a:off x="838200" y="1825625"/>
+            <a:ext cx="10515600" cy="4667250"/>
+          </a:xfrm>
+        </p:spPr>
         <p:txBody>
           <a:bodyPr/>
           <a:lstStyle/>
           <a:p>
             <a:r>
               <a:rPr lang="en-GB" dirty="0"/>
-              <a:t>Sprint 5:</a:t>
+              <a:t>Sprint 3:</a:t>
             </a:r>
           </a:p>
           <a:p>
             <a:pPr lvl="1"/>
             <a:r>
               <a:rPr lang="en-GB" dirty="0"/>
-              <a:t>Client-side register function</a:t>
+              <a:t>JavaScript function for putting dates in calendar</a:t>
             </a:r>
           </a:p>
           <a:p>
             <a:pPr lvl="1"/>
             <a:r>
               <a:rPr lang="en-GB" dirty="0"/>
-              <a:t>Server-side new reminder function</a:t>
+              <a:t>Highlight current date</a:t>
             </a:r>
           </a:p>
           <a:p>
             <a:pPr lvl="1"/>
             <a:r>
               <a:rPr lang="en-GB" dirty="0"/>
-              <a:t>Make sure all previous sprints are complete</a:t>
+              <a:t>Function for navigating calendar</a:t>
             </a:r>
           </a:p>
           <a:p>
@@ -5104,36 +7729,208 @@
           <a:p>
             <a:r>
               <a:rPr lang="en-GB" dirty="0"/>
-              <a:t>Sprint 6:</a:t>
+              <a:t>Sprint 4:</a:t>
             </a:r>
           </a:p>
           <a:p>
             <a:pPr lvl="1"/>
             <a:r>
               <a:rPr lang="en-GB" dirty="0"/>
-              <a:t>Client-side create reminder function</a:t>
+              <a:t>Create NodeJS server</a:t>
             </a:r>
           </a:p>
           <a:p>
             <a:pPr lvl="1"/>
             <a:r>
               <a:rPr lang="en-GB" dirty="0"/>
-              <a:t>HTML create reminder dialogue</a:t>
+              <a:t>Server-side log in function</a:t>
             </a:r>
           </a:p>
           <a:p>
             <a:pPr lvl="1"/>
             <a:r>
               <a:rPr lang="en-GB" dirty="0"/>
-              <a:t>Bug fixing</a:t>
-            </a:r>
-          </a:p>
-        </p:txBody>
-      </p:sp>
+              <a:t>Client-side log in function</a:t>
+            </a:r>
+          </a:p>
+          <a:p>
+            <a:pPr lvl="1"/>
+            <a:r>
+              <a:rPr lang="en-GB" dirty="0"/>
+              <a:t>Server-side register function</a:t>
+            </a:r>
+          </a:p>
+        </p:txBody>
+      </p:sp>
+      <p:pic>
+        <p:nvPicPr>
+          <p:cNvPr id="4" name="Picture 2" descr="The Agile Software Development Life Cycle | Wrike Agile Guide">
+            <a:extLst>
+              <a:ext uri="{FF2B5EF4-FFF2-40B4-BE49-F238E27FC236}">
+                <a16:creationId xmlns:a16="http://schemas.microsoft.com/office/drawing/2014/main" id="{60993D12-F8DF-5AC6-59CF-7154CECD3EDB}"/>
+              </a:ext>
+            </a:extLst>
+          </p:cNvPr>
+          <p:cNvPicPr>
+            <a:picLocks noChangeAspect="1" noChangeArrowheads="1"/>
+          </p:cNvPicPr>
+          <p:nvPr/>
+        </p:nvPicPr>
+        <p:blipFill rotWithShape="1">
+          <a:blip r:embed="rId3">
+            <a:extLst>
+              <a:ext uri="{BEBA8EAE-BF5A-486C-A8C5-ECC9F3942E4B}">
+                <a14:imgProps xmlns:a14="http://schemas.microsoft.com/office/drawing/2010/main">
+                  <a14:imgLayer r:embed="rId4">
+                    <a14:imgEffect>
+                      <a14:backgroundRemoval t="23786" b="81072" l="40811" r="72479">
+                        <a14:foregroundMark x1="41847" y1="53266" x2="40245" y2="39196"/>
+                        <a14:foregroundMark x1="40245" y1="39196" x2="45429" y2="56114"/>
+                        <a14:foregroundMark x1="45429" y1="56114" x2="44392" y2="40536"/>
+                        <a14:foregroundMark x1="44392" y1="40536" x2="47879" y2="51591"/>
+                        <a14:foregroundMark x1="47879" y1="51591" x2="46654" y2="38526"/>
+                        <a14:foregroundMark x1="46654" y1="38526" x2="51367" y2="49246"/>
+                        <a14:foregroundMark x1="51367" y1="49246" x2="49387" y2="37353"/>
+                        <a14:foregroundMark x1="49387" y1="37353" x2="53346" y2="28141"/>
+                        <a14:foregroundMark x1="53346" y1="28141" x2="60038" y2="27303"/>
+                        <a14:foregroundMark x1="60038" y1="27303" x2="65975" y2="34506"/>
+                        <a14:foregroundMark x1="65975" y1="34506" x2="68992" y2="45394"/>
+                        <a14:foregroundMark x1="68992" y1="45394" x2="69086" y2="57286"/>
+                        <a14:foregroundMark x1="69086" y1="57286" x2="65316" y2="66667"/>
+                        <a14:foregroundMark x1="65316" y1="66667" x2="59095" y2="72027"/>
+                        <a14:foregroundMark x1="59095" y1="72027" x2="41565" y2="72027"/>
+                        <a14:foregroundMark x1="45523" y1="57286" x2="45523" y2="57286"/>
+                        <a14:foregroundMark x1="46843" y1="36348" x2="46843" y2="36348"/>
+                        <a14:foregroundMark x1="47220" y1="32161" x2="46654" y2="44389"/>
+                        <a14:foregroundMark x1="52686" y1="28141" x2="55702" y2="28308"/>
+                        <a14:foregroundMark x1="56550" y1="25963" x2="59755" y2="26298"/>
+                        <a14:foregroundMark x1="70405" y1="49246" x2="70405" y2="53769"/>
+                        <a14:foregroundMark x1="40811" y1="73869" x2="44204" y2="74204"/>
+                        <a14:foregroundMark x1="51649" y1="46734" x2="57116" y2="46399"/>
+                        <a14:foregroundMark x1="52026" y1="48576" x2="58435" y2="47404"/>
+                        <a14:foregroundMark x1="58435" y1="47404" x2="51555" y2="48409"/>
+                        <a14:foregroundMark x1="51555" y1="48409" x2="58530" y2="49581"/>
+                        <a14:foregroundMark x1="58530" y1="49581" x2="51932" y2="56281"/>
+                        <a14:foregroundMark x1="51932" y1="56281" x2="63148" y2="51424"/>
+                        <a14:foregroundMark x1="51461" y1="54439" x2="58435" y2="55109"/>
+                        <a14:foregroundMark x1="58435" y1="55109" x2="61357" y2="57119"/>
+                        <a14:foregroundMark x1="50141" y1="53434" x2="50895" y2="53769"/>
+                        <a14:foregroundMark x1="60980" y1="40536" x2="47408" y2="41374"/>
+                        <a14:foregroundMark x1="47408" y1="41374" x2="45806" y2="53099"/>
+                        <a14:foregroundMark x1="45806" y1="53099" x2="50801" y2="61474"/>
+                        <a14:foregroundMark x1="50801" y1="61474" x2="58247" y2="63149"/>
+                        <a14:foregroundMark x1="58247" y1="63149" x2="63431" y2="54941"/>
+                        <a14:foregroundMark x1="63431" y1="54941" x2="62959" y2="43551"/>
+                        <a14:foregroundMark x1="62959" y1="43551" x2="60226" y2="40704"/>
+                        <a14:foregroundMark x1="60226" y1="40536" x2="53723" y2="43049"/>
+                        <a14:foregroundMark x1="53723" y1="43049" x2="56456" y2="54941"/>
+                        <a14:foregroundMark x1="56456" y1="54941" x2="62582" y2="49749"/>
+                        <a14:foregroundMark x1="62582" y1="49749" x2="59755" y2="39196"/>
+                        <a14:foregroundMark x1="59755" y1="39196" x2="58718" y2="39028"/>
+                        <a14:foregroundMark x1="69557" y1="43551" x2="71725" y2="53266"/>
+                        <a14:foregroundMark x1="70123" y1="58124" x2="70971" y2="46566"/>
+                        <a14:foregroundMark x1="70971" y1="46566" x2="72008" y2="45394"/>
+                        <a14:foregroundMark x1="70688" y1="41876" x2="67107" y2="43551"/>
+                        <a14:foregroundMark x1="70123" y1="41039" x2="67766" y2="43551"/>
+                        <a14:foregroundMark x1="69651" y1="42379" x2="66635" y2="44221"/>
+                        <a14:foregroundMark x1="69086" y1="42379" x2="72573" y2="43551"/>
+                        <a14:foregroundMark x1="52309" y1="24456" x2="48633" y2="34003"/>
+                        <a14:foregroundMark x1="48633" y1="34003" x2="55231" y2="31826"/>
+                        <a14:foregroundMark x1="55231" y1="31826" x2="52026" y2="23953"/>
+                        <a14:foregroundMark x1="61074" y1="69514" x2="54100" y2="69849"/>
+                        <a14:foregroundMark x1="54100" y1="69849" x2="59849" y2="81072"/>
+                        <a14:foregroundMark x1="59849" y1="81072" x2="61263" y2="69179"/>
+                        <a14:foregroundMark x1="60320" y1="46734" x2="60509" y2="47236"/>
+                        <a14:foregroundMark x1="60509" y1="46734" x2="62582" y2="48744"/>
+                        <a14:foregroundMark x1="62394" y1="44389" x2="54383" y2="44724"/>
+                        <a14:foregroundMark x1="54383" y1="44724" x2="55796" y2="57621"/>
+                        <a14:foregroundMark x1="55796" y1="57621" x2="61640" y2="52429"/>
+                        <a14:foregroundMark x1="61640" y1="52429" x2="59378" y2="46231"/>
+                        <a14:backgroundMark x1="65598" y1="25461" x2="65598" y2="25461"/>
+                      </a14:backgroundRemoval>
+                    </a14:imgEffect>
+                  </a14:imgLayer>
+                </a14:imgProps>
+              </a:ext>
+              <a:ext uri="{28A0092B-C50C-407E-A947-70E740481C1C}">
+                <a14:useLocalDpi xmlns:a14="http://schemas.microsoft.com/office/drawing/2010/main" val="0"/>
+              </a:ext>
+            </a:extLst>
+          </a:blip>
+          <a:srcRect l="38658" t="22540" r="27405" b="22699"/>
+          <a:stretch/>
+        </p:blipFill>
+        <p:spPr bwMode="auto">
+          <a:xfrm>
+            <a:off x="6811440" y="898958"/>
+            <a:ext cx="2786714" cy="2530042"/>
+          </a:xfrm>
+          <a:prstGeom prst="rect">
+            <a:avLst/>
+          </a:prstGeom>
+          <a:noFill/>
+          <a:extLst>
+            <a:ext uri="{909E8E84-426E-40DD-AFC4-6F175D3DCCD1}">
+              <a14:hiddenFill xmlns:a14="http://schemas.microsoft.com/office/drawing/2010/main">
+                <a:solidFill>
+                  <a:srgbClr val="FFFFFF"/>
+                </a:solidFill>
+              </a14:hiddenFill>
+            </a:ext>
+          </a:extLst>
+        </p:spPr>
+      </p:pic>
+      <p:pic>
+        <p:nvPicPr>
+          <p:cNvPr id="2050" name="Picture 2">
+            <a:extLst>
+              <a:ext uri="{FF2B5EF4-FFF2-40B4-BE49-F238E27FC236}">
+                <a16:creationId xmlns:a16="http://schemas.microsoft.com/office/drawing/2014/main" id="{521947AA-AA66-2748-90B2-10F558995C12}"/>
+              </a:ext>
+            </a:extLst>
+          </p:cNvPr>
+          <p:cNvPicPr>
+            <a:picLocks noChangeAspect="1" noChangeArrowheads="1"/>
+          </p:cNvPicPr>
+          <p:nvPr/>
+        </p:nvPicPr>
+        <p:blipFill>
+          <a:blip r:embed="rId5">
+            <a:extLst>
+              <a:ext uri="{28A0092B-C50C-407E-A947-70E740481C1C}">
+                <a14:useLocalDpi xmlns:a14="http://schemas.microsoft.com/office/drawing/2010/main" val="0"/>
+              </a:ext>
+            </a:extLst>
+          </a:blip>
+          <a:srcRect/>
+          <a:stretch>
+            <a:fillRect/>
+          </a:stretch>
+        </p:blipFill>
+        <p:spPr bwMode="auto">
+          <a:xfrm>
+            <a:off x="5412966" y="4159250"/>
+            <a:ext cx="3012577" cy="1842868"/>
+          </a:xfrm>
+          <a:prstGeom prst="rect">
+            <a:avLst/>
+          </a:prstGeom>
+          <a:noFill/>
+          <a:extLst>
+            <a:ext uri="{909E8E84-426E-40DD-AFC4-6F175D3DCCD1}">
+              <a14:hiddenFill xmlns:a14="http://schemas.microsoft.com/office/drawing/2010/main">
+                <a:solidFill>
+                  <a:srgbClr val="FFFFFF"/>
+                </a:solidFill>
+              </a14:hiddenFill>
+            </a:ext>
+          </a:extLst>
+        </p:spPr>
+      </p:pic>
     </p:spTree>
     <p:extLst>
       <p:ext uri="{BB962C8B-B14F-4D97-AF65-F5344CB8AC3E}">
-        <p14:creationId xmlns:p14="http://schemas.microsoft.com/office/powerpoint/2010/main" val="3577173826"/>
+        <p14:creationId xmlns:p14="http://schemas.microsoft.com/office/powerpoint/2010/main" val="698547498"/>
       </p:ext>
     </p:extLst>
   </p:cSld>
@@ -5204,6 +8001,292 @@
             <p:ph idx="1"/>
           </p:nvPr>
         </p:nvSpPr>
+        <p:spPr/>
+        <p:txBody>
+          <a:bodyPr/>
+          <a:lstStyle/>
+          <a:p>
+            <a:r>
+              <a:rPr lang="en-GB" dirty="0"/>
+              <a:t>Sprint 5:</a:t>
+            </a:r>
+          </a:p>
+          <a:p>
+            <a:pPr lvl="1"/>
+            <a:r>
+              <a:rPr lang="en-GB" dirty="0"/>
+              <a:t>Client-side register function</a:t>
+            </a:r>
+          </a:p>
+          <a:p>
+            <a:pPr lvl="1"/>
+            <a:r>
+              <a:rPr lang="en-GB" dirty="0"/>
+              <a:t>Server-side new reminder function</a:t>
+            </a:r>
+          </a:p>
+          <a:p>
+            <a:pPr lvl="1"/>
+            <a:r>
+              <a:rPr lang="en-GB" dirty="0"/>
+              <a:t>Make sure all previous sprints are complete</a:t>
+            </a:r>
+          </a:p>
+          <a:p>
+            <a:pPr lvl="1"/>
+            <a:endParaRPr lang="en-GB" dirty="0"/>
+          </a:p>
+          <a:p>
+            <a:r>
+              <a:rPr lang="en-GB" dirty="0"/>
+              <a:t>Sprint 6:</a:t>
+            </a:r>
+          </a:p>
+          <a:p>
+            <a:pPr lvl="1"/>
+            <a:r>
+              <a:rPr lang="en-GB" dirty="0"/>
+              <a:t>Client-side create reminder function</a:t>
+            </a:r>
+          </a:p>
+          <a:p>
+            <a:pPr lvl="1"/>
+            <a:r>
+              <a:rPr lang="en-GB" dirty="0"/>
+              <a:t>HTML create reminder dialogue</a:t>
+            </a:r>
+          </a:p>
+          <a:p>
+            <a:pPr lvl="1"/>
+            <a:r>
+              <a:rPr lang="en-GB" dirty="0"/>
+              <a:t>Bug fixing</a:t>
+            </a:r>
+          </a:p>
+        </p:txBody>
+      </p:sp>
+      <p:pic>
+        <p:nvPicPr>
+          <p:cNvPr id="4" name="Picture 2" descr="The Agile Software Development Life Cycle | Wrike Agile Guide">
+            <a:extLst>
+              <a:ext uri="{FF2B5EF4-FFF2-40B4-BE49-F238E27FC236}">
+                <a16:creationId xmlns:a16="http://schemas.microsoft.com/office/drawing/2014/main" id="{5DA8401E-5FAA-7AA3-C18C-23920CEA89EF}"/>
+              </a:ext>
+            </a:extLst>
+          </p:cNvPr>
+          <p:cNvPicPr>
+            <a:picLocks noChangeAspect="1" noChangeArrowheads="1"/>
+          </p:cNvPicPr>
+          <p:nvPr/>
+        </p:nvPicPr>
+        <p:blipFill rotWithShape="1">
+          <a:blip r:embed="rId3">
+            <a:extLst>
+              <a:ext uri="{BEBA8EAE-BF5A-486C-A8C5-ECC9F3942E4B}">
+                <a14:imgProps xmlns:a14="http://schemas.microsoft.com/office/drawing/2010/main">
+                  <a14:imgLayer r:embed="rId4">
+                    <a14:imgEffect>
+                      <a14:backgroundRemoval t="23786" b="81072" l="40811" r="72479">
+                        <a14:foregroundMark x1="41847" y1="53266" x2="40245" y2="39196"/>
+                        <a14:foregroundMark x1="40245" y1="39196" x2="45429" y2="56114"/>
+                        <a14:foregroundMark x1="45429" y1="56114" x2="44392" y2="40536"/>
+                        <a14:foregroundMark x1="44392" y1="40536" x2="47879" y2="51591"/>
+                        <a14:foregroundMark x1="47879" y1="51591" x2="46654" y2="38526"/>
+                        <a14:foregroundMark x1="46654" y1="38526" x2="51367" y2="49246"/>
+                        <a14:foregroundMark x1="51367" y1="49246" x2="49387" y2="37353"/>
+                        <a14:foregroundMark x1="49387" y1="37353" x2="53346" y2="28141"/>
+                        <a14:foregroundMark x1="53346" y1="28141" x2="60038" y2="27303"/>
+                        <a14:foregroundMark x1="60038" y1="27303" x2="65975" y2="34506"/>
+                        <a14:foregroundMark x1="65975" y1="34506" x2="68992" y2="45394"/>
+                        <a14:foregroundMark x1="68992" y1="45394" x2="69086" y2="57286"/>
+                        <a14:foregroundMark x1="69086" y1="57286" x2="65316" y2="66667"/>
+                        <a14:foregroundMark x1="65316" y1="66667" x2="59095" y2="72027"/>
+                        <a14:foregroundMark x1="59095" y1="72027" x2="41565" y2="72027"/>
+                        <a14:foregroundMark x1="45523" y1="57286" x2="45523" y2="57286"/>
+                        <a14:foregroundMark x1="46843" y1="36348" x2="46843" y2="36348"/>
+                        <a14:foregroundMark x1="47220" y1="32161" x2="46654" y2="44389"/>
+                        <a14:foregroundMark x1="52686" y1="28141" x2="55702" y2="28308"/>
+                        <a14:foregroundMark x1="56550" y1="25963" x2="59755" y2="26298"/>
+                        <a14:foregroundMark x1="70405" y1="49246" x2="70405" y2="53769"/>
+                        <a14:foregroundMark x1="40811" y1="73869" x2="44204" y2="74204"/>
+                        <a14:foregroundMark x1="51649" y1="46734" x2="57116" y2="46399"/>
+                        <a14:foregroundMark x1="52026" y1="48576" x2="58435" y2="47404"/>
+                        <a14:foregroundMark x1="58435" y1="47404" x2="51555" y2="48409"/>
+                        <a14:foregroundMark x1="51555" y1="48409" x2="58530" y2="49581"/>
+                        <a14:foregroundMark x1="58530" y1="49581" x2="51932" y2="56281"/>
+                        <a14:foregroundMark x1="51932" y1="56281" x2="63148" y2="51424"/>
+                        <a14:foregroundMark x1="51461" y1="54439" x2="58435" y2="55109"/>
+                        <a14:foregroundMark x1="58435" y1="55109" x2="61357" y2="57119"/>
+                        <a14:foregroundMark x1="50141" y1="53434" x2="50895" y2="53769"/>
+                        <a14:foregroundMark x1="60980" y1="40536" x2="47408" y2="41374"/>
+                        <a14:foregroundMark x1="47408" y1="41374" x2="45806" y2="53099"/>
+                        <a14:foregroundMark x1="45806" y1="53099" x2="50801" y2="61474"/>
+                        <a14:foregroundMark x1="50801" y1="61474" x2="58247" y2="63149"/>
+                        <a14:foregroundMark x1="58247" y1="63149" x2="63431" y2="54941"/>
+                        <a14:foregroundMark x1="63431" y1="54941" x2="62959" y2="43551"/>
+                        <a14:foregroundMark x1="62959" y1="43551" x2="60226" y2="40704"/>
+                        <a14:foregroundMark x1="60226" y1="40536" x2="53723" y2="43049"/>
+                        <a14:foregroundMark x1="53723" y1="43049" x2="56456" y2="54941"/>
+                        <a14:foregroundMark x1="56456" y1="54941" x2="62582" y2="49749"/>
+                        <a14:foregroundMark x1="62582" y1="49749" x2="59755" y2="39196"/>
+                        <a14:foregroundMark x1="59755" y1="39196" x2="58718" y2="39028"/>
+                        <a14:foregroundMark x1="69557" y1="43551" x2="71725" y2="53266"/>
+                        <a14:foregroundMark x1="70123" y1="58124" x2="70971" y2="46566"/>
+                        <a14:foregroundMark x1="70971" y1="46566" x2="72008" y2="45394"/>
+                        <a14:foregroundMark x1="70688" y1="41876" x2="67107" y2="43551"/>
+                        <a14:foregroundMark x1="70123" y1="41039" x2="67766" y2="43551"/>
+                        <a14:foregroundMark x1="69651" y1="42379" x2="66635" y2="44221"/>
+                        <a14:foregroundMark x1="69086" y1="42379" x2="72573" y2="43551"/>
+                        <a14:foregroundMark x1="52309" y1="24456" x2="48633" y2="34003"/>
+                        <a14:foregroundMark x1="48633" y1="34003" x2="55231" y2="31826"/>
+                        <a14:foregroundMark x1="55231" y1="31826" x2="52026" y2="23953"/>
+                        <a14:foregroundMark x1="61074" y1="69514" x2="54100" y2="69849"/>
+                        <a14:foregroundMark x1="54100" y1="69849" x2="59849" y2="81072"/>
+                        <a14:foregroundMark x1="59849" y1="81072" x2="61263" y2="69179"/>
+                        <a14:foregroundMark x1="60320" y1="46734" x2="60509" y2="47236"/>
+                        <a14:foregroundMark x1="60509" y1="46734" x2="62582" y2="48744"/>
+                        <a14:foregroundMark x1="62394" y1="44389" x2="54383" y2="44724"/>
+                        <a14:foregroundMark x1="54383" y1="44724" x2="55796" y2="57621"/>
+                        <a14:foregroundMark x1="55796" y1="57621" x2="61640" y2="52429"/>
+                        <a14:foregroundMark x1="61640" y1="52429" x2="59378" y2="46231"/>
+                        <a14:backgroundMark x1="65598" y1="25461" x2="65598" y2="25461"/>
+                      </a14:backgroundRemoval>
+                    </a14:imgEffect>
+                  </a14:imgLayer>
+                </a14:imgProps>
+              </a:ext>
+              <a:ext uri="{28A0092B-C50C-407E-A947-70E740481C1C}">
+                <a14:useLocalDpi xmlns:a14="http://schemas.microsoft.com/office/drawing/2010/main" val="0"/>
+              </a:ext>
+            </a:extLst>
+          </a:blip>
+          <a:srcRect l="38658" t="22540" r="27405" b="22699"/>
+          <a:stretch/>
+        </p:blipFill>
+        <p:spPr bwMode="auto">
+          <a:xfrm>
+            <a:off x="6811440" y="898958"/>
+            <a:ext cx="2786714" cy="2530042"/>
+          </a:xfrm>
+          <a:prstGeom prst="rect">
+            <a:avLst/>
+          </a:prstGeom>
+          <a:noFill/>
+          <a:extLst>
+            <a:ext uri="{909E8E84-426E-40DD-AFC4-6F175D3DCCD1}">
+              <a14:hiddenFill xmlns:a14="http://schemas.microsoft.com/office/drawing/2010/main">
+                <a:solidFill>
+                  <a:srgbClr val="FFFFFF"/>
+                </a:solidFill>
+              </a14:hiddenFill>
+            </a:ext>
+          </a:extLst>
+        </p:spPr>
+      </p:pic>
+      <p:pic>
+        <p:nvPicPr>
+          <p:cNvPr id="5" name="Picture 4">
+            <a:extLst>
+              <a:ext uri="{FF2B5EF4-FFF2-40B4-BE49-F238E27FC236}">
+                <a16:creationId xmlns:a16="http://schemas.microsoft.com/office/drawing/2014/main" id="{F39AD372-8F78-FC6F-57C2-9B3D7A627EA6}"/>
+              </a:ext>
+            </a:extLst>
+          </p:cNvPr>
+          <p:cNvPicPr>
+            <a:picLocks noChangeAspect="1"/>
+          </p:cNvPicPr>
+          <p:nvPr/>
+        </p:nvPicPr>
+        <p:blipFill>
+          <a:blip r:embed="rId5"/>
+          <a:stretch>
+            <a:fillRect/>
+          </a:stretch>
+        </p:blipFill>
+        <p:spPr>
+          <a:xfrm>
+            <a:off x="5536293" y="3951958"/>
+            <a:ext cx="2703964" cy="2296442"/>
+          </a:xfrm>
+          <a:prstGeom prst="rect">
+            <a:avLst/>
+          </a:prstGeom>
+        </p:spPr>
+      </p:pic>
+    </p:spTree>
+    <p:extLst>
+      <p:ext uri="{BB962C8B-B14F-4D97-AF65-F5344CB8AC3E}">
+        <p14:creationId xmlns:p14="http://schemas.microsoft.com/office/powerpoint/2010/main" val="3577173826"/>
+      </p:ext>
+    </p:extLst>
+  </p:cSld>
+  <p:clrMapOvr>
+    <a:masterClrMapping/>
+  </p:clrMapOvr>
+</p:sld>
+</file>
+
+<file path=ppt/slides/slide6.xml><?xml version="1.0" encoding="utf-8"?>
+<p:sld xmlns:a="http://schemas.openxmlformats.org/drawingml/2006/main" xmlns:r="http://schemas.openxmlformats.org/officeDocument/2006/relationships" xmlns:p="http://schemas.openxmlformats.org/presentationml/2006/main">
+  <p:cSld>
+    <p:spTree>
+      <p:nvGrpSpPr>
+        <p:cNvPr id="1" name=""/>
+        <p:cNvGrpSpPr/>
+        <p:nvPr/>
+      </p:nvGrpSpPr>
+      <p:grpSpPr>
+        <a:xfrm>
+          <a:off x="0" y="0"/>
+          <a:ext cx="0" cy="0"/>
+          <a:chOff x="0" y="0"/>
+          <a:chExt cx="0" cy="0"/>
+        </a:xfrm>
+      </p:grpSpPr>
+      <p:sp>
+        <p:nvSpPr>
+          <p:cNvPr id="2" name="Title 1">
+            <a:extLst>
+              <a:ext uri="{FF2B5EF4-FFF2-40B4-BE49-F238E27FC236}">
+                <a16:creationId xmlns:a16="http://schemas.microsoft.com/office/drawing/2014/main" id="{B6694341-4623-9638-2F74-6C0F8FDC1D7A}"/>
+              </a:ext>
+            </a:extLst>
+          </p:cNvPr>
+          <p:cNvSpPr>
+            <a:spLocks noGrp="1"/>
+          </p:cNvSpPr>
+          <p:nvPr>
+            <p:ph type="title"/>
+          </p:nvPr>
+        </p:nvSpPr>
+        <p:spPr/>
+        <p:txBody>
+          <a:bodyPr/>
+          <a:lstStyle/>
+          <a:p>
+            <a:r>
+              <a:rPr lang="en-GB" dirty="0"/>
+              <a:t>Sprints</a:t>
+            </a:r>
+          </a:p>
+        </p:txBody>
+      </p:sp>
+      <p:sp>
+        <p:nvSpPr>
+          <p:cNvPr id="3" name="Content Placeholder 2">
+            <a:extLst>
+              <a:ext uri="{FF2B5EF4-FFF2-40B4-BE49-F238E27FC236}">
+                <a16:creationId xmlns:a16="http://schemas.microsoft.com/office/drawing/2014/main" id="{9B8B81C2-8488-7700-778B-13F2EFAC6481}"/>
+              </a:ext>
+            </a:extLst>
+          </p:cNvPr>
+          <p:cNvSpPr>
+            <a:spLocks noGrp="1"/>
+          </p:cNvSpPr>
+          <p:nvPr>
+            <p:ph idx="1"/>
+          </p:nvPr>
+        </p:nvSpPr>
         <p:spPr>
           <a:xfrm>
             <a:off x="838200" y="1825625"/>
@@ -5212,7 +8295,7 @@
         </p:spPr>
         <p:txBody>
           <a:bodyPr>
-            <a:normAutofit fontScale="92500" lnSpcReduction="10000"/>
+            <a:normAutofit lnSpcReduction="10000"/>
           </a:bodyPr>
           <a:lstStyle/>
           <a:p>
@@ -5299,6 +8382,154 @@
           </a:p>
         </p:txBody>
       </p:sp>
+      <p:pic>
+        <p:nvPicPr>
+          <p:cNvPr id="4" name="Picture 2" descr="The Agile Software Development Life Cycle | Wrike Agile Guide">
+            <a:extLst>
+              <a:ext uri="{FF2B5EF4-FFF2-40B4-BE49-F238E27FC236}">
+                <a16:creationId xmlns:a16="http://schemas.microsoft.com/office/drawing/2014/main" id="{2C40EDE9-2538-B727-E1DA-E8A830A142FE}"/>
+              </a:ext>
+            </a:extLst>
+          </p:cNvPr>
+          <p:cNvPicPr>
+            <a:picLocks noChangeAspect="1" noChangeArrowheads="1"/>
+          </p:cNvPicPr>
+          <p:nvPr/>
+        </p:nvPicPr>
+        <p:blipFill rotWithShape="1">
+          <a:blip r:embed="rId3">
+            <a:extLst>
+              <a:ext uri="{BEBA8EAE-BF5A-486C-A8C5-ECC9F3942E4B}">
+                <a14:imgProps xmlns:a14="http://schemas.microsoft.com/office/drawing/2010/main">
+                  <a14:imgLayer r:embed="rId4">
+                    <a14:imgEffect>
+                      <a14:backgroundRemoval t="23786" b="81072" l="40811" r="72479">
+                        <a14:foregroundMark x1="41847" y1="53266" x2="40245" y2="39196"/>
+                        <a14:foregroundMark x1="40245" y1="39196" x2="45429" y2="56114"/>
+                        <a14:foregroundMark x1="45429" y1="56114" x2="44392" y2="40536"/>
+                        <a14:foregroundMark x1="44392" y1="40536" x2="47879" y2="51591"/>
+                        <a14:foregroundMark x1="47879" y1="51591" x2="46654" y2="38526"/>
+                        <a14:foregroundMark x1="46654" y1="38526" x2="51367" y2="49246"/>
+                        <a14:foregroundMark x1="51367" y1="49246" x2="49387" y2="37353"/>
+                        <a14:foregroundMark x1="49387" y1="37353" x2="53346" y2="28141"/>
+                        <a14:foregroundMark x1="53346" y1="28141" x2="60038" y2="27303"/>
+                        <a14:foregroundMark x1="60038" y1="27303" x2="65975" y2="34506"/>
+                        <a14:foregroundMark x1="65975" y1="34506" x2="68992" y2="45394"/>
+                        <a14:foregroundMark x1="68992" y1="45394" x2="69086" y2="57286"/>
+                        <a14:foregroundMark x1="69086" y1="57286" x2="65316" y2="66667"/>
+                        <a14:foregroundMark x1="65316" y1="66667" x2="59095" y2="72027"/>
+                        <a14:foregroundMark x1="59095" y1="72027" x2="41565" y2="72027"/>
+                        <a14:foregroundMark x1="45523" y1="57286" x2="45523" y2="57286"/>
+                        <a14:foregroundMark x1="46843" y1="36348" x2="46843" y2="36348"/>
+                        <a14:foregroundMark x1="47220" y1="32161" x2="46654" y2="44389"/>
+                        <a14:foregroundMark x1="52686" y1="28141" x2="55702" y2="28308"/>
+                        <a14:foregroundMark x1="56550" y1="25963" x2="59755" y2="26298"/>
+                        <a14:foregroundMark x1="70405" y1="49246" x2="70405" y2="53769"/>
+                        <a14:foregroundMark x1="40811" y1="73869" x2="44204" y2="74204"/>
+                        <a14:foregroundMark x1="51649" y1="46734" x2="57116" y2="46399"/>
+                        <a14:foregroundMark x1="52026" y1="48576" x2="58435" y2="47404"/>
+                        <a14:foregroundMark x1="58435" y1="47404" x2="51555" y2="48409"/>
+                        <a14:foregroundMark x1="51555" y1="48409" x2="58530" y2="49581"/>
+                        <a14:foregroundMark x1="58530" y1="49581" x2="51932" y2="56281"/>
+                        <a14:foregroundMark x1="51932" y1="56281" x2="63148" y2="51424"/>
+                        <a14:foregroundMark x1="51461" y1="54439" x2="58435" y2="55109"/>
+                        <a14:foregroundMark x1="58435" y1="55109" x2="61357" y2="57119"/>
+                        <a14:foregroundMark x1="50141" y1="53434" x2="50895" y2="53769"/>
+                        <a14:foregroundMark x1="60980" y1="40536" x2="47408" y2="41374"/>
+                        <a14:foregroundMark x1="47408" y1="41374" x2="45806" y2="53099"/>
+                        <a14:foregroundMark x1="45806" y1="53099" x2="50801" y2="61474"/>
+                        <a14:foregroundMark x1="50801" y1="61474" x2="58247" y2="63149"/>
+                        <a14:foregroundMark x1="58247" y1="63149" x2="63431" y2="54941"/>
+                        <a14:foregroundMark x1="63431" y1="54941" x2="62959" y2="43551"/>
+                        <a14:foregroundMark x1="62959" y1="43551" x2="60226" y2="40704"/>
+                        <a14:foregroundMark x1="60226" y1="40536" x2="53723" y2="43049"/>
+                        <a14:foregroundMark x1="53723" y1="43049" x2="56456" y2="54941"/>
+                        <a14:foregroundMark x1="56456" y1="54941" x2="62582" y2="49749"/>
+                        <a14:foregroundMark x1="62582" y1="49749" x2="59755" y2="39196"/>
+                        <a14:foregroundMark x1="59755" y1="39196" x2="58718" y2="39028"/>
+                        <a14:foregroundMark x1="69557" y1="43551" x2="71725" y2="53266"/>
+                        <a14:foregroundMark x1="70123" y1="58124" x2="70971" y2="46566"/>
+                        <a14:foregroundMark x1="70971" y1="46566" x2="72008" y2="45394"/>
+                        <a14:foregroundMark x1="70688" y1="41876" x2="67107" y2="43551"/>
+                        <a14:foregroundMark x1="70123" y1="41039" x2="67766" y2="43551"/>
+                        <a14:foregroundMark x1="69651" y1="42379" x2="66635" y2="44221"/>
+                        <a14:foregroundMark x1="69086" y1="42379" x2="72573" y2="43551"/>
+                        <a14:foregroundMark x1="52309" y1="24456" x2="48633" y2="34003"/>
+                        <a14:foregroundMark x1="48633" y1="34003" x2="55231" y2="31826"/>
+                        <a14:foregroundMark x1="55231" y1="31826" x2="52026" y2="23953"/>
+                        <a14:foregroundMark x1="61074" y1="69514" x2="54100" y2="69849"/>
+                        <a14:foregroundMark x1="54100" y1="69849" x2="59849" y2="81072"/>
+                        <a14:foregroundMark x1="59849" y1="81072" x2="61263" y2="69179"/>
+                        <a14:foregroundMark x1="60320" y1="46734" x2="60509" y2="47236"/>
+                        <a14:foregroundMark x1="60509" y1="46734" x2="62582" y2="48744"/>
+                        <a14:foregroundMark x1="62394" y1="44389" x2="54383" y2="44724"/>
+                        <a14:foregroundMark x1="54383" y1="44724" x2="55796" y2="57621"/>
+                        <a14:foregroundMark x1="55796" y1="57621" x2="61640" y2="52429"/>
+                        <a14:foregroundMark x1="61640" y1="52429" x2="59378" y2="46231"/>
+                        <a14:backgroundMark x1="65598" y1="25461" x2="65598" y2="25461"/>
+                      </a14:backgroundRemoval>
+                    </a14:imgEffect>
+                  </a14:imgLayer>
+                </a14:imgProps>
+              </a:ext>
+              <a:ext uri="{28A0092B-C50C-407E-A947-70E740481C1C}">
+                <a14:useLocalDpi xmlns:a14="http://schemas.microsoft.com/office/drawing/2010/main" val="0"/>
+              </a:ext>
+            </a:extLst>
+          </a:blip>
+          <a:srcRect l="38658" t="22540" r="27405" b="22699"/>
+          <a:stretch/>
+        </p:blipFill>
+        <p:spPr bwMode="auto">
+          <a:xfrm>
+            <a:off x="6811440" y="898958"/>
+            <a:ext cx="2786714" cy="2530042"/>
+          </a:xfrm>
+          <a:prstGeom prst="rect">
+            <a:avLst/>
+          </a:prstGeom>
+          <a:noFill/>
+          <a:extLst>
+            <a:ext uri="{909E8E84-426E-40DD-AFC4-6F175D3DCCD1}">
+              <a14:hiddenFill xmlns:a14="http://schemas.microsoft.com/office/drawing/2010/main">
+                <a:solidFill>
+                  <a:srgbClr val="FFFFFF"/>
+                </a:solidFill>
+              </a14:hiddenFill>
+            </a:ext>
+          </a:extLst>
+        </p:spPr>
+      </p:pic>
+      <p:pic>
+        <p:nvPicPr>
+          <p:cNvPr id="5" name="Picture 4">
+            <a:extLst>
+              <a:ext uri="{FF2B5EF4-FFF2-40B4-BE49-F238E27FC236}">
+                <a16:creationId xmlns:a16="http://schemas.microsoft.com/office/drawing/2014/main" id="{8458A7BE-E791-68EE-3ADD-C1522B0E3101}"/>
+              </a:ext>
+            </a:extLst>
+          </p:cNvPr>
+          <p:cNvPicPr>
+            <a:picLocks noChangeAspect="1"/>
+          </p:cNvPicPr>
+          <p:nvPr/>
+        </p:nvPicPr>
+        <p:blipFill>
+          <a:blip r:embed="rId5"/>
+          <a:stretch>
+            <a:fillRect/>
+          </a:stretch>
+        </p:blipFill>
+        <p:spPr>
+          <a:xfrm>
+            <a:off x="6324600" y="4290827"/>
+            <a:ext cx="2103402" cy="1668215"/>
+          </a:xfrm>
+          <a:prstGeom prst="rect">
+            <a:avLst/>
+          </a:prstGeom>
+        </p:spPr>
+      </p:pic>
     </p:spTree>
     <p:extLst>
       <p:ext uri="{BB962C8B-B14F-4D97-AF65-F5344CB8AC3E}">
@@ -5312,7 +8543,7 @@
 </p:sld>
 </file>
 
-<file path=ppt/slides/slide6.xml><?xml version="1.0" encoding="utf-8"?>
+<file path=ppt/slides/slide7.xml><?xml version="1.0" encoding="utf-8"?>
 <p:sld xmlns:a="http://schemas.openxmlformats.org/drawingml/2006/main" xmlns:r="http://schemas.openxmlformats.org/officeDocument/2006/relationships" xmlns:p="http://schemas.openxmlformats.org/presentationml/2006/main">
   <p:cSld>
     <p:spTree>
@@ -5409,7 +8640,7 @@
         </p:blipFill>
         <p:spPr>
           <a:xfrm>
-            <a:off x="7844476" y="1378411"/>
+            <a:off x="5808848" y="1378411"/>
             <a:ext cx="3023550" cy="2658084"/>
           </a:xfrm>
           <a:prstGeom prst="rect">
@@ -5466,7 +8697,7 @@
         </p:nvSpPr>
         <p:spPr>
           <a:xfrm>
-            <a:off x="7896226" y="4274529"/>
+            <a:off x="5808848" y="4279260"/>
             <a:ext cx="2971800" cy="1200329"/>
           </a:xfrm>
           <a:prstGeom prst="rect">
@@ -5500,7 +8731,7 @@
 </p:sld>
 </file>
 
-<file path=ppt/slides/slide7.xml><?xml version="1.0" encoding="utf-8"?>
+<file path=ppt/slides/slide8.xml><?xml version="1.0" encoding="utf-8"?>
 <p:sld xmlns:a="http://schemas.openxmlformats.org/drawingml/2006/main" xmlns:r="http://schemas.openxmlformats.org/officeDocument/2006/relationships" xmlns:p="http://schemas.openxmlformats.org/presentationml/2006/main">
   <p:cSld>
     <p:spTree>
@@ -5563,10 +8794,22 @@
         </p:nvSpPr>
         <p:spPr/>
         <p:txBody>
-          <a:bodyPr/>
+          <a:bodyPr>
+            <a:normAutofit/>
+          </a:bodyPr>
           <a:lstStyle/>
           <a:p>
             <a:pPr marL="457200" indent="-457200"/>
+            <a:r>
+              <a:rPr lang="en-GB" sz="2800" dirty="0">
+                <a:solidFill>
+                  <a:schemeClr val="tx1"/>
+                </a:solidFill>
+                <a:latin typeface="Arial" panose="020B0604020202020204" pitchFamily="34" charset="0"/>
+                <a:cs typeface="Arial" panose="020B0604020202020204" pitchFamily="34" charset="0"/>
+              </a:rPr>
+              <a:t>Learning</a:t>
+            </a:r>
             <a:r>
               <a:rPr lang="en-GB" sz="2800" dirty="0">
                 <a:solidFill>
@@ -5577,12 +8820,12 @@
                 <a:ea typeface="Calibri" panose="020F0502020204030204" pitchFamily="34" charset="0"/>
                 <a:cs typeface="Arial" panose="020B0604020202020204" pitchFamily="34" charset="0"/>
               </a:rPr>
-              <a:t>Learning how to setup and use a NodeJS server</a:t>
+              <a:t> how to setup and use a NodeJS server</a:t>
             </a:r>
           </a:p>
           <a:p>
             <a:pPr marL="457200" indent="-457200"/>
-            <a:endParaRPr lang="en-GB" dirty="0">
+            <a:endParaRPr lang="en-GB" sz="2800" dirty="0">
               <a:latin typeface="Arial" panose="020B0604020202020204" pitchFamily="34" charset="0"/>
               <a:ea typeface="Calibri" panose="020F0502020204030204" pitchFamily="34" charset="0"/>
               <a:cs typeface="Arial" panose="020B0604020202020204" pitchFamily="34" charset="0"/>
@@ -5591,9 +8834,11 @@
           <a:p>
             <a:pPr marL="457200" indent="-457200"/>
             <a:r>
-              <a:rPr lang="en-GB" dirty="0">
+              <a:rPr lang="en-GB" sz="2800" dirty="0">
+                <a:solidFill>
+                  <a:schemeClr val="tx1"/>
+                </a:solidFill>
                 <a:latin typeface="Arial" panose="020B0604020202020204" pitchFamily="34" charset="0"/>
-                <a:ea typeface="Calibri" panose="020F0502020204030204" pitchFamily="34" charset="0"/>
                 <a:cs typeface="Arial" panose="020B0604020202020204" pitchFamily="34" charset="0"/>
               </a:rPr>
               <a:t>Lining up the dates in the calendar when navigating through</a:t>
@@ -5605,26 +8850,22 @@
               <a:solidFill>
                 <a:schemeClr val="tx1"/>
               </a:solidFill>
-              <a:effectLst/>
               <a:latin typeface="Arial" panose="020B0604020202020204" pitchFamily="34" charset="0"/>
-              <a:ea typeface="Calibri" panose="020F0502020204030204" pitchFamily="34" charset="0"/>
               <a:cs typeface="Arial" panose="020B0604020202020204" pitchFamily="34" charset="0"/>
             </a:endParaRPr>
           </a:p>
           <a:p>
-            <a:pPr marL="457200" indent="-457200">
-              <a:buFont typeface="Arial" panose="020B0604020202020204" pitchFamily="34" charset="0"/>
-              <a:buChar char="•"/>
-            </a:pPr>
+            <a:pPr marL="457200" indent="-457200"/>
             <a:r>
               <a:rPr lang="en-GB" sz="2800" dirty="0">
+                <a:solidFill>
+                  <a:schemeClr val="tx1"/>
+                </a:solidFill>
                 <a:latin typeface="Arial" panose="020B0604020202020204" pitchFamily="34" charset="0"/>
-                <a:ea typeface="Calibri" panose="020F0502020204030204" pitchFamily="34" charset="0"/>
                 <a:cs typeface="Arial" panose="020B0604020202020204" pitchFamily="34" charset="0"/>
               </a:rPr>
               <a:t>Time management making sure other module deadlines were met while still completing sprints</a:t>
             </a:r>
-            <a:endParaRPr lang="en-GB" dirty="0"/>
           </a:p>
         </p:txBody>
       </p:sp>
@@ -5641,7 +8882,7 @@
 </p:sld>
 </file>
 
-<file path=ppt/slides/slide8.xml><?xml version="1.0" encoding="utf-8"?>
+<file path=ppt/slides/slide9.xml><?xml version="1.0" encoding="utf-8"?>
 <p:sld xmlns:a="http://schemas.openxmlformats.org/drawingml/2006/main" xmlns:r="http://schemas.openxmlformats.org/officeDocument/2006/relationships" xmlns:p="http://schemas.openxmlformats.org/presentationml/2006/main">
   <p:cSld>
     <p:bg>
@@ -5666,6 +8907,60 @@
           <a:chExt cx="0" cy="0"/>
         </a:xfrm>
       </p:grpSpPr>
+      <p:sp>
+        <p:nvSpPr>
+          <p:cNvPr id="2" name="Rectangle 1">
+            <a:extLst>
+              <a:ext uri="{FF2B5EF4-FFF2-40B4-BE49-F238E27FC236}">
+                <a16:creationId xmlns:a16="http://schemas.microsoft.com/office/drawing/2014/main" id="{66EBE459-C54D-3B3E-571C-EA33081BB31E}"/>
+              </a:ext>
+            </a:extLst>
+          </p:cNvPr>
+          <p:cNvSpPr/>
+          <p:nvPr/>
+        </p:nvSpPr>
+        <p:spPr>
+          <a:xfrm>
+            <a:off x="-778475" y="-1210963"/>
+            <a:ext cx="13098162" cy="8600303"/>
+          </a:xfrm>
+          <a:prstGeom prst="rect">
+            <a:avLst/>
+          </a:prstGeom>
+          <a:solidFill>
+            <a:schemeClr val="tx1"/>
+          </a:solidFill>
+          <a:ln>
+            <a:solidFill>
+              <a:schemeClr val="tx1"/>
+            </a:solidFill>
+          </a:ln>
+        </p:spPr>
+        <p:style>
+          <a:lnRef idx="2">
+            <a:schemeClr val="accent1">
+              <a:shade val="15000"/>
+            </a:schemeClr>
+          </a:lnRef>
+          <a:fillRef idx="1">
+            <a:schemeClr val="accent1"/>
+          </a:fillRef>
+          <a:effectRef idx="0">
+            <a:schemeClr val="accent1"/>
+          </a:effectRef>
+          <a:fontRef idx="minor">
+            <a:schemeClr val="lt1"/>
+          </a:fontRef>
+        </p:style>
+        <p:txBody>
+          <a:bodyPr rtlCol="0" anchor="ctr"/>
+          <a:lstStyle/>
+          <a:p>
+            <a:pPr algn="ctr"/>
+            <a:endParaRPr lang="en-GB"/>
+          </a:p>
+        </p:txBody>
+      </p:sp>
       <p:pic>
         <p:nvPicPr>
           <p:cNvPr id="5" name="Picture 4" descr="A screenshot of a computer&#10;&#10;Description automatically generated">
@@ -5716,9 +9011,9 @@
 </file>
 
 <file path=ppt/theme/theme1.xml><?xml version="1.0" encoding="utf-8"?>
-<a:theme xmlns:a="http://schemas.openxmlformats.org/drawingml/2006/main" name="Office Theme">
+<a:theme xmlns:a="http://schemas.openxmlformats.org/drawingml/2006/main" name="Facet">
   <a:themeElements>
-    <a:clrScheme name="Office">
+    <a:clrScheme name="Facet">
       <a:dk1>
         <a:sysClr val="windowText" lastClr="000000"/>
       </a:dk1>
@@ -5726,52 +9021,52 @@
         <a:sysClr val="window" lastClr="FFFFFF"/>
       </a:lt1>
       <a:dk2>
-        <a:srgbClr val="44546A"/>
+        <a:srgbClr val="2C3C43"/>
       </a:dk2>
       <a:lt2>
-        <a:srgbClr val="E7E6E6"/>
+        <a:srgbClr val="EBEBEB"/>
       </a:lt2>
       <a:accent1>
-        <a:srgbClr val="4472C4"/>
+        <a:srgbClr val="5FCBEF"/>
       </a:accent1>
       <a:accent2>
-        <a:srgbClr val="ED7D31"/>
+        <a:srgbClr val="2E83C3"/>
       </a:accent2>
       <a:accent3>
-        <a:srgbClr val="A5A5A5"/>
+        <a:srgbClr val="42D0A2"/>
       </a:accent3>
       <a:accent4>
-        <a:srgbClr val="FFC000"/>
+        <a:srgbClr val="2E946B"/>
       </a:accent4>
       <a:accent5>
-        <a:srgbClr val="5B9BD5"/>
+        <a:srgbClr val="42B051"/>
       </a:accent5>
       <a:accent6>
-        <a:srgbClr val="70AD47"/>
+        <a:srgbClr val="96D141"/>
       </a:accent6>
       <a:hlink>
-        <a:srgbClr val="0563C1"/>
+        <a:srgbClr val="3FCDE7"/>
       </a:hlink>
       <a:folHlink>
-        <a:srgbClr val="954F72"/>
+        <a:srgbClr val="A9D3E1"/>
       </a:folHlink>
     </a:clrScheme>
-    <a:fontScheme name="Office">
+    <a:fontScheme name="Facet">
       <a:majorFont>
-        <a:latin typeface="Calibri Light" panose="020F0302020204030204"/>
+        <a:latin typeface="Trebuchet MS" panose="020B0603020202020204"/>
         <a:ea typeface=""/>
         <a:cs typeface=""/>
-        <a:font script="Jpan" typeface="游ゴシック Light"/>
+        <a:font script="Jpan" typeface="メイリオ"/>
         <a:font script="Hang" typeface="맑은 고딕"/>
-        <a:font script="Hans" typeface="等线 Light"/>
-        <a:font script="Hant" typeface="新細明體"/>
-        <a:font script="Arab" typeface="Times New Roman"/>
-        <a:font script="Hebr" typeface="Times New Roman"/>
-        <a:font script="Thai" typeface="Angsana New"/>
+        <a:font script="Hans" typeface="方正姚体"/>
+        <a:font script="Hant" typeface="微軟正黑體"/>
+        <a:font script="Arab" typeface="Tahoma"/>
+        <a:font script="Hebr" typeface="Arial"/>
+        <a:font script="Thai" typeface="Cordia New"/>
         <a:font script="Ethi" typeface="Nyala"/>
         <a:font script="Beng" typeface="Vrinda"/>
         <a:font script="Gujr" typeface="Shruti"/>
-        <a:font script="Khmr" typeface="MoolBoran"/>
+        <a:font script="Khmr" typeface="DaunPenh"/>
         <a:font script="Knda" typeface="Tunga"/>
         <a:font script="Guru" typeface="Raavi"/>
         <a:font script="Cans" typeface="Euphemia"/>
@@ -5788,38 +9083,21 @@
         <a:font script="Laoo" typeface="DokChampa"/>
         <a:font script="Sinh" typeface="Iskoola Pota"/>
         <a:font script="Mong" typeface="Mongolian Baiti"/>
-        <a:font script="Viet" typeface="Times New Roman"/>
+        <a:font script="Viet" typeface="Tahoma"/>
         <a:font script="Uigh" typeface="Microsoft Uighur"/>
         <a:font script="Geor" typeface="Sylfaen"/>
-        <a:font script="Armn" typeface="Arial"/>
-        <a:font script="Bugi" typeface="Leelawadee UI"/>
-        <a:font script="Bopo" typeface="Microsoft JhengHei"/>
-        <a:font script="Java" typeface="Javanese Text"/>
-        <a:font script="Lisu" typeface="Segoe UI"/>
-        <a:font script="Mymr" typeface="Myanmar Text"/>
-        <a:font script="Nkoo" typeface="Ebrima"/>
-        <a:font script="Olck" typeface="Nirmala UI"/>
-        <a:font script="Osma" typeface="Ebrima"/>
-        <a:font script="Phag" typeface="Phagspa"/>
-        <a:font script="Syrn" typeface="Estrangelo Edessa"/>
-        <a:font script="Syrj" typeface="Estrangelo Edessa"/>
-        <a:font script="Syre" typeface="Estrangelo Edessa"/>
-        <a:font script="Sora" typeface="Nirmala UI"/>
-        <a:font script="Tale" typeface="Microsoft Tai Le"/>
-        <a:font script="Talu" typeface="Microsoft New Tai Lue"/>
-        <a:font script="Tfng" typeface="Ebrima"/>
       </a:majorFont>
       <a:minorFont>
-        <a:latin typeface="Calibri" panose="020F0502020204030204"/>
+        <a:latin typeface="Trebuchet MS" panose="020B0603020202020204"/>
         <a:ea typeface=""/>
         <a:cs typeface=""/>
-        <a:font script="Jpan" typeface="游ゴシック"/>
-        <a:font script="Hang" typeface="맑은 고딕"/>
-        <a:font script="Hans" typeface="等线"/>
-        <a:font script="Hant" typeface="新細明體"/>
-        <a:font script="Arab" typeface="Arial"/>
-        <a:font script="Hebr" typeface="Arial"/>
-        <a:font script="Thai" typeface="Cordia New"/>
+        <a:font script="Jpan" typeface="メイリオ"/>
+        <a:font script="Hang" typeface="HY그래픽M"/>
+        <a:font script="Hans" typeface="华文新魏"/>
+        <a:font script="Hant" typeface="微軟正黑體"/>
+        <a:font script="Arab" typeface="Tahoma"/>
+        <a:font script="Hebr" typeface="Gisha"/>
+        <a:font script="Thai" typeface="IrisUPC"/>
         <a:font script="Ethi" typeface="Nyala"/>
         <a:font script="Beng" typeface="Vrinda"/>
         <a:font script="Gujr" typeface="Shruti"/>
@@ -5843,26 +9121,9 @@
         <a:font script="Viet" typeface="Arial"/>
         <a:font script="Uigh" typeface="Microsoft Uighur"/>
         <a:font script="Geor" typeface="Sylfaen"/>
-        <a:font script="Armn" typeface="Arial"/>
-        <a:font script="Bugi" typeface="Leelawadee UI"/>
-        <a:font script="Bopo" typeface="Microsoft JhengHei"/>
-        <a:font script="Java" typeface="Javanese Text"/>
-        <a:font script="Lisu" typeface="Segoe UI"/>
-        <a:font script="Mymr" typeface="Myanmar Text"/>
-        <a:font script="Nkoo" typeface="Ebrima"/>
-        <a:font script="Olck" typeface="Nirmala UI"/>
-        <a:font script="Osma" typeface="Ebrima"/>
-        <a:font script="Phag" typeface="Phagspa"/>
-        <a:font script="Syrn" typeface="Estrangelo Edessa"/>
-        <a:font script="Syrj" typeface="Estrangelo Edessa"/>
-        <a:font script="Syre" typeface="Estrangelo Edessa"/>
-        <a:font script="Sora" typeface="Nirmala UI"/>
-        <a:font script="Tale" typeface="Microsoft Tai Le"/>
-        <a:font script="Talu" typeface="Microsoft New Tai Lue"/>
-        <a:font script="Tfng" typeface="Ebrima"/>
       </a:minorFont>
     </a:fontScheme>
-    <a:fmtScheme name="Office">
+    <a:fmtScheme name="Facet">
       <a:fillStyleLst>
         <a:solidFill>
           <a:schemeClr val="phClr"/>
@@ -5871,23 +9132,13 @@
           <a:gsLst>
             <a:gs pos="0">
               <a:schemeClr val="phClr">
+                <a:tint val="65000"/>
                 <a:lumMod val="110000"/>
-                <a:satMod val="105000"/>
-                <a:tint val="67000"/>
               </a:schemeClr>
             </a:gs>
-            <a:gs pos="50000">
+            <a:gs pos="88000">
               <a:schemeClr val="phClr">
-                <a:lumMod val="105000"/>
-                <a:satMod val="103000"/>
-                <a:tint val="73000"/>
-              </a:schemeClr>
-            </a:gs>
-            <a:gs pos="100000">
-              <a:schemeClr val="phClr">
-                <a:lumMod val="105000"/>
-                <a:satMod val="109000"/>
-                <a:tint val="81000"/>
+                <a:tint val="90000"/>
               </a:schemeClr>
             </a:gs>
           </a:gsLst>
@@ -5897,23 +9148,14 @@
           <a:gsLst>
             <a:gs pos="0">
               <a:schemeClr val="phClr">
-                <a:satMod val="103000"/>
-                <a:lumMod val="102000"/>
-                <a:tint val="94000"/>
+                <a:tint val="96000"/>
+                <a:lumMod val="100000"/>
               </a:schemeClr>
             </a:gs>
-            <a:gs pos="50000">
+            <a:gs pos="78000">
               <a:schemeClr val="phClr">
-                <a:satMod val="110000"/>
-                <a:lumMod val="100000"/>
-                <a:shade val="100000"/>
-              </a:schemeClr>
-            </a:gs>
-            <a:gs pos="100000">
-              <a:schemeClr val="phClr">
-                <a:lumMod val="99000"/>
-                <a:satMod val="120000"/>
-                <a:shade val="78000"/>
+                <a:shade val="94000"/>
+                <a:lumMod val="94000"/>
               </a:schemeClr>
             </a:gs>
           </a:gsLst>
@@ -5921,26 +9163,23 @@
         </a:gradFill>
       </a:fillStyleLst>
       <a:lnStyleLst>
-        <a:ln w="6350" cap="flat" cmpd="sng" algn="ctr">
+        <a:ln w="12700" cap="rnd" cmpd="sng" algn="ctr">
           <a:solidFill>
             <a:schemeClr val="phClr"/>
           </a:solidFill>
           <a:prstDash val="solid"/>
-          <a:miter lim="800000"/>
         </a:ln>
-        <a:ln w="12700" cap="flat" cmpd="sng" algn="ctr">
+        <a:ln w="19050" cap="rnd" cmpd="sng" algn="ctr">
           <a:solidFill>
             <a:schemeClr val="phClr"/>
           </a:solidFill>
           <a:prstDash val="solid"/>
-          <a:miter lim="800000"/>
         </a:ln>
-        <a:ln w="19050" cap="flat" cmpd="sng" algn="ctr">
+        <a:ln w="25400" cap="rnd" cmpd="sng" algn="ctr">
           <a:solidFill>
             <a:schemeClr val="phClr"/>
           </a:solidFill>
           <a:prstDash val="solid"/>
-          <a:miter lim="800000"/>
         </a:ln>
       </a:lnStyleLst>
       <a:effectStyleLst>
@@ -5948,54 +9187,72 @@
           <a:effectLst/>
         </a:effectStyle>
         <a:effectStyle>
-          <a:effectLst/>
+          <a:effectLst>
+            <a:outerShdw blurRad="38100" dist="25400" dir="5400000" rotWithShape="0">
+              <a:srgbClr val="000000">
+                <a:alpha val="35000"/>
+              </a:srgbClr>
+            </a:outerShdw>
+          </a:effectLst>
         </a:effectStyle>
         <a:effectStyle>
           <a:effectLst>
-            <a:outerShdw blurRad="57150" dist="19050" dir="5400000" algn="ctr" rotWithShape="0">
+            <a:outerShdw blurRad="50800" dist="38100" dir="5400000" rotWithShape="0">
               <a:srgbClr val="000000">
-                <a:alpha val="63000"/>
+                <a:alpha val="35000"/>
               </a:srgbClr>
             </a:outerShdw>
           </a:effectLst>
+          <a:scene3d>
+            <a:camera prst="orthographicFront">
+              <a:rot lat="0" lon="0" rev="0"/>
+            </a:camera>
+            <a:lightRig rig="threePt" dir="tl"/>
+          </a:scene3d>
+          <a:sp3d prstMaterial="plastic">
+            <a:bevelT w="0" h="0"/>
+          </a:sp3d>
         </a:effectStyle>
       </a:effectStyleLst>
       <a:bgFillStyleLst>
         <a:solidFill>
           <a:schemeClr val="phClr"/>
         </a:solidFill>
-        <a:solidFill>
-          <a:schemeClr val="phClr">
-            <a:tint val="95000"/>
-            <a:satMod val="170000"/>
-          </a:schemeClr>
-        </a:solidFill>
         <a:gradFill rotWithShape="1">
           <a:gsLst>
             <a:gs pos="0">
               <a:schemeClr val="phClr">
-                <a:tint val="93000"/>
-                <a:satMod val="150000"/>
-                <a:shade val="98000"/>
-                <a:lumMod val="102000"/>
+                <a:tint val="90000"/>
+                <a:lumMod val="104000"/>
               </a:schemeClr>
             </a:gs>
-            <a:gs pos="50000">
+            <a:gs pos="94000">
               <a:schemeClr val="phClr">
-                <a:tint val="98000"/>
-                <a:satMod val="130000"/>
-                <a:shade val="90000"/>
-                <a:lumMod val="103000"/>
+                <a:shade val="96000"/>
+                <a:lumMod val="82000"/>
+              </a:schemeClr>
+            </a:gs>
+          </a:gsLst>
+          <a:lin ang="5400000" scaled="0"/>
+        </a:gradFill>
+        <a:gradFill rotWithShape="1">
+          <a:gsLst>
+            <a:gs pos="0">
+              <a:schemeClr val="phClr">
+                <a:tint val="90000"/>
+                <a:lumMod val="110000"/>
               </a:schemeClr>
             </a:gs>
             <a:gs pos="100000">
               <a:schemeClr val="phClr">
-                <a:shade val="63000"/>
-                <a:satMod val="120000"/>
+                <a:shade val="94000"/>
+                <a:lumMod val="96000"/>
               </a:schemeClr>
             </a:gs>
           </a:gsLst>
-          <a:lin ang="5400000" scaled="0"/>
+          <a:path path="circle">
+            <a:fillToRect l="50000" t="50000" r="100000" b="100000"/>
+          </a:path>
         </a:gradFill>
       </a:bgFillStyleLst>
     </a:fmtScheme>
@@ -6004,7 +9261,7 @@
   <a:extraClrSchemeLst/>
   <a:extLst>
     <a:ext uri="{05A4C25C-085E-4340-85A3-A5531E510DB2}">
-      <thm15:themeFamily xmlns:thm15="http://schemas.microsoft.com/office/thememl/2012/main" name="Office Theme" id="{62F939B6-93AF-4DB8-9C6B-D6C7DFDC589F}" vid="{4A3C46E8-61CC-4603-A589-7422A47A8E4A}"/>
+      <thm15:themeFamily xmlns:thm15="http://schemas.microsoft.com/office/thememl/2012/main" name="Facet" id="{C0C680CD-088A-49FC-A102-D699147F32B2}" vid="{0B5AB586-D108-4FC1-8368-649FE654B894}"/>
     </a:ext>
   </a:extLst>
 </a:theme>

--- a/Documents/Presentation.pptx
+++ b/Documents/Presentation.pptx
@@ -825,7 +825,7 @@
             </a:pPr>
             <a:r>
               <a:rPr lang="en-US" dirty="0"/>
-              <a:t>The fourth sprint consisted of creating a NodeJS server to allow data to be stored centrally to allow access from anywhere. A log in and register function were also created to allow the client to communicate with the server to either verify log in credentials or create an account. A client side JavaScript function was also created to allow the user to log in.</a:t>
+              <a:t>The fourth sprint consisted of creating a NodeJS server to allow data to be stored centrally. A log in and register function were also created to allow the client to communicate with the server to either verify log in credentials or create an account. A client side JavaScript function was also created to allow the user to log in.</a:t>
             </a:r>
           </a:p>
         </p:txBody>
@@ -1257,7 +1257,7 @@
             </a:pPr>
             <a:r>
               <a:rPr lang="en-GB" dirty="0"/>
-              <a:t>The first challenge I came across was how to centrally store user data. After researching how to solve this issue, I found that creating a NodeJS server would solve this issue. I then had to research and learn how to use and create this type of server, and how best to communicate between the client and server.</a:t>
+              <a:t>The first challenge I came across was how to centrally store user data. After researching how to solve this issue, I found that creating a NodeJS server would solve this issue. I then had to research and learn how to use and create this type of server, and how best to communicate between the client and server without refreshing the page.</a:t>
             </a:r>
           </a:p>
           <a:p>
@@ -1291,7 +1291,7 @@
             </a:pPr>
             <a:r>
               <a:rPr lang="en-GB" dirty="0"/>
-              <a:t>A third challenge I faced was managing my time when other modules deadlines were approaching, to make sure that my other coursework was completed whilst still trying to complete the sprints on time. This did lead to some delays in sprints being completed.</a:t>
+              <a:t>A third challenge I faced was managing my time when other modules deadlines were approaching, to make sure that my other coursework was completed whilst still trying to complete the sprints on time. This did lead to some delays in sprints being completed, but I made sure these were caught up on.</a:t>
             </a:r>
           </a:p>
         </p:txBody>
@@ -1378,11 +1378,11 @@
           <a:p>
             <a:r>
               <a:rPr lang="en-GB" dirty="0"/>
-              <a:t>This poster was created to outline what the project is, allowing people to see what the project vision is as well as the key features of the application. It also gives people the opportunity to see what is likely to happen to the application in the future by reading the future </a:t>
+              <a:t>This poster was created to outline what the project is, allowing people to see what the project vision is as well as the key features of the application. It also gives people the opportunity to see what is likely to happen to the application in </a:t>
             </a:r>
             <a:r>
               <a:rPr lang="en-GB"/>
-              <a:t>development section.</a:t>
+              <a:t>the future.</a:t>
             </a:r>
             <a:endParaRPr lang="en-GB" dirty="0"/>
           </a:p>

--- a/Documents/Presentation.pptx
+++ b/Documents/Presentation.pptx
@@ -205,7 +205,7 @@
           <a:p>
             <a:fld id="{58A70CE5-E671-484D-828A-A02D8575A20E}" type="datetimeFigureOut">
               <a:rPr lang="en-US" smtClean="0"/>
-              <a:t>5/6/24</a:t>
+              <a:t>5/7/24</a:t>
             </a:fld>
             <a:endParaRPr lang="en-US"/>
           </a:p>
@@ -700,7 +700,7 @@
             </a:pPr>
             <a:r>
               <a:rPr lang="en-US" dirty="0"/>
-              <a:t>In the first sprint, I started by writing an introduction to the project and creating the project vision. I then conducted research on the background of how reminders and calendars have been used in the past, and this dates back thousands of years, emphasizing how important a reminder calendar system can be to people. To finish off this sprint I created some wireframes which laid out how the application should look.</a:t>
+              <a:t>In the first sprint, I started by writing an introduction to the project and creating the project vision. I then conducted research on the background of how reminders and calendars have been used in the past, and this dates back thousands of years, emphasizing how important a reminder calendar system can be. To finish off this sprint I created some wireframes which laid out how the application should look.</a:t>
             </a:r>
           </a:p>
           <a:p>
@@ -825,7 +825,7 @@
             </a:pPr>
             <a:r>
               <a:rPr lang="en-US" dirty="0"/>
-              <a:t>The fourth sprint consisted of creating a NodeJS server to allow data to be stored centrally. A log in and register function were also created to allow the client to communicate with the server to either verify log in credentials or create an account. A client side JavaScript function was also created to allow the user to log in.</a:t>
+              <a:t>The fourth sprint consisted of creating a NodeJS server to allow data to be stored centrally. A log in and register function were also created allowing the user to verify log in credentials. A client side function was also created to allow the user to log in.</a:t>
             </a:r>
           </a:p>
         </p:txBody>
@@ -1058,7 +1058,7 @@
             </a:pPr>
             <a:r>
               <a:rPr lang="en-GB" dirty="0"/>
-              <a:t>In the final sprint, the server-side function for editing reminders was created, as well as completing any delayed tasks and fixing any bugs that had been found.</a:t>
+              <a:t>In the ninth sprint, the server-side function for editing reminders was created, as well as completing any delayed tasks and fixing any bugs that had been found.</a:t>
             </a:r>
           </a:p>
         </p:txBody>
@@ -1257,7 +1257,7 @@
             </a:pPr>
             <a:r>
               <a:rPr lang="en-GB" dirty="0"/>
-              <a:t>The first challenge I came across was how to centrally store user data. After researching how to solve this issue, I found that creating a NodeJS server would solve this issue. I then had to research and learn how to use and create this type of server, and how best to communicate between the client and server without refreshing the page.</a:t>
+              <a:t>The first challenge I came across was how to centrally store user data. After researching how to solve this issue, I found that creating a NodeJS server would solve this issue. I then had to learn how to use this type of server, and how best to communicate between the client and server without refreshing the page.</a:t>
             </a:r>
           </a:p>
           <a:p>
@@ -1274,7 +1274,7 @@
             </a:pPr>
             <a:r>
               <a:rPr lang="en-GB" dirty="0"/>
-              <a:t>Another issue I came across was creating the functions for navigating through the calendar. I wasn’t expecting this to be as challenging as it turned out to be as when navigating backwards and forwards, the dates would not stay lined up with the correct day of the week. This challenge led to this sprint being extended to make sure that these functions operated correctly.</a:t>
+              <a:t>Another issue I came across was creating the functions for navigating through the calendar. I wasn’t expecting this to be as challenging as it turned out to be as when navigating backwards and forwards, the dates would not stay lined up with the correct day of the week. </a:t>
             </a:r>
           </a:p>
           <a:p>
@@ -2169,7 +2169,7 @@
           <a:p>
             <a:fld id="{F518D1B8-B5DD-417F-B912-B4E9A7A5F0F4}" type="datetimeFigureOut">
               <a:rPr lang="en-GB" smtClean="0"/>
-              <a:t>06/05/2024</a:t>
+              <a:t>07/05/2024</a:t>
             </a:fld>
             <a:endParaRPr lang="en-GB"/>
           </a:p>
@@ -2420,7 +2420,7 @@
           <a:p>
             <a:fld id="{F518D1B8-B5DD-417F-B912-B4E9A7A5F0F4}" type="datetimeFigureOut">
               <a:rPr lang="en-GB" smtClean="0"/>
-              <a:t>06/05/2024</a:t>
+              <a:t>07/05/2024</a:t>
             </a:fld>
             <a:endParaRPr lang="en-GB"/>
           </a:p>
@@ -2734,7 +2734,7 @@
           <a:p>
             <a:fld id="{F518D1B8-B5DD-417F-B912-B4E9A7A5F0F4}" type="datetimeFigureOut">
               <a:rPr lang="en-GB" smtClean="0"/>
-              <a:t>06/05/2024</a:t>
+              <a:t>07/05/2024</a:t>
             </a:fld>
             <a:endParaRPr lang="en-GB"/>
           </a:p>
@@ -3067,7 +3067,7 @@
           <a:p>
             <a:fld id="{F518D1B8-B5DD-417F-B912-B4E9A7A5F0F4}" type="datetimeFigureOut">
               <a:rPr lang="en-GB" smtClean="0"/>
-              <a:t>06/05/2024</a:t>
+              <a:t>07/05/2024</a:t>
             </a:fld>
             <a:endParaRPr lang="en-GB"/>
           </a:p>
@@ -3381,7 +3381,7 @@
           <a:p>
             <a:fld id="{F518D1B8-B5DD-417F-B912-B4E9A7A5F0F4}" type="datetimeFigureOut">
               <a:rPr lang="en-GB" smtClean="0"/>
-              <a:t>06/05/2024</a:t>
+              <a:t>07/05/2024</a:t>
             </a:fld>
             <a:endParaRPr lang="en-GB"/>
           </a:p>
@@ -3774,7 +3774,7 @@
           <a:p>
             <a:fld id="{F518D1B8-B5DD-417F-B912-B4E9A7A5F0F4}" type="datetimeFigureOut">
               <a:rPr lang="en-GB" smtClean="0"/>
-              <a:t>06/05/2024</a:t>
+              <a:t>07/05/2024</a:t>
             </a:fld>
             <a:endParaRPr lang="en-GB"/>
           </a:p>
@@ -3944,7 +3944,7 @@
           <a:p>
             <a:fld id="{F518D1B8-B5DD-417F-B912-B4E9A7A5F0F4}" type="datetimeFigureOut">
               <a:rPr lang="en-GB" smtClean="0"/>
-              <a:t>06/05/2024</a:t>
+              <a:t>07/05/2024</a:t>
             </a:fld>
             <a:endParaRPr lang="en-GB"/>
           </a:p>
@@ -4124,7 +4124,7 @@
           <a:p>
             <a:fld id="{F518D1B8-B5DD-417F-B912-B4E9A7A5F0F4}" type="datetimeFigureOut">
               <a:rPr lang="en-GB" smtClean="0"/>
-              <a:t>06/05/2024</a:t>
+              <a:t>07/05/2024</a:t>
             </a:fld>
             <a:endParaRPr lang="en-GB"/>
           </a:p>
@@ -4294,7 +4294,7 @@
           <a:p>
             <a:fld id="{F518D1B8-B5DD-417F-B912-B4E9A7A5F0F4}" type="datetimeFigureOut">
               <a:rPr lang="en-GB" smtClean="0"/>
-              <a:t>06/05/2024</a:t>
+              <a:t>07/05/2024</a:t>
             </a:fld>
             <a:endParaRPr lang="en-GB"/>
           </a:p>
@@ -4541,7 +4541,7 @@
           <a:p>
             <a:fld id="{F518D1B8-B5DD-417F-B912-B4E9A7A5F0F4}" type="datetimeFigureOut">
               <a:rPr lang="en-GB" smtClean="0"/>
-              <a:t>06/05/2024</a:t>
+              <a:t>07/05/2024</a:t>
             </a:fld>
             <a:endParaRPr lang="en-GB"/>
           </a:p>
@@ -4773,7 +4773,7 @@
           <a:p>
             <a:fld id="{F518D1B8-B5DD-417F-B912-B4E9A7A5F0F4}" type="datetimeFigureOut">
               <a:rPr lang="en-GB" smtClean="0"/>
-              <a:t>06/05/2024</a:t>
+              <a:t>07/05/2024</a:t>
             </a:fld>
             <a:endParaRPr lang="en-GB"/>
           </a:p>
@@ -5147,7 +5147,7 @@
           <a:p>
             <a:fld id="{F518D1B8-B5DD-417F-B912-B4E9A7A5F0F4}" type="datetimeFigureOut">
               <a:rPr lang="en-GB" smtClean="0"/>
-              <a:t>06/05/2024</a:t>
+              <a:t>07/05/2024</a:t>
             </a:fld>
             <a:endParaRPr lang="en-GB"/>
           </a:p>
@@ -5270,7 +5270,7 @@
           <a:p>
             <a:fld id="{F518D1B8-B5DD-417F-B912-B4E9A7A5F0F4}" type="datetimeFigureOut">
               <a:rPr lang="en-GB" smtClean="0"/>
-              <a:t>06/05/2024</a:t>
+              <a:t>07/05/2024</a:t>
             </a:fld>
             <a:endParaRPr lang="en-GB"/>
           </a:p>
@@ -5365,7 +5365,7 @@
           <a:p>
             <a:fld id="{F518D1B8-B5DD-417F-B912-B4E9A7A5F0F4}" type="datetimeFigureOut">
               <a:rPr lang="en-GB" smtClean="0"/>
-              <a:t>06/05/2024</a:t>
+              <a:t>07/05/2024</a:t>
             </a:fld>
             <a:endParaRPr lang="en-GB"/>
           </a:p>
@@ -5620,7 +5620,7 @@
           <a:p>
             <a:fld id="{F518D1B8-B5DD-417F-B912-B4E9A7A5F0F4}" type="datetimeFigureOut">
               <a:rPr lang="en-GB" smtClean="0"/>
-              <a:t>06/05/2024</a:t>
+              <a:t>07/05/2024</a:t>
             </a:fld>
             <a:endParaRPr lang="en-GB"/>
           </a:p>
@@ -5925,7 +5925,7 @@
           <a:p>
             <a:fld id="{F518D1B8-B5DD-417F-B912-B4E9A7A5F0F4}" type="datetimeFigureOut">
               <a:rPr lang="en-GB" smtClean="0"/>
-              <a:t>06/05/2024</a:t>
+              <a:t>07/05/2024</a:t>
             </a:fld>
             <a:endParaRPr lang="en-GB"/>
           </a:p>
@@ -6627,7 +6627,7 @@
           <a:p>
             <a:fld id="{F518D1B8-B5DD-417F-B912-B4E9A7A5F0F4}" type="datetimeFigureOut">
               <a:rPr lang="en-GB" smtClean="0"/>
-              <a:t>06/05/2024</a:t>
+              <a:t>07/05/2024</a:t>
             </a:fld>
             <a:endParaRPr lang="en-GB"/>
           </a:p>
